--- a/presentations/03_systems.pptx
+++ b/presentations/03_systems.pptx
@@ -9,25 +9,25 @@
   </p:notesMasterIdLst>
   <p:sldIdLst>
     <p:sldId id="322" r:id="rId2"/>
-    <p:sldId id="297" r:id="rId3"/>
-    <p:sldId id="324" r:id="rId4"/>
-    <p:sldId id="285" r:id="rId5"/>
-    <p:sldId id="298" r:id="rId6"/>
-    <p:sldId id="274" r:id="rId7"/>
-    <p:sldId id="271" r:id="rId8"/>
-    <p:sldId id="299" r:id="rId9"/>
-    <p:sldId id="267" r:id="rId10"/>
-    <p:sldId id="269" r:id="rId11"/>
-    <p:sldId id="286" r:id="rId12"/>
-    <p:sldId id="323" r:id="rId13"/>
-    <p:sldId id="329" r:id="rId14"/>
-    <p:sldId id="328" r:id="rId15"/>
-    <p:sldId id="287" r:id="rId16"/>
-    <p:sldId id="346" r:id="rId17"/>
-    <p:sldId id="325" r:id="rId18"/>
-    <p:sldId id="317" r:id="rId19"/>
-    <p:sldId id="272" r:id="rId20"/>
-    <p:sldId id="327" r:id="rId21"/>
+    <p:sldId id="352" r:id="rId3"/>
+    <p:sldId id="297" r:id="rId4"/>
+    <p:sldId id="324" r:id="rId5"/>
+    <p:sldId id="285" r:id="rId6"/>
+    <p:sldId id="298" r:id="rId7"/>
+    <p:sldId id="274" r:id="rId8"/>
+    <p:sldId id="271" r:id="rId9"/>
+    <p:sldId id="299" r:id="rId10"/>
+    <p:sldId id="267" r:id="rId11"/>
+    <p:sldId id="269" r:id="rId12"/>
+    <p:sldId id="286" r:id="rId13"/>
+    <p:sldId id="323" r:id="rId14"/>
+    <p:sldId id="329" r:id="rId15"/>
+    <p:sldId id="328" r:id="rId16"/>
+    <p:sldId id="287" r:id="rId17"/>
+    <p:sldId id="346" r:id="rId18"/>
+    <p:sldId id="325" r:id="rId19"/>
+    <p:sldId id="317" r:id="rId20"/>
+    <p:sldId id="272" r:id="rId21"/>
   </p:sldIdLst>
   <p:sldSz cx="12192000" cy="6858000"/>
   <p:notesSz cx="6858000" cy="9144000"/>
@@ -227,7 +227,7 @@
           <a:p>
             <a:fld id="{FD93C9B2-20F6-4DB1-B471-224337D0AC79}" type="datetimeFigureOut">
               <a:rPr lang="en-US" smtClean="0"/>
-              <a:t>2/4/2022</a:t>
+              <a:t>8/31/2022</a:t>
             </a:fld>
             <a:endParaRPr lang="en-US"/>
           </a:p>
@@ -630,7 +630,7 @@
           <a:lstStyle/>
           <a:p>
             <a:r>
-              <a:rPr lang="en-US" sz="1200" b="0" i="1" u="none" strike="noStrike" kern="1200" baseline="0" dirty="0">
+              <a:rPr lang="en-US" sz="1200" b="0" i="0" u="none" strike="noStrike" kern="1200" baseline="0" dirty="0">
                 <a:solidFill>
                   <a:schemeClr val="tx1"/>
                 </a:solidFill>
@@ -638,10 +638,10 @@
                 <a:ea typeface="+mn-ea"/>
                 <a:cs typeface="+mn-cs"/>
               </a:rPr>
-              <a:t>Visualization </a:t>
-            </a:r>
-            <a:r>
-              <a:rPr lang="en-US" sz="1200" b="0" i="0" u="none" strike="noStrike" kern="1200" baseline="0" dirty="0">
+              <a:t>… it appears that a </a:t>
+            </a:r>
+            <a:r>
+              <a:rPr lang="en-US" sz="1200" b="0" i="1" u="none" strike="noStrike" kern="1200" baseline="0" dirty="0">
                 <a:solidFill>
                   <a:schemeClr val="tx1"/>
                 </a:solidFill>
@@ -649,7 +649,18 @@
                 <a:ea typeface="+mn-ea"/>
                 <a:cs typeface="+mn-cs"/>
               </a:rPr>
-              <a:t>algorithms are also good examples of unsupervised learning algorithms: you feed them a lot of complex and unlabeled data, and they output a 2D or 3D representation of your data that can easily be plotted.  These algorithms try to preserve as much structure as they can so you can understand how the data is organized.</a:t>
+              <a:t>clustering</a:t>
+            </a:r>
+            <a:r>
+              <a:rPr lang="en-US" sz="1200" b="0" i="0" u="none" strike="noStrike" kern="1200" baseline="0" dirty="0">
+                <a:solidFill>
+                  <a:schemeClr val="tx1"/>
+                </a:solidFill>
+                <a:latin typeface="+mn-lt"/>
+                <a:ea typeface="+mn-ea"/>
+                <a:cs typeface="+mn-cs"/>
+              </a:rPr>
+              <a:t> algorithm has in fact detected those four groups, separated by the dashed lines. At no point did we tell the algorithm which group a visitor belongs to: it finds those connections without our help.  For example, it might find that 40% of the blog’s visitors are males who love comic books and generally read the blog in the evening, while 20% are young sci-fi lovers who visit during the weekend.  Let’s consider another example…</a:t>
             </a:r>
           </a:p>
           <a:p>
@@ -662,110 +673,6 @@
               <a:cs typeface="+mn-cs"/>
             </a:endParaRPr>
           </a:p>
-          <a:p>
-            <a:pPr marL="0" marR="0" lvl="0" indent="0" algn="l" defTabSz="914400" rtl="0" eaLnBrk="1" fontAlgn="auto" latinLnBrk="0" hangingPunct="1">
-              <a:lnSpc>
-                <a:spcPct val="100000"/>
-              </a:lnSpc>
-              <a:spcBef>
-                <a:spcPts val="0"/>
-              </a:spcBef>
-              <a:spcAft>
-                <a:spcPts val="0"/>
-              </a:spcAft>
-              <a:buClrTx/>
-              <a:buSzTx/>
-              <a:buFontTx/>
-              <a:buNone/>
-              <a:tabLst/>
-              <a:defRPr/>
-            </a:pPr>
-            <a:r>
-              <a:rPr lang="en-US" sz="1200" b="0" i="0" u="none" strike="noStrike" kern="1200" baseline="0" dirty="0">
-                <a:solidFill>
-                  <a:schemeClr val="tx1"/>
-                </a:solidFill>
-                <a:latin typeface="+mn-lt"/>
-                <a:ea typeface="+mn-ea"/>
-                <a:cs typeface="+mn-cs"/>
-              </a:rPr>
-              <a:t>Some other examples of unsupervised learning algorithms include:</a:t>
-            </a:r>
-          </a:p>
-          <a:p>
-            <a:endParaRPr lang="en-US" sz="1200" b="0" i="0" u="none" strike="noStrike" kern="1200" baseline="0" dirty="0">
-              <a:solidFill>
-                <a:schemeClr val="tx1"/>
-              </a:solidFill>
-              <a:latin typeface="+mn-lt"/>
-              <a:ea typeface="+mn-ea"/>
-              <a:cs typeface="+mn-cs"/>
-            </a:endParaRPr>
-          </a:p>
-          <a:p>
-            <a:r>
-              <a:rPr lang="en-US" sz="1200" b="0" i="0" u="none" strike="noStrike" kern="1200" baseline="0" dirty="0">
-                <a:solidFill>
-                  <a:schemeClr val="tx1"/>
-                </a:solidFill>
-                <a:latin typeface="+mn-lt"/>
-                <a:ea typeface="+mn-ea"/>
-                <a:cs typeface="+mn-cs"/>
-              </a:rPr>
-              <a:t>• Clustering</a:t>
-            </a:r>
-          </a:p>
-          <a:p>
-            <a:r>
-              <a:rPr lang="en-US" sz="1200" b="0" i="0" u="none" strike="noStrike" kern="1200" baseline="0" dirty="0">
-                <a:solidFill>
-                  <a:schemeClr val="tx1"/>
-                </a:solidFill>
-                <a:latin typeface="+mn-lt"/>
-                <a:ea typeface="+mn-ea"/>
-                <a:cs typeface="+mn-cs"/>
-              </a:rPr>
-              <a:t>• Anomaly detection and novelty detection</a:t>
-            </a:r>
-          </a:p>
-          <a:p>
-            <a:r>
-              <a:rPr lang="en-US" sz="1200" b="0" i="0" u="none" strike="noStrike" kern="1200" baseline="0" dirty="0">
-                <a:solidFill>
-                  <a:schemeClr val="tx1"/>
-                </a:solidFill>
-                <a:latin typeface="+mn-lt"/>
-                <a:ea typeface="+mn-ea"/>
-                <a:cs typeface="+mn-cs"/>
-              </a:rPr>
-              <a:t>• Visualization and dimensionality reduction</a:t>
-            </a:r>
-          </a:p>
-          <a:p>
-            <a:r>
-              <a:rPr lang="en-US" sz="1200" b="0" i="0" u="none" strike="noStrike" kern="1200" baseline="0" dirty="0">
-                <a:solidFill>
-                  <a:schemeClr val="tx1"/>
-                </a:solidFill>
-                <a:latin typeface="+mn-lt"/>
-                <a:ea typeface="+mn-ea"/>
-                <a:cs typeface="+mn-cs"/>
-              </a:rPr>
-              <a:t>• Association rule learning</a:t>
-            </a:r>
-            <a:endParaRPr lang="en-US" sz="1200" b="0" i="0" kern="1200" dirty="0">
-              <a:solidFill>
-                <a:schemeClr val="tx1"/>
-              </a:solidFill>
-              <a:effectLst/>
-              <a:latin typeface="+mn-lt"/>
-              <a:ea typeface="+mn-ea"/>
-              <a:cs typeface="+mn-cs"/>
-            </a:endParaRPr>
-          </a:p>
-          <a:p>
-            <a:endParaRPr lang="en-US" dirty="0"/>
-          </a:p>
         </p:txBody>
       </p:sp>
       <p:sp>
@@ -794,7 +701,7 @@
     </p:spTree>
     <p:extLst>
       <p:ext uri="{BB962C8B-B14F-4D97-AF65-F5344CB8AC3E}">
-        <p14:creationId xmlns:p14="http://schemas.microsoft.com/office/powerpoint/2010/main" val="4024190093"/>
+        <p14:creationId xmlns:p14="http://schemas.microsoft.com/office/powerpoint/2010/main" val="2823922892"/>
       </p:ext>
     </p:extLst>
   </p:cSld>
@@ -857,7 +764,7 @@
                 <a:ea typeface="+mn-ea"/>
                 <a:cs typeface="+mn-cs"/>
               </a:rPr>
-              <a:t>Reinforcement Learning </a:t>
+              <a:t>Visualization </a:t>
             </a:r>
             <a:r>
               <a:rPr lang="en-US" sz="1200" b="0" i="0" u="none" strike="noStrike" kern="1200" baseline="0" dirty="0">
@@ -868,142 +775,8 @@
                 <a:ea typeface="+mn-ea"/>
                 <a:cs typeface="+mn-cs"/>
               </a:rPr>
-              <a:t>is a very different beast. The learning system, called an </a:t>
-            </a:r>
-            <a:r>
-              <a:rPr lang="en-US" sz="1200" b="0" i="1" u="none" strike="noStrike" kern="1200" baseline="0" dirty="0">
-                <a:solidFill>
-                  <a:schemeClr val="tx1"/>
-                </a:solidFill>
-                <a:latin typeface="+mn-lt"/>
-                <a:ea typeface="+mn-ea"/>
-                <a:cs typeface="+mn-cs"/>
-              </a:rPr>
-              <a:t>agent </a:t>
-            </a:r>
-            <a:r>
-              <a:rPr lang="en-US" sz="1200" b="0" i="0" u="none" strike="noStrike" kern="1200" baseline="0" dirty="0">
-                <a:solidFill>
-                  <a:schemeClr val="tx1"/>
-                </a:solidFill>
-                <a:latin typeface="+mn-lt"/>
-                <a:ea typeface="+mn-ea"/>
-                <a:cs typeface="+mn-cs"/>
-              </a:rPr>
-              <a:t>in this context, observes the environment, selects and performs actions, and is then </a:t>
-            </a:r>
-            <a:r>
-              <a:rPr lang="en-US" sz="1200" b="0" i="1" u="none" strike="noStrike" kern="1200" baseline="0" dirty="0">
-                <a:solidFill>
-                  <a:schemeClr val="tx1"/>
-                </a:solidFill>
-                <a:latin typeface="+mn-lt"/>
-                <a:ea typeface="+mn-ea"/>
-                <a:cs typeface="+mn-cs"/>
-              </a:rPr>
-              <a:t>rewarded</a:t>
-            </a:r>
-            <a:r>
-              <a:rPr lang="en-US" sz="1200" b="0" i="0" u="none" strike="noStrike" kern="1200" baseline="0" dirty="0">
-                <a:solidFill>
-                  <a:schemeClr val="tx1"/>
-                </a:solidFill>
-                <a:latin typeface="+mn-lt"/>
-                <a:ea typeface="+mn-ea"/>
-                <a:cs typeface="+mn-cs"/>
-              </a:rPr>
-              <a:t> or </a:t>
-            </a:r>
-            <a:r>
-              <a:rPr lang="en-US" sz="1200" b="0" i="1" u="none" strike="noStrike" kern="1200" baseline="0" dirty="0">
-                <a:solidFill>
-                  <a:schemeClr val="tx1"/>
-                </a:solidFill>
-                <a:latin typeface="+mn-lt"/>
-                <a:ea typeface="+mn-ea"/>
-                <a:cs typeface="+mn-cs"/>
-              </a:rPr>
-              <a:t>penalized</a:t>
-            </a:r>
-            <a:r>
-              <a:rPr lang="en-US" sz="1200" b="0" i="0" u="none" strike="noStrike" kern="1200" baseline="0" dirty="0">
-                <a:solidFill>
-                  <a:schemeClr val="tx1"/>
-                </a:solidFill>
-                <a:latin typeface="+mn-lt"/>
-                <a:ea typeface="+mn-ea"/>
-                <a:cs typeface="+mn-cs"/>
-              </a:rPr>
-              <a:t> for each action.  On its own, the agent must discover the best strategy, called a </a:t>
-            </a:r>
-            <a:r>
-              <a:rPr lang="en-US" sz="1200" b="0" i="1" u="none" strike="noStrike" kern="1200" baseline="0" dirty="0">
-                <a:solidFill>
-                  <a:schemeClr val="tx1"/>
-                </a:solidFill>
-                <a:latin typeface="+mn-lt"/>
-                <a:ea typeface="+mn-ea"/>
-                <a:cs typeface="+mn-cs"/>
-              </a:rPr>
-              <a:t>policy,</a:t>
-            </a:r>
-            <a:r>
-              <a:rPr lang="en-US" sz="1200" b="0" i="0" u="none" strike="noStrike" kern="1200" baseline="0" dirty="0">
-                <a:solidFill>
-                  <a:schemeClr val="tx1"/>
-                </a:solidFill>
-                <a:latin typeface="+mn-lt"/>
-                <a:ea typeface="+mn-ea"/>
-                <a:cs typeface="+mn-cs"/>
-              </a:rPr>
-              <a:t> to get the most reward over time.  A </a:t>
-            </a:r>
-            <a:r>
-              <a:rPr lang="en-US" sz="1200" b="0" i="1" u="none" strike="noStrike" kern="1200" baseline="0" dirty="0">
-                <a:solidFill>
-                  <a:schemeClr val="tx1"/>
-                </a:solidFill>
-                <a:latin typeface="+mn-lt"/>
-                <a:ea typeface="+mn-ea"/>
-                <a:cs typeface="+mn-cs"/>
-              </a:rPr>
-              <a:t>policy</a:t>
-            </a:r>
-            <a:r>
-              <a:rPr lang="en-US" sz="1200" b="0" i="0" u="none" strike="noStrike" kern="1200" baseline="0" dirty="0">
-                <a:solidFill>
-                  <a:schemeClr val="tx1"/>
-                </a:solidFill>
-                <a:latin typeface="+mn-lt"/>
-                <a:ea typeface="+mn-ea"/>
-                <a:cs typeface="+mn-cs"/>
-              </a:rPr>
-              <a:t> defines what action the agent should choose when it is in a particular situation.</a:t>
-            </a:r>
-          </a:p>
-          <a:p>
-            <a:endParaRPr lang="en-US" sz="1200" b="0" i="0" u="none" strike="noStrike" kern="1200" baseline="0" dirty="0">
-              <a:solidFill>
-                <a:schemeClr val="tx1"/>
-              </a:solidFill>
-              <a:latin typeface="+mn-lt"/>
-              <a:ea typeface="+mn-ea"/>
-              <a:cs typeface="+mn-cs"/>
-            </a:endParaRPr>
-          </a:p>
-          <a:p>
-            <a:r>
-              <a:rPr lang="en-US" sz="1200" b="0" i="0" u="none" strike="noStrike" kern="1200" baseline="0" dirty="0">
-                <a:solidFill>
-                  <a:schemeClr val="tx1"/>
-                </a:solidFill>
-                <a:latin typeface="+mn-lt"/>
-                <a:ea typeface="+mn-ea"/>
-                <a:cs typeface="+mn-cs"/>
-              </a:rPr>
-              <a:t>For example, many robots implement Reinforcement Learning algorithms to learn how to walk. DeepMind’s AlphaGo program is also a good example of Reinforcement Learning: it made the headlines in May 2017 when it beat the world champion at the game of Go. It learned its winning policy by analyzing millions of games, and then playing many games against itself.</a:t>
-            </a:r>
-            <a:endParaRPr lang="en-US" dirty="0"/>
+              <a:t>algorithms are also good examples of unsupervised learning algorithms: you feed them a lot of complex and unlabeled data, and they output a 2D or 3D representation of your data that can easily be plotted.  These algorithms try to preserve as much structure as they can so you can understand how the data is organized.</a:t>
+            </a:r>
           </a:p>
           <a:p>
             <a:endParaRPr lang="en-US" sz="1200" b="0" i="0" u="none" strike="noStrike" kern="1200" baseline="0" dirty="0">
@@ -1034,17 +807,90 @@
               <a:defRPr/>
             </a:pPr>
             <a:r>
-              <a:rPr lang="en-US" sz="1200" b="0" i="0" kern="1200" dirty="0">
+              <a:rPr lang="en-US" sz="1200" b="0" i="0" u="none" strike="noStrike" kern="1200" baseline="0" dirty="0">
                 <a:solidFill>
                   <a:schemeClr val="tx1"/>
                 </a:solidFill>
-                <a:effectLst/>
                 <a:latin typeface="+mn-lt"/>
                 <a:ea typeface="+mn-ea"/>
                 <a:cs typeface="+mn-cs"/>
               </a:rPr>
-              <a:t> </a:t>
-            </a:r>
+              <a:t>Some other examples of unsupervised learning algorithms include:</a:t>
+            </a:r>
+          </a:p>
+          <a:p>
+            <a:endParaRPr lang="en-US" sz="1200" b="0" i="0" u="none" strike="noStrike" kern="1200" baseline="0" dirty="0">
+              <a:solidFill>
+                <a:schemeClr val="tx1"/>
+              </a:solidFill>
+              <a:latin typeface="+mn-lt"/>
+              <a:ea typeface="+mn-ea"/>
+              <a:cs typeface="+mn-cs"/>
+            </a:endParaRPr>
+          </a:p>
+          <a:p>
+            <a:r>
+              <a:rPr lang="en-US" sz="1200" b="0" i="0" u="none" strike="noStrike" kern="1200" baseline="0" dirty="0">
+                <a:solidFill>
+                  <a:schemeClr val="tx1"/>
+                </a:solidFill>
+                <a:latin typeface="+mn-lt"/>
+                <a:ea typeface="+mn-ea"/>
+                <a:cs typeface="+mn-cs"/>
+              </a:rPr>
+              <a:t>• Clustering</a:t>
+            </a:r>
+          </a:p>
+          <a:p>
+            <a:r>
+              <a:rPr lang="en-US" sz="1200" b="0" i="0" u="none" strike="noStrike" kern="1200" baseline="0" dirty="0">
+                <a:solidFill>
+                  <a:schemeClr val="tx1"/>
+                </a:solidFill>
+                <a:latin typeface="+mn-lt"/>
+                <a:ea typeface="+mn-ea"/>
+                <a:cs typeface="+mn-cs"/>
+              </a:rPr>
+              <a:t>• Anomaly detection and novelty detection</a:t>
+            </a:r>
+          </a:p>
+          <a:p>
+            <a:r>
+              <a:rPr lang="en-US" sz="1200" b="0" i="0" u="none" strike="noStrike" kern="1200" baseline="0" dirty="0">
+                <a:solidFill>
+                  <a:schemeClr val="tx1"/>
+                </a:solidFill>
+                <a:latin typeface="+mn-lt"/>
+                <a:ea typeface="+mn-ea"/>
+                <a:cs typeface="+mn-cs"/>
+              </a:rPr>
+              <a:t>• Visualization and dimensionality reduction</a:t>
+            </a:r>
+          </a:p>
+          <a:p>
+            <a:r>
+              <a:rPr lang="en-US" sz="1200" b="0" i="0" u="none" strike="noStrike" kern="1200" baseline="0" dirty="0">
+                <a:solidFill>
+                  <a:schemeClr val="tx1"/>
+                </a:solidFill>
+                <a:latin typeface="+mn-lt"/>
+                <a:ea typeface="+mn-ea"/>
+                <a:cs typeface="+mn-cs"/>
+              </a:rPr>
+              <a:t>• Association rule learning</a:t>
+            </a:r>
+            <a:endParaRPr lang="en-US" sz="1200" b="0" i="0" kern="1200" dirty="0">
+              <a:solidFill>
+                <a:schemeClr val="tx1"/>
+              </a:solidFill>
+              <a:effectLst/>
+              <a:latin typeface="+mn-lt"/>
+              <a:ea typeface="+mn-ea"/>
+              <a:cs typeface="+mn-cs"/>
+            </a:endParaRPr>
+          </a:p>
+          <a:p>
+            <a:endParaRPr lang="en-US" dirty="0"/>
           </a:p>
         </p:txBody>
       </p:sp>
@@ -1074,7 +920,7 @@
     </p:spTree>
     <p:extLst>
       <p:ext uri="{BB962C8B-B14F-4D97-AF65-F5344CB8AC3E}">
-        <p14:creationId xmlns:p14="http://schemas.microsoft.com/office/powerpoint/2010/main" val="3813904577"/>
+        <p14:creationId xmlns:p14="http://schemas.microsoft.com/office/powerpoint/2010/main" val="4024190093"/>
       </p:ext>
     </p:extLst>
   </p:cSld>
@@ -1128,47 +974,203 @@
           <a:bodyPr/>
           <a:lstStyle/>
           <a:p>
-            <a:pPr algn="l"/>
-            <a:r>
-              <a:rPr lang="en-US" sz="1800" b="0" i="1" u="none" strike="noStrike" baseline="0" dirty="0">
-                <a:latin typeface="OpenSans-Italic"/>
-              </a:rPr>
-              <a:t>Why Not Unsupervised Learning?</a:t>
-            </a:r>
-          </a:p>
-          <a:p>
-            <a:pPr algn="l"/>
-            <a:r>
-              <a:rPr lang="en-US" sz="1800" b="0" i="0" u="none" strike="noStrike" baseline="0" dirty="0">
-                <a:latin typeface="OpenSans"/>
-              </a:rPr>
-              <a:t>As in the previous example, here, we have a determined output given an input (an image). We do not want to extract unknown patterns in the data.</a:t>
-            </a:r>
-          </a:p>
-          <a:p>
-            <a:pPr algn="l"/>
-            <a:endParaRPr lang="en-US" sz="1800" b="0" i="0" u="none" strike="noStrike" baseline="0" dirty="0">
-              <a:latin typeface="OpenSans"/>
+            <a:r>
+              <a:rPr lang="en-US" sz="1200" b="0" i="1" u="none" strike="noStrike" kern="1200" baseline="0" dirty="0">
+                <a:solidFill>
+                  <a:schemeClr val="tx1"/>
+                </a:solidFill>
+                <a:latin typeface="+mn-lt"/>
+                <a:ea typeface="+mn-ea"/>
+                <a:cs typeface="+mn-cs"/>
+              </a:rPr>
+              <a:t>Reinforcement Learning </a:t>
+            </a:r>
+            <a:r>
+              <a:rPr lang="en-US" sz="1200" b="0" i="0" u="none" strike="noStrike" kern="1200" baseline="0" dirty="0">
+                <a:solidFill>
+                  <a:schemeClr val="tx1"/>
+                </a:solidFill>
+                <a:latin typeface="+mn-lt"/>
+                <a:ea typeface="+mn-ea"/>
+                <a:cs typeface="+mn-cs"/>
+              </a:rPr>
+              <a:t>is a very different beast. The learning system, called an </a:t>
+            </a:r>
+            <a:r>
+              <a:rPr lang="en-US" sz="1200" b="0" i="1" u="none" strike="noStrike" kern="1200" baseline="0" dirty="0">
+                <a:solidFill>
+                  <a:schemeClr val="tx1"/>
+                </a:solidFill>
+                <a:latin typeface="+mn-lt"/>
+                <a:ea typeface="+mn-ea"/>
+                <a:cs typeface="+mn-cs"/>
+              </a:rPr>
+              <a:t>agent </a:t>
+            </a:r>
+            <a:r>
+              <a:rPr lang="en-US" sz="1200" b="0" i="0" u="none" strike="noStrike" kern="1200" baseline="0" dirty="0">
+                <a:solidFill>
+                  <a:schemeClr val="tx1"/>
+                </a:solidFill>
+                <a:latin typeface="+mn-lt"/>
+                <a:ea typeface="+mn-ea"/>
+                <a:cs typeface="+mn-cs"/>
+              </a:rPr>
+              <a:t>in this context, observes the environment, selects and performs actions, and is then </a:t>
+            </a:r>
+            <a:r>
+              <a:rPr lang="en-US" sz="1200" b="0" i="1" u="none" strike="noStrike" kern="1200" baseline="0" dirty="0">
+                <a:solidFill>
+                  <a:schemeClr val="tx1"/>
+                </a:solidFill>
+                <a:latin typeface="+mn-lt"/>
+                <a:ea typeface="+mn-ea"/>
+                <a:cs typeface="+mn-cs"/>
+              </a:rPr>
+              <a:t>rewarded</a:t>
+            </a:r>
+            <a:r>
+              <a:rPr lang="en-US" sz="1200" b="0" i="0" u="none" strike="noStrike" kern="1200" baseline="0" dirty="0">
+                <a:solidFill>
+                  <a:schemeClr val="tx1"/>
+                </a:solidFill>
+                <a:latin typeface="+mn-lt"/>
+                <a:ea typeface="+mn-ea"/>
+                <a:cs typeface="+mn-cs"/>
+              </a:rPr>
+              <a:t> or </a:t>
+            </a:r>
+            <a:r>
+              <a:rPr lang="en-US" sz="1200" b="0" i="1" u="none" strike="noStrike" kern="1200" baseline="0" dirty="0">
+                <a:solidFill>
+                  <a:schemeClr val="tx1"/>
+                </a:solidFill>
+                <a:latin typeface="+mn-lt"/>
+                <a:ea typeface="+mn-ea"/>
+                <a:cs typeface="+mn-cs"/>
+              </a:rPr>
+              <a:t>penalized</a:t>
+            </a:r>
+            <a:r>
+              <a:rPr lang="en-US" sz="1200" b="0" i="0" u="none" strike="noStrike" kern="1200" baseline="0" dirty="0">
+                <a:solidFill>
+                  <a:schemeClr val="tx1"/>
+                </a:solidFill>
+                <a:latin typeface="+mn-lt"/>
+                <a:ea typeface="+mn-ea"/>
+                <a:cs typeface="+mn-cs"/>
+              </a:rPr>
+              <a:t> for each action.  On its own, the agent must discover the best strategy, called a </a:t>
+            </a:r>
+            <a:r>
+              <a:rPr lang="en-US" sz="1200" b="0" i="1" u="none" strike="noStrike" kern="1200" baseline="0" dirty="0">
+                <a:solidFill>
+                  <a:schemeClr val="tx1"/>
+                </a:solidFill>
+                <a:latin typeface="+mn-lt"/>
+                <a:ea typeface="+mn-ea"/>
+                <a:cs typeface="+mn-cs"/>
+              </a:rPr>
+              <a:t>policy,</a:t>
+            </a:r>
+            <a:r>
+              <a:rPr lang="en-US" sz="1200" b="0" i="0" u="none" strike="noStrike" kern="1200" baseline="0" dirty="0">
+                <a:solidFill>
+                  <a:schemeClr val="tx1"/>
+                </a:solidFill>
+                <a:latin typeface="+mn-lt"/>
+                <a:ea typeface="+mn-ea"/>
+                <a:cs typeface="+mn-cs"/>
+              </a:rPr>
+              <a:t> to get the most reward over time.  A </a:t>
+            </a:r>
+            <a:r>
+              <a:rPr lang="en-US" sz="1200" b="0" i="1" u="none" strike="noStrike" kern="1200" baseline="0" dirty="0">
+                <a:solidFill>
+                  <a:schemeClr val="tx1"/>
+                </a:solidFill>
+                <a:latin typeface="+mn-lt"/>
+                <a:ea typeface="+mn-ea"/>
+                <a:cs typeface="+mn-cs"/>
+              </a:rPr>
+              <a:t>policy</a:t>
+            </a:r>
+            <a:r>
+              <a:rPr lang="en-US" sz="1200" b="0" i="0" u="none" strike="noStrike" kern="1200" baseline="0" dirty="0">
+                <a:solidFill>
+                  <a:schemeClr val="tx1"/>
+                </a:solidFill>
+                <a:latin typeface="+mn-lt"/>
+                <a:ea typeface="+mn-ea"/>
+                <a:cs typeface="+mn-cs"/>
+              </a:rPr>
+              <a:t> defines what action the agent should choose when it is in a particular situation.</a:t>
+            </a:r>
+          </a:p>
+          <a:p>
+            <a:endParaRPr lang="en-US" sz="1200" b="0" i="0" u="none" strike="noStrike" kern="1200" baseline="0" dirty="0">
+              <a:solidFill>
+                <a:schemeClr val="tx1"/>
+              </a:solidFill>
+              <a:latin typeface="+mn-lt"/>
+              <a:ea typeface="+mn-ea"/>
+              <a:cs typeface="+mn-cs"/>
             </a:endParaRPr>
           </a:p>
           <a:p>
-            <a:pPr algn="l"/>
-            <a:r>
-              <a:rPr lang="en-US" sz="1800" b="0" i="1" u="none" strike="noStrike" baseline="0" dirty="0">
-                <a:latin typeface="OpenSans-Italic"/>
-              </a:rPr>
-              <a:t>Why Not RL?</a:t>
-            </a:r>
-          </a:p>
-          <a:p>
-            <a:pPr algn="l"/>
-            <a:r>
-              <a:rPr lang="en-US" sz="1800" b="0" i="0" u="none" strike="noStrike" baseline="0" dirty="0">
-                <a:latin typeface="OpenSans"/>
-              </a:rPr>
-              <a:t>Detection and classification are not tasks that are suited to the RL framework. We do not have a set of actions the agent should take to solve a problem. Also, in this case, the sequential structure is absent.</a:t>
+            <a:r>
+              <a:rPr lang="en-US" sz="1200" b="0" i="0" u="none" strike="noStrike" kern="1200" baseline="0" dirty="0">
+                <a:solidFill>
+                  <a:schemeClr val="tx1"/>
+                </a:solidFill>
+                <a:latin typeface="+mn-lt"/>
+                <a:ea typeface="+mn-ea"/>
+                <a:cs typeface="+mn-cs"/>
+              </a:rPr>
+              <a:t>For example, many robots implement Reinforcement Learning algorithms to learn how to walk. DeepMind’s AlphaGo program is also a good example of Reinforcement Learning: it made the headlines in May 2017 when it beat the world champion at the game of Go. It learned its winning policy by analyzing millions of games, and then playing many games against itself.</a:t>
             </a:r>
             <a:endParaRPr lang="en-US" dirty="0"/>
+          </a:p>
+          <a:p>
+            <a:endParaRPr lang="en-US" sz="1200" b="0" i="0" u="none" strike="noStrike" kern="1200" baseline="0" dirty="0">
+              <a:solidFill>
+                <a:schemeClr val="tx1"/>
+              </a:solidFill>
+              <a:latin typeface="+mn-lt"/>
+              <a:ea typeface="+mn-ea"/>
+              <a:cs typeface="+mn-cs"/>
+            </a:endParaRPr>
+          </a:p>
+          <a:p>
+            <a:pPr marL="0" marR="0" lvl="0" indent="0" algn="l" defTabSz="914400" rtl="0" eaLnBrk="1" fontAlgn="auto" latinLnBrk="0" hangingPunct="1">
+              <a:lnSpc>
+                <a:spcPct val="100000"/>
+              </a:lnSpc>
+              <a:spcBef>
+                <a:spcPts val="0"/>
+              </a:spcBef>
+              <a:spcAft>
+                <a:spcPts val="0"/>
+              </a:spcAft>
+              <a:buClrTx/>
+              <a:buSzTx/>
+              <a:buFontTx/>
+              <a:buNone/>
+              <a:tabLst/>
+              <a:defRPr/>
+            </a:pPr>
+            <a:r>
+              <a:rPr lang="en-US" sz="1200" b="0" i="0" kern="1200" dirty="0">
+                <a:solidFill>
+                  <a:schemeClr val="tx1"/>
+                </a:solidFill>
+                <a:effectLst/>
+                <a:latin typeface="+mn-lt"/>
+                <a:ea typeface="+mn-ea"/>
+                <a:cs typeface="+mn-cs"/>
+              </a:rPr>
+              <a:t> </a:t>
+            </a:r>
           </a:p>
         </p:txBody>
       </p:sp>
@@ -1198,7 +1200,7 @@
     </p:spTree>
     <p:extLst>
       <p:ext uri="{BB962C8B-B14F-4D97-AF65-F5344CB8AC3E}">
-        <p14:creationId xmlns:p14="http://schemas.microsoft.com/office/powerpoint/2010/main" val="1180791832"/>
+        <p14:creationId xmlns:p14="http://schemas.microsoft.com/office/powerpoint/2010/main" val="3813904577"/>
       </p:ext>
     </p:extLst>
   </p:cSld>
@@ -1253,6 +1255,45 @@
           <a:lstStyle/>
           <a:p>
             <a:pPr algn="l"/>
+            <a:r>
+              <a:rPr lang="en-US" sz="1800" b="0" i="1" u="none" strike="noStrike" baseline="0" dirty="0">
+                <a:latin typeface="OpenSans-Italic"/>
+              </a:rPr>
+              <a:t>Why Not Unsupervised Learning?</a:t>
+            </a:r>
+          </a:p>
+          <a:p>
+            <a:pPr algn="l"/>
+            <a:r>
+              <a:rPr lang="en-US" sz="1800" b="0" i="0" u="none" strike="noStrike" baseline="0" dirty="0">
+                <a:latin typeface="OpenSans"/>
+              </a:rPr>
+              <a:t>As in the previous example, here, we have a determined output given an input (an image). We do not want to extract unknown patterns in the data.</a:t>
+            </a:r>
+          </a:p>
+          <a:p>
+            <a:pPr algn="l"/>
+            <a:endParaRPr lang="en-US" sz="1800" b="0" i="0" u="none" strike="noStrike" baseline="0" dirty="0">
+              <a:latin typeface="OpenSans"/>
+            </a:endParaRPr>
+          </a:p>
+          <a:p>
+            <a:pPr algn="l"/>
+            <a:r>
+              <a:rPr lang="en-US" sz="1800" b="0" i="1" u="none" strike="noStrike" baseline="0" dirty="0">
+                <a:latin typeface="OpenSans-Italic"/>
+              </a:rPr>
+              <a:t>Why Not RL?</a:t>
+            </a:r>
+          </a:p>
+          <a:p>
+            <a:pPr algn="l"/>
+            <a:r>
+              <a:rPr lang="en-US" sz="1800" b="0" i="0" u="none" strike="noStrike" baseline="0" dirty="0">
+                <a:latin typeface="OpenSans"/>
+              </a:rPr>
+              <a:t>Detection and classification are not tasks that are suited to the RL framework. We do not have a set of actions the agent should take to solve a problem. Also, in this case, the sequential structure is absent.</a:t>
+            </a:r>
             <a:endParaRPr lang="en-US" dirty="0"/>
           </a:p>
         </p:txBody>
@@ -1283,7 +1324,7 @@
     </p:spTree>
     <p:extLst>
       <p:ext uri="{BB962C8B-B14F-4D97-AF65-F5344CB8AC3E}">
-        <p14:creationId xmlns:p14="http://schemas.microsoft.com/office/powerpoint/2010/main" val="1491244757"/>
+        <p14:creationId xmlns:p14="http://schemas.microsoft.com/office/powerpoint/2010/main" val="1180791832"/>
       </p:ext>
     </p:extLst>
   </p:cSld>
@@ -1338,69 +1379,6 @@
           <a:lstStyle/>
           <a:p>
             <a:pPr algn="l"/>
-            <a:r>
-              <a:rPr lang="en-US" sz="1800" b="0" i="0" u="none" strike="noStrike" baseline="0" dirty="0">
-                <a:latin typeface="OpenSans"/>
-              </a:rPr>
-              <a:t>Playing chess can be seen as an RL problem. The program can perceive the current state of the board (for example, the positions and types of pawns), and, based on</a:t>
-            </a:r>
-          </a:p>
-          <a:p>
-            <a:pPr algn="l"/>
-            <a:r>
-              <a:rPr lang="en-US" sz="1800" b="0" i="0" u="none" strike="noStrike" baseline="0" dirty="0">
-                <a:latin typeface="OpenSans"/>
-              </a:rPr>
-              <a:t>that, it should decide which action to take.</a:t>
-            </a:r>
-          </a:p>
-          <a:p>
-            <a:pPr algn="l"/>
-            <a:endParaRPr lang="en-US" sz="1800" b="0" i="0" u="none" strike="noStrike" baseline="0" dirty="0">
-              <a:latin typeface="OpenSans"/>
-            </a:endParaRPr>
-          </a:p>
-          <a:p>
-            <a:pPr algn="l"/>
-            <a:r>
-              <a:rPr lang="en-US" sz="1800" b="0" i="1" u="none" strike="noStrike" baseline="0" dirty="0">
-                <a:latin typeface="OpenSans-Italic"/>
-              </a:rPr>
-              <a:t>Why Not Supervised?</a:t>
-            </a:r>
-          </a:p>
-          <a:p>
-            <a:pPr algn="l"/>
-            <a:r>
-              <a:rPr lang="en-US" sz="1800" b="0" i="0" u="none" strike="noStrike" baseline="0" dirty="0">
-                <a:latin typeface="OpenSans"/>
-              </a:rPr>
-              <a:t>We can think of playing chess as a supervised learning problem, but we would need to have a dataset, and we should incorporate the sequential structure of the game into the supervised learning problem.</a:t>
-            </a:r>
-          </a:p>
-          <a:p>
-            <a:pPr algn="l"/>
-            <a:endParaRPr lang="en-US" sz="1800" b="0" i="0" u="none" strike="noStrike" baseline="0" dirty="0">
-              <a:latin typeface="OpenSans"/>
-            </a:endParaRPr>
-          </a:p>
-          <a:p>
-            <a:pPr algn="l"/>
-            <a:r>
-              <a:rPr lang="en-US" sz="1800" b="0" i="1" u="none" strike="noStrike" baseline="0" dirty="0">
-                <a:latin typeface="OpenSans-Italic"/>
-              </a:rPr>
-              <a:t>Why Not Unsupervised?</a:t>
-            </a:r>
-          </a:p>
-          <a:p>
-            <a:pPr algn="l"/>
-            <a:r>
-              <a:rPr lang="en-US" sz="1800" b="0" i="0" u="none" strike="noStrike" baseline="0" dirty="0">
-                <a:latin typeface="OpenSans"/>
-              </a:rPr>
-              <a:t>Unsupervised learning does not fit this problem as we are not dealing with learning a representation of the data; we have a defined objective, which is winning the game.</a:t>
-            </a:r>
             <a:endParaRPr lang="en-US" dirty="0"/>
           </a:p>
         </p:txBody>
@@ -1431,7 +1409,7 @@
     </p:spTree>
     <p:extLst>
       <p:ext uri="{BB962C8B-B14F-4D97-AF65-F5344CB8AC3E}">
-        <p14:creationId xmlns:p14="http://schemas.microsoft.com/office/powerpoint/2010/main" val="358589541"/>
+        <p14:creationId xmlns:p14="http://schemas.microsoft.com/office/powerpoint/2010/main" val="1491244757"/>
       </p:ext>
     </p:extLst>
   </p:cSld>
@@ -1485,48 +1463,71 @@
           <a:bodyPr/>
           <a:lstStyle/>
           <a:p>
-            <a:r>
-              <a:rPr lang="en-US" sz="1200" b="0" i="0" u="none" strike="noStrike" kern="1200" baseline="0" dirty="0">
-                <a:solidFill>
-                  <a:schemeClr val="tx1"/>
-                </a:solidFill>
-                <a:latin typeface="+mn-lt"/>
-                <a:ea typeface="+mn-ea"/>
-                <a:cs typeface="+mn-cs"/>
-              </a:rPr>
-              <a:t>… and finally, this image summarizes some of the primary ways in which AI is being used today.   I present these applications because background knowledge is key to helping you imagine AI possibilities in your domain.  And it’s the reason why I asked Jim Cusick to provide additional bibliographic support.  Of course, the challenge is to take an application in another area and then modify it, so it works in yours.  I believe this is where a lot of innovation is going to happen in the near future.  </a:t>
-            </a:r>
-          </a:p>
-          <a:p>
-            <a:pPr marL="0" marR="0" lvl="0" indent="0" algn="l" defTabSz="914400" rtl="0" eaLnBrk="1" fontAlgn="auto" latinLnBrk="0" hangingPunct="1">
-              <a:lnSpc>
-                <a:spcPct val="100000"/>
-              </a:lnSpc>
-              <a:spcBef>
-                <a:spcPts val="0"/>
-              </a:spcBef>
-              <a:spcAft>
-                <a:spcPts val="0"/>
-              </a:spcAft>
-              <a:buClrTx/>
-              <a:buSzTx/>
-              <a:buFontTx/>
-              <a:buNone/>
-              <a:tabLst/>
-              <a:defRPr/>
-            </a:pPr>
-            <a:r>
-              <a:rPr lang="en-US" sz="1200" b="0" i="0" kern="1200" dirty="0">
-                <a:solidFill>
-                  <a:schemeClr val="tx1"/>
-                </a:solidFill>
-                <a:effectLst/>
-                <a:latin typeface="+mn-lt"/>
-                <a:ea typeface="+mn-ea"/>
-                <a:cs typeface="+mn-cs"/>
-              </a:rPr>
-              <a:t> </a:t>
-            </a:r>
+            <a:pPr algn="l"/>
+            <a:r>
+              <a:rPr lang="en-US" sz="1800" b="0" i="0" u="none" strike="noStrike" baseline="0" dirty="0">
+                <a:latin typeface="OpenSans"/>
+              </a:rPr>
+              <a:t>Playing chess can be seen as an RL problem. The program can perceive the current state of the board (for example, the positions and types of pawns), and, based on</a:t>
+            </a:r>
+          </a:p>
+          <a:p>
+            <a:pPr algn="l"/>
+            <a:r>
+              <a:rPr lang="en-US" sz="1800" b="0" i="0" u="none" strike="noStrike" baseline="0" dirty="0">
+                <a:latin typeface="OpenSans"/>
+              </a:rPr>
+              <a:t>that, it should decide which action to take.</a:t>
+            </a:r>
+          </a:p>
+          <a:p>
+            <a:pPr algn="l"/>
+            <a:endParaRPr lang="en-US" sz="1800" b="0" i="0" u="none" strike="noStrike" baseline="0" dirty="0">
+              <a:latin typeface="OpenSans"/>
+            </a:endParaRPr>
+          </a:p>
+          <a:p>
+            <a:pPr algn="l"/>
+            <a:r>
+              <a:rPr lang="en-US" sz="1800" b="0" i="1" u="none" strike="noStrike" baseline="0" dirty="0">
+                <a:latin typeface="OpenSans-Italic"/>
+              </a:rPr>
+              <a:t>Why Not Supervised?</a:t>
+            </a:r>
+          </a:p>
+          <a:p>
+            <a:pPr algn="l"/>
+            <a:r>
+              <a:rPr lang="en-US" sz="1800" b="0" i="0" u="none" strike="noStrike" baseline="0" dirty="0">
+                <a:latin typeface="OpenSans"/>
+              </a:rPr>
+              <a:t>We can think of playing chess as a supervised learning problem, but we would need to have a dataset, and we should incorporate the sequential structure of the game into the supervised learning problem.</a:t>
+            </a:r>
+          </a:p>
+          <a:p>
+            <a:pPr algn="l"/>
+            <a:endParaRPr lang="en-US" sz="1800" b="0" i="0" u="none" strike="noStrike" baseline="0" dirty="0">
+              <a:latin typeface="OpenSans"/>
+            </a:endParaRPr>
+          </a:p>
+          <a:p>
+            <a:pPr algn="l"/>
+            <a:r>
+              <a:rPr lang="en-US" sz="1800" b="0" i="1" u="none" strike="noStrike" baseline="0" dirty="0">
+                <a:latin typeface="OpenSans-Italic"/>
+              </a:rPr>
+              <a:t>Why Not Unsupervised?</a:t>
+            </a:r>
+          </a:p>
+          <a:p>
+            <a:pPr algn="l"/>
+            <a:r>
+              <a:rPr lang="en-US" sz="1800" b="0" i="0" u="none" strike="noStrike" baseline="0" dirty="0">
+                <a:latin typeface="OpenSans"/>
+              </a:rPr>
+              <a:t>Unsupervised learning does not fit this problem as we are not dealing with learning a representation of the data; we have a defined objective, which is winning the game.</a:t>
+            </a:r>
+            <a:endParaRPr lang="en-US" dirty="0"/>
           </a:p>
         </p:txBody>
       </p:sp>
@@ -1556,7 +1557,7 @@
     </p:spTree>
     <p:extLst>
       <p:ext uri="{BB962C8B-B14F-4D97-AF65-F5344CB8AC3E}">
-        <p14:creationId xmlns:p14="http://schemas.microsoft.com/office/powerpoint/2010/main" val="2041406944"/>
+        <p14:creationId xmlns:p14="http://schemas.microsoft.com/office/powerpoint/2010/main" val="358589541"/>
       </p:ext>
     </p:extLst>
   </p:cSld>
@@ -1610,25 +1611,48 @@
           <a:bodyPr/>
           <a:lstStyle/>
           <a:p>
-            <a:pPr marL="228600" indent="-228600">
-              <a:buAutoNum type="arabicPeriod"/>
+            <a:r>
+              <a:rPr lang="en-US" sz="1200" b="0" i="0" u="none" strike="noStrike" kern="1200" baseline="0" dirty="0">
+                <a:solidFill>
+                  <a:schemeClr val="tx1"/>
+                </a:solidFill>
+                <a:latin typeface="+mn-lt"/>
+                <a:ea typeface="+mn-ea"/>
+                <a:cs typeface="+mn-cs"/>
+              </a:rPr>
+              <a:t>… and finally, this image summarizes some of the primary ways in which AI is being used today.   I present these applications because background knowledge is key to helping you imagine AI possibilities in your domain.  And it’s the reason why I asked Jim Cusick to provide additional bibliographic support.  Of course, the challenge is to take an application in another area and then modify it, so it works in yours.  I believe this is where a lot of innovation is going to happen in the near future.  </a:t>
+            </a:r>
+          </a:p>
+          <a:p>
+            <a:pPr marL="0" marR="0" lvl="0" indent="0" algn="l" defTabSz="914400" rtl="0" eaLnBrk="1" fontAlgn="auto" latinLnBrk="0" hangingPunct="1">
+              <a:lnSpc>
+                <a:spcPct val="100000"/>
+              </a:lnSpc>
+              <a:spcBef>
+                <a:spcPts val="0"/>
+              </a:spcBef>
+              <a:spcAft>
+                <a:spcPts val="0"/>
+              </a:spcAft>
+              <a:buClrTx/>
+              <a:buSzTx/>
+              <a:buFontTx/>
+              <a:buNone/>
+              <a:tabLst/>
+              <a:defRPr/>
             </a:pPr>
             <a:r>
-              <a:rPr lang="en-US" dirty="0"/>
-              <a:t>Post general questions (entire class) in Chat…</a:t>
-            </a:r>
-          </a:p>
-          <a:p>
-            <a:pPr marL="228600" indent="-228600">
-              <a:buAutoNum type="arabicPeriod"/>
-            </a:pPr>
-            <a:r>
-              <a:rPr lang="en-US" dirty="0"/>
-              <a:t>Discuss specific implementation questions at the Help table during exercise…</a:t>
-            </a:r>
-          </a:p>
-          <a:p>
-            <a:endParaRPr lang="en-US" dirty="0"/>
+              <a:rPr lang="en-US" sz="1200" b="0" i="0" kern="1200" dirty="0">
+                <a:solidFill>
+                  <a:schemeClr val="tx1"/>
+                </a:solidFill>
+                <a:effectLst/>
+                <a:latin typeface="+mn-lt"/>
+                <a:ea typeface="+mn-ea"/>
+                <a:cs typeface="+mn-cs"/>
+              </a:rPr>
+              <a:t> </a:t>
+            </a:r>
           </a:p>
         </p:txBody>
       </p:sp>
@@ -1658,7 +1682,7 @@
     </p:spTree>
     <p:extLst>
       <p:ext uri="{BB962C8B-B14F-4D97-AF65-F5344CB8AC3E}">
-        <p14:creationId xmlns:p14="http://schemas.microsoft.com/office/powerpoint/2010/main" val="851494294"/>
+        <p14:creationId xmlns:p14="http://schemas.microsoft.com/office/powerpoint/2010/main" val="2041406944"/>
       </p:ext>
     </p:extLst>
   </p:cSld>
@@ -1712,6 +1736,24 @@
           <a:bodyPr/>
           <a:lstStyle/>
           <a:p>
+            <a:pPr marL="228600" indent="-228600">
+              <a:buAutoNum type="arabicPeriod"/>
+            </a:pPr>
+            <a:r>
+              <a:rPr lang="en-US" dirty="0"/>
+              <a:t>Post general questions (entire class) in Chat…</a:t>
+            </a:r>
+          </a:p>
+          <a:p>
+            <a:pPr marL="228600" indent="-228600">
+              <a:buAutoNum type="arabicPeriod"/>
+            </a:pPr>
+            <a:r>
+              <a:rPr lang="en-US" dirty="0"/>
+              <a:t>Discuss specific implementation questions at the Help table during exercise…</a:t>
+            </a:r>
+          </a:p>
+          <a:p>
             <a:endParaRPr lang="en-US" dirty="0"/>
           </a:p>
         </p:txBody>
@@ -1742,7 +1784,7 @@
     </p:spTree>
     <p:extLst>
       <p:ext uri="{BB962C8B-B14F-4D97-AF65-F5344CB8AC3E}">
-        <p14:creationId xmlns:p14="http://schemas.microsoft.com/office/powerpoint/2010/main" val="4005406224"/>
+        <p14:creationId xmlns:p14="http://schemas.microsoft.com/office/powerpoint/2010/main" val="851494294"/>
       </p:ext>
     </p:extLst>
   </p:cSld>
@@ -1796,10 +1838,7 @@
           <a:bodyPr/>
           <a:lstStyle/>
           <a:p>
-            <a:r>
-              <a:rPr lang="en-US" dirty="0"/>
-              <a:t>Here are the steps one usually takes in a typical machine learning project.  Note that the entire process is completely dependent on “Lots” of data.  This truth can be stated simply as, “No data. No machine learning.”</a:t>
-            </a:r>
+            <a:endParaRPr lang="en-US" dirty="0"/>
           </a:p>
         </p:txBody>
       </p:sp>
@@ -1829,7 +1868,7 @@
     </p:spTree>
     <p:extLst>
       <p:ext uri="{BB962C8B-B14F-4D97-AF65-F5344CB8AC3E}">
-        <p14:creationId xmlns:p14="http://schemas.microsoft.com/office/powerpoint/2010/main" val="1313138859"/>
+        <p14:creationId xmlns:p14="http://schemas.microsoft.com/office/powerpoint/2010/main" val="4005406224"/>
       </p:ext>
     </p:extLst>
   </p:cSld>
@@ -1884,92 +1923,8 @@
           <a:lstStyle/>
           <a:p>
             <a:r>
-              <a:rPr lang="en-US" sz="1200" b="0" i="0" kern="1200" dirty="0">
-                <a:solidFill>
-                  <a:schemeClr val="tx1"/>
-                </a:solidFill>
-                <a:effectLst/>
-                <a:latin typeface="+mn-lt"/>
-                <a:ea typeface="+mn-ea"/>
-                <a:cs typeface="+mn-cs"/>
-              </a:rPr>
-              <a:t>Semi-supervised learning</a:t>
-            </a:r>
-            <a:r>
-              <a:rPr lang="en-US" sz="1200" b="0" i="1" u="none" strike="noStrike" kern="1200" baseline="0" dirty="0">
-                <a:solidFill>
-                  <a:schemeClr val="tx1"/>
-                </a:solidFill>
-                <a:latin typeface="+mn-lt"/>
-                <a:ea typeface="+mn-ea"/>
-                <a:cs typeface="+mn-cs"/>
-              </a:rPr>
-              <a:t> </a:t>
-            </a:r>
-            <a:r>
-              <a:rPr lang="en-US" sz="1200" b="0" i="0" u="none" strike="noStrike" kern="1200" baseline="0" dirty="0">
-                <a:solidFill>
-                  <a:schemeClr val="tx1"/>
-                </a:solidFill>
-                <a:latin typeface="+mn-lt"/>
-                <a:ea typeface="+mn-ea"/>
-                <a:cs typeface="+mn-cs"/>
-              </a:rPr>
-              <a:t>is a mixture of the previous two learning types, which means it is fed a combination of labeled and unlabeled inputs.  In this image, we see two classes with labeled examples indicated by the green triangles and light-yellow boxes.  The proximity of the unlabeled examples to their labeled counterparts allows the algorithm to divide the data set into two groups, thereby inferring group membership of any new data points.</a:t>
-            </a:r>
-          </a:p>
-          <a:p>
-            <a:endParaRPr lang="en-US" sz="1200" b="0" i="0" u="none" strike="noStrike" kern="1200" baseline="0" dirty="0">
-              <a:solidFill>
-                <a:schemeClr val="tx1"/>
-              </a:solidFill>
-              <a:latin typeface="+mn-lt"/>
-              <a:ea typeface="+mn-ea"/>
-              <a:cs typeface="+mn-cs"/>
-            </a:endParaRPr>
-          </a:p>
-          <a:p>
-            <a:r>
-              <a:rPr lang="en-US" sz="1200" b="0" i="0" u="none" strike="noStrike" kern="1200" baseline="0" dirty="0">
-                <a:solidFill>
-                  <a:schemeClr val="tx1"/>
-                </a:solidFill>
-                <a:latin typeface="+mn-lt"/>
-                <a:ea typeface="+mn-ea"/>
-                <a:cs typeface="+mn-cs"/>
-              </a:rPr>
-              <a:t>Often, you will not have the resources to label every item in a dataset.  And so semi-supervised learning provides a middle way forward, between supervised and unsupervised learning.  Here you only need to label a sub-set of instances while still gaining all of the advantages of a trained model.</a:t>
-            </a:r>
-          </a:p>
-          <a:p>
-            <a:pPr marL="0" marR="0" lvl="0" indent="0" algn="l" defTabSz="914400" rtl="0" eaLnBrk="1" fontAlgn="auto" latinLnBrk="0" hangingPunct="1">
-              <a:lnSpc>
-                <a:spcPct val="100000"/>
-              </a:lnSpc>
-              <a:spcBef>
-                <a:spcPts val="0"/>
-              </a:spcBef>
-              <a:spcAft>
-                <a:spcPts val="0"/>
-              </a:spcAft>
-              <a:buClrTx/>
-              <a:buSzTx/>
-              <a:buFontTx/>
-              <a:buNone/>
-              <a:tabLst/>
-              <a:defRPr/>
-            </a:pPr>
-            <a:r>
-              <a:rPr lang="en-US" sz="1200" b="0" i="0" kern="1200" dirty="0">
-                <a:solidFill>
-                  <a:schemeClr val="tx1"/>
-                </a:solidFill>
-                <a:effectLst/>
-                <a:latin typeface="+mn-lt"/>
-                <a:ea typeface="+mn-ea"/>
-                <a:cs typeface="+mn-cs"/>
-              </a:rPr>
-              <a:t> </a:t>
+              <a:rPr lang="en-US" dirty="0"/>
+              <a:t>Here are the steps one usually takes in a typical machine learning project.  Note that the entire process is completely dependent on “Lots” of data.  This truth can be stated simply as, “No data. No machine learning.”</a:t>
             </a:r>
           </a:p>
         </p:txBody>
@@ -2000,7 +1955,7 @@
     </p:spTree>
     <p:extLst>
       <p:ext uri="{BB962C8B-B14F-4D97-AF65-F5344CB8AC3E}">
-        <p14:creationId xmlns:p14="http://schemas.microsoft.com/office/powerpoint/2010/main" val="3414843891"/>
+        <p14:creationId xmlns:p14="http://schemas.microsoft.com/office/powerpoint/2010/main" val="1313138859"/>
       </p:ext>
     </p:extLst>
   </p:cSld>
@@ -2054,186 +2009,7 @@
           <a:bodyPr/>
           <a:lstStyle/>
           <a:p>
-            <a:pPr marL="0" marR="0" lvl="0" indent="0" algn="l" defTabSz="914400" rtl="0" eaLnBrk="1" fontAlgn="auto" latinLnBrk="0" hangingPunct="1">
-              <a:lnSpc>
-                <a:spcPct val="100000"/>
-              </a:lnSpc>
-              <a:spcBef>
-                <a:spcPts val="0"/>
-              </a:spcBef>
-              <a:spcAft>
-                <a:spcPts val="0"/>
-              </a:spcAft>
-              <a:buClrTx/>
-              <a:buSzTx/>
-              <a:buFontTx/>
-              <a:buNone/>
-              <a:tabLst/>
-              <a:defRPr/>
-            </a:pPr>
-            <a:r>
-              <a:rPr lang="en-US" sz="1200" b="0" i="0" kern="1200" dirty="0">
-                <a:solidFill>
-                  <a:schemeClr val="tx1"/>
-                </a:solidFill>
-                <a:effectLst/>
-                <a:latin typeface="+mn-lt"/>
-                <a:ea typeface="+mn-ea"/>
-                <a:cs typeface="+mn-cs"/>
-              </a:rPr>
-              <a:t>I want to introduce you to the different kinds of A.I. learning systems.  There are three principal types of machine learning systems (supervised, unsupervised, and reinforcement).  </a:t>
-            </a:r>
-          </a:p>
-          <a:p>
-            <a:pPr marL="0" indent="0">
-              <a:buNone/>
-            </a:pPr>
-            <a:endParaRPr lang="en-US" sz="1200" dirty="0">
-              <a:latin typeface="Palatino Linotype" panose="02040502050505030304" pitchFamily="18" charset="0"/>
-            </a:endParaRPr>
-          </a:p>
-          <a:p>
-            <a:pPr marL="228600" indent="-228600">
-              <a:buAutoNum type="arabicPeriod"/>
-            </a:pPr>
-            <a:r>
-              <a:rPr lang="en-US" sz="1200" dirty="0">
-                <a:latin typeface="Palatino Linotype" panose="02040502050505030304" pitchFamily="18" charset="0"/>
-              </a:rPr>
-              <a:t>Supervised Learning is </a:t>
-            </a:r>
-            <a:r>
-              <a:rPr lang="en-US" sz="1200" dirty="0">
-                <a:solidFill>
-                  <a:srgbClr val="80BE63"/>
-                </a:solidFill>
-                <a:latin typeface="Palatino Linotype" panose="02040502050505030304" pitchFamily="18" charset="0"/>
-              </a:rPr>
-              <a:t>Task Driven</a:t>
-            </a:r>
-            <a:r>
-              <a:rPr lang="en-US" sz="1200" dirty="0">
-                <a:solidFill>
-                  <a:srgbClr val="0021A5"/>
-                </a:solidFill>
-                <a:latin typeface="Palatino Linotype" panose="02040502050505030304" pitchFamily="18" charset="0"/>
-              </a:rPr>
-              <a:t> </a:t>
-            </a:r>
-            <a:r>
-              <a:rPr lang="en-US" sz="1200" dirty="0">
-                <a:latin typeface="Palatino Linotype" panose="02040502050505030304" pitchFamily="18" charset="0"/>
-              </a:rPr>
-              <a:t>(Predict next value)</a:t>
-            </a:r>
-          </a:p>
-          <a:p>
-            <a:pPr marL="228600" indent="-228600">
-              <a:buAutoNum type="arabicPeriod"/>
-            </a:pPr>
-            <a:r>
-              <a:rPr lang="en-US" sz="1200" dirty="0">
-                <a:latin typeface="Palatino Linotype" panose="02040502050505030304" pitchFamily="18" charset="0"/>
-              </a:rPr>
-              <a:t>Unsupervised Learning is </a:t>
-            </a:r>
-            <a:r>
-              <a:rPr lang="en-US" sz="1200" dirty="0">
-                <a:solidFill>
-                  <a:srgbClr val="80BE63"/>
-                </a:solidFill>
-                <a:latin typeface="Palatino Linotype" panose="02040502050505030304" pitchFamily="18" charset="0"/>
-              </a:rPr>
-              <a:t>Data Driven</a:t>
-            </a:r>
-            <a:r>
-              <a:rPr lang="en-US" sz="1200" dirty="0">
-                <a:solidFill>
-                  <a:srgbClr val="0021A5"/>
-                </a:solidFill>
-                <a:latin typeface="Palatino Linotype" panose="02040502050505030304" pitchFamily="18" charset="0"/>
-              </a:rPr>
-              <a:t> </a:t>
-            </a:r>
-            <a:r>
-              <a:rPr lang="en-US" sz="1200" dirty="0">
-                <a:latin typeface="Palatino Linotype" panose="02040502050505030304" pitchFamily="18" charset="0"/>
-              </a:rPr>
-              <a:t>(Identify Clusters)</a:t>
-            </a:r>
-          </a:p>
-          <a:p>
-            <a:pPr marL="228600" indent="-228600">
-              <a:buAutoNum type="arabicPeriod"/>
-            </a:pPr>
-            <a:r>
-              <a:rPr lang="en-US" sz="1200" dirty="0">
-                <a:latin typeface="Palatino Linotype" panose="02040502050505030304" pitchFamily="18" charset="0"/>
-              </a:rPr>
-              <a:t>Reinforcement Learning is </a:t>
-            </a:r>
-            <a:r>
-              <a:rPr lang="en-US" sz="1200" dirty="0">
-                <a:solidFill>
-                  <a:srgbClr val="80BE63"/>
-                </a:solidFill>
-                <a:latin typeface="Palatino Linotype" panose="02040502050505030304" pitchFamily="18" charset="0"/>
-              </a:rPr>
-              <a:t>Experience Driven </a:t>
-            </a:r>
-            <a:r>
-              <a:rPr lang="en-US" sz="1200" dirty="0">
-                <a:latin typeface="Palatino Linotype" panose="02040502050505030304" pitchFamily="18" charset="0"/>
-              </a:rPr>
-              <a:t>(Learn from Mistakes)</a:t>
-            </a:r>
-          </a:p>
-          <a:p>
-            <a:endParaRPr lang="en-US" sz="1200" b="0" i="0" kern="1200" dirty="0">
-              <a:solidFill>
-                <a:schemeClr val="tx1"/>
-              </a:solidFill>
-              <a:effectLst/>
-              <a:latin typeface="+mn-lt"/>
-              <a:ea typeface="+mn-ea"/>
-              <a:cs typeface="+mn-cs"/>
-            </a:endParaRPr>
-          </a:p>
-          <a:p>
-            <a:r>
-              <a:rPr lang="en-US" sz="1200" b="0" i="0" kern="1200" dirty="0">
-                <a:solidFill>
-                  <a:schemeClr val="tx1"/>
-                </a:solidFill>
-                <a:effectLst/>
-                <a:latin typeface="+mn-lt"/>
-                <a:ea typeface="+mn-ea"/>
-                <a:cs typeface="+mn-cs"/>
-              </a:rPr>
-              <a:t>Let’s dive into the details…</a:t>
-            </a:r>
-          </a:p>
-          <a:p>
-            <a:endParaRPr lang="en-US" sz="1200" b="0" i="0" kern="1200" dirty="0">
-              <a:solidFill>
-                <a:schemeClr val="tx1"/>
-              </a:solidFill>
-              <a:effectLst/>
-              <a:latin typeface="+mn-lt"/>
-              <a:ea typeface="+mn-ea"/>
-              <a:cs typeface="+mn-cs"/>
-            </a:endParaRPr>
-          </a:p>
-          <a:p>
-            <a:endParaRPr lang="en-US" sz="1200" b="0" i="0" kern="1200" dirty="0">
-              <a:solidFill>
-                <a:schemeClr val="tx1"/>
-              </a:solidFill>
-              <a:effectLst/>
-              <a:latin typeface="+mn-lt"/>
-              <a:ea typeface="+mn-ea"/>
-              <a:cs typeface="+mn-cs"/>
-            </a:endParaRPr>
+            <a:endParaRPr lang="en-US" dirty="0"/>
           </a:p>
         </p:txBody>
       </p:sp>
@@ -2263,7 +2039,7 @@
     </p:spTree>
     <p:extLst>
       <p:ext uri="{BB962C8B-B14F-4D97-AF65-F5344CB8AC3E}">
-        <p14:creationId xmlns:p14="http://schemas.microsoft.com/office/powerpoint/2010/main" val="2830584034"/>
+        <p14:creationId xmlns:p14="http://schemas.microsoft.com/office/powerpoint/2010/main" val="3642934776"/>
       </p:ext>
     </p:extLst>
   </p:cSld>
@@ -2317,7 +2093,94 @@
           <a:bodyPr/>
           <a:lstStyle/>
           <a:p>
-            <a:endParaRPr lang="en-US" dirty="0"/>
+            <a:r>
+              <a:rPr lang="en-US" sz="1200" b="0" i="0" kern="1200" dirty="0">
+                <a:solidFill>
+                  <a:schemeClr val="tx1"/>
+                </a:solidFill>
+                <a:effectLst/>
+                <a:latin typeface="+mn-lt"/>
+                <a:ea typeface="+mn-ea"/>
+                <a:cs typeface="+mn-cs"/>
+              </a:rPr>
+              <a:t>Semi-supervised learning</a:t>
+            </a:r>
+            <a:r>
+              <a:rPr lang="en-US" sz="1200" b="0" i="1" u="none" strike="noStrike" kern="1200" baseline="0" dirty="0">
+                <a:solidFill>
+                  <a:schemeClr val="tx1"/>
+                </a:solidFill>
+                <a:latin typeface="+mn-lt"/>
+                <a:ea typeface="+mn-ea"/>
+                <a:cs typeface="+mn-cs"/>
+              </a:rPr>
+              <a:t> </a:t>
+            </a:r>
+            <a:r>
+              <a:rPr lang="en-US" sz="1200" b="0" i="0" u="none" strike="noStrike" kern="1200" baseline="0" dirty="0">
+                <a:solidFill>
+                  <a:schemeClr val="tx1"/>
+                </a:solidFill>
+                <a:latin typeface="+mn-lt"/>
+                <a:ea typeface="+mn-ea"/>
+                <a:cs typeface="+mn-cs"/>
+              </a:rPr>
+              <a:t>is a mixture of the previous two learning types, which means it is fed a combination of labeled and unlabeled inputs.  In this image, we see two classes with labeled examples indicated by the green triangles and light-yellow boxes.  The proximity of the unlabeled examples to their labeled counterparts allows the algorithm to divide the data set into two groups, thereby inferring group membership of any new data points.</a:t>
+            </a:r>
+          </a:p>
+          <a:p>
+            <a:endParaRPr lang="en-US" sz="1200" b="0" i="0" u="none" strike="noStrike" kern="1200" baseline="0" dirty="0">
+              <a:solidFill>
+                <a:schemeClr val="tx1"/>
+              </a:solidFill>
+              <a:latin typeface="+mn-lt"/>
+              <a:ea typeface="+mn-ea"/>
+              <a:cs typeface="+mn-cs"/>
+            </a:endParaRPr>
+          </a:p>
+          <a:p>
+            <a:r>
+              <a:rPr lang="en-US" sz="1200" b="0" i="0" u="none" strike="noStrike" kern="1200" baseline="0" dirty="0">
+                <a:solidFill>
+                  <a:schemeClr val="tx1"/>
+                </a:solidFill>
+                <a:latin typeface="+mn-lt"/>
+                <a:ea typeface="+mn-ea"/>
+                <a:cs typeface="+mn-cs"/>
+              </a:rPr>
+              <a:t>Often, you will not have the resources to label every item in a dataset.  And so semi-supervised learning provides a middle way forward, between supervised and unsupervised learning.  Here you only need to label a sub-set of instances while still gaining all of the advantages of a trained model.</a:t>
+            </a:r>
+          </a:p>
+          <a:p>
+            <a:pPr marL="0" marR="0" lvl="0" indent="0" algn="l" defTabSz="914400" rtl="0" eaLnBrk="1" fontAlgn="auto" latinLnBrk="0" hangingPunct="1">
+              <a:lnSpc>
+                <a:spcPct val="100000"/>
+              </a:lnSpc>
+              <a:spcBef>
+                <a:spcPts val="0"/>
+              </a:spcBef>
+              <a:spcAft>
+                <a:spcPts val="0"/>
+              </a:spcAft>
+              <a:buClrTx/>
+              <a:buSzTx/>
+              <a:buFontTx/>
+              <a:buNone/>
+              <a:tabLst/>
+              <a:defRPr/>
+            </a:pPr>
+            <a:r>
+              <a:rPr lang="en-US" sz="1200" b="0" i="0" kern="1200" dirty="0">
+                <a:solidFill>
+                  <a:schemeClr val="tx1"/>
+                </a:solidFill>
+                <a:effectLst/>
+                <a:latin typeface="+mn-lt"/>
+                <a:ea typeface="+mn-ea"/>
+                <a:cs typeface="+mn-cs"/>
+              </a:rPr>
+              <a:t> </a:t>
+            </a:r>
           </a:p>
         </p:txBody>
       </p:sp>
@@ -2347,7 +2210,7 @@
     </p:spTree>
     <p:extLst>
       <p:ext uri="{BB962C8B-B14F-4D97-AF65-F5344CB8AC3E}">
-        <p14:creationId xmlns:p14="http://schemas.microsoft.com/office/powerpoint/2010/main" val="225184568"/>
+        <p14:creationId xmlns:p14="http://schemas.microsoft.com/office/powerpoint/2010/main" val="3414843891"/>
       </p:ext>
     </p:extLst>
   </p:cSld>
@@ -2401,38 +2264,186 @@
           <a:bodyPr/>
           <a:lstStyle/>
           <a:p>
-            <a:pPr marL="0" indent="0" algn="l">
+            <a:pPr marL="0" marR="0" lvl="0" indent="0" algn="l" defTabSz="914400" rtl="0" eaLnBrk="1" fontAlgn="auto" latinLnBrk="0" hangingPunct="1">
+              <a:lnSpc>
+                <a:spcPct val="100000"/>
+              </a:lnSpc>
+              <a:spcBef>
+                <a:spcPts val="0"/>
+              </a:spcBef>
+              <a:spcAft>
+                <a:spcPts val="0"/>
+              </a:spcAft>
+              <a:buClrTx/>
+              <a:buSzTx/>
+              <a:buFontTx/>
+              <a:buNone/>
+              <a:tabLst/>
+              <a:defRPr/>
+            </a:pPr>
+            <a:r>
+              <a:rPr lang="en-US" sz="1200" b="0" i="0" kern="1200" dirty="0">
+                <a:solidFill>
+                  <a:schemeClr val="tx1"/>
+                </a:solidFill>
+                <a:effectLst/>
+                <a:latin typeface="+mn-lt"/>
+                <a:ea typeface="+mn-ea"/>
+                <a:cs typeface="+mn-cs"/>
+              </a:rPr>
+              <a:t>I want to introduce you to the different kinds of A.I. learning systems.  There are three principal types of machine learning systems (supervised, unsupervised, and reinforcement).  </a:t>
+            </a:r>
+          </a:p>
+          <a:p>
+            <a:pPr marL="0" indent="0">
               <a:buNone/>
             </a:pPr>
-            <a:r>
-              <a:rPr lang="en-US" sz="1800" b="0" i="0" u="none" strike="noStrike" baseline="0" dirty="0">
-                <a:latin typeface="OpenSans"/>
-              </a:rPr>
-              <a:t>1. Supervised learning minimizes the error of the output of the model with respect to a target (label) specified in the training set.</a:t>
-            </a:r>
-          </a:p>
-          <a:p>
-            <a:pPr marL="0" indent="0" algn="l">
-              <a:buNone/>
+            <a:endParaRPr lang="en-US" sz="1200" dirty="0">
+              <a:latin typeface="Palatino Linotype" panose="02040502050505030304" pitchFamily="18" charset="0"/>
+            </a:endParaRPr>
+          </a:p>
+          <a:p>
+            <a:pPr marL="228600" indent="-228600">
+              <a:buAutoNum type="arabicPeriod"/>
             </a:pPr>
             <a:r>
-              <a:rPr lang="en-US" sz="1800" b="0" i="0" u="none" strike="noStrike" baseline="0" dirty="0">
-                <a:latin typeface="OpenSans"/>
-              </a:rPr>
-              <a:t>2. Reinforcement Learning maximizes the reward signal of the actions.</a:t>
-            </a:r>
-          </a:p>
-          <a:p>
-            <a:pPr marL="0" indent="0" algn="l">
-              <a:buNone/>
+              <a:rPr lang="en-US" sz="1200" dirty="0">
+                <a:latin typeface="Palatino Linotype" panose="02040502050505030304" pitchFamily="18" charset="0"/>
+              </a:rPr>
+              <a:t>Supervised Learning is </a:t>
+            </a:r>
+            <a:r>
+              <a:rPr lang="en-US" sz="1200" dirty="0">
+                <a:solidFill>
+                  <a:srgbClr val="80BE63"/>
+                </a:solidFill>
+                <a:latin typeface="Palatino Linotype" panose="02040502050505030304" pitchFamily="18" charset="0"/>
+              </a:rPr>
+              <a:t>Task Driven</a:t>
+            </a:r>
+            <a:r>
+              <a:rPr lang="en-US" sz="1200" dirty="0">
+                <a:solidFill>
+                  <a:srgbClr val="0021A5"/>
+                </a:solidFill>
+                <a:latin typeface="Palatino Linotype" panose="02040502050505030304" pitchFamily="18" charset="0"/>
+              </a:rPr>
+              <a:t> </a:t>
+            </a:r>
+            <a:r>
+              <a:rPr lang="en-US" sz="1200" dirty="0">
+                <a:latin typeface="Palatino Linotype" panose="02040502050505030304" pitchFamily="18" charset="0"/>
+              </a:rPr>
+              <a:t>(Predict next value)</a:t>
+            </a:r>
+          </a:p>
+          <a:p>
+            <a:pPr marL="228600" indent="-228600">
+              <a:buAutoNum type="arabicPeriod"/>
             </a:pPr>
             <a:r>
-              <a:rPr lang="en-US" sz="1800" b="0" i="0" u="none" strike="noStrike" baseline="0" dirty="0">
-                <a:latin typeface="OpenSans"/>
-              </a:rPr>
-              <a:t>3. Unsupervised learning has no target and no reward; it tries to learn a data representation that can be useful.</a:t>
-            </a:r>
-            <a:endParaRPr lang="en-US" dirty="0"/>
+              <a:rPr lang="en-US" sz="1200" dirty="0">
+                <a:latin typeface="Palatino Linotype" panose="02040502050505030304" pitchFamily="18" charset="0"/>
+              </a:rPr>
+              <a:t>Unsupervised Learning is </a:t>
+            </a:r>
+            <a:r>
+              <a:rPr lang="en-US" sz="1200" dirty="0">
+                <a:solidFill>
+                  <a:srgbClr val="80BE63"/>
+                </a:solidFill>
+                <a:latin typeface="Palatino Linotype" panose="02040502050505030304" pitchFamily="18" charset="0"/>
+              </a:rPr>
+              <a:t>Data Driven</a:t>
+            </a:r>
+            <a:r>
+              <a:rPr lang="en-US" sz="1200" dirty="0">
+                <a:solidFill>
+                  <a:srgbClr val="0021A5"/>
+                </a:solidFill>
+                <a:latin typeface="Palatino Linotype" panose="02040502050505030304" pitchFamily="18" charset="0"/>
+              </a:rPr>
+              <a:t> </a:t>
+            </a:r>
+            <a:r>
+              <a:rPr lang="en-US" sz="1200" dirty="0">
+                <a:latin typeface="Palatino Linotype" panose="02040502050505030304" pitchFamily="18" charset="0"/>
+              </a:rPr>
+              <a:t>(Identify Clusters)</a:t>
+            </a:r>
+          </a:p>
+          <a:p>
+            <a:pPr marL="228600" indent="-228600">
+              <a:buAutoNum type="arabicPeriod"/>
+            </a:pPr>
+            <a:r>
+              <a:rPr lang="en-US" sz="1200" dirty="0">
+                <a:latin typeface="Palatino Linotype" panose="02040502050505030304" pitchFamily="18" charset="0"/>
+              </a:rPr>
+              <a:t>Reinforcement Learning is </a:t>
+            </a:r>
+            <a:r>
+              <a:rPr lang="en-US" sz="1200" dirty="0">
+                <a:solidFill>
+                  <a:srgbClr val="80BE63"/>
+                </a:solidFill>
+                <a:latin typeface="Palatino Linotype" panose="02040502050505030304" pitchFamily="18" charset="0"/>
+              </a:rPr>
+              <a:t>Experience Driven </a:t>
+            </a:r>
+            <a:r>
+              <a:rPr lang="en-US" sz="1200" dirty="0">
+                <a:latin typeface="Palatino Linotype" panose="02040502050505030304" pitchFamily="18" charset="0"/>
+              </a:rPr>
+              <a:t>(Learn from Mistakes)</a:t>
+            </a:r>
+          </a:p>
+          <a:p>
+            <a:endParaRPr lang="en-US" sz="1200" b="0" i="0" kern="1200" dirty="0">
+              <a:solidFill>
+                <a:schemeClr val="tx1"/>
+              </a:solidFill>
+              <a:effectLst/>
+              <a:latin typeface="+mn-lt"/>
+              <a:ea typeface="+mn-ea"/>
+              <a:cs typeface="+mn-cs"/>
+            </a:endParaRPr>
+          </a:p>
+          <a:p>
+            <a:r>
+              <a:rPr lang="en-US" sz="1200" b="0" i="0" kern="1200" dirty="0">
+                <a:solidFill>
+                  <a:schemeClr val="tx1"/>
+                </a:solidFill>
+                <a:effectLst/>
+                <a:latin typeface="+mn-lt"/>
+                <a:ea typeface="+mn-ea"/>
+                <a:cs typeface="+mn-cs"/>
+              </a:rPr>
+              <a:t>Let’s dive into the details…</a:t>
+            </a:r>
+          </a:p>
+          <a:p>
+            <a:endParaRPr lang="en-US" sz="1200" b="0" i="0" kern="1200" dirty="0">
+              <a:solidFill>
+                <a:schemeClr val="tx1"/>
+              </a:solidFill>
+              <a:effectLst/>
+              <a:latin typeface="+mn-lt"/>
+              <a:ea typeface="+mn-ea"/>
+              <a:cs typeface="+mn-cs"/>
+            </a:endParaRPr>
+          </a:p>
+          <a:p>
+            <a:endParaRPr lang="en-US" sz="1200" b="0" i="0" kern="1200" dirty="0">
+              <a:solidFill>
+                <a:schemeClr val="tx1"/>
+              </a:solidFill>
+              <a:effectLst/>
+              <a:latin typeface="+mn-lt"/>
+              <a:ea typeface="+mn-ea"/>
+              <a:cs typeface="+mn-cs"/>
+            </a:endParaRPr>
           </a:p>
         </p:txBody>
       </p:sp>
@@ -2462,7 +2473,7 @@
     </p:spTree>
     <p:extLst>
       <p:ext uri="{BB962C8B-B14F-4D97-AF65-F5344CB8AC3E}">
-        <p14:creationId xmlns:p14="http://schemas.microsoft.com/office/powerpoint/2010/main" val="2887563307"/>
+        <p14:creationId xmlns:p14="http://schemas.microsoft.com/office/powerpoint/2010/main" val="2830584034"/>
       </p:ext>
     </p:extLst>
   </p:cSld>
@@ -2516,6 +2527,121 @@
           <a:bodyPr/>
           <a:lstStyle/>
           <a:p>
+            <a:pPr marL="0" indent="0" algn="l">
+              <a:buNone/>
+            </a:pPr>
+            <a:r>
+              <a:rPr lang="en-US" sz="1800" b="0" i="0" u="none" strike="noStrike" baseline="0" dirty="0">
+                <a:latin typeface="OpenSans"/>
+              </a:rPr>
+              <a:t>1. Supervised learning minimizes the error of the output of the model with respect to a target (label) specified in the training set.</a:t>
+            </a:r>
+          </a:p>
+          <a:p>
+            <a:pPr marL="0" indent="0" algn="l">
+              <a:buNone/>
+            </a:pPr>
+            <a:r>
+              <a:rPr lang="en-US" sz="1800" b="0" i="0" u="none" strike="noStrike" baseline="0" dirty="0">
+                <a:latin typeface="OpenSans"/>
+              </a:rPr>
+              <a:t>2. Reinforcement Learning maximizes the reward signal of the actions.</a:t>
+            </a:r>
+          </a:p>
+          <a:p>
+            <a:pPr marL="0" indent="0" algn="l">
+              <a:buNone/>
+            </a:pPr>
+            <a:r>
+              <a:rPr lang="en-US" sz="1800" b="0" i="0" u="none" strike="noStrike" baseline="0" dirty="0">
+                <a:latin typeface="OpenSans"/>
+              </a:rPr>
+              <a:t>3. Unsupervised learning has no target and no reward; it tries to learn a data representation that can be useful.</a:t>
+            </a:r>
+            <a:endParaRPr lang="en-US" dirty="0"/>
+          </a:p>
+        </p:txBody>
+      </p:sp>
+      <p:sp>
+        <p:nvSpPr>
+          <p:cNvPr id="4" name="Slide Number Placeholder 3"/>
+          <p:cNvSpPr>
+            <a:spLocks noGrp="1"/>
+          </p:cNvSpPr>
+          <p:nvPr>
+            <p:ph type="sldNum" sz="quarter" idx="5"/>
+          </p:nvPr>
+        </p:nvSpPr>
+        <p:spPr/>
+        <p:txBody>
+          <a:bodyPr/>
+          <a:lstStyle/>
+          <a:p>
+            <a:fld id="{3148858F-F1DB-4027-9C85-CCA6849540DD}" type="slidenum">
+              <a:rPr lang="en-US" smtClean="0"/>
+              <a:t>4</a:t>
+            </a:fld>
+            <a:endParaRPr lang="en-US"/>
+          </a:p>
+        </p:txBody>
+      </p:sp>
+    </p:spTree>
+    <p:extLst>
+      <p:ext uri="{BB962C8B-B14F-4D97-AF65-F5344CB8AC3E}">
+        <p14:creationId xmlns:p14="http://schemas.microsoft.com/office/powerpoint/2010/main" val="2887563307"/>
+      </p:ext>
+    </p:extLst>
+  </p:cSld>
+  <p:clrMapOvr>
+    <a:masterClrMapping/>
+  </p:clrMapOvr>
+</p:notes>
+</file>
+
+<file path=ppt/notesSlides/notesSlide5.xml><?xml version="1.0" encoding="utf-8"?>
+<p:notes xmlns:a="http://schemas.openxmlformats.org/drawingml/2006/main" xmlns:r="http://schemas.openxmlformats.org/officeDocument/2006/relationships" xmlns:p="http://schemas.openxmlformats.org/presentationml/2006/main">
+  <p:cSld>
+    <p:spTree>
+      <p:nvGrpSpPr>
+        <p:cNvPr id="1" name=""/>
+        <p:cNvGrpSpPr/>
+        <p:nvPr/>
+      </p:nvGrpSpPr>
+      <p:grpSpPr>
+        <a:xfrm>
+          <a:off x="0" y="0"/>
+          <a:ext cx="0" cy="0"/>
+          <a:chOff x="0" y="0"/>
+          <a:chExt cx="0" cy="0"/>
+        </a:xfrm>
+      </p:grpSpPr>
+      <p:sp>
+        <p:nvSpPr>
+          <p:cNvPr id="2" name="Slide Image Placeholder 1"/>
+          <p:cNvSpPr>
+            <a:spLocks noGrp="1" noRot="1" noChangeAspect="1"/>
+          </p:cNvSpPr>
+          <p:nvPr>
+            <p:ph type="sldImg"/>
+          </p:nvPr>
+        </p:nvSpPr>
+        <p:spPr/>
+      </p:sp>
+      <p:sp>
+        <p:nvSpPr>
+          <p:cNvPr id="3" name="Notes Placeholder 2"/>
+          <p:cNvSpPr>
+            <a:spLocks noGrp="1"/>
+          </p:cNvSpPr>
+          <p:nvPr>
+            <p:ph type="body" idx="1"/>
+          </p:nvPr>
+        </p:nvSpPr>
+        <p:spPr/>
+        <p:txBody>
+          <a:bodyPr/>
+          <a:lstStyle/>
+          <a:p>
             <a:pPr marL="0" marR="0" lvl="0" indent="0" algn="l" defTabSz="914400" rtl="0" eaLnBrk="1" fontAlgn="auto" latinLnBrk="0" hangingPunct="1">
               <a:lnSpc>
                 <a:spcPct val="100000"/>
@@ -2711,7 +2837,7 @@
           <a:p>
             <a:fld id="{3148858F-F1DB-4027-9C85-CCA6849540DD}" type="slidenum">
               <a:rPr lang="en-US" smtClean="0"/>
-              <a:t>4</a:t>
+              <a:t>5</a:t>
             </a:fld>
             <a:endParaRPr lang="en-US"/>
           </a:p>
@@ -2721,153 +2847,6 @@
     <p:extLst>
       <p:ext uri="{BB962C8B-B14F-4D97-AF65-F5344CB8AC3E}">
         <p14:creationId xmlns:p14="http://schemas.microsoft.com/office/powerpoint/2010/main" val="471665249"/>
-      </p:ext>
-    </p:extLst>
-  </p:cSld>
-  <p:clrMapOvr>
-    <a:masterClrMapping/>
-  </p:clrMapOvr>
-</p:notes>
-</file>
-
-<file path=ppt/notesSlides/notesSlide5.xml><?xml version="1.0" encoding="utf-8"?>
-<p:notes xmlns:a="http://schemas.openxmlformats.org/drawingml/2006/main" xmlns:r="http://schemas.openxmlformats.org/officeDocument/2006/relationships" xmlns:p="http://schemas.openxmlformats.org/presentationml/2006/main">
-  <p:cSld>
-    <p:spTree>
-      <p:nvGrpSpPr>
-        <p:cNvPr id="1" name=""/>
-        <p:cNvGrpSpPr/>
-        <p:nvPr/>
-      </p:nvGrpSpPr>
-      <p:grpSpPr>
-        <a:xfrm>
-          <a:off x="0" y="0"/>
-          <a:ext cx="0" cy="0"/>
-          <a:chOff x="0" y="0"/>
-          <a:chExt cx="0" cy="0"/>
-        </a:xfrm>
-      </p:grpSpPr>
-      <p:sp>
-        <p:nvSpPr>
-          <p:cNvPr id="2" name="Slide Image Placeholder 1"/>
-          <p:cNvSpPr>
-            <a:spLocks noGrp="1" noRot="1" noChangeAspect="1"/>
-          </p:cNvSpPr>
-          <p:nvPr>
-            <p:ph type="sldImg"/>
-          </p:nvPr>
-        </p:nvSpPr>
-        <p:spPr/>
-      </p:sp>
-      <p:sp>
-        <p:nvSpPr>
-          <p:cNvPr id="3" name="Notes Placeholder 2"/>
-          <p:cNvSpPr>
-            <a:spLocks noGrp="1"/>
-          </p:cNvSpPr>
-          <p:nvPr>
-            <p:ph type="body" idx="1"/>
-          </p:nvPr>
-        </p:nvSpPr>
-        <p:spPr/>
-        <p:txBody>
-          <a:bodyPr/>
-          <a:lstStyle/>
-          <a:p>
-            <a:r>
-              <a:rPr lang="en-US" sz="1200" b="0" i="0" u="none" strike="noStrike" kern="1200" baseline="0" dirty="0">
-                <a:solidFill>
-                  <a:schemeClr val="tx1"/>
-                </a:solidFill>
-                <a:latin typeface="+mn-lt"/>
-                <a:ea typeface="+mn-ea"/>
-                <a:cs typeface="+mn-cs"/>
-              </a:rPr>
-              <a:t>… consider a spam filter.  </a:t>
-            </a:r>
-            <a:r>
-              <a:rPr lang="en-US" sz="1200" b="0" i="1" u="none" strike="noStrike" kern="1200" baseline="0" dirty="0">
-                <a:solidFill>
-                  <a:schemeClr val="tx1"/>
-                </a:solidFill>
-                <a:latin typeface="+mn-lt"/>
-                <a:ea typeface="+mn-ea"/>
-                <a:cs typeface="+mn-cs"/>
-              </a:rPr>
-              <a:t>Classification </a:t>
-            </a:r>
-            <a:r>
-              <a:rPr lang="en-US" sz="1200" b="0" i="0" u="none" strike="noStrike" kern="1200" baseline="0" dirty="0">
-                <a:solidFill>
-                  <a:schemeClr val="tx1"/>
-                </a:solidFill>
-                <a:latin typeface="+mn-lt"/>
-                <a:ea typeface="+mn-ea"/>
-                <a:cs typeface="+mn-cs"/>
-              </a:rPr>
-              <a:t>is a typical supervised learning task, and a spam filter is a good example of this.  It is first trained with many example emails along with their </a:t>
-            </a:r>
-            <a:r>
-              <a:rPr lang="en-US" sz="1200" b="0" i="1" u="none" strike="noStrike" kern="1200" baseline="0" dirty="0">
-                <a:solidFill>
-                  <a:schemeClr val="tx1"/>
-                </a:solidFill>
-                <a:latin typeface="+mn-lt"/>
-                <a:ea typeface="+mn-ea"/>
-                <a:cs typeface="+mn-cs"/>
-              </a:rPr>
-              <a:t>class </a:t>
-            </a:r>
-            <a:r>
-              <a:rPr lang="en-US" sz="1200" b="0" i="0" u="none" strike="noStrike" kern="1200" baseline="0" dirty="0">
-                <a:solidFill>
-                  <a:schemeClr val="tx1"/>
-                </a:solidFill>
-                <a:latin typeface="+mn-lt"/>
-                <a:ea typeface="+mn-ea"/>
-                <a:cs typeface="+mn-cs"/>
-              </a:rPr>
-              <a:t>(spam or ham), and it must learn how to classify new emails.</a:t>
-            </a:r>
-            <a:endParaRPr lang="en-US" sz="1200" b="0" i="0" kern="1200" dirty="0">
-              <a:solidFill>
-                <a:schemeClr val="tx1"/>
-              </a:solidFill>
-              <a:effectLst/>
-              <a:latin typeface="+mn-lt"/>
-              <a:ea typeface="+mn-ea"/>
-              <a:cs typeface="+mn-cs"/>
-            </a:endParaRPr>
-          </a:p>
-        </p:txBody>
-      </p:sp>
-      <p:sp>
-        <p:nvSpPr>
-          <p:cNvPr id="4" name="Slide Number Placeholder 3"/>
-          <p:cNvSpPr>
-            <a:spLocks noGrp="1"/>
-          </p:cNvSpPr>
-          <p:nvPr>
-            <p:ph type="sldNum" sz="quarter" idx="5"/>
-          </p:nvPr>
-        </p:nvSpPr>
-        <p:spPr/>
-        <p:txBody>
-          <a:bodyPr/>
-          <a:lstStyle/>
-          <a:p>
-            <a:fld id="{3148858F-F1DB-4027-9C85-CCA6849540DD}" type="slidenum">
-              <a:rPr lang="en-US" smtClean="0"/>
-              <a:t>5</a:t>
-            </a:fld>
-            <a:endParaRPr lang="en-US"/>
-          </a:p>
-        </p:txBody>
-      </p:sp>
-    </p:spTree>
-    <p:extLst>
-      <p:ext uri="{BB962C8B-B14F-4D97-AF65-F5344CB8AC3E}">
-        <p14:creationId xmlns:p14="http://schemas.microsoft.com/office/powerpoint/2010/main" val="2257672445"/>
       </p:ext>
     </p:extLst>
   </p:cSld>
@@ -2930,7 +2909,7 @@
                 <a:ea typeface="+mn-ea"/>
                 <a:cs typeface="+mn-cs"/>
               </a:rPr>
-              <a:t>Another typical supervised learning task is to predict a </a:t>
+              <a:t>… consider a spam filter.  </a:t>
             </a:r>
             <a:r>
               <a:rPr lang="en-US" sz="1200" b="0" i="1" u="none" strike="noStrike" kern="1200" baseline="0" dirty="0">
@@ -2941,7 +2920,7 @@
                 <a:ea typeface="+mn-ea"/>
                 <a:cs typeface="+mn-cs"/>
               </a:rPr>
-              <a:t>target </a:t>
+              <a:t>Classification </a:t>
             </a:r>
             <a:r>
               <a:rPr lang="en-US" sz="1200" b="0" i="0" u="none" strike="noStrike" kern="1200" baseline="0" dirty="0">
@@ -2952,7 +2931,7 @@
                 <a:ea typeface="+mn-ea"/>
                 <a:cs typeface="+mn-cs"/>
               </a:rPr>
-              <a:t>numeric value, such as the price of a car, given a set of </a:t>
+              <a:t>is a typical supervised learning task, and a spam filter is a good example of this.  It is first trained with many example emails along with their </a:t>
             </a:r>
             <a:r>
               <a:rPr lang="en-US" sz="1200" b="0" i="1" u="none" strike="noStrike" kern="1200" baseline="0" dirty="0">
@@ -2963,7 +2942,7 @@
                 <a:ea typeface="+mn-ea"/>
                 <a:cs typeface="+mn-cs"/>
               </a:rPr>
-              <a:t>features </a:t>
+              <a:t>class </a:t>
             </a:r>
             <a:r>
               <a:rPr lang="en-US" sz="1200" b="0" i="0" u="none" strike="noStrike" kern="1200" baseline="0" dirty="0">
@@ -2974,55 +2953,9 @@
                 <a:ea typeface="+mn-ea"/>
                 <a:cs typeface="+mn-cs"/>
               </a:rPr>
-              <a:t>(mileage, age, brand, etc.) called </a:t>
-            </a:r>
-            <a:r>
-              <a:rPr lang="en-US" sz="1200" b="0" i="1" u="none" strike="noStrike" kern="1200" baseline="0" dirty="0">
-                <a:solidFill>
-                  <a:schemeClr val="tx1"/>
-                </a:solidFill>
-                <a:latin typeface="+mn-lt"/>
-                <a:ea typeface="+mn-ea"/>
-                <a:cs typeface="+mn-cs"/>
-              </a:rPr>
-              <a:t>predictors</a:t>
-            </a:r>
-            <a:r>
-              <a:rPr lang="en-US" sz="1200" b="0" i="0" u="none" strike="noStrike" kern="1200" baseline="0" dirty="0">
-                <a:solidFill>
-                  <a:schemeClr val="tx1"/>
-                </a:solidFill>
-                <a:latin typeface="+mn-lt"/>
-                <a:ea typeface="+mn-ea"/>
-                <a:cs typeface="+mn-cs"/>
-              </a:rPr>
-              <a:t>. This sort of task is called </a:t>
-            </a:r>
-            <a:r>
-              <a:rPr lang="en-US" sz="1200" b="0" i="1" u="none" strike="noStrike" kern="1200" baseline="0" dirty="0">
-                <a:solidFill>
-                  <a:schemeClr val="tx1"/>
-                </a:solidFill>
-                <a:latin typeface="+mn-lt"/>
-                <a:ea typeface="+mn-ea"/>
-                <a:cs typeface="+mn-cs"/>
-              </a:rPr>
-              <a:t>regression</a:t>
-            </a:r>
-            <a:r>
-              <a:rPr lang="en-US" sz="1200" b="0" i="0" u="none" strike="noStrike" kern="1200" baseline="0" dirty="0">
-                <a:solidFill>
-                  <a:schemeClr val="tx1"/>
-                </a:solidFill>
-                <a:latin typeface="+mn-lt"/>
-                <a:ea typeface="+mn-ea"/>
-                <a:cs typeface="+mn-cs"/>
-              </a:rPr>
-              <a:t>.  To train the system, you need to give it many examples of cars, including both their predictors and their labels (i.e., their prices).</a:t>
-            </a:r>
-          </a:p>
-          <a:p>
-            <a:endParaRPr lang="en-US" sz="1200" b="0" i="0" u="none" strike="noStrike" kern="1200" baseline="0" dirty="0">
+              <a:t>(spam or ham), and it must learn how to classify new emails.</a:t>
+            </a:r>
+            <a:endParaRPr lang="en-US" sz="1200" b="0" i="0" kern="1200" dirty="0">
               <a:solidFill>
                 <a:schemeClr val="tx1"/>
               </a:solidFill>
@@ -3032,216 +2965,6 @@
               <a:cs typeface="+mn-cs"/>
             </a:endParaRPr>
           </a:p>
-          <a:p>
-            <a:r>
-              <a:rPr lang="en-US" sz="1200" b="0" i="0" u="none" strike="noStrike" kern="1200" baseline="0" dirty="0">
-                <a:solidFill>
-                  <a:schemeClr val="tx1"/>
-                </a:solidFill>
-                <a:latin typeface="+mn-lt"/>
-                <a:ea typeface="+mn-ea"/>
-                <a:cs typeface="+mn-cs"/>
-              </a:rPr>
-              <a:t>In Machine Learning an </a:t>
-            </a:r>
-            <a:r>
-              <a:rPr lang="en-US" sz="1200" b="0" i="1" u="none" strike="noStrike" kern="1200" baseline="0" dirty="0">
-                <a:solidFill>
-                  <a:schemeClr val="tx1"/>
-                </a:solidFill>
-                <a:latin typeface="+mn-lt"/>
-                <a:ea typeface="+mn-ea"/>
-                <a:cs typeface="+mn-cs"/>
-              </a:rPr>
-              <a:t>attribute </a:t>
-            </a:r>
-            <a:r>
-              <a:rPr lang="en-US" sz="1200" b="0" i="0" u="none" strike="noStrike" kern="1200" baseline="0" dirty="0">
-                <a:solidFill>
-                  <a:schemeClr val="tx1"/>
-                </a:solidFill>
-                <a:latin typeface="+mn-lt"/>
-                <a:ea typeface="+mn-ea"/>
-                <a:cs typeface="+mn-cs"/>
-              </a:rPr>
-              <a:t>is a data type (e.g., “mileage”), while a </a:t>
-            </a:r>
-            <a:r>
-              <a:rPr lang="en-US" sz="1200" b="0" i="1" u="none" strike="noStrike" kern="1200" baseline="0" dirty="0">
-                <a:solidFill>
-                  <a:schemeClr val="tx1"/>
-                </a:solidFill>
-                <a:latin typeface="+mn-lt"/>
-                <a:ea typeface="+mn-ea"/>
-                <a:cs typeface="+mn-cs"/>
-              </a:rPr>
-              <a:t>feature </a:t>
-            </a:r>
-            <a:r>
-              <a:rPr lang="en-US" sz="1200" b="0" i="0" u="none" strike="noStrike" kern="1200" baseline="0" dirty="0">
-                <a:solidFill>
-                  <a:schemeClr val="tx1"/>
-                </a:solidFill>
-                <a:latin typeface="+mn-lt"/>
-                <a:ea typeface="+mn-ea"/>
-                <a:cs typeface="+mn-cs"/>
-              </a:rPr>
-              <a:t>has several meanings, depending on the context, but generally means an attribute plus its value (e.g., “mileage = 15,000”). Many people use the words </a:t>
-            </a:r>
-            <a:r>
-              <a:rPr lang="en-US" sz="1200" b="0" i="1" u="none" strike="noStrike" kern="1200" baseline="0" dirty="0">
-                <a:solidFill>
-                  <a:schemeClr val="tx1"/>
-                </a:solidFill>
-                <a:latin typeface="+mn-lt"/>
-                <a:ea typeface="+mn-ea"/>
-                <a:cs typeface="+mn-cs"/>
-              </a:rPr>
-              <a:t>attribute </a:t>
-            </a:r>
-            <a:r>
-              <a:rPr lang="en-US" sz="1200" b="0" i="0" u="none" strike="noStrike" kern="1200" baseline="0" dirty="0">
-                <a:solidFill>
-                  <a:schemeClr val="tx1"/>
-                </a:solidFill>
-                <a:latin typeface="+mn-lt"/>
-                <a:ea typeface="+mn-ea"/>
-                <a:cs typeface="+mn-cs"/>
-              </a:rPr>
-              <a:t>and </a:t>
-            </a:r>
-            <a:r>
-              <a:rPr lang="en-US" sz="1200" b="0" i="1" u="none" strike="noStrike" kern="1200" baseline="0" dirty="0">
-                <a:solidFill>
-                  <a:schemeClr val="tx1"/>
-                </a:solidFill>
-                <a:latin typeface="+mn-lt"/>
-                <a:ea typeface="+mn-ea"/>
-                <a:cs typeface="+mn-cs"/>
-              </a:rPr>
-              <a:t>feature </a:t>
-            </a:r>
-            <a:r>
-              <a:rPr lang="en-US" sz="1200" b="0" i="0" u="none" strike="noStrike" kern="1200" baseline="0" dirty="0">
-                <a:solidFill>
-                  <a:schemeClr val="tx1"/>
-                </a:solidFill>
-                <a:latin typeface="+mn-lt"/>
-                <a:ea typeface="+mn-ea"/>
-                <a:cs typeface="+mn-cs"/>
-              </a:rPr>
-              <a:t>interchangeably.  Feature is used predominantly in the AI literature.</a:t>
-            </a:r>
-          </a:p>
-          <a:p>
-            <a:endParaRPr lang="en-US" sz="1200" b="0" i="0" u="none" strike="noStrike" kern="1200" baseline="0" dirty="0">
-              <a:solidFill>
-                <a:schemeClr val="tx1"/>
-              </a:solidFill>
-              <a:latin typeface="+mn-lt"/>
-              <a:ea typeface="+mn-ea"/>
-              <a:cs typeface="+mn-cs"/>
-            </a:endParaRPr>
-          </a:p>
-          <a:p>
-            <a:r>
-              <a:rPr lang="en-US" sz="1200" b="0" i="0" u="none" strike="noStrike" kern="1200" baseline="0" dirty="0">
-                <a:solidFill>
-                  <a:schemeClr val="tx1"/>
-                </a:solidFill>
-                <a:latin typeface="+mn-lt"/>
-                <a:ea typeface="+mn-ea"/>
-                <a:cs typeface="+mn-cs"/>
-              </a:rPr>
-              <a:t>Some other examples of supervised learning algorithms include:</a:t>
-            </a:r>
-          </a:p>
-          <a:p>
-            <a:endParaRPr lang="en-US" sz="1200" b="0" i="0" u="none" strike="noStrike" kern="1200" baseline="0" dirty="0">
-              <a:solidFill>
-                <a:schemeClr val="tx1"/>
-              </a:solidFill>
-              <a:latin typeface="+mn-lt"/>
-              <a:ea typeface="+mn-ea"/>
-              <a:cs typeface="+mn-cs"/>
-            </a:endParaRPr>
-          </a:p>
-          <a:p>
-            <a:r>
-              <a:rPr lang="en-US" sz="1200" b="0" i="0" u="none" strike="noStrike" kern="1200" baseline="0" dirty="0">
-                <a:solidFill>
-                  <a:schemeClr val="tx1"/>
-                </a:solidFill>
-                <a:latin typeface="+mn-lt"/>
-                <a:ea typeface="+mn-ea"/>
-                <a:cs typeface="+mn-cs"/>
-              </a:rPr>
-              <a:t>• Linear Regression</a:t>
-            </a:r>
-          </a:p>
-          <a:p>
-            <a:r>
-              <a:rPr lang="en-US" sz="1200" b="0" i="0" u="none" strike="noStrike" kern="1200" baseline="0" dirty="0">
-                <a:solidFill>
-                  <a:schemeClr val="tx1"/>
-                </a:solidFill>
-                <a:latin typeface="+mn-lt"/>
-                <a:ea typeface="+mn-ea"/>
-                <a:cs typeface="+mn-cs"/>
-              </a:rPr>
-              <a:t>• Logistic Regression</a:t>
-            </a:r>
-          </a:p>
-          <a:p>
-            <a:r>
-              <a:rPr lang="en-US" sz="1200" b="0" i="0" u="none" strike="noStrike" kern="1200" baseline="0" dirty="0">
-                <a:solidFill>
-                  <a:schemeClr val="tx1"/>
-                </a:solidFill>
-                <a:latin typeface="+mn-lt"/>
-                <a:ea typeface="+mn-ea"/>
-                <a:cs typeface="+mn-cs"/>
-              </a:rPr>
-              <a:t>• Support Vector Machines (SVMs)</a:t>
-            </a:r>
-          </a:p>
-          <a:p>
-            <a:r>
-              <a:rPr lang="en-US" sz="1200" b="0" i="0" u="none" strike="noStrike" kern="1200" baseline="0" dirty="0">
-                <a:solidFill>
-                  <a:schemeClr val="tx1"/>
-                </a:solidFill>
-                <a:latin typeface="+mn-lt"/>
-                <a:ea typeface="+mn-ea"/>
-                <a:cs typeface="+mn-cs"/>
-              </a:rPr>
-              <a:t>• Decision Trees and Random Forests</a:t>
-            </a:r>
-          </a:p>
-          <a:p>
-            <a:r>
-              <a:rPr lang="en-US" sz="1200" b="0" i="0" u="none" strike="noStrike" kern="1200" baseline="0" dirty="0">
-                <a:solidFill>
-                  <a:schemeClr val="tx1"/>
-                </a:solidFill>
-                <a:latin typeface="+mn-lt"/>
-                <a:ea typeface="+mn-ea"/>
-                <a:cs typeface="+mn-cs"/>
-              </a:rPr>
-              <a:t>• Neural networks</a:t>
-            </a:r>
-          </a:p>
-          <a:p>
-            <a:endParaRPr lang="en-US" sz="1200" b="0" i="0" u="none" strike="noStrike" kern="1200" baseline="0" dirty="0">
-              <a:solidFill>
-                <a:schemeClr val="tx1"/>
-              </a:solidFill>
-              <a:effectLst/>
-              <a:latin typeface="+mn-lt"/>
-              <a:ea typeface="+mn-ea"/>
-              <a:cs typeface="+mn-cs"/>
-            </a:endParaRPr>
-          </a:p>
         </p:txBody>
       </p:sp>
       <p:sp>
@@ -3270,7 +2993,7 @@
     </p:spTree>
     <p:extLst>
       <p:ext uri="{BB962C8B-B14F-4D97-AF65-F5344CB8AC3E}">
-        <p14:creationId xmlns:p14="http://schemas.microsoft.com/office/powerpoint/2010/main" val="3239051252"/>
+        <p14:creationId xmlns:p14="http://schemas.microsoft.com/office/powerpoint/2010/main" val="2257672445"/>
       </p:ext>
     </p:extLst>
   </p:cSld>
@@ -3324,6 +3047,409 @@
           <a:bodyPr/>
           <a:lstStyle/>
           <a:p>
+            <a:r>
+              <a:rPr lang="en-US" sz="1200" b="0" i="0" u="none" strike="noStrike" kern="1200" baseline="0" dirty="0">
+                <a:solidFill>
+                  <a:schemeClr val="tx1"/>
+                </a:solidFill>
+                <a:latin typeface="+mn-lt"/>
+                <a:ea typeface="+mn-ea"/>
+                <a:cs typeface="+mn-cs"/>
+              </a:rPr>
+              <a:t>Another typical supervised learning task is to predict a </a:t>
+            </a:r>
+            <a:r>
+              <a:rPr lang="en-US" sz="1200" b="0" i="1" u="none" strike="noStrike" kern="1200" baseline="0" dirty="0">
+                <a:solidFill>
+                  <a:schemeClr val="tx1"/>
+                </a:solidFill>
+                <a:latin typeface="+mn-lt"/>
+                <a:ea typeface="+mn-ea"/>
+                <a:cs typeface="+mn-cs"/>
+              </a:rPr>
+              <a:t>target </a:t>
+            </a:r>
+            <a:r>
+              <a:rPr lang="en-US" sz="1200" b="0" i="0" u="none" strike="noStrike" kern="1200" baseline="0" dirty="0">
+                <a:solidFill>
+                  <a:schemeClr val="tx1"/>
+                </a:solidFill>
+                <a:latin typeface="+mn-lt"/>
+                <a:ea typeface="+mn-ea"/>
+                <a:cs typeface="+mn-cs"/>
+              </a:rPr>
+              <a:t>numeric value, such as the price of a car, given a set of </a:t>
+            </a:r>
+            <a:r>
+              <a:rPr lang="en-US" sz="1200" b="0" i="1" u="none" strike="noStrike" kern="1200" baseline="0" dirty="0">
+                <a:solidFill>
+                  <a:schemeClr val="tx1"/>
+                </a:solidFill>
+                <a:latin typeface="+mn-lt"/>
+                <a:ea typeface="+mn-ea"/>
+                <a:cs typeface="+mn-cs"/>
+              </a:rPr>
+              <a:t>features </a:t>
+            </a:r>
+            <a:r>
+              <a:rPr lang="en-US" sz="1200" b="0" i="0" u="none" strike="noStrike" kern="1200" baseline="0" dirty="0">
+                <a:solidFill>
+                  <a:schemeClr val="tx1"/>
+                </a:solidFill>
+                <a:latin typeface="+mn-lt"/>
+                <a:ea typeface="+mn-ea"/>
+                <a:cs typeface="+mn-cs"/>
+              </a:rPr>
+              <a:t>(mileage, age, brand, etc.) called </a:t>
+            </a:r>
+            <a:r>
+              <a:rPr lang="en-US" sz="1200" b="0" i="1" u="none" strike="noStrike" kern="1200" baseline="0" dirty="0">
+                <a:solidFill>
+                  <a:schemeClr val="tx1"/>
+                </a:solidFill>
+                <a:latin typeface="+mn-lt"/>
+                <a:ea typeface="+mn-ea"/>
+                <a:cs typeface="+mn-cs"/>
+              </a:rPr>
+              <a:t>predictors</a:t>
+            </a:r>
+            <a:r>
+              <a:rPr lang="en-US" sz="1200" b="0" i="0" u="none" strike="noStrike" kern="1200" baseline="0" dirty="0">
+                <a:solidFill>
+                  <a:schemeClr val="tx1"/>
+                </a:solidFill>
+                <a:latin typeface="+mn-lt"/>
+                <a:ea typeface="+mn-ea"/>
+                <a:cs typeface="+mn-cs"/>
+              </a:rPr>
+              <a:t>. This sort of task is called </a:t>
+            </a:r>
+            <a:r>
+              <a:rPr lang="en-US" sz="1200" b="0" i="1" u="none" strike="noStrike" kern="1200" baseline="0" dirty="0">
+                <a:solidFill>
+                  <a:schemeClr val="tx1"/>
+                </a:solidFill>
+                <a:latin typeface="+mn-lt"/>
+                <a:ea typeface="+mn-ea"/>
+                <a:cs typeface="+mn-cs"/>
+              </a:rPr>
+              <a:t>regression</a:t>
+            </a:r>
+            <a:r>
+              <a:rPr lang="en-US" sz="1200" b="0" i="0" u="none" strike="noStrike" kern="1200" baseline="0" dirty="0">
+                <a:solidFill>
+                  <a:schemeClr val="tx1"/>
+                </a:solidFill>
+                <a:latin typeface="+mn-lt"/>
+                <a:ea typeface="+mn-ea"/>
+                <a:cs typeface="+mn-cs"/>
+              </a:rPr>
+              <a:t>.  To train the system, you need to give it many examples of cars, including both their predictors and their labels (i.e., their prices).</a:t>
+            </a:r>
+          </a:p>
+          <a:p>
+            <a:endParaRPr lang="en-US" sz="1200" b="0" i="0" u="none" strike="noStrike" kern="1200" baseline="0" dirty="0">
+              <a:solidFill>
+                <a:schemeClr val="tx1"/>
+              </a:solidFill>
+              <a:effectLst/>
+              <a:latin typeface="+mn-lt"/>
+              <a:ea typeface="+mn-ea"/>
+              <a:cs typeface="+mn-cs"/>
+            </a:endParaRPr>
+          </a:p>
+          <a:p>
+            <a:r>
+              <a:rPr lang="en-US" sz="1200" b="0" i="0" u="none" strike="noStrike" kern="1200" baseline="0" dirty="0">
+                <a:solidFill>
+                  <a:schemeClr val="tx1"/>
+                </a:solidFill>
+                <a:latin typeface="+mn-lt"/>
+                <a:ea typeface="+mn-ea"/>
+                <a:cs typeface="+mn-cs"/>
+              </a:rPr>
+              <a:t>In Machine Learning an </a:t>
+            </a:r>
+            <a:r>
+              <a:rPr lang="en-US" sz="1200" b="0" i="1" u="none" strike="noStrike" kern="1200" baseline="0" dirty="0">
+                <a:solidFill>
+                  <a:schemeClr val="tx1"/>
+                </a:solidFill>
+                <a:latin typeface="+mn-lt"/>
+                <a:ea typeface="+mn-ea"/>
+                <a:cs typeface="+mn-cs"/>
+              </a:rPr>
+              <a:t>attribute </a:t>
+            </a:r>
+            <a:r>
+              <a:rPr lang="en-US" sz="1200" b="0" i="0" u="none" strike="noStrike" kern="1200" baseline="0" dirty="0">
+                <a:solidFill>
+                  <a:schemeClr val="tx1"/>
+                </a:solidFill>
+                <a:latin typeface="+mn-lt"/>
+                <a:ea typeface="+mn-ea"/>
+                <a:cs typeface="+mn-cs"/>
+              </a:rPr>
+              <a:t>is a data type (e.g., “mileage”), while a </a:t>
+            </a:r>
+            <a:r>
+              <a:rPr lang="en-US" sz="1200" b="0" i="1" u="none" strike="noStrike" kern="1200" baseline="0" dirty="0">
+                <a:solidFill>
+                  <a:schemeClr val="tx1"/>
+                </a:solidFill>
+                <a:latin typeface="+mn-lt"/>
+                <a:ea typeface="+mn-ea"/>
+                <a:cs typeface="+mn-cs"/>
+              </a:rPr>
+              <a:t>feature </a:t>
+            </a:r>
+            <a:r>
+              <a:rPr lang="en-US" sz="1200" b="0" i="0" u="none" strike="noStrike" kern="1200" baseline="0" dirty="0">
+                <a:solidFill>
+                  <a:schemeClr val="tx1"/>
+                </a:solidFill>
+                <a:latin typeface="+mn-lt"/>
+                <a:ea typeface="+mn-ea"/>
+                <a:cs typeface="+mn-cs"/>
+              </a:rPr>
+              <a:t>has several meanings, depending on the context, but generally means an attribute plus its value (e.g., “mileage = 15,000”). Many people use the words </a:t>
+            </a:r>
+            <a:r>
+              <a:rPr lang="en-US" sz="1200" b="0" i="1" u="none" strike="noStrike" kern="1200" baseline="0" dirty="0">
+                <a:solidFill>
+                  <a:schemeClr val="tx1"/>
+                </a:solidFill>
+                <a:latin typeface="+mn-lt"/>
+                <a:ea typeface="+mn-ea"/>
+                <a:cs typeface="+mn-cs"/>
+              </a:rPr>
+              <a:t>attribute </a:t>
+            </a:r>
+            <a:r>
+              <a:rPr lang="en-US" sz="1200" b="0" i="0" u="none" strike="noStrike" kern="1200" baseline="0" dirty="0">
+                <a:solidFill>
+                  <a:schemeClr val="tx1"/>
+                </a:solidFill>
+                <a:latin typeface="+mn-lt"/>
+                <a:ea typeface="+mn-ea"/>
+                <a:cs typeface="+mn-cs"/>
+              </a:rPr>
+              <a:t>and </a:t>
+            </a:r>
+            <a:r>
+              <a:rPr lang="en-US" sz="1200" b="0" i="1" u="none" strike="noStrike" kern="1200" baseline="0" dirty="0">
+                <a:solidFill>
+                  <a:schemeClr val="tx1"/>
+                </a:solidFill>
+                <a:latin typeface="+mn-lt"/>
+                <a:ea typeface="+mn-ea"/>
+                <a:cs typeface="+mn-cs"/>
+              </a:rPr>
+              <a:t>feature </a:t>
+            </a:r>
+            <a:r>
+              <a:rPr lang="en-US" sz="1200" b="0" i="0" u="none" strike="noStrike" kern="1200" baseline="0" dirty="0">
+                <a:solidFill>
+                  <a:schemeClr val="tx1"/>
+                </a:solidFill>
+                <a:latin typeface="+mn-lt"/>
+                <a:ea typeface="+mn-ea"/>
+                <a:cs typeface="+mn-cs"/>
+              </a:rPr>
+              <a:t>interchangeably.  Feature is used predominantly in the AI literature.</a:t>
+            </a:r>
+          </a:p>
+          <a:p>
+            <a:endParaRPr lang="en-US" sz="1200" b="0" i="0" u="none" strike="noStrike" kern="1200" baseline="0" dirty="0">
+              <a:solidFill>
+                <a:schemeClr val="tx1"/>
+              </a:solidFill>
+              <a:latin typeface="+mn-lt"/>
+              <a:ea typeface="+mn-ea"/>
+              <a:cs typeface="+mn-cs"/>
+            </a:endParaRPr>
+          </a:p>
+          <a:p>
+            <a:r>
+              <a:rPr lang="en-US" sz="1200" b="0" i="0" u="none" strike="noStrike" kern="1200" baseline="0" dirty="0">
+                <a:solidFill>
+                  <a:schemeClr val="tx1"/>
+                </a:solidFill>
+                <a:latin typeface="+mn-lt"/>
+                <a:ea typeface="+mn-ea"/>
+                <a:cs typeface="+mn-cs"/>
+              </a:rPr>
+              <a:t>Some other examples of supervised learning algorithms include:</a:t>
+            </a:r>
+          </a:p>
+          <a:p>
+            <a:endParaRPr lang="en-US" sz="1200" b="0" i="0" u="none" strike="noStrike" kern="1200" baseline="0" dirty="0">
+              <a:solidFill>
+                <a:schemeClr val="tx1"/>
+              </a:solidFill>
+              <a:latin typeface="+mn-lt"/>
+              <a:ea typeface="+mn-ea"/>
+              <a:cs typeface="+mn-cs"/>
+            </a:endParaRPr>
+          </a:p>
+          <a:p>
+            <a:r>
+              <a:rPr lang="en-US" sz="1200" b="0" i="0" u="none" strike="noStrike" kern="1200" baseline="0" dirty="0">
+                <a:solidFill>
+                  <a:schemeClr val="tx1"/>
+                </a:solidFill>
+                <a:latin typeface="+mn-lt"/>
+                <a:ea typeface="+mn-ea"/>
+                <a:cs typeface="+mn-cs"/>
+              </a:rPr>
+              <a:t>• Linear Regression</a:t>
+            </a:r>
+          </a:p>
+          <a:p>
+            <a:r>
+              <a:rPr lang="en-US" sz="1200" b="0" i="0" u="none" strike="noStrike" kern="1200" baseline="0" dirty="0">
+                <a:solidFill>
+                  <a:schemeClr val="tx1"/>
+                </a:solidFill>
+                <a:latin typeface="+mn-lt"/>
+                <a:ea typeface="+mn-ea"/>
+                <a:cs typeface="+mn-cs"/>
+              </a:rPr>
+              <a:t>• Logistic Regression</a:t>
+            </a:r>
+          </a:p>
+          <a:p>
+            <a:r>
+              <a:rPr lang="en-US" sz="1200" b="0" i="0" u="none" strike="noStrike" kern="1200" baseline="0" dirty="0">
+                <a:solidFill>
+                  <a:schemeClr val="tx1"/>
+                </a:solidFill>
+                <a:latin typeface="+mn-lt"/>
+                <a:ea typeface="+mn-ea"/>
+                <a:cs typeface="+mn-cs"/>
+              </a:rPr>
+              <a:t>• Support Vector Machines (SVMs)</a:t>
+            </a:r>
+          </a:p>
+          <a:p>
+            <a:r>
+              <a:rPr lang="en-US" sz="1200" b="0" i="0" u="none" strike="noStrike" kern="1200" baseline="0" dirty="0">
+                <a:solidFill>
+                  <a:schemeClr val="tx1"/>
+                </a:solidFill>
+                <a:latin typeface="+mn-lt"/>
+                <a:ea typeface="+mn-ea"/>
+                <a:cs typeface="+mn-cs"/>
+              </a:rPr>
+              <a:t>• Decision Trees and Random Forests</a:t>
+            </a:r>
+          </a:p>
+          <a:p>
+            <a:r>
+              <a:rPr lang="en-US" sz="1200" b="0" i="0" u="none" strike="noStrike" kern="1200" baseline="0" dirty="0">
+                <a:solidFill>
+                  <a:schemeClr val="tx1"/>
+                </a:solidFill>
+                <a:latin typeface="+mn-lt"/>
+                <a:ea typeface="+mn-ea"/>
+                <a:cs typeface="+mn-cs"/>
+              </a:rPr>
+              <a:t>• Neural networks</a:t>
+            </a:r>
+          </a:p>
+          <a:p>
+            <a:endParaRPr lang="en-US" sz="1200" b="0" i="0" u="none" strike="noStrike" kern="1200" baseline="0" dirty="0">
+              <a:solidFill>
+                <a:schemeClr val="tx1"/>
+              </a:solidFill>
+              <a:effectLst/>
+              <a:latin typeface="+mn-lt"/>
+              <a:ea typeface="+mn-ea"/>
+              <a:cs typeface="+mn-cs"/>
+            </a:endParaRPr>
+          </a:p>
+        </p:txBody>
+      </p:sp>
+      <p:sp>
+        <p:nvSpPr>
+          <p:cNvPr id="4" name="Slide Number Placeholder 3"/>
+          <p:cNvSpPr>
+            <a:spLocks noGrp="1"/>
+          </p:cNvSpPr>
+          <p:nvPr>
+            <p:ph type="sldNum" sz="quarter" idx="5"/>
+          </p:nvPr>
+        </p:nvSpPr>
+        <p:spPr/>
+        <p:txBody>
+          <a:bodyPr/>
+          <a:lstStyle/>
+          <a:p>
+            <a:fld id="{3148858F-F1DB-4027-9C85-CCA6849540DD}" type="slidenum">
+              <a:rPr lang="en-US" smtClean="0"/>
+              <a:t>7</a:t>
+            </a:fld>
+            <a:endParaRPr lang="en-US"/>
+          </a:p>
+        </p:txBody>
+      </p:sp>
+    </p:spTree>
+    <p:extLst>
+      <p:ext uri="{BB962C8B-B14F-4D97-AF65-F5344CB8AC3E}">
+        <p14:creationId xmlns:p14="http://schemas.microsoft.com/office/powerpoint/2010/main" val="3239051252"/>
+      </p:ext>
+    </p:extLst>
+  </p:cSld>
+  <p:clrMapOvr>
+    <a:masterClrMapping/>
+  </p:clrMapOvr>
+</p:notes>
+</file>
+
+<file path=ppt/notesSlides/notesSlide8.xml><?xml version="1.0" encoding="utf-8"?>
+<p:notes xmlns:a="http://schemas.openxmlformats.org/drawingml/2006/main" xmlns:r="http://schemas.openxmlformats.org/officeDocument/2006/relationships" xmlns:p="http://schemas.openxmlformats.org/presentationml/2006/main">
+  <p:cSld>
+    <p:spTree>
+      <p:nvGrpSpPr>
+        <p:cNvPr id="1" name=""/>
+        <p:cNvGrpSpPr/>
+        <p:nvPr/>
+      </p:nvGrpSpPr>
+      <p:grpSpPr>
+        <a:xfrm>
+          <a:off x="0" y="0"/>
+          <a:ext cx="0" cy="0"/>
+          <a:chOff x="0" y="0"/>
+          <a:chExt cx="0" cy="0"/>
+        </a:xfrm>
+      </p:grpSpPr>
+      <p:sp>
+        <p:nvSpPr>
+          <p:cNvPr id="2" name="Slide Image Placeholder 1"/>
+          <p:cNvSpPr>
+            <a:spLocks noGrp="1" noRot="1" noChangeAspect="1"/>
+          </p:cNvSpPr>
+          <p:nvPr>
+            <p:ph type="sldImg"/>
+          </p:nvPr>
+        </p:nvSpPr>
+        <p:spPr/>
+      </p:sp>
+      <p:sp>
+        <p:nvSpPr>
+          <p:cNvPr id="3" name="Notes Placeholder 2"/>
+          <p:cNvSpPr>
+            <a:spLocks noGrp="1"/>
+          </p:cNvSpPr>
+          <p:nvPr>
+            <p:ph type="body" idx="1"/>
+          </p:nvPr>
+        </p:nvSpPr>
+        <p:spPr/>
+        <p:txBody>
+          <a:bodyPr/>
+          <a:lstStyle/>
+          <a:p>
             <a:pPr marL="0" marR="0" lvl="0" indent="0" algn="l" defTabSz="914400" rtl="0" eaLnBrk="1" fontAlgn="auto" latinLnBrk="0" hangingPunct="1">
               <a:lnSpc>
                 <a:spcPct val="100000"/>
@@ -3432,7 +3558,7 @@
           <a:p>
             <a:fld id="{3148858F-F1DB-4027-9C85-CCA6849540DD}" type="slidenum">
               <a:rPr lang="en-US" smtClean="0"/>
-              <a:t>7</a:t>
+              <a:t>8</a:t>
             </a:fld>
             <a:endParaRPr lang="en-US"/>
           </a:p>
@@ -3442,143 +3568,6 @@
     <p:extLst>
       <p:ext uri="{BB962C8B-B14F-4D97-AF65-F5344CB8AC3E}">
         <p14:creationId xmlns:p14="http://schemas.microsoft.com/office/powerpoint/2010/main" val="1563469195"/>
-      </p:ext>
-    </p:extLst>
-  </p:cSld>
-  <p:clrMapOvr>
-    <a:masterClrMapping/>
-  </p:clrMapOvr>
-</p:notes>
-</file>
-
-<file path=ppt/notesSlides/notesSlide8.xml><?xml version="1.0" encoding="utf-8"?>
-<p:notes xmlns:a="http://schemas.openxmlformats.org/drawingml/2006/main" xmlns:r="http://schemas.openxmlformats.org/officeDocument/2006/relationships" xmlns:p="http://schemas.openxmlformats.org/presentationml/2006/main">
-  <p:cSld>
-    <p:spTree>
-      <p:nvGrpSpPr>
-        <p:cNvPr id="1" name=""/>
-        <p:cNvGrpSpPr/>
-        <p:nvPr/>
-      </p:nvGrpSpPr>
-      <p:grpSpPr>
-        <a:xfrm>
-          <a:off x="0" y="0"/>
-          <a:ext cx="0" cy="0"/>
-          <a:chOff x="0" y="0"/>
-          <a:chExt cx="0" cy="0"/>
-        </a:xfrm>
-      </p:grpSpPr>
-      <p:sp>
-        <p:nvSpPr>
-          <p:cNvPr id="2" name="Slide Image Placeholder 1"/>
-          <p:cNvSpPr>
-            <a:spLocks noGrp="1" noRot="1" noChangeAspect="1"/>
-          </p:cNvSpPr>
-          <p:nvPr>
-            <p:ph type="sldImg"/>
-          </p:nvPr>
-        </p:nvSpPr>
-        <p:spPr/>
-      </p:sp>
-      <p:sp>
-        <p:nvSpPr>
-          <p:cNvPr id="3" name="Notes Placeholder 2"/>
-          <p:cNvSpPr>
-            <a:spLocks noGrp="1"/>
-          </p:cNvSpPr>
-          <p:nvPr>
-            <p:ph type="body" idx="1"/>
-          </p:nvPr>
-        </p:nvSpPr>
-        <p:spPr/>
-        <p:txBody>
-          <a:bodyPr/>
-          <a:lstStyle/>
-          <a:p>
-            <a:r>
-              <a:rPr lang="en-US" sz="1200" b="0" i="0" u="none" strike="noStrike" kern="1200" baseline="0" dirty="0">
-                <a:solidFill>
-                  <a:schemeClr val="tx1"/>
-                </a:solidFill>
-                <a:latin typeface="+mn-lt"/>
-                <a:ea typeface="+mn-ea"/>
-                <a:cs typeface="+mn-cs"/>
-              </a:rPr>
-              <a:t>Here we see an unlabeled training dataset of visitors to a popular blog.  In this case, we might want to run a </a:t>
-            </a:r>
-            <a:r>
-              <a:rPr lang="en-US" sz="1200" b="0" i="1" u="none" strike="noStrike" kern="1200" baseline="0" dirty="0">
-                <a:solidFill>
-                  <a:schemeClr val="tx1"/>
-                </a:solidFill>
-                <a:latin typeface="+mn-lt"/>
-                <a:ea typeface="+mn-ea"/>
-                <a:cs typeface="+mn-cs"/>
-              </a:rPr>
-              <a:t>clustering</a:t>
-            </a:r>
-            <a:r>
-              <a:rPr lang="en-US" sz="1200" b="0" i="0" u="none" strike="noStrike" kern="1200" baseline="0" dirty="0">
-                <a:solidFill>
-                  <a:schemeClr val="tx1"/>
-                </a:solidFill>
-                <a:latin typeface="+mn-lt"/>
-                <a:ea typeface="+mn-ea"/>
-                <a:cs typeface="+mn-cs"/>
-              </a:rPr>
-              <a:t> algorithm to try and detect groups of similar visitors.  Through visual inspection, we can quickly identify at least four groups.  But will the AI algorithm be able to mimic this capability?</a:t>
-            </a:r>
-          </a:p>
-          <a:p>
-            <a:endParaRPr lang="en-US" sz="1200" b="0" i="0" u="none" strike="noStrike" kern="1200" baseline="0" dirty="0">
-              <a:solidFill>
-                <a:schemeClr val="tx1"/>
-              </a:solidFill>
-              <a:latin typeface="+mn-lt"/>
-              <a:ea typeface="+mn-ea"/>
-              <a:cs typeface="+mn-cs"/>
-            </a:endParaRPr>
-          </a:p>
-          <a:p>
-            <a:endParaRPr lang="en-US" sz="1200" b="0" i="0" u="none" strike="noStrike" kern="1200" baseline="0" dirty="0">
-              <a:solidFill>
-                <a:schemeClr val="tx1"/>
-              </a:solidFill>
-              <a:effectLst/>
-              <a:latin typeface="+mn-lt"/>
-              <a:ea typeface="+mn-ea"/>
-              <a:cs typeface="+mn-cs"/>
-            </a:endParaRPr>
-          </a:p>
-        </p:txBody>
-      </p:sp>
-      <p:sp>
-        <p:nvSpPr>
-          <p:cNvPr id="4" name="Slide Number Placeholder 3"/>
-          <p:cNvSpPr>
-            <a:spLocks noGrp="1"/>
-          </p:cNvSpPr>
-          <p:nvPr>
-            <p:ph type="sldNum" sz="quarter" idx="5"/>
-          </p:nvPr>
-        </p:nvSpPr>
-        <p:spPr/>
-        <p:txBody>
-          <a:bodyPr/>
-          <a:lstStyle/>
-          <a:p>
-            <a:fld id="{3148858F-F1DB-4027-9C85-CCA6849540DD}" type="slidenum">
-              <a:rPr lang="en-US" smtClean="0"/>
-              <a:t>8</a:t>
-            </a:fld>
-            <a:endParaRPr lang="en-US"/>
-          </a:p>
-        </p:txBody>
-      </p:sp>
-    </p:spTree>
-    <p:extLst>
-      <p:ext uri="{BB962C8B-B14F-4D97-AF65-F5344CB8AC3E}">
-        <p14:creationId xmlns:p14="http://schemas.microsoft.com/office/powerpoint/2010/main" val="1625541369"/>
       </p:ext>
     </p:extLst>
   </p:cSld>
@@ -3641,7 +3630,7 @@
                 <a:ea typeface="+mn-ea"/>
                 <a:cs typeface="+mn-cs"/>
               </a:rPr>
-              <a:t>… it appears that a </a:t>
+              <a:t>Here we see an unlabeled training dataset of visitors to a popular blog.  In this case, we might want to run a </a:t>
             </a:r>
             <a:r>
               <a:rPr lang="en-US" sz="1200" b="0" i="1" u="none" strike="noStrike" kern="1200" baseline="0" dirty="0">
@@ -3663,7 +3652,7 @@
                 <a:ea typeface="+mn-ea"/>
                 <a:cs typeface="+mn-cs"/>
               </a:rPr>
-              <a:t> algorithm has in fact detected those four groups, separated by the dashed lines. At no point did we tell the algorithm which group a visitor belongs to: it finds those connections without our help.  For example, it might find that 40% of the blog’s visitors are males who love comic books and generally read the blog in the evening, while 20% are young sci-fi lovers who visit during the weekend.  Let’s consider another example…</a:t>
+              <a:t> algorithm to try and detect groups of similar visitors.  Through visual inspection, we can quickly identify at least four groups.  But will the AI algorithm be able to mimic this capability?</a:t>
             </a:r>
           </a:p>
           <a:p>
@@ -3676,6 +3665,17 @@
               <a:cs typeface="+mn-cs"/>
             </a:endParaRPr>
           </a:p>
+          <a:p>
+            <a:endParaRPr lang="en-US" sz="1200" b="0" i="0" u="none" strike="noStrike" kern="1200" baseline="0" dirty="0">
+              <a:solidFill>
+                <a:schemeClr val="tx1"/>
+              </a:solidFill>
+              <a:effectLst/>
+              <a:latin typeface="+mn-lt"/>
+              <a:ea typeface="+mn-ea"/>
+              <a:cs typeface="+mn-cs"/>
+            </a:endParaRPr>
+          </a:p>
         </p:txBody>
       </p:sp>
       <p:sp>
@@ -3704,7 +3704,7 @@
     </p:spTree>
     <p:extLst>
       <p:ext uri="{BB962C8B-B14F-4D97-AF65-F5344CB8AC3E}">
-        <p14:creationId xmlns:p14="http://schemas.microsoft.com/office/powerpoint/2010/main" val="2823922892"/>
+        <p14:creationId xmlns:p14="http://schemas.microsoft.com/office/powerpoint/2010/main" val="1625541369"/>
       </p:ext>
     </p:extLst>
   </p:cSld>
@@ -3861,7 +3861,7 @@
           <a:p>
             <a:fld id="{C3F78080-8D0A-4BE8-A5B4-CB115102D524}" type="datetimeFigureOut">
               <a:rPr lang="en-US" smtClean="0"/>
-              <a:t>2/4/2022</a:t>
+              <a:t>8/31/2022</a:t>
             </a:fld>
             <a:endParaRPr lang="en-US"/>
           </a:p>
@@ -4059,7 +4059,7 @@
           <a:p>
             <a:fld id="{C3F78080-8D0A-4BE8-A5B4-CB115102D524}" type="datetimeFigureOut">
               <a:rPr lang="en-US" smtClean="0"/>
-              <a:t>2/4/2022</a:t>
+              <a:t>8/31/2022</a:t>
             </a:fld>
             <a:endParaRPr lang="en-US"/>
           </a:p>
@@ -4267,7 +4267,7 @@
           <a:p>
             <a:fld id="{C3F78080-8D0A-4BE8-A5B4-CB115102D524}" type="datetimeFigureOut">
               <a:rPr lang="en-US" smtClean="0"/>
-              <a:t>2/4/2022</a:t>
+              <a:t>8/31/2022</a:t>
             </a:fld>
             <a:endParaRPr lang="en-US"/>
           </a:p>
@@ -4465,7 +4465,7 @@
           <a:p>
             <a:fld id="{C3F78080-8D0A-4BE8-A5B4-CB115102D524}" type="datetimeFigureOut">
               <a:rPr lang="en-US" smtClean="0"/>
-              <a:t>2/4/2022</a:t>
+              <a:t>8/31/2022</a:t>
             </a:fld>
             <a:endParaRPr lang="en-US"/>
           </a:p>
@@ -4740,7 +4740,7 @@
           <a:p>
             <a:fld id="{C3F78080-8D0A-4BE8-A5B4-CB115102D524}" type="datetimeFigureOut">
               <a:rPr lang="en-US" smtClean="0"/>
-              <a:t>2/4/2022</a:t>
+              <a:t>8/31/2022</a:t>
             </a:fld>
             <a:endParaRPr lang="en-US"/>
           </a:p>
@@ -5005,7 +5005,7 @@
           <a:p>
             <a:fld id="{C3F78080-8D0A-4BE8-A5B4-CB115102D524}" type="datetimeFigureOut">
               <a:rPr lang="en-US" smtClean="0"/>
-              <a:t>2/4/2022</a:t>
+              <a:t>8/31/2022</a:t>
             </a:fld>
             <a:endParaRPr lang="en-US"/>
           </a:p>
@@ -5417,7 +5417,7 @@
           <a:p>
             <a:fld id="{C3F78080-8D0A-4BE8-A5B4-CB115102D524}" type="datetimeFigureOut">
               <a:rPr lang="en-US" smtClean="0"/>
-              <a:t>2/4/2022</a:t>
+              <a:t>8/31/2022</a:t>
             </a:fld>
             <a:endParaRPr lang="en-US"/>
           </a:p>
@@ -5558,7 +5558,7 @@
           <a:p>
             <a:fld id="{C3F78080-8D0A-4BE8-A5B4-CB115102D524}" type="datetimeFigureOut">
               <a:rPr lang="en-US" smtClean="0"/>
-              <a:t>2/4/2022</a:t>
+              <a:t>8/31/2022</a:t>
             </a:fld>
             <a:endParaRPr lang="en-US"/>
           </a:p>
@@ -5671,7 +5671,7 @@
           <a:p>
             <a:fld id="{C3F78080-8D0A-4BE8-A5B4-CB115102D524}" type="datetimeFigureOut">
               <a:rPr lang="en-US" smtClean="0"/>
-              <a:t>2/4/2022</a:t>
+              <a:t>8/31/2022</a:t>
             </a:fld>
             <a:endParaRPr lang="en-US"/>
           </a:p>
@@ -5982,7 +5982,7 @@
           <a:p>
             <a:fld id="{C3F78080-8D0A-4BE8-A5B4-CB115102D524}" type="datetimeFigureOut">
               <a:rPr lang="en-US" smtClean="0"/>
-              <a:t>2/4/2022</a:t>
+              <a:t>8/31/2022</a:t>
             </a:fld>
             <a:endParaRPr lang="en-US"/>
           </a:p>
@@ -6270,7 +6270,7 @@
           <a:p>
             <a:fld id="{C3F78080-8D0A-4BE8-A5B4-CB115102D524}" type="datetimeFigureOut">
               <a:rPr lang="en-US" smtClean="0"/>
-              <a:t>2/4/2022</a:t>
+              <a:t>8/31/2022</a:t>
             </a:fld>
             <a:endParaRPr lang="en-US"/>
           </a:p>
@@ -6511,7 +6511,7 @@
           <a:p>
             <a:fld id="{C3F78080-8D0A-4BE8-A5B4-CB115102D524}" type="datetimeFigureOut">
               <a:rPr lang="en-US" smtClean="0"/>
-              <a:t>2/4/2022</a:t>
+              <a:t>8/31/2022</a:t>
             </a:fld>
             <a:endParaRPr lang="en-US"/>
           </a:p>
@@ -7044,10 +7044,10 @@
       </p:grpSpPr>
       <p:sp>
         <p:nvSpPr>
-          <p:cNvPr id="19" name="Title 1">
-            <a:extLst>
-              <a:ext uri="{FF2B5EF4-FFF2-40B4-BE49-F238E27FC236}">
-                <a16:creationId xmlns:a16="http://schemas.microsoft.com/office/drawing/2014/main" id="{1596E405-F35C-4BF5-AB4F-3B909D8A6505}"/>
+          <p:cNvPr id="2" name="Title 1">
+            <a:extLst>
+              <a:ext uri="{FF2B5EF4-FFF2-40B4-BE49-F238E27FC236}">
+                <a16:creationId xmlns:a16="http://schemas.microsoft.com/office/drawing/2014/main" id="{28FF21C3-8FBB-4756-BF7C-FFD2E5CC2B06}"/>
               </a:ext>
             </a:extLst>
           </p:cNvPr>
@@ -7083,10 +7083,10 @@
       </p:sp>
       <p:pic>
         <p:nvPicPr>
-          <p:cNvPr id="2" name="Picture 1">
-            <a:extLst>
-              <a:ext uri="{FF2B5EF4-FFF2-40B4-BE49-F238E27FC236}">
-                <a16:creationId xmlns:a16="http://schemas.microsoft.com/office/drawing/2014/main" id="{639E0481-B443-4707-A805-D590CBDB6169}"/>
+          <p:cNvPr id="3" name="Picture 2">
+            <a:extLst>
+              <a:ext uri="{FF2B5EF4-FFF2-40B4-BE49-F238E27FC236}">
+                <a16:creationId xmlns:a16="http://schemas.microsoft.com/office/drawing/2014/main" id="{4FC615C4-0F52-42F0-AD58-8B5E167BA56B}"/>
               </a:ext>
             </a:extLst>
           </p:cNvPr>
@@ -7103,8 +7103,8 @@
         </p:blipFill>
         <p:spPr>
           <a:xfrm>
-            <a:off x="2903254" y="1872039"/>
-            <a:ext cx="5484359" cy="3595699"/>
+            <a:off x="3004301" y="2496731"/>
+            <a:ext cx="6183398" cy="2981865"/>
           </a:xfrm>
           <a:prstGeom prst="rect">
             <a:avLst/>
@@ -7113,51 +7113,10 @@
       </p:pic>
       <p:sp>
         <p:nvSpPr>
-          <p:cNvPr id="3" name="Rectangle 2">
-            <a:extLst>
-              <a:ext uri="{FF2B5EF4-FFF2-40B4-BE49-F238E27FC236}">
-                <a16:creationId xmlns:a16="http://schemas.microsoft.com/office/drawing/2014/main" id="{CFA9AEAA-2326-4C95-AA59-AC0DAD268854}"/>
-              </a:ext>
-            </a:extLst>
-          </p:cNvPr>
-          <p:cNvSpPr/>
-          <p:nvPr/>
-        </p:nvSpPr>
-        <p:spPr>
-          <a:xfrm>
-            <a:off x="2903254" y="5714851"/>
-            <a:ext cx="6096000" cy="369332"/>
-          </a:xfrm>
-          <a:prstGeom prst="rect">
-            <a:avLst/>
-          </a:prstGeom>
-        </p:spPr>
-        <p:txBody>
-          <a:bodyPr>
-            <a:spAutoFit/>
-          </a:bodyPr>
-          <a:lstStyle/>
-          <a:p>
-            <a:r>
-              <a:rPr lang="en-US" i="1" dirty="0">
-                <a:latin typeface="MinionPro-It"/>
-                <a:cs typeface="Calibri" panose="020F0502020204030204" pitchFamily="34" charset="0"/>
-              </a:rPr>
-              <a:t>Figure 1-6. Data visualization.</a:t>
-            </a:r>
-            <a:endParaRPr lang="en-US" dirty="0">
-              <a:latin typeface="MinionPro-It"/>
-              <a:cs typeface="Calibri" panose="020F0502020204030204" pitchFamily="34" charset="0"/>
-            </a:endParaRPr>
-          </a:p>
-        </p:txBody>
-      </p:sp>
-      <p:sp>
-        <p:nvSpPr>
-          <p:cNvPr id="5" name="TextBox 4">
-            <a:extLst>
-              <a:ext uri="{FF2B5EF4-FFF2-40B4-BE49-F238E27FC236}">
-                <a16:creationId xmlns:a16="http://schemas.microsoft.com/office/drawing/2014/main" id="{0316C9C8-EA23-4080-9153-3A9E4A2BEEF5}"/>
+          <p:cNvPr id="4" name="TextBox 3">
+            <a:extLst>
+              <a:ext uri="{FF2B5EF4-FFF2-40B4-BE49-F238E27FC236}">
+                <a16:creationId xmlns:a16="http://schemas.microsoft.com/office/drawing/2014/main" id="{C31D6808-333A-40CF-A92F-A7555FD0B1F0}"/>
               </a:ext>
             </a:extLst>
           </p:cNvPr>
@@ -7249,7 +7208,7 @@
     </p:spTree>
     <p:extLst>
       <p:ext uri="{BB962C8B-B14F-4D97-AF65-F5344CB8AC3E}">
-        <p14:creationId xmlns:p14="http://schemas.microsoft.com/office/powerpoint/2010/main" val="1859635518"/>
+        <p14:creationId xmlns:p14="http://schemas.microsoft.com/office/powerpoint/2010/main" val="4246940051"/>
       </p:ext>
     </p:extLst>
   </p:cSld>
@@ -7290,10 +7249,10 @@
       </p:grpSpPr>
       <p:sp>
         <p:nvSpPr>
-          <p:cNvPr id="2" name="Title 1">
-            <a:extLst>
-              <a:ext uri="{FF2B5EF4-FFF2-40B4-BE49-F238E27FC236}">
-                <a16:creationId xmlns:a16="http://schemas.microsoft.com/office/drawing/2014/main" id="{28FF21C3-8FBB-4756-BF7C-FFD2E5CC2B06}"/>
+          <p:cNvPr id="19" name="Title 1">
+            <a:extLst>
+              <a:ext uri="{FF2B5EF4-FFF2-40B4-BE49-F238E27FC236}">
+                <a16:creationId xmlns:a16="http://schemas.microsoft.com/office/drawing/2014/main" id="{1596E405-F35C-4BF5-AB4F-3B909D8A6505}"/>
               </a:ext>
             </a:extLst>
           </p:cNvPr>
@@ -7322,17 +7281,17 @@
                 <a:latin typeface="Palatino Linotype" panose="02040502050505030304" pitchFamily="18" charset="0"/>
                 <a:cs typeface="Segoe UI Light" panose="020B0502040204020203" pitchFamily="34" charset="0"/>
               </a:rPr>
-              <a:t>Reinforcement Learning</a:t>
+              <a:t>Unsupervised Learning</a:t>
             </a:r>
           </a:p>
         </p:txBody>
       </p:sp>
       <p:pic>
         <p:nvPicPr>
-          <p:cNvPr id="7" name="Picture 6">
-            <a:extLst>
-              <a:ext uri="{FF2B5EF4-FFF2-40B4-BE49-F238E27FC236}">
-                <a16:creationId xmlns:a16="http://schemas.microsoft.com/office/drawing/2014/main" id="{4A30E165-C137-4B3A-9370-2DC85C26B6F7}"/>
+          <p:cNvPr id="2" name="Picture 1">
+            <a:extLst>
+              <a:ext uri="{FF2B5EF4-FFF2-40B4-BE49-F238E27FC236}">
+                <a16:creationId xmlns:a16="http://schemas.microsoft.com/office/drawing/2014/main" id="{639E0481-B443-4707-A805-D590CBDB6169}"/>
               </a:ext>
             </a:extLst>
           </p:cNvPr>
@@ -7349,8 +7308,8 @@
         </p:blipFill>
         <p:spPr>
           <a:xfrm>
-            <a:off x="3919131" y="1606799"/>
-            <a:ext cx="4835602" cy="4430099"/>
+            <a:off x="2903254" y="1872039"/>
+            <a:ext cx="5484359" cy="3595699"/>
           </a:xfrm>
           <a:prstGeom prst="rect">
             <a:avLst/>
@@ -7359,10 +7318,51 @@
       </p:pic>
       <p:sp>
         <p:nvSpPr>
-          <p:cNvPr id="4" name="TextBox 3">
-            <a:extLst>
-              <a:ext uri="{FF2B5EF4-FFF2-40B4-BE49-F238E27FC236}">
-                <a16:creationId xmlns:a16="http://schemas.microsoft.com/office/drawing/2014/main" id="{F1506BC0-E305-4135-B55D-FD35C9D23B85}"/>
+          <p:cNvPr id="3" name="Rectangle 2">
+            <a:extLst>
+              <a:ext uri="{FF2B5EF4-FFF2-40B4-BE49-F238E27FC236}">
+                <a16:creationId xmlns:a16="http://schemas.microsoft.com/office/drawing/2014/main" id="{CFA9AEAA-2326-4C95-AA59-AC0DAD268854}"/>
+              </a:ext>
+            </a:extLst>
+          </p:cNvPr>
+          <p:cNvSpPr/>
+          <p:nvPr/>
+        </p:nvSpPr>
+        <p:spPr>
+          <a:xfrm>
+            <a:off x="2903254" y="5714851"/>
+            <a:ext cx="6096000" cy="369332"/>
+          </a:xfrm>
+          <a:prstGeom prst="rect">
+            <a:avLst/>
+          </a:prstGeom>
+        </p:spPr>
+        <p:txBody>
+          <a:bodyPr>
+            <a:spAutoFit/>
+          </a:bodyPr>
+          <a:lstStyle/>
+          <a:p>
+            <a:r>
+              <a:rPr lang="en-US" i="1" dirty="0">
+                <a:latin typeface="MinionPro-It"/>
+                <a:cs typeface="Calibri" panose="020F0502020204030204" pitchFamily="34" charset="0"/>
+              </a:rPr>
+              <a:t>Figure 1-6. Data visualization.</a:t>
+            </a:r>
+            <a:endParaRPr lang="en-US" dirty="0">
+              <a:latin typeface="MinionPro-It"/>
+              <a:cs typeface="Calibri" panose="020F0502020204030204" pitchFamily="34" charset="0"/>
+            </a:endParaRPr>
+          </a:p>
+        </p:txBody>
+      </p:sp>
+      <p:sp>
+        <p:nvSpPr>
+          <p:cNvPr id="5" name="TextBox 4">
+            <a:extLst>
+              <a:ext uri="{FF2B5EF4-FFF2-40B4-BE49-F238E27FC236}">
+                <a16:creationId xmlns:a16="http://schemas.microsoft.com/office/drawing/2014/main" id="{0316C9C8-EA23-4080-9153-3A9E4A2BEEF5}"/>
               </a:ext>
             </a:extLst>
           </p:cNvPr>
@@ -7454,7 +7454,7 @@
     </p:spTree>
     <p:extLst>
       <p:ext uri="{BB962C8B-B14F-4D97-AF65-F5344CB8AC3E}">
-        <p14:creationId xmlns:p14="http://schemas.microsoft.com/office/powerpoint/2010/main" val="1603749275"/>
+        <p14:creationId xmlns:p14="http://schemas.microsoft.com/office/powerpoint/2010/main" val="1859635518"/>
       </p:ext>
     </p:extLst>
   </p:cSld>
@@ -7493,6 +7493,211 @@
           <a:chExt cx="0" cy="0"/>
         </a:xfrm>
       </p:grpSpPr>
+      <p:sp>
+        <p:nvSpPr>
+          <p:cNvPr id="2" name="Title 1">
+            <a:extLst>
+              <a:ext uri="{FF2B5EF4-FFF2-40B4-BE49-F238E27FC236}">
+                <a16:creationId xmlns:a16="http://schemas.microsoft.com/office/drawing/2014/main" id="{28FF21C3-8FBB-4756-BF7C-FFD2E5CC2B06}"/>
+              </a:ext>
+            </a:extLst>
+          </p:cNvPr>
+          <p:cNvSpPr>
+            <a:spLocks noGrp="1"/>
+          </p:cNvSpPr>
+          <p:nvPr>
+            <p:ph type="title"/>
+          </p:nvPr>
+        </p:nvSpPr>
+        <p:spPr>
+          <a:xfrm>
+            <a:off x="0" y="440190"/>
+            <a:ext cx="12192000" cy="815404"/>
+          </a:xfrm>
+        </p:spPr>
+        <p:txBody>
+          <a:bodyPr>
+            <a:normAutofit/>
+          </a:bodyPr>
+          <a:lstStyle/>
+          <a:p>
+            <a:pPr algn="ctr"/>
+            <a:r>
+              <a:rPr lang="en-US" dirty="0">
+                <a:latin typeface="Palatino Linotype" panose="02040502050505030304" pitchFamily="18" charset="0"/>
+                <a:cs typeface="Segoe UI Light" panose="020B0502040204020203" pitchFamily="34" charset="0"/>
+              </a:rPr>
+              <a:t>Reinforcement Learning</a:t>
+            </a:r>
+          </a:p>
+        </p:txBody>
+      </p:sp>
+      <p:pic>
+        <p:nvPicPr>
+          <p:cNvPr id="7" name="Picture 6">
+            <a:extLst>
+              <a:ext uri="{FF2B5EF4-FFF2-40B4-BE49-F238E27FC236}">
+                <a16:creationId xmlns:a16="http://schemas.microsoft.com/office/drawing/2014/main" id="{4A30E165-C137-4B3A-9370-2DC85C26B6F7}"/>
+              </a:ext>
+            </a:extLst>
+          </p:cNvPr>
+          <p:cNvPicPr>
+            <a:picLocks noChangeAspect="1"/>
+          </p:cNvPicPr>
+          <p:nvPr/>
+        </p:nvPicPr>
+        <p:blipFill>
+          <a:blip r:embed="rId3"/>
+          <a:stretch>
+            <a:fillRect/>
+          </a:stretch>
+        </p:blipFill>
+        <p:spPr>
+          <a:xfrm>
+            <a:off x="3919131" y="1606799"/>
+            <a:ext cx="4835602" cy="4430099"/>
+          </a:xfrm>
+          <a:prstGeom prst="rect">
+            <a:avLst/>
+          </a:prstGeom>
+        </p:spPr>
+      </p:pic>
+      <p:sp>
+        <p:nvSpPr>
+          <p:cNvPr id="4" name="TextBox 3">
+            <a:extLst>
+              <a:ext uri="{FF2B5EF4-FFF2-40B4-BE49-F238E27FC236}">
+                <a16:creationId xmlns:a16="http://schemas.microsoft.com/office/drawing/2014/main" id="{F1506BC0-E305-4135-B55D-FD35C9D23B85}"/>
+              </a:ext>
+            </a:extLst>
+          </p:cNvPr>
+          <p:cNvSpPr txBox="1"/>
+          <p:nvPr/>
+        </p:nvSpPr>
+        <p:spPr>
+          <a:xfrm>
+            <a:off x="0" y="6550223"/>
+            <a:ext cx="12192000" cy="307777"/>
+          </a:xfrm>
+          <a:prstGeom prst="rect">
+            <a:avLst/>
+          </a:prstGeom>
+          <a:noFill/>
+        </p:spPr>
+        <p:txBody>
+          <a:bodyPr wrap="square" rtlCol="0">
+            <a:spAutoFit/>
+          </a:bodyPr>
+          <a:lstStyle/>
+          <a:p>
+            <a:r>
+              <a:rPr lang="en-US" sz="1400" dirty="0">
+                <a:solidFill>
+                  <a:schemeClr val="tx1">
+                    <a:lumMod val="65000"/>
+                    <a:lumOff val="35000"/>
+                  </a:schemeClr>
+                </a:solidFill>
+                <a:latin typeface="+mj-lt"/>
+                <a:ea typeface="Verdana" panose="020B0604030504040204" pitchFamily="34" charset="0"/>
+              </a:rPr>
+              <a:t>Source: Geron, A. (2019). </a:t>
+            </a:r>
+            <a:r>
+              <a:rPr lang="en-US" sz="1400" i="1" dirty="0">
+                <a:solidFill>
+                  <a:schemeClr val="tx1">
+                    <a:lumMod val="65000"/>
+                    <a:lumOff val="35000"/>
+                  </a:schemeClr>
+                </a:solidFill>
+                <a:latin typeface="+mj-lt"/>
+                <a:ea typeface="Verdana" panose="020B0604030504040204" pitchFamily="34" charset="0"/>
+              </a:rPr>
+              <a:t>Hands-On Machine Learning w/Scikit-Learn, Keras &amp; Tensorflow </a:t>
+            </a:r>
+            <a:r>
+              <a:rPr lang="en-US" sz="1400" dirty="0">
+                <a:solidFill>
+                  <a:schemeClr val="tx1">
+                    <a:lumMod val="65000"/>
+                    <a:lumOff val="35000"/>
+                  </a:schemeClr>
+                </a:solidFill>
+                <a:latin typeface="+mj-lt"/>
+                <a:ea typeface="Verdana" panose="020B0604030504040204" pitchFamily="34" charset="0"/>
+              </a:rPr>
+              <a:t>. </a:t>
+            </a:r>
+            <a:r>
+              <a:rPr lang="en-US" sz="1400" b="0" i="0" dirty="0">
+                <a:solidFill>
+                  <a:schemeClr val="tx1">
+                    <a:lumMod val="65000"/>
+                    <a:lumOff val="35000"/>
+                  </a:schemeClr>
+                </a:solidFill>
+                <a:effectLst/>
+                <a:latin typeface="+mj-lt"/>
+                <a:ea typeface="Verdana" panose="020B0604030504040204" pitchFamily="34" charset="0"/>
+              </a:rPr>
+              <a:t>Sebastopol, CA: O'Reilly Media, Inc. (Chapter 1)</a:t>
+            </a:r>
+            <a:endParaRPr lang="en-US" sz="1400" dirty="0">
+              <a:solidFill>
+                <a:schemeClr val="tx1">
+                  <a:lumMod val="65000"/>
+                  <a:lumOff val="35000"/>
+                </a:schemeClr>
+              </a:solidFill>
+              <a:latin typeface="+mj-lt"/>
+              <a:ea typeface="Verdana" panose="020B0604030504040204" pitchFamily="34" charset="0"/>
+            </a:endParaRPr>
+          </a:p>
+        </p:txBody>
+      </p:sp>
+    </p:spTree>
+    <p:extLst>
+      <p:ext uri="{BB962C8B-B14F-4D97-AF65-F5344CB8AC3E}">
+        <p14:creationId xmlns:p14="http://schemas.microsoft.com/office/powerpoint/2010/main" val="1603749275"/>
+      </p:ext>
+    </p:extLst>
+  </p:cSld>
+  <p:clrMapOvr>
+    <a:masterClrMapping/>
+  </p:clrMapOvr>
+  <mc:AlternateContent xmlns:mc="http://schemas.openxmlformats.org/markup-compatibility/2006" xmlns:p14="http://schemas.microsoft.com/office/powerpoint/2010/main">
+    <mc:Choice Requires="p14">
+      <p:transition spd="med" p14:dur="700">
+        <p:fade/>
+      </p:transition>
+    </mc:Choice>
+    <mc:Fallback xmlns="">
+      <p:transition spd="med">
+        <p:fade/>
+      </p:transition>
+    </mc:Fallback>
+  </mc:AlternateContent>
+</p:sld>
+</file>
+
+<file path=ppt/slides/slide13.xml><?xml version="1.0" encoding="utf-8"?>
+<p:sld xmlns:a="http://schemas.openxmlformats.org/drawingml/2006/main" xmlns:r="http://schemas.openxmlformats.org/officeDocument/2006/relationships" xmlns:p="http://schemas.openxmlformats.org/presentationml/2006/main">
+  <p:cSld>
+    <p:spTree>
+      <p:nvGrpSpPr>
+        <p:cNvPr id="1" name=""/>
+        <p:cNvGrpSpPr/>
+        <p:nvPr/>
+      </p:nvGrpSpPr>
+      <p:grpSpPr>
+        <a:xfrm>
+          <a:off x="0" y="0"/>
+          <a:ext cx="0" cy="0"/>
+          <a:chOff x="0" y="0"/>
+          <a:chExt cx="0" cy="0"/>
+        </a:xfrm>
+      </p:grpSpPr>
       <p:pic>
         <p:nvPicPr>
           <p:cNvPr id="2" name="Picture 4">
@@ -7996,7 +8201,7 @@
 </p:sld>
 </file>
 
-<file path=ppt/slides/slide13.xml><?xml version="1.0" encoding="utf-8"?>
+<file path=ppt/slides/slide14.xml><?xml version="1.0" encoding="utf-8"?>
 <p:sld xmlns:a="http://schemas.openxmlformats.org/drawingml/2006/main" xmlns:r="http://schemas.openxmlformats.org/officeDocument/2006/relationships" xmlns:p="http://schemas.openxmlformats.org/presentationml/2006/main">
   <p:cSld>
     <p:spTree>
@@ -8516,7 +8721,7 @@
 </p:sld>
 </file>
 
-<file path=ppt/slides/slide14.xml><?xml version="1.0" encoding="utf-8"?>
+<file path=ppt/slides/slide15.xml><?xml version="1.0" encoding="utf-8"?>
 <p:sld xmlns:a="http://schemas.openxmlformats.org/drawingml/2006/main" xmlns:r="http://schemas.openxmlformats.org/officeDocument/2006/relationships" xmlns:p="http://schemas.openxmlformats.org/presentationml/2006/main">
   <p:cSld>
     <p:spTree>
@@ -9042,7 +9247,7 @@
 </p:sld>
 </file>
 
-<file path=ppt/slides/slide15.xml><?xml version="1.0" encoding="utf-8"?>
+<file path=ppt/slides/slide16.xml><?xml version="1.0" encoding="utf-8"?>
 <p:sld xmlns:a="http://schemas.openxmlformats.org/drawingml/2006/main" xmlns:r="http://schemas.openxmlformats.org/officeDocument/2006/relationships" xmlns:p="http://schemas.openxmlformats.org/presentationml/2006/main">
   <p:cSld>
     <p:spTree>
@@ -9153,7 +9358,7 @@
 </p:sld>
 </file>
 
-<file path=ppt/slides/slide16.xml><?xml version="1.0" encoding="utf-8"?>
+<file path=ppt/slides/slide17.xml><?xml version="1.0" encoding="utf-8"?>
 <p:sld xmlns:a="http://schemas.openxmlformats.org/drawingml/2006/main" xmlns:r="http://schemas.openxmlformats.org/officeDocument/2006/relationships" xmlns:p="http://schemas.openxmlformats.org/presentationml/2006/main">
   <p:cSld>
     <p:spTree>
@@ -9279,7 +9484,7 @@
 </p:sld>
 </file>
 
-<file path=ppt/slides/slide17.xml><?xml version="1.0" encoding="utf-8"?>
+<file path=ppt/slides/slide18.xml><?xml version="1.0" encoding="utf-8"?>
 <p:sld xmlns:a="http://schemas.openxmlformats.org/drawingml/2006/main" xmlns:r="http://schemas.openxmlformats.org/officeDocument/2006/relationships" xmlns:p="http://schemas.openxmlformats.org/presentationml/2006/main">
   <p:cSld>
     <p:spTree>
@@ -9321,7 +9526,7 @@
 </p:sld>
 </file>
 
-<file path=ppt/slides/slide18.xml><?xml version="1.0" encoding="utf-8"?>
+<file path=ppt/slides/slide19.xml><?xml version="1.0" encoding="utf-8"?>
 <p:sld xmlns:a="http://schemas.openxmlformats.org/drawingml/2006/main" xmlns:r="http://schemas.openxmlformats.org/officeDocument/2006/relationships" xmlns:p="http://schemas.openxmlformats.org/presentationml/2006/main">
   <p:cSld>
     <p:spTree>
@@ -9393,7 +9598,795 @@
 </p:sld>
 </file>
 
-<file path=ppt/slides/slide19.xml><?xml version="1.0" encoding="utf-8"?>
+<file path=ppt/slides/slide2.xml><?xml version="1.0" encoding="utf-8"?>
+<p:sld xmlns:a="http://schemas.openxmlformats.org/drawingml/2006/main" xmlns:r="http://schemas.openxmlformats.org/officeDocument/2006/relationships" xmlns:p="http://schemas.openxmlformats.org/presentationml/2006/main">
+  <p:cSld>
+    <p:spTree>
+      <p:nvGrpSpPr>
+        <p:cNvPr id="1" name=""/>
+        <p:cNvGrpSpPr/>
+        <p:nvPr/>
+      </p:nvGrpSpPr>
+      <p:grpSpPr>
+        <a:xfrm>
+          <a:off x="0" y="0"/>
+          <a:ext cx="0" cy="0"/>
+          <a:chOff x="0" y="0"/>
+          <a:chExt cx="0" cy="0"/>
+        </a:xfrm>
+      </p:grpSpPr>
+      <p:sp>
+        <p:nvSpPr>
+          <p:cNvPr id="2" name="Title 1">
+            <a:extLst>
+              <a:ext uri="{FF2B5EF4-FFF2-40B4-BE49-F238E27FC236}">
+                <a16:creationId xmlns:a16="http://schemas.microsoft.com/office/drawing/2014/main" id="{0E138177-E2EE-ACAC-A57C-F03FA29EC836}"/>
+              </a:ext>
+            </a:extLst>
+          </p:cNvPr>
+          <p:cNvSpPr>
+            <a:spLocks noGrp="1"/>
+          </p:cNvSpPr>
+          <p:nvPr>
+            <p:ph type="title"/>
+          </p:nvPr>
+        </p:nvSpPr>
+        <p:spPr/>
+        <p:txBody>
+          <a:bodyPr/>
+          <a:lstStyle/>
+          <a:p>
+            <a:r>
+              <a:rPr lang="en-US" dirty="0">
+                <a:solidFill>
+                  <a:schemeClr val="tx1">
+                    <a:lumMod val="75000"/>
+                    <a:lumOff val="25000"/>
+                  </a:schemeClr>
+                </a:solidFill>
+                <a:latin typeface="Palatino Linotype" panose="02040502050505030304" pitchFamily="18" charset="0"/>
+              </a:rPr>
+              <a:t>Lesson Overview</a:t>
+            </a:r>
+          </a:p>
+        </p:txBody>
+      </p:sp>
+      <p:sp>
+        <p:nvSpPr>
+          <p:cNvPr id="3" name="Content Placeholder 2">
+            <a:extLst>
+              <a:ext uri="{FF2B5EF4-FFF2-40B4-BE49-F238E27FC236}">
+                <a16:creationId xmlns:a16="http://schemas.microsoft.com/office/drawing/2014/main" id="{8626DB86-54B4-A1E2-6C25-C049F364ED25}"/>
+              </a:ext>
+            </a:extLst>
+          </p:cNvPr>
+          <p:cNvSpPr>
+            <a:spLocks noGrp="1"/>
+          </p:cNvSpPr>
+          <p:nvPr>
+            <p:ph idx="1"/>
+          </p:nvPr>
+        </p:nvSpPr>
+        <p:spPr>
+          <a:xfrm>
+            <a:off x="1013564" y="1825626"/>
+            <a:ext cx="10515600" cy="504215"/>
+          </a:xfrm>
+        </p:spPr>
+        <p:txBody>
+          <a:bodyPr/>
+          <a:lstStyle/>
+          <a:p>
+            <a:pPr>
+              <a:buFont typeface="Wingdings" panose="05000000000000000000" pitchFamily="2" charset="2"/>
+              <a:buChar char="Ø"/>
+            </a:pPr>
+            <a:r>
+              <a:rPr lang="en-US" dirty="0">
+                <a:solidFill>
+                  <a:schemeClr val="tx1">
+                    <a:lumMod val="75000"/>
+                    <a:lumOff val="25000"/>
+                  </a:schemeClr>
+                </a:solidFill>
+              </a:rPr>
+              <a:t> </a:t>
+            </a:r>
+            <a:r>
+              <a:rPr lang="en-US" dirty="0">
+                <a:solidFill>
+                  <a:schemeClr val="tx1">
+                    <a:lumMod val="75000"/>
+                    <a:lumOff val="25000"/>
+                  </a:schemeClr>
+                </a:solidFill>
+                <a:latin typeface="Palatino Linotype" panose="02040502050505030304" pitchFamily="18" charset="0"/>
+              </a:rPr>
+              <a:t>Learning Objective 1</a:t>
+            </a:r>
+          </a:p>
+        </p:txBody>
+      </p:sp>
+      <p:sp>
+        <p:nvSpPr>
+          <p:cNvPr id="5" name="Content Placeholder 2">
+            <a:extLst>
+              <a:ext uri="{FF2B5EF4-FFF2-40B4-BE49-F238E27FC236}">
+                <a16:creationId xmlns:a16="http://schemas.microsoft.com/office/drawing/2014/main" id="{7070644F-62DF-8674-4A8A-C2FA1554028E}"/>
+              </a:ext>
+            </a:extLst>
+          </p:cNvPr>
+          <p:cNvSpPr txBox="1">
+            <a:spLocks/>
+          </p:cNvSpPr>
+          <p:nvPr/>
+        </p:nvSpPr>
+        <p:spPr>
+          <a:xfrm>
+            <a:off x="1013564" y="2464778"/>
+            <a:ext cx="10515600" cy="504215"/>
+          </a:xfrm>
+          <a:prstGeom prst="rect">
+            <a:avLst/>
+          </a:prstGeom>
+        </p:spPr>
+        <p:txBody>
+          <a:bodyPr vert="horz" lIns="91440" tIns="45720" rIns="91440" bIns="45720" rtlCol="0">
+            <a:normAutofit/>
+          </a:bodyPr>
+          <a:lstStyle>
+            <a:lvl1pPr marL="228600" indent="-228600" algn="l" defTabSz="914400" rtl="0" eaLnBrk="1" latinLnBrk="0" hangingPunct="1">
+              <a:lnSpc>
+                <a:spcPct val="90000"/>
+              </a:lnSpc>
+              <a:spcBef>
+                <a:spcPts val="1000"/>
+              </a:spcBef>
+              <a:buFont typeface="Arial" panose="020B0604020202020204" pitchFamily="34" charset="0"/>
+              <a:buChar char="•"/>
+              <a:defRPr sz="2800" kern="1200">
+                <a:solidFill>
+                  <a:schemeClr val="tx1"/>
+                </a:solidFill>
+                <a:latin typeface="+mn-lt"/>
+                <a:ea typeface="+mn-ea"/>
+                <a:cs typeface="+mn-cs"/>
+              </a:defRPr>
+            </a:lvl1pPr>
+            <a:lvl2pPr marL="685800" indent="-228600" algn="l" defTabSz="914400" rtl="0" eaLnBrk="1" latinLnBrk="0" hangingPunct="1">
+              <a:lnSpc>
+                <a:spcPct val="90000"/>
+              </a:lnSpc>
+              <a:spcBef>
+                <a:spcPts val="500"/>
+              </a:spcBef>
+              <a:buFont typeface="Arial" panose="020B0604020202020204" pitchFamily="34" charset="0"/>
+              <a:buChar char="•"/>
+              <a:defRPr sz="2400" kern="1200">
+                <a:solidFill>
+                  <a:schemeClr val="tx1"/>
+                </a:solidFill>
+                <a:latin typeface="+mn-lt"/>
+                <a:ea typeface="+mn-ea"/>
+                <a:cs typeface="+mn-cs"/>
+              </a:defRPr>
+            </a:lvl2pPr>
+            <a:lvl3pPr marL="1143000" indent="-228600" algn="l" defTabSz="914400" rtl="0" eaLnBrk="1" latinLnBrk="0" hangingPunct="1">
+              <a:lnSpc>
+                <a:spcPct val="90000"/>
+              </a:lnSpc>
+              <a:spcBef>
+                <a:spcPts val="500"/>
+              </a:spcBef>
+              <a:buFont typeface="Arial" panose="020B0604020202020204" pitchFamily="34" charset="0"/>
+              <a:buChar char="•"/>
+              <a:defRPr sz="2000" kern="1200">
+                <a:solidFill>
+                  <a:schemeClr val="tx1"/>
+                </a:solidFill>
+                <a:latin typeface="+mn-lt"/>
+                <a:ea typeface="+mn-ea"/>
+                <a:cs typeface="+mn-cs"/>
+              </a:defRPr>
+            </a:lvl3pPr>
+            <a:lvl4pPr marL="1600200" indent="-228600" algn="l" defTabSz="914400" rtl="0" eaLnBrk="1" latinLnBrk="0" hangingPunct="1">
+              <a:lnSpc>
+                <a:spcPct val="90000"/>
+              </a:lnSpc>
+              <a:spcBef>
+                <a:spcPts val="500"/>
+              </a:spcBef>
+              <a:buFont typeface="Arial" panose="020B0604020202020204" pitchFamily="34" charset="0"/>
+              <a:buChar char="•"/>
+              <a:defRPr sz="1800" kern="1200">
+                <a:solidFill>
+                  <a:schemeClr val="tx1"/>
+                </a:solidFill>
+                <a:latin typeface="+mn-lt"/>
+                <a:ea typeface="+mn-ea"/>
+                <a:cs typeface="+mn-cs"/>
+              </a:defRPr>
+            </a:lvl4pPr>
+            <a:lvl5pPr marL="2057400" indent="-228600" algn="l" defTabSz="914400" rtl="0" eaLnBrk="1" latinLnBrk="0" hangingPunct="1">
+              <a:lnSpc>
+                <a:spcPct val="90000"/>
+              </a:lnSpc>
+              <a:spcBef>
+                <a:spcPts val="500"/>
+              </a:spcBef>
+              <a:buFont typeface="Arial" panose="020B0604020202020204" pitchFamily="34" charset="0"/>
+              <a:buChar char="•"/>
+              <a:defRPr sz="1800" kern="1200">
+                <a:solidFill>
+                  <a:schemeClr val="tx1"/>
+                </a:solidFill>
+                <a:latin typeface="+mn-lt"/>
+                <a:ea typeface="+mn-ea"/>
+                <a:cs typeface="+mn-cs"/>
+              </a:defRPr>
+            </a:lvl5pPr>
+            <a:lvl6pPr marL="2514600" indent="-228600" algn="l" defTabSz="914400" rtl="0" eaLnBrk="1" latinLnBrk="0" hangingPunct="1">
+              <a:lnSpc>
+                <a:spcPct val="90000"/>
+              </a:lnSpc>
+              <a:spcBef>
+                <a:spcPts val="500"/>
+              </a:spcBef>
+              <a:buFont typeface="Arial" panose="020B0604020202020204" pitchFamily="34" charset="0"/>
+              <a:buChar char="•"/>
+              <a:defRPr sz="1800" kern="1200">
+                <a:solidFill>
+                  <a:schemeClr val="tx1"/>
+                </a:solidFill>
+                <a:latin typeface="+mn-lt"/>
+                <a:ea typeface="+mn-ea"/>
+                <a:cs typeface="+mn-cs"/>
+              </a:defRPr>
+            </a:lvl6pPr>
+            <a:lvl7pPr marL="2971800" indent="-228600" algn="l" defTabSz="914400" rtl="0" eaLnBrk="1" latinLnBrk="0" hangingPunct="1">
+              <a:lnSpc>
+                <a:spcPct val="90000"/>
+              </a:lnSpc>
+              <a:spcBef>
+                <a:spcPts val="500"/>
+              </a:spcBef>
+              <a:buFont typeface="Arial" panose="020B0604020202020204" pitchFamily="34" charset="0"/>
+              <a:buChar char="•"/>
+              <a:defRPr sz="1800" kern="1200">
+                <a:solidFill>
+                  <a:schemeClr val="tx1"/>
+                </a:solidFill>
+                <a:latin typeface="+mn-lt"/>
+                <a:ea typeface="+mn-ea"/>
+                <a:cs typeface="+mn-cs"/>
+              </a:defRPr>
+            </a:lvl7pPr>
+            <a:lvl8pPr marL="3429000" indent="-228600" algn="l" defTabSz="914400" rtl="0" eaLnBrk="1" latinLnBrk="0" hangingPunct="1">
+              <a:lnSpc>
+                <a:spcPct val="90000"/>
+              </a:lnSpc>
+              <a:spcBef>
+                <a:spcPts val="500"/>
+              </a:spcBef>
+              <a:buFont typeface="Arial" panose="020B0604020202020204" pitchFamily="34" charset="0"/>
+              <a:buChar char="•"/>
+              <a:defRPr sz="1800" kern="1200">
+                <a:solidFill>
+                  <a:schemeClr val="tx1"/>
+                </a:solidFill>
+                <a:latin typeface="+mn-lt"/>
+                <a:ea typeface="+mn-ea"/>
+                <a:cs typeface="+mn-cs"/>
+              </a:defRPr>
+            </a:lvl8pPr>
+            <a:lvl9pPr marL="3886200" indent="-228600" algn="l" defTabSz="914400" rtl="0" eaLnBrk="1" latinLnBrk="0" hangingPunct="1">
+              <a:lnSpc>
+                <a:spcPct val="90000"/>
+              </a:lnSpc>
+              <a:spcBef>
+                <a:spcPts val="500"/>
+              </a:spcBef>
+              <a:buFont typeface="Arial" panose="020B0604020202020204" pitchFamily="34" charset="0"/>
+              <a:buChar char="•"/>
+              <a:defRPr sz="1800" kern="1200">
+                <a:solidFill>
+                  <a:schemeClr val="tx1"/>
+                </a:solidFill>
+                <a:latin typeface="+mn-lt"/>
+                <a:ea typeface="+mn-ea"/>
+                <a:cs typeface="+mn-cs"/>
+              </a:defRPr>
+            </a:lvl9pPr>
+          </a:lstStyle>
+          <a:p>
+            <a:pPr>
+              <a:buFont typeface="Wingdings" panose="05000000000000000000" pitchFamily="2" charset="2"/>
+              <a:buChar char="Ø"/>
+            </a:pPr>
+            <a:r>
+              <a:rPr lang="en-US" dirty="0">
+                <a:solidFill>
+                  <a:schemeClr val="tx1">
+                    <a:lumMod val="75000"/>
+                    <a:lumOff val="25000"/>
+                  </a:schemeClr>
+                </a:solidFill>
+              </a:rPr>
+              <a:t> </a:t>
+            </a:r>
+            <a:r>
+              <a:rPr lang="en-US" dirty="0">
+                <a:solidFill>
+                  <a:schemeClr val="tx1">
+                    <a:lumMod val="75000"/>
+                    <a:lumOff val="25000"/>
+                  </a:schemeClr>
+                </a:solidFill>
+                <a:latin typeface="Palatino Linotype" panose="02040502050505030304" pitchFamily="18" charset="0"/>
+              </a:rPr>
+              <a:t>Learning Objective 1</a:t>
+            </a:r>
+          </a:p>
+        </p:txBody>
+      </p:sp>
+      <p:sp>
+        <p:nvSpPr>
+          <p:cNvPr id="6" name="Content Placeholder 2">
+            <a:extLst>
+              <a:ext uri="{FF2B5EF4-FFF2-40B4-BE49-F238E27FC236}">
+                <a16:creationId xmlns:a16="http://schemas.microsoft.com/office/drawing/2014/main" id="{FF2490E1-D7A0-7027-6DCC-60BB6819CD9E}"/>
+              </a:ext>
+            </a:extLst>
+          </p:cNvPr>
+          <p:cNvSpPr txBox="1">
+            <a:spLocks/>
+          </p:cNvSpPr>
+          <p:nvPr/>
+        </p:nvSpPr>
+        <p:spPr>
+          <a:xfrm>
+            <a:off x="1013564" y="3103930"/>
+            <a:ext cx="10515600" cy="504215"/>
+          </a:xfrm>
+          <a:prstGeom prst="rect">
+            <a:avLst/>
+          </a:prstGeom>
+        </p:spPr>
+        <p:txBody>
+          <a:bodyPr vert="horz" lIns="91440" tIns="45720" rIns="91440" bIns="45720" rtlCol="0">
+            <a:normAutofit/>
+          </a:bodyPr>
+          <a:lstStyle>
+            <a:lvl1pPr marL="228600" indent="-228600" algn="l" defTabSz="914400" rtl="0" eaLnBrk="1" latinLnBrk="0" hangingPunct="1">
+              <a:lnSpc>
+                <a:spcPct val="90000"/>
+              </a:lnSpc>
+              <a:spcBef>
+                <a:spcPts val="1000"/>
+              </a:spcBef>
+              <a:buFont typeface="Arial" panose="020B0604020202020204" pitchFamily="34" charset="0"/>
+              <a:buChar char="•"/>
+              <a:defRPr sz="2800" kern="1200">
+                <a:solidFill>
+                  <a:schemeClr val="tx1"/>
+                </a:solidFill>
+                <a:latin typeface="+mn-lt"/>
+                <a:ea typeface="+mn-ea"/>
+                <a:cs typeface="+mn-cs"/>
+              </a:defRPr>
+            </a:lvl1pPr>
+            <a:lvl2pPr marL="685800" indent="-228600" algn="l" defTabSz="914400" rtl="0" eaLnBrk="1" latinLnBrk="0" hangingPunct="1">
+              <a:lnSpc>
+                <a:spcPct val="90000"/>
+              </a:lnSpc>
+              <a:spcBef>
+                <a:spcPts val="500"/>
+              </a:spcBef>
+              <a:buFont typeface="Arial" panose="020B0604020202020204" pitchFamily="34" charset="0"/>
+              <a:buChar char="•"/>
+              <a:defRPr sz="2400" kern="1200">
+                <a:solidFill>
+                  <a:schemeClr val="tx1"/>
+                </a:solidFill>
+                <a:latin typeface="+mn-lt"/>
+                <a:ea typeface="+mn-ea"/>
+                <a:cs typeface="+mn-cs"/>
+              </a:defRPr>
+            </a:lvl2pPr>
+            <a:lvl3pPr marL="1143000" indent="-228600" algn="l" defTabSz="914400" rtl="0" eaLnBrk="1" latinLnBrk="0" hangingPunct="1">
+              <a:lnSpc>
+                <a:spcPct val="90000"/>
+              </a:lnSpc>
+              <a:spcBef>
+                <a:spcPts val="500"/>
+              </a:spcBef>
+              <a:buFont typeface="Arial" panose="020B0604020202020204" pitchFamily="34" charset="0"/>
+              <a:buChar char="•"/>
+              <a:defRPr sz="2000" kern="1200">
+                <a:solidFill>
+                  <a:schemeClr val="tx1"/>
+                </a:solidFill>
+                <a:latin typeface="+mn-lt"/>
+                <a:ea typeface="+mn-ea"/>
+                <a:cs typeface="+mn-cs"/>
+              </a:defRPr>
+            </a:lvl3pPr>
+            <a:lvl4pPr marL="1600200" indent="-228600" algn="l" defTabSz="914400" rtl="0" eaLnBrk="1" latinLnBrk="0" hangingPunct="1">
+              <a:lnSpc>
+                <a:spcPct val="90000"/>
+              </a:lnSpc>
+              <a:spcBef>
+                <a:spcPts val="500"/>
+              </a:spcBef>
+              <a:buFont typeface="Arial" panose="020B0604020202020204" pitchFamily="34" charset="0"/>
+              <a:buChar char="•"/>
+              <a:defRPr sz="1800" kern="1200">
+                <a:solidFill>
+                  <a:schemeClr val="tx1"/>
+                </a:solidFill>
+                <a:latin typeface="+mn-lt"/>
+                <a:ea typeface="+mn-ea"/>
+                <a:cs typeface="+mn-cs"/>
+              </a:defRPr>
+            </a:lvl4pPr>
+            <a:lvl5pPr marL="2057400" indent="-228600" algn="l" defTabSz="914400" rtl="0" eaLnBrk="1" latinLnBrk="0" hangingPunct="1">
+              <a:lnSpc>
+                <a:spcPct val="90000"/>
+              </a:lnSpc>
+              <a:spcBef>
+                <a:spcPts val="500"/>
+              </a:spcBef>
+              <a:buFont typeface="Arial" panose="020B0604020202020204" pitchFamily="34" charset="0"/>
+              <a:buChar char="•"/>
+              <a:defRPr sz="1800" kern="1200">
+                <a:solidFill>
+                  <a:schemeClr val="tx1"/>
+                </a:solidFill>
+                <a:latin typeface="+mn-lt"/>
+                <a:ea typeface="+mn-ea"/>
+                <a:cs typeface="+mn-cs"/>
+              </a:defRPr>
+            </a:lvl5pPr>
+            <a:lvl6pPr marL="2514600" indent="-228600" algn="l" defTabSz="914400" rtl="0" eaLnBrk="1" latinLnBrk="0" hangingPunct="1">
+              <a:lnSpc>
+                <a:spcPct val="90000"/>
+              </a:lnSpc>
+              <a:spcBef>
+                <a:spcPts val="500"/>
+              </a:spcBef>
+              <a:buFont typeface="Arial" panose="020B0604020202020204" pitchFamily="34" charset="0"/>
+              <a:buChar char="•"/>
+              <a:defRPr sz="1800" kern="1200">
+                <a:solidFill>
+                  <a:schemeClr val="tx1"/>
+                </a:solidFill>
+                <a:latin typeface="+mn-lt"/>
+                <a:ea typeface="+mn-ea"/>
+                <a:cs typeface="+mn-cs"/>
+              </a:defRPr>
+            </a:lvl6pPr>
+            <a:lvl7pPr marL="2971800" indent="-228600" algn="l" defTabSz="914400" rtl="0" eaLnBrk="1" latinLnBrk="0" hangingPunct="1">
+              <a:lnSpc>
+                <a:spcPct val="90000"/>
+              </a:lnSpc>
+              <a:spcBef>
+                <a:spcPts val="500"/>
+              </a:spcBef>
+              <a:buFont typeface="Arial" panose="020B0604020202020204" pitchFamily="34" charset="0"/>
+              <a:buChar char="•"/>
+              <a:defRPr sz="1800" kern="1200">
+                <a:solidFill>
+                  <a:schemeClr val="tx1"/>
+                </a:solidFill>
+                <a:latin typeface="+mn-lt"/>
+                <a:ea typeface="+mn-ea"/>
+                <a:cs typeface="+mn-cs"/>
+              </a:defRPr>
+            </a:lvl7pPr>
+            <a:lvl8pPr marL="3429000" indent="-228600" algn="l" defTabSz="914400" rtl="0" eaLnBrk="1" latinLnBrk="0" hangingPunct="1">
+              <a:lnSpc>
+                <a:spcPct val="90000"/>
+              </a:lnSpc>
+              <a:spcBef>
+                <a:spcPts val="500"/>
+              </a:spcBef>
+              <a:buFont typeface="Arial" panose="020B0604020202020204" pitchFamily="34" charset="0"/>
+              <a:buChar char="•"/>
+              <a:defRPr sz="1800" kern="1200">
+                <a:solidFill>
+                  <a:schemeClr val="tx1"/>
+                </a:solidFill>
+                <a:latin typeface="+mn-lt"/>
+                <a:ea typeface="+mn-ea"/>
+                <a:cs typeface="+mn-cs"/>
+              </a:defRPr>
+            </a:lvl8pPr>
+            <a:lvl9pPr marL="3886200" indent="-228600" algn="l" defTabSz="914400" rtl="0" eaLnBrk="1" latinLnBrk="0" hangingPunct="1">
+              <a:lnSpc>
+                <a:spcPct val="90000"/>
+              </a:lnSpc>
+              <a:spcBef>
+                <a:spcPts val="500"/>
+              </a:spcBef>
+              <a:buFont typeface="Arial" panose="020B0604020202020204" pitchFamily="34" charset="0"/>
+              <a:buChar char="•"/>
+              <a:defRPr sz="1800" kern="1200">
+                <a:solidFill>
+                  <a:schemeClr val="tx1"/>
+                </a:solidFill>
+                <a:latin typeface="+mn-lt"/>
+                <a:ea typeface="+mn-ea"/>
+                <a:cs typeface="+mn-cs"/>
+              </a:defRPr>
+            </a:lvl9pPr>
+          </a:lstStyle>
+          <a:p>
+            <a:pPr>
+              <a:buFont typeface="Wingdings" panose="05000000000000000000" pitchFamily="2" charset="2"/>
+              <a:buChar char="Ø"/>
+            </a:pPr>
+            <a:r>
+              <a:rPr lang="en-US" dirty="0">
+                <a:solidFill>
+                  <a:schemeClr val="tx1">
+                    <a:lumMod val="75000"/>
+                    <a:lumOff val="25000"/>
+                  </a:schemeClr>
+                </a:solidFill>
+              </a:rPr>
+              <a:t> </a:t>
+            </a:r>
+            <a:r>
+              <a:rPr lang="en-US" dirty="0">
+                <a:solidFill>
+                  <a:schemeClr val="tx1">
+                    <a:lumMod val="75000"/>
+                    <a:lumOff val="25000"/>
+                  </a:schemeClr>
+                </a:solidFill>
+                <a:latin typeface="Palatino Linotype" panose="02040502050505030304" pitchFamily="18" charset="0"/>
+              </a:rPr>
+              <a:t>Learning Objective 1</a:t>
+            </a:r>
+          </a:p>
+        </p:txBody>
+      </p:sp>
+      <p:sp>
+        <p:nvSpPr>
+          <p:cNvPr id="7" name="Content Placeholder 2">
+            <a:extLst>
+              <a:ext uri="{FF2B5EF4-FFF2-40B4-BE49-F238E27FC236}">
+                <a16:creationId xmlns:a16="http://schemas.microsoft.com/office/drawing/2014/main" id="{6D3279E5-D518-B484-9FCF-B12663A4E8FF}"/>
+              </a:ext>
+            </a:extLst>
+          </p:cNvPr>
+          <p:cNvSpPr txBox="1">
+            <a:spLocks/>
+          </p:cNvSpPr>
+          <p:nvPr/>
+        </p:nvSpPr>
+        <p:spPr>
+          <a:xfrm>
+            <a:off x="1013564" y="3743082"/>
+            <a:ext cx="10515600" cy="504215"/>
+          </a:xfrm>
+          <a:prstGeom prst="rect">
+            <a:avLst/>
+          </a:prstGeom>
+        </p:spPr>
+        <p:txBody>
+          <a:bodyPr vert="horz" lIns="91440" tIns="45720" rIns="91440" bIns="45720" rtlCol="0">
+            <a:normAutofit/>
+          </a:bodyPr>
+          <a:lstStyle>
+            <a:lvl1pPr marL="228600" indent="-228600" algn="l" defTabSz="914400" rtl="0" eaLnBrk="1" latinLnBrk="0" hangingPunct="1">
+              <a:lnSpc>
+                <a:spcPct val="90000"/>
+              </a:lnSpc>
+              <a:spcBef>
+                <a:spcPts val="1000"/>
+              </a:spcBef>
+              <a:buFont typeface="Arial" panose="020B0604020202020204" pitchFamily="34" charset="0"/>
+              <a:buChar char="•"/>
+              <a:defRPr sz="2800" kern="1200">
+                <a:solidFill>
+                  <a:schemeClr val="tx1"/>
+                </a:solidFill>
+                <a:latin typeface="+mn-lt"/>
+                <a:ea typeface="+mn-ea"/>
+                <a:cs typeface="+mn-cs"/>
+              </a:defRPr>
+            </a:lvl1pPr>
+            <a:lvl2pPr marL="685800" indent="-228600" algn="l" defTabSz="914400" rtl="0" eaLnBrk="1" latinLnBrk="0" hangingPunct="1">
+              <a:lnSpc>
+                <a:spcPct val="90000"/>
+              </a:lnSpc>
+              <a:spcBef>
+                <a:spcPts val="500"/>
+              </a:spcBef>
+              <a:buFont typeface="Arial" panose="020B0604020202020204" pitchFamily="34" charset="0"/>
+              <a:buChar char="•"/>
+              <a:defRPr sz="2400" kern="1200">
+                <a:solidFill>
+                  <a:schemeClr val="tx1"/>
+                </a:solidFill>
+                <a:latin typeface="+mn-lt"/>
+                <a:ea typeface="+mn-ea"/>
+                <a:cs typeface="+mn-cs"/>
+              </a:defRPr>
+            </a:lvl2pPr>
+            <a:lvl3pPr marL="1143000" indent="-228600" algn="l" defTabSz="914400" rtl="0" eaLnBrk="1" latinLnBrk="0" hangingPunct="1">
+              <a:lnSpc>
+                <a:spcPct val="90000"/>
+              </a:lnSpc>
+              <a:spcBef>
+                <a:spcPts val="500"/>
+              </a:spcBef>
+              <a:buFont typeface="Arial" panose="020B0604020202020204" pitchFamily="34" charset="0"/>
+              <a:buChar char="•"/>
+              <a:defRPr sz="2000" kern="1200">
+                <a:solidFill>
+                  <a:schemeClr val="tx1"/>
+                </a:solidFill>
+                <a:latin typeface="+mn-lt"/>
+                <a:ea typeface="+mn-ea"/>
+                <a:cs typeface="+mn-cs"/>
+              </a:defRPr>
+            </a:lvl3pPr>
+            <a:lvl4pPr marL="1600200" indent="-228600" algn="l" defTabSz="914400" rtl="0" eaLnBrk="1" latinLnBrk="0" hangingPunct="1">
+              <a:lnSpc>
+                <a:spcPct val="90000"/>
+              </a:lnSpc>
+              <a:spcBef>
+                <a:spcPts val="500"/>
+              </a:spcBef>
+              <a:buFont typeface="Arial" panose="020B0604020202020204" pitchFamily="34" charset="0"/>
+              <a:buChar char="•"/>
+              <a:defRPr sz="1800" kern="1200">
+                <a:solidFill>
+                  <a:schemeClr val="tx1"/>
+                </a:solidFill>
+                <a:latin typeface="+mn-lt"/>
+                <a:ea typeface="+mn-ea"/>
+                <a:cs typeface="+mn-cs"/>
+              </a:defRPr>
+            </a:lvl4pPr>
+            <a:lvl5pPr marL="2057400" indent="-228600" algn="l" defTabSz="914400" rtl="0" eaLnBrk="1" latinLnBrk="0" hangingPunct="1">
+              <a:lnSpc>
+                <a:spcPct val="90000"/>
+              </a:lnSpc>
+              <a:spcBef>
+                <a:spcPts val="500"/>
+              </a:spcBef>
+              <a:buFont typeface="Arial" panose="020B0604020202020204" pitchFamily="34" charset="0"/>
+              <a:buChar char="•"/>
+              <a:defRPr sz="1800" kern="1200">
+                <a:solidFill>
+                  <a:schemeClr val="tx1"/>
+                </a:solidFill>
+                <a:latin typeface="+mn-lt"/>
+                <a:ea typeface="+mn-ea"/>
+                <a:cs typeface="+mn-cs"/>
+              </a:defRPr>
+            </a:lvl5pPr>
+            <a:lvl6pPr marL="2514600" indent="-228600" algn="l" defTabSz="914400" rtl="0" eaLnBrk="1" latinLnBrk="0" hangingPunct="1">
+              <a:lnSpc>
+                <a:spcPct val="90000"/>
+              </a:lnSpc>
+              <a:spcBef>
+                <a:spcPts val="500"/>
+              </a:spcBef>
+              <a:buFont typeface="Arial" panose="020B0604020202020204" pitchFamily="34" charset="0"/>
+              <a:buChar char="•"/>
+              <a:defRPr sz="1800" kern="1200">
+                <a:solidFill>
+                  <a:schemeClr val="tx1"/>
+                </a:solidFill>
+                <a:latin typeface="+mn-lt"/>
+                <a:ea typeface="+mn-ea"/>
+                <a:cs typeface="+mn-cs"/>
+              </a:defRPr>
+            </a:lvl6pPr>
+            <a:lvl7pPr marL="2971800" indent="-228600" algn="l" defTabSz="914400" rtl="0" eaLnBrk="1" latinLnBrk="0" hangingPunct="1">
+              <a:lnSpc>
+                <a:spcPct val="90000"/>
+              </a:lnSpc>
+              <a:spcBef>
+                <a:spcPts val="500"/>
+              </a:spcBef>
+              <a:buFont typeface="Arial" panose="020B0604020202020204" pitchFamily="34" charset="0"/>
+              <a:buChar char="•"/>
+              <a:defRPr sz="1800" kern="1200">
+                <a:solidFill>
+                  <a:schemeClr val="tx1"/>
+                </a:solidFill>
+                <a:latin typeface="+mn-lt"/>
+                <a:ea typeface="+mn-ea"/>
+                <a:cs typeface="+mn-cs"/>
+              </a:defRPr>
+            </a:lvl7pPr>
+            <a:lvl8pPr marL="3429000" indent="-228600" algn="l" defTabSz="914400" rtl="0" eaLnBrk="1" latinLnBrk="0" hangingPunct="1">
+              <a:lnSpc>
+                <a:spcPct val="90000"/>
+              </a:lnSpc>
+              <a:spcBef>
+                <a:spcPts val="500"/>
+              </a:spcBef>
+              <a:buFont typeface="Arial" panose="020B0604020202020204" pitchFamily="34" charset="0"/>
+              <a:buChar char="•"/>
+              <a:defRPr sz="1800" kern="1200">
+                <a:solidFill>
+                  <a:schemeClr val="tx1"/>
+                </a:solidFill>
+                <a:latin typeface="+mn-lt"/>
+                <a:ea typeface="+mn-ea"/>
+                <a:cs typeface="+mn-cs"/>
+              </a:defRPr>
+            </a:lvl8pPr>
+            <a:lvl9pPr marL="3886200" indent="-228600" algn="l" defTabSz="914400" rtl="0" eaLnBrk="1" latinLnBrk="0" hangingPunct="1">
+              <a:lnSpc>
+                <a:spcPct val="90000"/>
+              </a:lnSpc>
+              <a:spcBef>
+                <a:spcPts val="500"/>
+              </a:spcBef>
+              <a:buFont typeface="Arial" panose="020B0604020202020204" pitchFamily="34" charset="0"/>
+              <a:buChar char="•"/>
+              <a:defRPr sz="1800" kern="1200">
+                <a:solidFill>
+                  <a:schemeClr val="tx1"/>
+                </a:solidFill>
+                <a:latin typeface="+mn-lt"/>
+                <a:ea typeface="+mn-ea"/>
+                <a:cs typeface="+mn-cs"/>
+              </a:defRPr>
+            </a:lvl9pPr>
+          </a:lstStyle>
+          <a:p>
+            <a:pPr>
+              <a:buFont typeface="Wingdings" panose="05000000000000000000" pitchFamily="2" charset="2"/>
+              <a:buChar char="Ø"/>
+            </a:pPr>
+            <a:r>
+              <a:rPr lang="en-US" dirty="0">
+                <a:solidFill>
+                  <a:schemeClr val="tx1">
+                    <a:lumMod val="75000"/>
+                    <a:lumOff val="25000"/>
+                  </a:schemeClr>
+                </a:solidFill>
+              </a:rPr>
+              <a:t> </a:t>
+            </a:r>
+            <a:r>
+              <a:rPr lang="en-US" dirty="0">
+                <a:solidFill>
+                  <a:schemeClr val="tx1">
+                    <a:lumMod val="75000"/>
+                    <a:lumOff val="25000"/>
+                  </a:schemeClr>
+                </a:solidFill>
+                <a:latin typeface="Palatino Linotype" panose="02040502050505030304" pitchFamily="18" charset="0"/>
+              </a:rPr>
+              <a:t>Learning Objective 1</a:t>
+            </a:r>
+          </a:p>
+        </p:txBody>
+      </p:sp>
+    </p:spTree>
+    <p:extLst>
+      <p:ext uri="{BB962C8B-B14F-4D97-AF65-F5344CB8AC3E}">
+        <p14:creationId xmlns:p14="http://schemas.microsoft.com/office/powerpoint/2010/main" val="1416141381"/>
+      </p:ext>
+    </p:extLst>
+  </p:cSld>
+  <p:clrMapOvr>
+    <a:masterClrMapping/>
+  </p:clrMapOvr>
+</p:sld>
+</file>
+
+<file path=ppt/slides/slide20.xml><?xml version="1.0" encoding="utf-8"?>
 <p:sld xmlns:a="http://schemas.openxmlformats.org/drawingml/2006/main" xmlns:r="http://schemas.openxmlformats.org/officeDocument/2006/relationships" xmlns:p="http://schemas.openxmlformats.org/presentationml/2006/main">
   <p:cSld>
     <p:spTree>
@@ -9598,7 +10591,7 @@
 </p:sld>
 </file>
 
-<file path=ppt/slides/slide2.xml><?xml version="1.0" encoding="utf-8"?>
+<file path=ppt/slides/slide3.xml><?xml version="1.0" encoding="utf-8"?>
 <p:sld xmlns:a="http://schemas.openxmlformats.org/drawingml/2006/main" xmlns:r="http://schemas.openxmlformats.org/officeDocument/2006/relationships" xmlns:p="http://schemas.openxmlformats.org/presentationml/2006/main">
   <p:cSld>
     <p:spTree>
@@ -9742,304 +10735,7 @@
 </p:sld>
 </file>
 
-<file path=ppt/slides/slide20.xml><?xml version="1.0" encoding="utf-8"?>
-<p:sld xmlns:a="http://schemas.openxmlformats.org/drawingml/2006/main" xmlns:r="http://schemas.openxmlformats.org/officeDocument/2006/relationships" xmlns:p="http://schemas.openxmlformats.org/presentationml/2006/main">
-  <p:cSld>
-    <p:spTree>
-      <p:nvGrpSpPr>
-        <p:cNvPr id="1" name=""/>
-        <p:cNvGrpSpPr/>
-        <p:nvPr/>
-      </p:nvGrpSpPr>
-      <p:grpSpPr>
-        <a:xfrm>
-          <a:off x="0" y="0"/>
-          <a:ext cx="0" cy="0"/>
-          <a:chOff x="0" y="0"/>
-          <a:chExt cx="0" cy="0"/>
-        </a:xfrm>
-      </p:grpSpPr>
-      <p:pic>
-        <p:nvPicPr>
-          <p:cNvPr id="1026" name="Picture 2">
-            <a:extLst>
-              <a:ext uri="{FF2B5EF4-FFF2-40B4-BE49-F238E27FC236}">
-                <a16:creationId xmlns:a16="http://schemas.microsoft.com/office/drawing/2014/main" id="{ADF42002-E760-4B51-89C4-9FD1FCB9E555}"/>
-              </a:ext>
-            </a:extLst>
-          </p:cNvPr>
-          <p:cNvPicPr>
-            <a:picLocks noChangeAspect="1" noChangeArrowheads="1"/>
-          </p:cNvPicPr>
-          <p:nvPr/>
-        </p:nvPicPr>
-        <p:blipFill>
-          <a:blip r:embed="rId3">
-            <a:extLst>
-              <a:ext uri="{28A0092B-C50C-407E-A947-70E740481C1C}">
-                <a14:useLocalDpi xmlns:a14="http://schemas.microsoft.com/office/drawing/2010/main" val="0"/>
-              </a:ext>
-            </a:extLst>
-          </a:blip>
-          <a:srcRect/>
-          <a:stretch>
-            <a:fillRect/>
-          </a:stretch>
-        </p:blipFill>
-        <p:spPr bwMode="auto">
-          <a:xfrm>
-            <a:off x="1356095" y="2540430"/>
-            <a:ext cx="2402236" cy="2402236"/>
-          </a:xfrm>
-          <a:prstGeom prst="rect">
-            <a:avLst/>
-          </a:prstGeom>
-          <a:noFill/>
-          <a:extLst>
-            <a:ext uri="{909E8E84-426E-40DD-AFC4-6F175D3DCCD1}">
-              <a14:hiddenFill xmlns:a14="http://schemas.microsoft.com/office/drawing/2010/main">
-                <a:solidFill>
-                  <a:srgbClr val="FFFFFF"/>
-                </a:solidFill>
-              </a14:hiddenFill>
-            </a:ext>
-          </a:extLst>
-        </p:spPr>
-      </p:pic>
-      <p:pic>
-        <p:nvPicPr>
-          <p:cNvPr id="1028" name="Picture 4">
-            <a:extLst>
-              <a:ext uri="{FF2B5EF4-FFF2-40B4-BE49-F238E27FC236}">
-                <a16:creationId xmlns:a16="http://schemas.microsoft.com/office/drawing/2014/main" id="{DF617F34-2A94-4F43-B2D6-CB65838B26D6}"/>
-              </a:ext>
-            </a:extLst>
-          </p:cNvPr>
-          <p:cNvPicPr>
-            <a:picLocks noChangeAspect="1" noChangeArrowheads="1"/>
-          </p:cNvPicPr>
-          <p:nvPr/>
-        </p:nvPicPr>
-        <p:blipFill>
-          <a:blip r:embed="rId4">
-            <a:extLst>
-              <a:ext uri="{28A0092B-C50C-407E-A947-70E740481C1C}">
-                <a14:useLocalDpi xmlns:a14="http://schemas.microsoft.com/office/drawing/2010/main" val="0"/>
-              </a:ext>
-            </a:extLst>
-          </a:blip>
-          <a:srcRect/>
-          <a:stretch>
-            <a:fillRect/>
-          </a:stretch>
-        </p:blipFill>
-        <p:spPr bwMode="auto">
-          <a:xfrm>
-            <a:off x="4923298" y="2528803"/>
-            <a:ext cx="2402237" cy="2402237"/>
-          </a:xfrm>
-          <a:prstGeom prst="rect">
-            <a:avLst/>
-          </a:prstGeom>
-          <a:noFill/>
-          <a:extLst>
-            <a:ext uri="{909E8E84-426E-40DD-AFC4-6F175D3DCCD1}">
-              <a14:hiddenFill xmlns:a14="http://schemas.microsoft.com/office/drawing/2010/main">
-                <a:solidFill>
-                  <a:srgbClr val="FFFFFF"/>
-                </a:solidFill>
-              </a14:hiddenFill>
-            </a:ext>
-          </a:extLst>
-        </p:spPr>
-      </p:pic>
-      <p:pic>
-        <p:nvPicPr>
-          <p:cNvPr id="1030" name="Picture 6">
-            <a:extLst>
-              <a:ext uri="{FF2B5EF4-FFF2-40B4-BE49-F238E27FC236}">
-                <a16:creationId xmlns:a16="http://schemas.microsoft.com/office/drawing/2014/main" id="{517DF522-1FD5-4D64-843C-6804490B7765}"/>
-              </a:ext>
-            </a:extLst>
-          </p:cNvPr>
-          <p:cNvPicPr>
-            <a:picLocks noChangeAspect="1" noChangeArrowheads="1"/>
-          </p:cNvPicPr>
-          <p:nvPr/>
-        </p:nvPicPr>
-        <p:blipFill>
-          <a:blip r:embed="rId5">
-            <a:extLst>
-              <a:ext uri="{28A0092B-C50C-407E-A947-70E740481C1C}">
-                <a14:useLocalDpi xmlns:a14="http://schemas.microsoft.com/office/drawing/2010/main" val="0"/>
-              </a:ext>
-            </a:extLst>
-          </a:blip>
-          <a:srcRect/>
-          <a:stretch>
-            <a:fillRect/>
-          </a:stretch>
-        </p:blipFill>
-        <p:spPr bwMode="auto">
-          <a:xfrm>
-            <a:off x="8284825" y="2528804"/>
-            <a:ext cx="2402237" cy="2402237"/>
-          </a:xfrm>
-          <a:prstGeom prst="rect">
-            <a:avLst/>
-          </a:prstGeom>
-          <a:noFill/>
-          <a:extLst>
-            <a:ext uri="{909E8E84-426E-40DD-AFC4-6F175D3DCCD1}">
-              <a14:hiddenFill xmlns:a14="http://schemas.microsoft.com/office/drawing/2010/main">
-                <a:solidFill>
-                  <a:srgbClr val="FFFFFF"/>
-                </a:solidFill>
-              </a14:hiddenFill>
-            </a:ext>
-          </a:extLst>
-        </p:spPr>
-      </p:pic>
-      <p:sp>
-        <p:nvSpPr>
-          <p:cNvPr id="2" name="TextBox 1">
-            <a:extLst>
-              <a:ext uri="{FF2B5EF4-FFF2-40B4-BE49-F238E27FC236}">
-                <a16:creationId xmlns:a16="http://schemas.microsoft.com/office/drawing/2014/main" id="{7F5D94AC-1FAF-423E-AE7E-54394A464204}"/>
-              </a:ext>
-            </a:extLst>
-          </p:cNvPr>
-          <p:cNvSpPr txBox="1"/>
-          <p:nvPr/>
-        </p:nvSpPr>
-        <p:spPr>
-          <a:xfrm>
-            <a:off x="995727" y="2159473"/>
-            <a:ext cx="3122971" cy="369332"/>
-          </a:xfrm>
-          <a:prstGeom prst="rect">
-            <a:avLst/>
-          </a:prstGeom>
-          <a:noFill/>
-        </p:spPr>
-        <p:txBody>
-          <a:bodyPr wrap="none" rtlCol="0">
-            <a:spAutoFit/>
-          </a:bodyPr>
-          <a:lstStyle/>
-          <a:p>
-            <a:pPr algn="ctr"/>
-            <a:r>
-              <a:rPr lang="en-US" dirty="0">
-                <a:latin typeface="Palatino Linotype" panose="02040502050505030304" pitchFamily="18" charset="0"/>
-              </a:rPr>
-              <a:t>Multi-Select Multiple Choice</a:t>
-            </a:r>
-          </a:p>
-        </p:txBody>
-      </p:sp>
-      <p:sp>
-        <p:nvSpPr>
-          <p:cNvPr id="6" name="TextBox 5">
-            <a:extLst>
-              <a:ext uri="{FF2B5EF4-FFF2-40B4-BE49-F238E27FC236}">
-                <a16:creationId xmlns:a16="http://schemas.microsoft.com/office/drawing/2014/main" id="{0DCC0B5F-A743-40FD-A0F5-EC444DA70478}"/>
-              </a:ext>
-            </a:extLst>
-          </p:cNvPr>
-          <p:cNvSpPr txBox="1"/>
-          <p:nvPr/>
-        </p:nvSpPr>
-        <p:spPr>
-          <a:xfrm>
-            <a:off x="8227992" y="2145308"/>
-            <a:ext cx="2813591" cy="369332"/>
-          </a:xfrm>
-          <a:prstGeom prst="rect">
-            <a:avLst/>
-          </a:prstGeom>
-          <a:noFill/>
-        </p:spPr>
-        <p:txBody>
-          <a:bodyPr wrap="square" rtlCol="0">
-            <a:spAutoFit/>
-          </a:bodyPr>
-          <a:lstStyle/>
-          <a:p>
-            <a:pPr algn="ctr"/>
-            <a:r>
-              <a:rPr lang="en-US" dirty="0">
-                <a:latin typeface="Palatino Linotype" panose="02040502050505030304" pitchFamily="18" charset="0"/>
-              </a:rPr>
-              <a:t>Word Cloud</a:t>
-            </a:r>
-          </a:p>
-        </p:txBody>
-      </p:sp>
-      <p:sp>
-        <p:nvSpPr>
-          <p:cNvPr id="7" name="TextBox 6">
-            <a:extLst>
-              <a:ext uri="{FF2B5EF4-FFF2-40B4-BE49-F238E27FC236}">
-                <a16:creationId xmlns:a16="http://schemas.microsoft.com/office/drawing/2014/main" id="{D521A040-8C3B-464B-9C58-2408B67434D1}"/>
-              </a:ext>
-            </a:extLst>
-          </p:cNvPr>
-          <p:cNvSpPr txBox="1"/>
-          <p:nvPr/>
-        </p:nvSpPr>
-        <p:spPr>
-          <a:xfrm>
-            <a:off x="4438445" y="2145308"/>
-            <a:ext cx="3371949" cy="369332"/>
-          </a:xfrm>
-          <a:prstGeom prst="rect">
-            <a:avLst/>
-          </a:prstGeom>
-          <a:noFill/>
-        </p:spPr>
-        <p:txBody>
-          <a:bodyPr wrap="none" rtlCol="0">
-            <a:spAutoFit/>
-          </a:bodyPr>
-          <a:lstStyle/>
-          <a:p>
-            <a:pPr algn="ctr"/>
-            <a:r>
-              <a:rPr lang="en-US" dirty="0">
-                <a:latin typeface="Palatino Linotype" panose="02040502050505030304" pitchFamily="18" charset="0"/>
-              </a:rPr>
-              <a:t>Single Answer Multiple Choice</a:t>
-            </a:r>
-          </a:p>
-        </p:txBody>
-      </p:sp>
-    </p:spTree>
-    <p:extLst>
-      <p:ext uri="{BB962C8B-B14F-4D97-AF65-F5344CB8AC3E}">
-        <p14:creationId xmlns:p14="http://schemas.microsoft.com/office/powerpoint/2010/main" val="1310950531"/>
-      </p:ext>
-    </p:extLst>
-  </p:cSld>
-  <p:clrMapOvr>
-    <a:masterClrMapping/>
-  </p:clrMapOvr>
-  <mc:AlternateContent xmlns:mc="http://schemas.openxmlformats.org/markup-compatibility/2006" xmlns:p14="http://schemas.microsoft.com/office/powerpoint/2010/main">
-    <mc:Choice Requires="p14">
-      <p:transition spd="med" p14:dur="700">
-        <p:fade/>
-      </p:transition>
-    </mc:Choice>
-    <mc:Fallback xmlns="">
-      <p:transition spd="med">
-        <p:fade/>
-      </p:transition>
-    </mc:Fallback>
-  </mc:AlternateContent>
-</p:sld>
-</file>
-
-<file path=ppt/slides/slide3.xml><?xml version="1.0" encoding="utf-8"?>
+<file path=ppt/slides/slide4.xml><?xml version="1.0" encoding="utf-8"?>
 <p:sld xmlns:a="http://schemas.openxmlformats.org/drawingml/2006/main" xmlns:r="http://schemas.openxmlformats.org/officeDocument/2006/relationships" xmlns:p="http://schemas.openxmlformats.org/presentationml/2006/main">
   <p:cSld>
     <p:spTree>
@@ -10184,211 +10880,6 @@
     <p:extLst>
       <p:ext uri="{BB962C8B-B14F-4D97-AF65-F5344CB8AC3E}">
         <p14:creationId xmlns:p14="http://schemas.microsoft.com/office/powerpoint/2010/main" val="2948696555"/>
-      </p:ext>
-    </p:extLst>
-  </p:cSld>
-  <p:clrMapOvr>
-    <a:masterClrMapping/>
-  </p:clrMapOvr>
-  <mc:AlternateContent xmlns:mc="http://schemas.openxmlformats.org/markup-compatibility/2006" xmlns:p14="http://schemas.microsoft.com/office/powerpoint/2010/main">
-    <mc:Choice Requires="p14">
-      <p:transition spd="med" p14:dur="700">
-        <p:fade/>
-      </p:transition>
-    </mc:Choice>
-    <mc:Fallback xmlns="">
-      <p:transition spd="med">
-        <p:fade/>
-      </p:transition>
-    </mc:Fallback>
-  </mc:AlternateContent>
-</p:sld>
-</file>
-
-<file path=ppt/slides/slide4.xml><?xml version="1.0" encoding="utf-8"?>
-<p:sld xmlns:a="http://schemas.openxmlformats.org/drawingml/2006/main" xmlns:r="http://schemas.openxmlformats.org/officeDocument/2006/relationships" xmlns:p="http://schemas.openxmlformats.org/presentationml/2006/main">
-  <p:cSld>
-    <p:spTree>
-      <p:nvGrpSpPr>
-        <p:cNvPr id="1" name=""/>
-        <p:cNvGrpSpPr/>
-        <p:nvPr/>
-      </p:nvGrpSpPr>
-      <p:grpSpPr>
-        <a:xfrm>
-          <a:off x="0" y="0"/>
-          <a:ext cx="0" cy="0"/>
-          <a:chOff x="0" y="0"/>
-          <a:chExt cx="0" cy="0"/>
-        </a:xfrm>
-      </p:grpSpPr>
-      <p:sp>
-        <p:nvSpPr>
-          <p:cNvPr id="2" name="Title 1">
-            <a:extLst>
-              <a:ext uri="{FF2B5EF4-FFF2-40B4-BE49-F238E27FC236}">
-                <a16:creationId xmlns:a16="http://schemas.microsoft.com/office/drawing/2014/main" id="{28FF21C3-8FBB-4756-BF7C-FFD2E5CC2B06}"/>
-              </a:ext>
-            </a:extLst>
-          </p:cNvPr>
-          <p:cNvSpPr>
-            <a:spLocks noGrp="1"/>
-          </p:cNvSpPr>
-          <p:nvPr>
-            <p:ph type="title"/>
-          </p:nvPr>
-        </p:nvSpPr>
-        <p:spPr>
-          <a:xfrm>
-            <a:off x="0" y="440190"/>
-            <a:ext cx="12192000" cy="815404"/>
-          </a:xfrm>
-        </p:spPr>
-        <p:txBody>
-          <a:bodyPr>
-            <a:normAutofit/>
-          </a:bodyPr>
-          <a:lstStyle/>
-          <a:p>
-            <a:pPr algn="ctr"/>
-            <a:r>
-              <a:rPr lang="en-US" dirty="0">
-                <a:latin typeface="Palatino Linotype" panose="02040502050505030304" pitchFamily="18" charset="0"/>
-                <a:cs typeface="Segoe UI Light" panose="020B0502040204020203" pitchFamily="34" charset="0"/>
-              </a:rPr>
-              <a:t>Supervised Learning</a:t>
-            </a:r>
-          </a:p>
-        </p:txBody>
-      </p:sp>
-      <p:pic>
-        <p:nvPicPr>
-          <p:cNvPr id="7" name="Picture 6">
-            <a:extLst>
-              <a:ext uri="{FF2B5EF4-FFF2-40B4-BE49-F238E27FC236}">
-                <a16:creationId xmlns:a16="http://schemas.microsoft.com/office/drawing/2014/main" id="{10BCCF7B-0BA8-4F8D-98C9-A7AFC5076A57}"/>
-              </a:ext>
-            </a:extLst>
-          </p:cNvPr>
-          <p:cNvPicPr>
-            <a:picLocks noChangeAspect="1"/>
-          </p:cNvPicPr>
-          <p:nvPr/>
-        </p:nvPicPr>
-        <p:blipFill>
-          <a:blip r:embed="rId3"/>
-          <a:stretch>
-            <a:fillRect/>
-          </a:stretch>
-        </p:blipFill>
-        <p:spPr>
-          <a:xfrm>
-            <a:off x="4214812" y="2629213"/>
-            <a:ext cx="3762375" cy="2019300"/>
-          </a:xfrm>
-          <a:prstGeom prst="rect">
-            <a:avLst/>
-          </a:prstGeom>
-        </p:spPr>
-      </p:pic>
-      <p:sp>
-        <p:nvSpPr>
-          <p:cNvPr id="4" name="TextBox 3">
-            <a:extLst>
-              <a:ext uri="{FF2B5EF4-FFF2-40B4-BE49-F238E27FC236}">
-                <a16:creationId xmlns:a16="http://schemas.microsoft.com/office/drawing/2014/main" id="{1EEA7388-E6F9-44EA-B72A-A6BC799472BD}"/>
-              </a:ext>
-            </a:extLst>
-          </p:cNvPr>
-          <p:cNvSpPr txBox="1"/>
-          <p:nvPr/>
-        </p:nvSpPr>
-        <p:spPr>
-          <a:xfrm>
-            <a:off x="0" y="6550223"/>
-            <a:ext cx="12192000" cy="307777"/>
-          </a:xfrm>
-          <a:prstGeom prst="rect">
-            <a:avLst/>
-          </a:prstGeom>
-          <a:noFill/>
-        </p:spPr>
-        <p:txBody>
-          <a:bodyPr wrap="square" rtlCol="0">
-            <a:spAutoFit/>
-          </a:bodyPr>
-          <a:lstStyle/>
-          <a:p>
-            <a:r>
-              <a:rPr lang="en-US" sz="1400" dirty="0">
-                <a:solidFill>
-                  <a:schemeClr val="tx1">
-                    <a:lumMod val="65000"/>
-                    <a:lumOff val="35000"/>
-                  </a:schemeClr>
-                </a:solidFill>
-                <a:latin typeface="+mj-lt"/>
-                <a:ea typeface="Verdana" panose="020B0604030504040204" pitchFamily="34" charset="0"/>
-              </a:rPr>
-              <a:t>Source: Taylor, M. (2017). </a:t>
-            </a:r>
-            <a:r>
-              <a:rPr lang="en-US" sz="1400" i="1" dirty="0">
-                <a:solidFill>
-                  <a:schemeClr val="tx1">
-                    <a:lumMod val="65000"/>
-                    <a:lumOff val="35000"/>
-                  </a:schemeClr>
-                </a:solidFill>
-                <a:latin typeface="+mj-lt"/>
-                <a:ea typeface="Verdana" panose="020B0604030504040204" pitchFamily="34" charset="0"/>
-              </a:rPr>
-              <a:t>Neural Networks: A Visual Introduction for Beginners</a:t>
-            </a:r>
-            <a:r>
-              <a:rPr lang="en-US" sz="1400" dirty="0">
-                <a:solidFill>
-                  <a:schemeClr val="tx1">
-                    <a:lumMod val="65000"/>
-                    <a:lumOff val="35000"/>
-                  </a:schemeClr>
-                </a:solidFill>
-                <a:latin typeface="+mj-lt"/>
-                <a:ea typeface="Verdana" panose="020B0604030504040204" pitchFamily="34" charset="0"/>
-              </a:rPr>
-              <a:t>. </a:t>
-            </a:r>
-            <a:r>
-              <a:rPr lang="en-US" sz="1400" b="0" i="0" dirty="0">
-                <a:solidFill>
-                  <a:schemeClr val="tx1">
-                    <a:lumMod val="65000"/>
-                    <a:lumOff val="35000"/>
-                  </a:schemeClr>
-                </a:solidFill>
-                <a:effectLst/>
-                <a:latin typeface="+mj-lt"/>
-                <a:ea typeface="Verdana" panose="020B0604030504040204" pitchFamily="34" charset="0"/>
-              </a:rPr>
-              <a:t>Sebastopol, CA: Blue Windmill Media.</a:t>
-            </a:r>
-            <a:endParaRPr lang="en-US" sz="1400" dirty="0">
-              <a:solidFill>
-                <a:schemeClr val="tx1">
-                  <a:lumMod val="65000"/>
-                  <a:lumOff val="35000"/>
-                </a:schemeClr>
-              </a:solidFill>
-              <a:latin typeface="+mj-lt"/>
-              <a:ea typeface="Verdana" panose="020B0604030504040204" pitchFamily="34" charset="0"/>
-            </a:endParaRPr>
-          </a:p>
-        </p:txBody>
-      </p:sp>
-    </p:spTree>
-    <p:extLst>
-      <p:ext uri="{BB962C8B-B14F-4D97-AF65-F5344CB8AC3E}">
-        <p14:creationId xmlns:p14="http://schemas.microsoft.com/office/powerpoint/2010/main" val="1622845106"/>
       </p:ext>
     </p:extLst>
   </p:cSld>
@@ -10468,10 +10959,10 @@
       </p:sp>
       <p:pic>
         <p:nvPicPr>
-          <p:cNvPr id="3" name="Picture 2">
-            <a:extLst>
-              <a:ext uri="{FF2B5EF4-FFF2-40B4-BE49-F238E27FC236}">
-                <a16:creationId xmlns:a16="http://schemas.microsoft.com/office/drawing/2014/main" id="{783729CF-DB62-41BE-BEA7-FAD770B63717}"/>
+          <p:cNvPr id="7" name="Picture 6">
+            <a:extLst>
+              <a:ext uri="{FF2B5EF4-FFF2-40B4-BE49-F238E27FC236}">
+                <a16:creationId xmlns:a16="http://schemas.microsoft.com/office/drawing/2014/main" id="{10BCCF7B-0BA8-4F8D-98C9-A7AFC5076A57}"/>
               </a:ext>
             </a:extLst>
           </p:cNvPr>
@@ -10488,8 +10979,8 @@
         </p:blipFill>
         <p:spPr>
           <a:xfrm>
-            <a:off x="1801550" y="2379100"/>
-            <a:ext cx="8588899" cy="2743405"/>
+            <a:off x="4214812" y="2629213"/>
+            <a:ext cx="3762375" cy="2019300"/>
           </a:xfrm>
           <a:prstGeom prst="rect">
             <a:avLst/>
@@ -10498,50 +10989,10 @@
       </p:pic>
       <p:sp>
         <p:nvSpPr>
-          <p:cNvPr id="7" name="TextBox 6">
-            <a:extLst>
-              <a:ext uri="{FF2B5EF4-FFF2-40B4-BE49-F238E27FC236}">
-                <a16:creationId xmlns:a16="http://schemas.microsoft.com/office/drawing/2014/main" id="{EECDF27D-83A7-47B8-91B2-09145046C104}"/>
-              </a:ext>
-            </a:extLst>
-          </p:cNvPr>
-          <p:cNvSpPr txBox="1"/>
-          <p:nvPr/>
-        </p:nvSpPr>
-        <p:spPr>
-          <a:xfrm>
-            <a:off x="1801550" y="5665458"/>
-            <a:ext cx="6419461" cy="371448"/>
-          </a:xfrm>
-          <a:prstGeom prst="rect">
-            <a:avLst/>
-          </a:prstGeom>
-          <a:noFill/>
-        </p:spPr>
-        <p:txBody>
-          <a:bodyPr wrap="square" rtlCol="0">
-            <a:spAutoFit/>
-          </a:bodyPr>
-          <a:lstStyle/>
-          <a:p>
-            <a:r>
-              <a:rPr lang="en-US" i="1" dirty="0">
-                <a:latin typeface="MinionPro-It"/>
-              </a:rPr>
-              <a:t>Figure 1-1. A labeled training set for spam classification.</a:t>
-            </a:r>
-            <a:endParaRPr lang="en-US" dirty="0">
-              <a:latin typeface="MinionPro-It"/>
-            </a:endParaRPr>
-          </a:p>
-        </p:txBody>
-      </p:sp>
-      <p:sp>
-        <p:nvSpPr>
-          <p:cNvPr id="6" name="TextBox 5">
-            <a:extLst>
-              <a:ext uri="{FF2B5EF4-FFF2-40B4-BE49-F238E27FC236}">
-                <a16:creationId xmlns:a16="http://schemas.microsoft.com/office/drawing/2014/main" id="{6F83D49F-5650-47A6-B07E-5A26511E4741}"/>
+          <p:cNvPr id="4" name="TextBox 3">
+            <a:extLst>
+              <a:ext uri="{FF2B5EF4-FFF2-40B4-BE49-F238E27FC236}">
+                <a16:creationId xmlns:a16="http://schemas.microsoft.com/office/drawing/2014/main" id="{1EEA7388-E6F9-44EA-B72A-A6BC799472BD}"/>
               </a:ext>
             </a:extLst>
           </p:cNvPr>
@@ -10575,7 +11026,7 @@
                 <a:latin typeface="+mj-lt"/>
                 <a:ea typeface="Verdana" panose="020B0604030504040204" pitchFamily="34" charset="0"/>
               </a:rPr>
-              <a:t>Source: Geron, A. (2019). </a:t>
+              <a:t>Source: Taylor, M. (2017). </a:t>
             </a:r>
             <a:r>
               <a:rPr lang="en-US" sz="1400" i="1" dirty="0">
@@ -10588,7 +11039,7 @@
                 <a:latin typeface="+mj-lt"/>
                 <a:ea typeface="Verdana" panose="020B0604030504040204" pitchFamily="34" charset="0"/>
               </a:rPr>
-              <a:t>Hands-On Machine Learning w/Scikit-Learn, Keras &amp; Tensorflow </a:t>
+              <a:t>Neural Networks: A Visual Introduction for Beginners</a:t>
             </a:r>
             <a:r>
               <a:rPr lang="en-US" sz="1400" dirty="0">
@@ -10615,7 +11066,7 @@
                 <a:latin typeface="+mj-lt"/>
                 <a:ea typeface="Verdana" panose="020B0604030504040204" pitchFamily="34" charset="0"/>
               </a:rPr>
-              <a:t>Sebastopol, CA: O'Reilly Media, Inc. (Chapter 1)</a:t>
+              <a:t>Sebastopol, CA: Blue Windmill Media.</a:t>
             </a:r>
             <a:endParaRPr lang="en-US" sz="1400" dirty="0">
               <a:solidFill>
@@ -10633,7 +11084,7 @@
     </p:spTree>
     <p:extLst>
       <p:ext uri="{BB962C8B-B14F-4D97-AF65-F5344CB8AC3E}">
-        <p14:creationId xmlns:p14="http://schemas.microsoft.com/office/powerpoint/2010/main" val="615087709"/>
+        <p14:creationId xmlns:p14="http://schemas.microsoft.com/office/powerpoint/2010/main" val="1622845106"/>
       </p:ext>
     </p:extLst>
   </p:cSld>
@@ -10716,7 +11167,7 @@
           <p:cNvPr id="3" name="Picture 2">
             <a:extLst>
               <a:ext uri="{FF2B5EF4-FFF2-40B4-BE49-F238E27FC236}">
-                <a16:creationId xmlns:a16="http://schemas.microsoft.com/office/drawing/2014/main" id="{09795969-437A-4997-8374-F1E20DB6D276}"/>
+                <a16:creationId xmlns:a16="http://schemas.microsoft.com/office/drawing/2014/main" id="{783729CF-DB62-41BE-BEA7-FAD770B63717}"/>
               </a:ext>
             </a:extLst>
           </p:cNvPr>
@@ -10733,8 +11184,8 @@
         </p:blipFill>
         <p:spPr>
           <a:xfrm>
-            <a:off x="3108110" y="2166567"/>
-            <a:ext cx="6558405" cy="3326295"/>
+            <a:off x="1801550" y="2379100"/>
+            <a:ext cx="8588899" cy="2743405"/>
           </a:xfrm>
           <a:prstGeom prst="rect">
             <a:avLst/>
@@ -10746,7 +11197,7 @@
           <p:cNvPr id="7" name="TextBox 6">
             <a:extLst>
               <a:ext uri="{FF2B5EF4-FFF2-40B4-BE49-F238E27FC236}">
-                <a16:creationId xmlns:a16="http://schemas.microsoft.com/office/drawing/2014/main" id="{27FA1CAB-D95C-4B75-935E-90398B1AB8D8}"/>
+                <a16:creationId xmlns:a16="http://schemas.microsoft.com/office/drawing/2014/main" id="{EECDF27D-83A7-47B8-91B2-09145046C104}"/>
               </a:ext>
             </a:extLst>
           </p:cNvPr>
@@ -10755,8 +11206,8 @@
         </p:nvSpPr>
         <p:spPr>
           <a:xfrm>
-            <a:off x="3108110" y="5756988"/>
-            <a:ext cx="7024935" cy="369332"/>
+            <a:off x="1801550" y="5665458"/>
+            <a:ext cx="6419461" cy="371448"/>
           </a:xfrm>
           <a:prstGeom prst="rect">
             <a:avLst/>
@@ -10773,7 +11224,7 @@
               <a:rPr lang="en-US" i="1" dirty="0">
                 <a:latin typeface="MinionPro-It"/>
               </a:rPr>
-              <a:t>Figure 1-2. A regression problem: predict a value, given an input feature.</a:t>
+              <a:t>Figure 1-1. A labeled training set for spam classification.</a:t>
             </a:r>
             <a:endParaRPr lang="en-US" dirty="0">
               <a:latin typeface="MinionPro-It"/>
@@ -10783,10 +11234,10 @@
       </p:sp>
       <p:sp>
         <p:nvSpPr>
-          <p:cNvPr id="5" name="TextBox 4">
-            <a:extLst>
-              <a:ext uri="{FF2B5EF4-FFF2-40B4-BE49-F238E27FC236}">
-                <a16:creationId xmlns:a16="http://schemas.microsoft.com/office/drawing/2014/main" id="{4BC007C6-6C34-4108-B6AF-232F6D5AB7CE}"/>
+          <p:cNvPr id="6" name="TextBox 5">
+            <a:extLst>
+              <a:ext uri="{FF2B5EF4-FFF2-40B4-BE49-F238E27FC236}">
+                <a16:creationId xmlns:a16="http://schemas.microsoft.com/office/drawing/2014/main" id="{6F83D49F-5650-47A6-B07E-5A26511E4741}"/>
               </a:ext>
             </a:extLst>
           </p:cNvPr>
@@ -10878,7 +11329,7 @@
     </p:spTree>
     <p:extLst>
       <p:ext uri="{BB962C8B-B14F-4D97-AF65-F5344CB8AC3E}">
-        <p14:creationId xmlns:p14="http://schemas.microsoft.com/office/powerpoint/2010/main" val="3605780104"/>
+        <p14:creationId xmlns:p14="http://schemas.microsoft.com/office/powerpoint/2010/main" val="615087709"/>
       </p:ext>
     </p:extLst>
   </p:cSld>
@@ -10951,17 +11402,17 @@
                 <a:latin typeface="Palatino Linotype" panose="02040502050505030304" pitchFamily="18" charset="0"/>
                 <a:cs typeface="Segoe UI Light" panose="020B0502040204020203" pitchFamily="34" charset="0"/>
               </a:rPr>
-              <a:t>Unsupervised Learning</a:t>
+              <a:t>Supervised Learning</a:t>
             </a:r>
           </a:p>
         </p:txBody>
       </p:sp>
       <p:pic>
         <p:nvPicPr>
-          <p:cNvPr id="4" name="Picture 3">
-            <a:extLst>
-              <a:ext uri="{FF2B5EF4-FFF2-40B4-BE49-F238E27FC236}">
-                <a16:creationId xmlns:a16="http://schemas.microsoft.com/office/drawing/2014/main" id="{020FE876-B9EF-492F-A22E-49EE94076E8B}"/>
+          <p:cNvPr id="3" name="Picture 2">
+            <a:extLst>
+              <a:ext uri="{FF2B5EF4-FFF2-40B4-BE49-F238E27FC236}">
+                <a16:creationId xmlns:a16="http://schemas.microsoft.com/office/drawing/2014/main" id="{09795969-437A-4997-8374-F1E20DB6D276}"/>
               </a:ext>
             </a:extLst>
           </p:cNvPr>
@@ -10978,8 +11429,8 @@
         </p:blipFill>
         <p:spPr>
           <a:xfrm>
-            <a:off x="4192778" y="2649667"/>
-            <a:ext cx="3781425" cy="2038350"/>
+            <a:off x="3108110" y="2166567"/>
+            <a:ext cx="6558405" cy="3326295"/>
           </a:xfrm>
           <a:prstGeom prst="rect">
             <a:avLst/>
@@ -10988,10 +11439,50 @@
       </p:pic>
       <p:sp>
         <p:nvSpPr>
-          <p:cNvPr id="6" name="TextBox 5">
-            <a:extLst>
-              <a:ext uri="{FF2B5EF4-FFF2-40B4-BE49-F238E27FC236}">
-                <a16:creationId xmlns:a16="http://schemas.microsoft.com/office/drawing/2014/main" id="{6F22C904-9079-4644-A284-60042DE4638D}"/>
+          <p:cNvPr id="7" name="TextBox 6">
+            <a:extLst>
+              <a:ext uri="{FF2B5EF4-FFF2-40B4-BE49-F238E27FC236}">
+                <a16:creationId xmlns:a16="http://schemas.microsoft.com/office/drawing/2014/main" id="{27FA1CAB-D95C-4B75-935E-90398B1AB8D8}"/>
+              </a:ext>
+            </a:extLst>
+          </p:cNvPr>
+          <p:cNvSpPr txBox="1"/>
+          <p:nvPr/>
+        </p:nvSpPr>
+        <p:spPr>
+          <a:xfrm>
+            <a:off x="3108110" y="5756988"/>
+            <a:ext cx="7024935" cy="369332"/>
+          </a:xfrm>
+          <a:prstGeom prst="rect">
+            <a:avLst/>
+          </a:prstGeom>
+          <a:noFill/>
+        </p:spPr>
+        <p:txBody>
+          <a:bodyPr wrap="square" rtlCol="0">
+            <a:spAutoFit/>
+          </a:bodyPr>
+          <a:lstStyle/>
+          <a:p>
+            <a:r>
+              <a:rPr lang="en-US" i="1" dirty="0">
+                <a:latin typeface="MinionPro-It"/>
+              </a:rPr>
+              <a:t>Figure 1-2. A regression problem: predict a value, given an input feature.</a:t>
+            </a:r>
+            <a:endParaRPr lang="en-US" dirty="0">
+              <a:latin typeface="MinionPro-It"/>
+            </a:endParaRPr>
+          </a:p>
+        </p:txBody>
+      </p:sp>
+      <p:sp>
+        <p:nvSpPr>
+          <p:cNvPr id="5" name="TextBox 4">
+            <a:extLst>
+              <a:ext uri="{FF2B5EF4-FFF2-40B4-BE49-F238E27FC236}">
+                <a16:creationId xmlns:a16="http://schemas.microsoft.com/office/drawing/2014/main" id="{4BC007C6-6C34-4108-B6AF-232F6D5AB7CE}"/>
               </a:ext>
             </a:extLst>
           </p:cNvPr>
@@ -11025,7 +11516,7 @@
                 <a:latin typeface="+mj-lt"/>
                 <a:ea typeface="Verdana" panose="020B0604030504040204" pitchFamily="34" charset="0"/>
               </a:rPr>
-              <a:t>Source: Taylor, M. (2017). </a:t>
+              <a:t>Source: Geron, A. (2019). </a:t>
             </a:r>
             <a:r>
               <a:rPr lang="en-US" sz="1400" i="1" dirty="0">
@@ -11038,7 +11529,7 @@
                 <a:latin typeface="+mj-lt"/>
                 <a:ea typeface="Verdana" panose="020B0604030504040204" pitchFamily="34" charset="0"/>
               </a:rPr>
-              <a:t>Neural Networks: A Visual Introduction for Beginners</a:t>
+              <a:t>Hands-On Machine Learning w/Scikit-Learn, Keras &amp; Tensorflow </a:t>
             </a:r>
             <a:r>
               <a:rPr lang="en-US" sz="1400" dirty="0">
@@ -11065,7 +11556,7 @@
                 <a:latin typeface="+mj-lt"/>
                 <a:ea typeface="Verdana" panose="020B0604030504040204" pitchFamily="34" charset="0"/>
               </a:rPr>
-              <a:t>Sebastopol, CA: Blue Windmill Media.</a:t>
+              <a:t>Sebastopol, CA: O'Reilly Media, Inc. (Chapter 1)</a:t>
             </a:r>
             <a:endParaRPr lang="en-US" sz="1400" dirty="0">
               <a:solidFill>
@@ -11083,7 +11574,7 @@
     </p:spTree>
     <p:extLst>
       <p:ext uri="{BB962C8B-B14F-4D97-AF65-F5344CB8AC3E}">
-        <p14:creationId xmlns:p14="http://schemas.microsoft.com/office/powerpoint/2010/main" val="4005337452"/>
+        <p14:creationId xmlns:p14="http://schemas.microsoft.com/office/powerpoint/2010/main" val="3605780104"/>
       </p:ext>
     </p:extLst>
   </p:cSld>
@@ -11163,10 +11654,10 @@
       </p:sp>
       <p:pic>
         <p:nvPicPr>
-          <p:cNvPr id="3" name="Picture 2">
-            <a:extLst>
-              <a:ext uri="{FF2B5EF4-FFF2-40B4-BE49-F238E27FC236}">
-                <a16:creationId xmlns:a16="http://schemas.microsoft.com/office/drawing/2014/main" id="{95A9097A-6FD6-4082-A3E5-B7346D9922A4}"/>
+          <p:cNvPr id="4" name="Picture 3">
+            <a:extLst>
+              <a:ext uri="{FF2B5EF4-FFF2-40B4-BE49-F238E27FC236}">
+                <a16:creationId xmlns:a16="http://schemas.microsoft.com/office/drawing/2014/main" id="{020FE876-B9EF-492F-A22E-49EE94076E8B}"/>
               </a:ext>
             </a:extLst>
           </p:cNvPr>
@@ -11183,8 +11674,8 @@
         </p:blipFill>
         <p:spPr>
           <a:xfrm>
-            <a:off x="2968150" y="2352345"/>
-            <a:ext cx="6087178" cy="2889070"/>
+            <a:off x="4192778" y="2649667"/>
+            <a:ext cx="3781425" cy="2038350"/>
           </a:xfrm>
           <a:prstGeom prst="rect">
             <a:avLst/>
@@ -11193,10 +11684,10 @@
       </p:pic>
       <p:sp>
         <p:nvSpPr>
-          <p:cNvPr id="4" name="TextBox 3">
-            <a:extLst>
-              <a:ext uri="{FF2B5EF4-FFF2-40B4-BE49-F238E27FC236}">
-                <a16:creationId xmlns:a16="http://schemas.microsoft.com/office/drawing/2014/main" id="{529ACE95-5368-4D6C-B36C-00E3E577D176}"/>
+          <p:cNvPr id="6" name="TextBox 5">
+            <a:extLst>
+              <a:ext uri="{FF2B5EF4-FFF2-40B4-BE49-F238E27FC236}">
+                <a16:creationId xmlns:a16="http://schemas.microsoft.com/office/drawing/2014/main" id="{6F22C904-9079-4644-A284-60042DE4638D}"/>
               </a:ext>
             </a:extLst>
           </p:cNvPr>
@@ -11230,7 +11721,7 @@
                 <a:latin typeface="+mj-lt"/>
                 <a:ea typeface="Verdana" panose="020B0604030504040204" pitchFamily="34" charset="0"/>
               </a:rPr>
-              <a:t>Source: Geron, A. (2019). </a:t>
+              <a:t>Source: Taylor, M. (2017). </a:t>
             </a:r>
             <a:r>
               <a:rPr lang="en-US" sz="1400" i="1" dirty="0">
@@ -11243,7 +11734,7 @@
                 <a:latin typeface="+mj-lt"/>
                 <a:ea typeface="Verdana" panose="020B0604030504040204" pitchFamily="34" charset="0"/>
               </a:rPr>
-              <a:t>Hands-On Machine Learning w/Scikit-Learn, Keras &amp; Tensorflow </a:t>
+              <a:t>Neural Networks: A Visual Introduction for Beginners</a:t>
             </a:r>
             <a:r>
               <a:rPr lang="en-US" sz="1400" dirty="0">
@@ -11270,7 +11761,7 @@
                 <a:latin typeface="+mj-lt"/>
                 <a:ea typeface="Verdana" panose="020B0604030504040204" pitchFamily="34" charset="0"/>
               </a:rPr>
-              <a:t>Sebastopol, CA: O'Reilly Media, Inc. (Chapter 1)</a:t>
+              <a:t>Sebastopol, CA: Blue Windmill Media.</a:t>
             </a:r>
             <a:endParaRPr lang="en-US" sz="1400" dirty="0">
               <a:solidFill>
@@ -11288,7 +11779,7 @@
     </p:spTree>
     <p:extLst>
       <p:ext uri="{BB962C8B-B14F-4D97-AF65-F5344CB8AC3E}">
-        <p14:creationId xmlns:p14="http://schemas.microsoft.com/office/powerpoint/2010/main" val="720656846"/>
+        <p14:creationId xmlns:p14="http://schemas.microsoft.com/office/powerpoint/2010/main" val="4005337452"/>
       </p:ext>
     </p:extLst>
   </p:cSld>
@@ -11371,7 +11862,7 @@
           <p:cNvPr id="3" name="Picture 2">
             <a:extLst>
               <a:ext uri="{FF2B5EF4-FFF2-40B4-BE49-F238E27FC236}">
-                <a16:creationId xmlns:a16="http://schemas.microsoft.com/office/drawing/2014/main" id="{4FC615C4-0F52-42F0-AD58-8B5E167BA56B}"/>
+                <a16:creationId xmlns:a16="http://schemas.microsoft.com/office/drawing/2014/main" id="{95A9097A-6FD6-4082-A3E5-B7346D9922A4}"/>
               </a:ext>
             </a:extLst>
           </p:cNvPr>
@@ -11388,8 +11879,8 @@
         </p:blipFill>
         <p:spPr>
           <a:xfrm>
-            <a:off x="3004301" y="2496731"/>
-            <a:ext cx="6183398" cy="2981865"/>
+            <a:off x="2968150" y="2352345"/>
+            <a:ext cx="6087178" cy="2889070"/>
           </a:xfrm>
           <a:prstGeom prst="rect">
             <a:avLst/>
@@ -11401,7 +11892,7 @@
           <p:cNvPr id="4" name="TextBox 3">
             <a:extLst>
               <a:ext uri="{FF2B5EF4-FFF2-40B4-BE49-F238E27FC236}">
-                <a16:creationId xmlns:a16="http://schemas.microsoft.com/office/drawing/2014/main" id="{C31D6808-333A-40CF-A92F-A7555FD0B1F0}"/>
+                <a16:creationId xmlns:a16="http://schemas.microsoft.com/office/drawing/2014/main" id="{529ACE95-5368-4D6C-B36C-00E3E577D176}"/>
               </a:ext>
             </a:extLst>
           </p:cNvPr>
@@ -11493,7 +11984,7 @@
     </p:spTree>
     <p:extLst>
       <p:ext uri="{BB962C8B-B14F-4D97-AF65-F5344CB8AC3E}">
-        <p14:creationId xmlns:p14="http://schemas.microsoft.com/office/powerpoint/2010/main" val="4246940051"/>
+        <p14:creationId xmlns:p14="http://schemas.microsoft.com/office/powerpoint/2010/main" val="720656846"/>
       </p:ext>
     </p:extLst>
   </p:cSld>

--- a/presentations/03_systems.pptx
+++ b/presentations/03_systems.pptx
@@ -19,15 +19,15 @@
     <p:sldId id="299" r:id="rId10"/>
     <p:sldId id="267" r:id="rId11"/>
     <p:sldId id="269" r:id="rId12"/>
-    <p:sldId id="286" r:id="rId13"/>
-    <p:sldId id="323" r:id="rId14"/>
-    <p:sldId id="329" r:id="rId15"/>
-    <p:sldId id="328" r:id="rId16"/>
-    <p:sldId id="287" r:id="rId17"/>
-    <p:sldId id="346" r:id="rId18"/>
-    <p:sldId id="325" r:id="rId19"/>
-    <p:sldId id="317" r:id="rId20"/>
-    <p:sldId id="272" r:id="rId21"/>
+    <p:sldId id="272" r:id="rId13"/>
+    <p:sldId id="286" r:id="rId14"/>
+    <p:sldId id="323" r:id="rId15"/>
+    <p:sldId id="329" r:id="rId16"/>
+    <p:sldId id="328" r:id="rId17"/>
+    <p:sldId id="287" r:id="rId18"/>
+    <p:sldId id="316" r:id="rId19"/>
+    <p:sldId id="346" r:id="rId20"/>
+    <p:sldId id="325" r:id="rId21"/>
   </p:sldIdLst>
   <p:sldSz cx="12192000" cy="6858000"/>
   <p:notesSz cx="6858000" cy="9144000"/>
@@ -227,7 +227,7 @@
           <a:p>
             <a:fld id="{FD93C9B2-20F6-4DB1-B471-224337D0AC79}" type="datetimeFigureOut">
               <a:rPr lang="en-US" smtClean="0"/>
-              <a:t>8/31/2022</a:t>
+              <a:t>9/12/2022</a:t>
             </a:fld>
             <a:endParaRPr lang="en-US"/>
           </a:p>
@@ -975,18 +975,19 @@
           <a:lstStyle/>
           <a:p>
             <a:r>
-              <a:rPr lang="en-US" sz="1200" b="0" i="1" u="none" strike="noStrike" kern="1200" baseline="0" dirty="0">
+              <a:rPr lang="en-US" sz="1200" b="0" i="0" kern="1200" dirty="0">
                 <a:solidFill>
                   <a:schemeClr val="tx1"/>
                 </a:solidFill>
+                <a:effectLst/>
                 <a:latin typeface="+mn-lt"/>
                 <a:ea typeface="+mn-ea"/>
                 <a:cs typeface="+mn-cs"/>
               </a:rPr>
-              <a:t>Reinforcement Learning </a:t>
-            </a:r>
-            <a:r>
-              <a:rPr lang="en-US" sz="1200" b="0" i="0" u="none" strike="noStrike" kern="1200" baseline="0" dirty="0">
+              <a:t>Semi-supervised learning</a:t>
+            </a:r>
+            <a:r>
+              <a:rPr lang="en-US" sz="1200" b="0" i="1" u="none" strike="noStrike" kern="1200" baseline="0" dirty="0">
                 <a:solidFill>
                   <a:schemeClr val="tx1"/>
                 </a:solidFill>
@@ -994,10 +995,10 @@
                 <a:ea typeface="+mn-ea"/>
                 <a:cs typeface="+mn-cs"/>
               </a:rPr>
-              <a:t>is a very different beast. The learning system, called an </a:t>
-            </a:r>
-            <a:r>
-              <a:rPr lang="en-US" sz="1200" b="0" i="1" u="none" strike="noStrike" kern="1200" baseline="0" dirty="0">
+              <a:t> </a:t>
+            </a:r>
+            <a:r>
+              <a:rPr lang="en-US" sz="1200" b="0" i="0" u="none" strike="noStrike" kern="1200" baseline="0" dirty="0">
                 <a:solidFill>
                   <a:schemeClr val="tx1"/>
                 </a:solidFill>
@@ -1005,106 +1006,7 @@
                 <a:ea typeface="+mn-ea"/>
                 <a:cs typeface="+mn-cs"/>
               </a:rPr>
-              <a:t>agent </a:t>
-            </a:r>
-            <a:r>
-              <a:rPr lang="en-US" sz="1200" b="0" i="0" u="none" strike="noStrike" kern="1200" baseline="0" dirty="0">
-                <a:solidFill>
-                  <a:schemeClr val="tx1"/>
-                </a:solidFill>
-                <a:latin typeface="+mn-lt"/>
-                <a:ea typeface="+mn-ea"/>
-                <a:cs typeface="+mn-cs"/>
-              </a:rPr>
-              <a:t>in this context, observes the environment, selects and performs actions, and is then </a:t>
-            </a:r>
-            <a:r>
-              <a:rPr lang="en-US" sz="1200" b="0" i="1" u="none" strike="noStrike" kern="1200" baseline="0" dirty="0">
-                <a:solidFill>
-                  <a:schemeClr val="tx1"/>
-                </a:solidFill>
-                <a:latin typeface="+mn-lt"/>
-                <a:ea typeface="+mn-ea"/>
-                <a:cs typeface="+mn-cs"/>
-              </a:rPr>
-              <a:t>rewarded</a:t>
-            </a:r>
-            <a:r>
-              <a:rPr lang="en-US" sz="1200" b="0" i="0" u="none" strike="noStrike" kern="1200" baseline="0" dirty="0">
-                <a:solidFill>
-                  <a:schemeClr val="tx1"/>
-                </a:solidFill>
-                <a:latin typeface="+mn-lt"/>
-                <a:ea typeface="+mn-ea"/>
-                <a:cs typeface="+mn-cs"/>
-              </a:rPr>
-              <a:t> or </a:t>
-            </a:r>
-            <a:r>
-              <a:rPr lang="en-US" sz="1200" b="0" i="1" u="none" strike="noStrike" kern="1200" baseline="0" dirty="0">
-                <a:solidFill>
-                  <a:schemeClr val="tx1"/>
-                </a:solidFill>
-                <a:latin typeface="+mn-lt"/>
-                <a:ea typeface="+mn-ea"/>
-                <a:cs typeface="+mn-cs"/>
-              </a:rPr>
-              <a:t>penalized</a:t>
-            </a:r>
-            <a:r>
-              <a:rPr lang="en-US" sz="1200" b="0" i="0" u="none" strike="noStrike" kern="1200" baseline="0" dirty="0">
-                <a:solidFill>
-                  <a:schemeClr val="tx1"/>
-                </a:solidFill>
-                <a:latin typeface="+mn-lt"/>
-                <a:ea typeface="+mn-ea"/>
-                <a:cs typeface="+mn-cs"/>
-              </a:rPr>
-              <a:t> for each action.  On its own, the agent must discover the best strategy, called a </a:t>
-            </a:r>
-            <a:r>
-              <a:rPr lang="en-US" sz="1200" b="0" i="1" u="none" strike="noStrike" kern="1200" baseline="0" dirty="0">
-                <a:solidFill>
-                  <a:schemeClr val="tx1"/>
-                </a:solidFill>
-                <a:latin typeface="+mn-lt"/>
-                <a:ea typeface="+mn-ea"/>
-                <a:cs typeface="+mn-cs"/>
-              </a:rPr>
-              <a:t>policy,</a:t>
-            </a:r>
-            <a:r>
-              <a:rPr lang="en-US" sz="1200" b="0" i="0" u="none" strike="noStrike" kern="1200" baseline="0" dirty="0">
-                <a:solidFill>
-                  <a:schemeClr val="tx1"/>
-                </a:solidFill>
-                <a:latin typeface="+mn-lt"/>
-                <a:ea typeface="+mn-ea"/>
-                <a:cs typeface="+mn-cs"/>
-              </a:rPr>
-              <a:t> to get the most reward over time.  A </a:t>
-            </a:r>
-            <a:r>
-              <a:rPr lang="en-US" sz="1200" b="0" i="1" u="none" strike="noStrike" kern="1200" baseline="0" dirty="0">
-                <a:solidFill>
-                  <a:schemeClr val="tx1"/>
-                </a:solidFill>
-                <a:latin typeface="+mn-lt"/>
-                <a:ea typeface="+mn-ea"/>
-                <a:cs typeface="+mn-cs"/>
-              </a:rPr>
-              <a:t>policy</a:t>
-            </a:r>
-            <a:r>
-              <a:rPr lang="en-US" sz="1200" b="0" i="0" u="none" strike="noStrike" kern="1200" baseline="0" dirty="0">
-                <a:solidFill>
-                  <a:schemeClr val="tx1"/>
-                </a:solidFill>
-                <a:latin typeface="+mn-lt"/>
-                <a:ea typeface="+mn-ea"/>
-                <a:cs typeface="+mn-cs"/>
-              </a:rPr>
-              <a:t> defines what action the agent should choose when it is in a particular situation.</a:t>
+              <a:t>is a mixture of supervised and unsupervised learning, which means it is fed a combination of labeled and unlabeled inputs.  Although this deep learning type was not shown in our introductory slide, you may encounter it from time to time.</a:t>
             </a:r>
           </a:p>
           <a:p>
@@ -1127,9 +1029,8 @@
                 <a:ea typeface="+mn-ea"/>
                 <a:cs typeface="+mn-cs"/>
               </a:rPr>
-              <a:t>For example, many robots implement Reinforcement Learning algorithms to learn how to walk. DeepMind’s AlphaGo program is also a good example of Reinforcement Learning: it made the headlines in May 2017 when it beat the world champion at the game of Go. It learned its winning policy by analyzing millions of games, and then playing many games against itself.</a:t>
-            </a:r>
-            <a:endParaRPr lang="en-US" dirty="0"/>
+              <a:t>In this image, we see two classes with labeled examples indicated by the green triangles and light-yellow boxes.  The proximity of the unlabeled examples to their labeled counterparts allows the algorithm to divide the data set into two groups, thereby inferring group membership of any new data points.</a:t>
+            </a:r>
           </a:p>
           <a:p>
             <a:endParaRPr lang="en-US" sz="1200" b="0" i="0" u="none" strike="noStrike" kern="1200" baseline="0" dirty="0">
@@ -1140,6 +1041,19 @@
               <a:ea typeface="+mn-ea"/>
               <a:cs typeface="+mn-cs"/>
             </a:endParaRPr>
+          </a:p>
+          <a:p>
+            <a:r>
+              <a:rPr lang="en-US" sz="1200" b="0" i="0" u="none" strike="noStrike" kern="1200" baseline="0" dirty="0">
+                <a:solidFill>
+                  <a:schemeClr val="tx1"/>
+                </a:solidFill>
+                <a:latin typeface="+mn-lt"/>
+                <a:ea typeface="+mn-ea"/>
+                <a:cs typeface="+mn-cs"/>
+              </a:rPr>
+              <a:t>Often, you will not have the resources to label every item in a dataset.  And so semi-supervised learning provides a middle way forward, between supervised and unsupervised learning.  Here you only need to label a sub-set of instances while still gaining all of the advantages of a trained model.</a:t>
+            </a:r>
           </a:p>
           <a:p>
             <a:pPr marL="0" marR="0" lvl="0" indent="0" algn="l" defTabSz="914400" rtl="0" eaLnBrk="1" fontAlgn="auto" latinLnBrk="0" hangingPunct="1">
@@ -1200,7 +1114,7 @@
     </p:spTree>
     <p:extLst>
       <p:ext uri="{BB962C8B-B14F-4D97-AF65-F5344CB8AC3E}">
-        <p14:creationId xmlns:p14="http://schemas.microsoft.com/office/powerpoint/2010/main" val="3813904577"/>
+        <p14:creationId xmlns:p14="http://schemas.microsoft.com/office/powerpoint/2010/main" val="3414843891"/>
       </p:ext>
     </p:extLst>
   </p:cSld>
@@ -1254,47 +1168,203 @@
           <a:bodyPr/>
           <a:lstStyle/>
           <a:p>
-            <a:pPr algn="l"/>
-            <a:r>
-              <a:rPr lang="en-US" sz="1800" b="0" i="1" u="none" strike="noStrike" baseline="0" dirty="0">
-                <a:latin typeface="OpenSans-Italic"/>
-              </a:rPr>
-              <a:t>Why Not Unsupervised Learning?</a:t>
-            </a:r>
-          </a:p>
-          <a:p>
-            <a:pPr algn="l"/>
-            <a:r>
-              <a:rPr lang="en-US" sz="1800" b="0" i="0" u="none" strike="noStrike" baseline="0" dirty="0">
-                <a:latin typeface="OpenSans"/>
-              </a:rPr>
-              <a:t>As in the previous example, here, we have a determined output given an input (an image). We do not want to extract unknown patterns in the data.</a:t>
-            </a:r>
-          </a:p>
-          <a:p>
-            <a:pPr algn="l"/>
-            <a:endParaRPr lang="en-US" sz="1800" b="0" i="0" u="none" strike="noStrike" baseline="0" dirty="0">
-              <a:latin typeface="OpenSans"/>
+            <a:r>
+              <a:rPr lang="en-US" sz="1200" b="0" i="1" u="none" strike="noStrike" kern="1200" baseline="0" dirty="0">
+                <a:solidFill>
+                  <a:schemeClr val="tx1"/>
+                </a:solidFill>
+                <a:latin typeface="+mn-lt"/>
+                <a:ea typeface="+mn-ea"/>
+                <a:cs typeface="+mn-cs"/>
+              </a:rPr>
+              <a:t>Reinforcement Learning </a:t>
+            </a:r>
+            <a:r>
+              <a:rPr lang="en-US" sz="1200" b="0" i="0" u="none" strike="noStrike" kern="1200" baseline="0" dirty="0">
+                <a:solidFill>
+                  <a:schemeClr val="tx1"/>
+                </a:solidFill>
+                <a:latin typeface="+mn-lt"/>
+                <a:ea typeface="+mn-ea"/>
+                <a:cs typeface="+mn-cs"/>
+              </a:rPr>
+              <a:t>is a very different beast. The learning system, called an </a:t>
+            </a:r>
+            <a:r>
+              <a:rPr lang="en-US" sz="1200" b="0" i="1" u="none" strike="noStrike" kern="1200" baseline="0" dirty="0">
+                <a:solidFill>
+                  <a:schemeClr val="tx1"/>
+                </a:solidFill>
+                <a:latin typeface="+mn-lt"/>
+                <a:ea typeface="+mn-ea"/>
+                <a:cs typeface="+mn-cs"/>
+              </a:rPr>
+              <a:t>agent </a:t>
+            </a:r>
+            <a:r>
+              <a:rPr lang="en-US" sz="1200" b="0" i="0" u="none" strike="noStrike" kern="1200" baseline="0" dirty="0">
+                <a:solidFill>
+                  <a:schemeClr val="tx1"/>
+                </a:solidFill>
+                <a:latin typeface="+mn-lt"/>
+                <a:ea typeface="+mn-ea"/>
+                <a:cs typeface="+mn-cs"/>
+              </a:rPr>
+              <a:t>in this context, observes the environment, selects and performs actions, and is then </a:t>
+            </a:r>
+            <a:r>
+              <a:rPr lang="en-US" sz="1200" b="0" i="1" u="none" strike="noStrike" kern="1200" baseline="0" dirty="0">
+                <a:solidFill>
+                  <a:schemeClr val="tx1"/>
+                </a:solidFill>
+                <a:latin typeface="+mn-lt"/>
+                <a:ea typeface="+mn-ea"/>
+                <a:cs typeface="+mn-cs"/>
+              </a:rPr>
+              <a:t>rewarded</a:t>
+            </a:r>
+            <a:r>
+              <a:rPr lang="en-US" sz="1200" b="0" i="0" u="none" strike="noStrike" kern="1200" baseline="0" dirty="0">
+                <a:solidFill>
+                  <a:schemeClr val="tx1"/>
+                </a:solidFill>
+                <a:latin typeface="+mn-lt"/>
+                <a:ea typeface="+mn-ea"/>
+                <a:cs typeface="+mn-cs"/>
+              </a:rPr>
+              <a:t> or </a:t>
+            </a:r>
+            <a:r>
+              <a:rPr lang="en-US" sz="1200" b="0" i="1" u="none" strike="noStrike" kern="1200" baseline="0" dirty="0">
+                <a:solidFill>
+                  <a:schemeClr val="tx1"/>
+                </a:solidFill>
+                <a:latin typeface="+mn-lt"/>
+                <a:ea typeface="+mn-ea"/>
+                <a:cs typeface="+mn-cs"/>
+              </a:rPr>
+              <a:t>penalized</a:t>
+            </a:r>
+            <a:r>
+              <a:rPr lang="en-US" sz="1200" b="0" i="0" u="none" strike="noStrike" kern="1200" baseline="0" dirty="0">
+                <a:solidFill>
+                  <a:schemeClr val="tx1"/>
+                </a:solidFill>
+                <a:latin typeface="+mn-lt"/>
+                <a:ea typeface="+mn-ea"/>
+                <a:cs typeface="+mn-cs"/>
+              </a:rPr>
+              <a:t> for each action.  On its own, the agent must discover the best strategy, called a </a:t>
+            </a:r>
+            <a:r>
+              <a:rPr lang="en-US" sz="1200" b="0" i="1" u="none" strike="noStrike" kern="1200" baseline="0" dirty="0">
+                <a:solidFill>
+                  <a:schemeClr val="tx1"/>
+                </a:solidFill>
+                <a:latin typeface="+mn-lt"/>
+                <a:ea typeface="+mn-ea"/>
+                <a:cs typeface="+mn-cs"/>
+              </a:rPr>
+              <a:t>policy,</a:t>
+            </a:r>
+            <a:r>
+              <a:rPr lang="en-US" sz="1200" b="0" i="0" u="none" strike="noStrike" kern="1200" baseline="0" dirty="0">
+                <a:solidFill>
+                  <a:schemeClr val="tx1"/>
+                </a:solidFill>
+                <a:latin typeface="+mn-lt"/>
+                <a:ea typeface="+mn-ea"/>
+                <a:cs typeface="+mn-cs"/>
+              </a:rPr>
+              <a:t> to get the most reward over time.  A </a:t>
+            </a:r>
+            <a:r>
+              <a:rPr lang="en-US" sz="1200" b="0" i="1" u="none" strike="noStrike" kern="1200" baseline="0" dirty="0">
+                <a:solidFill>
+                  <a:schemeClr val="tx1"/>
+                </a:solidFill>
+                <a:latin typeface="+mn-lt"/>
+                <a:ea typeface="+mn-ea"/>
+                <a:cs typeface="+mn-cs"/>
+              </a:rPr>
+              <a:t>policy</a:t>
+            </a:r>
+            <a:r>
+              <a:rPr lang="en-US" sz="1200" b="0" i="0" u="none" strike="noStrike" kern="1200" baseline="0" dirty="0">
+                <a:solidFill>
+                  <a:schemeClr val="tx1"/>
+                </a:solidFill>
+                <a:latin typeface="+mn-lt"/>
+                <a:ea typeface="+mn-ea"/>
+                <a:cs typeface="+mn-cs"/>
+              </a:rPr>
+              <a:t> defines what action the agent should choose when it is in a particular situation.</a:t>
+            </a:r>
+          </a:p>
+          <a:p>
+            <a:endParaRPr lang="en-US" sz="1200" b="0" i="0" u="none" strike="noStrike" kern="1200" baseline="0" dirty="0">
+              <a:solidFill>
+                <a:schemeClr val="tx1"/>
+              </a:solidFill>
+              <a:latin typeface="+mn-lt"/>
+              <a:ea typeface="+mn-ea"/>
+              <a:cs typeface="+mn-cs"/>
             </a:endParaRPr>
           </a:p>
           <a:p>
-            <a:pPr algn="l"/>
-            <a:r>
-              <a:rPr lang="en-US" sz="1800" b="0" i="1" u="none" strike="noStrike" baseline="0" dirty="0">
-                <a:latin typeface="OpenSans-Italic"/>
-              </a:rPr>
-              <a:t>Why Not RL?</a:t>
-            </a:r>
-          </a:p>
-          <a:p>
-            <a:pPr algn="l"/>
-            <a:r>
-              <a:rPr lang="en-US" sz="1800" b="0" i="0" u="none" strike="noStrike" baseline="0" dirty="0">
-                <a:latin typeface="OpenSans"/>
-              </a:rPr>
-              <a:t>Detection and classification are not tasks that are suited to the RL framework. We do not have a set of actions the agent should take to solve a problem. Also, in this case, the sequential structure is absent.</a:t>
+            <a:r>
+              <a:rPr lang="en-US" sz="1200" b="0" i="0" u="none" strike="noStrike" kern="1200" baseline="0" dirty="0">
+                <a:solidFill>
+                  <a:schemeClr val="tx1"/>
+                </a:solidFill>
+                <a:latin typeface="+mn-lt"/>
+                <a:ea typeface="+mn-ea"/>
+                <a:cs typeface="+mn-cs"/>
+              </a:rPr>
+              <a:t>For example, many robots implement Reinforcement Learning algorithms to learn how to walk. DeepMind’s AlphaGo program is also a good example of Reinforcement Learning: it made the headlines in May 2017 when it beat the world champion at the game of Go. It learned its winning policy by analyzing millions of games, and then playing many games against itself.</a:t>
             </a:r>
             <a:endParaRPr lang="en-US" dirty="0"/>
+          </a:p>
+          <a:p>
+            <a:endParaRPr lang="en-US" sz="1200" b="0" i="0" u="none" strike="noStrike" kern="1200" baseline="0" dirty="0">
+              <a:solidFill>
+                <a:schemeClr val="tx1"/>
+              </a:solidFill>
+              <a:latin typeface="+mn-lt"/>
+              <a:ea typeface="+mn-ea"/>
+              <a:cs typeface="+mn-cs"/>
+            </a:endParaRPr>
+          </a:p>
+          <a:p>
+            <a:pPr marL="0" marR="0" lvl="0" indent="0" algn="l" defTabSz="914400" rtl="0" eaLnBrk="1" fontAlgn="auto" latinLnBrk="0" hangingPunct="1">
+              <a:lnSpc>
+                <a:spcPct val="100000"/>
+              </a:lnSpc>
+              <a:spcBef>
+                <a:spcPts val="0"/>
+              </a:spcBef>
+              <a:spcAft>
+                <a:spcPts val="0"/>
+              </a:spcAft>
+              <a:buClrTx/>
+              <a:buSzTx/>
+              <a:buFontTx/>
+              <a:buNone/>
+              <a:tabLst/>
+              <a:defRPr/>
+            </a:pPr>
+            <a:r>
+              <a:rPr lang="en-US" sz="1200" b="0" i="0" kern="1200" dirty="0">
+                <a:solidFill>
+                  <a:schemeClr val="tx1"/>
+                </a:solidFill>
+                <a:effectLst/>
+                <a:latin typeface="+mn-lt"/>
+                <a:ea typeface="+mn-ea"/>
+                <a:cs typeface="+mn-cs"/>
+              </a:rPr>
+              <a:t> </a:t>
+            </a:r>
           </a:p>
         </p:txBody>
       </p:sp>
@@ -1324,7 +1394,7 @@
     </p:spTree>
     <p:extLst>
       <p:ext uri="{BB962C8B-B14F-4D97-AF65-F5344CB8AC3E}">
-        <p14:creationId xmlns:p14="http://schemas.microsoft.com/office/powerpoint/2010/main" val="1180791832"/>
+        <p14:creationId xmlns:p14="http://schemas.microsoft.com/office/powerpoint/2010/main" val="3813904577"/>
       </p:ext>
     </p:extLst>
   </p:cSld>
@@ -1379,6 +1449,60 @@
           <a:lstStyle/>
           <a:p>
             <a:pPr algn="l"/>
+            <a:r>
+              <a:rPr lang="en-US" sz="1800" b="0" i="0" u="none" strike="noStrike" baseline="0" dirty="0">
+                <a:latin typeface="OpenSans-Italic"/>
+              </a:rPr>
+              <a:t>This is an example of supervised learning.</a:t>
+            </a:r>
+          </a:p>
+          <a:p>
+            <a:pPr algn="l"/>
+            <a:endParaRPr lang="en-US" sz="1800" b="0" i="0" u="none" strike="noStrike" baseline="0" dirty="0">
+              <a:latin typeface="OpenSans-Italic"/>
+            </a:endParaRPr>
+          </a:p>
+          <a:p>
+            <a:pPr algn="l"/>
+            <a:r>
+              <a:rPr lang="en-US" sz="1800" b="0" i="1" u="none" strike="noStrike" baseline="0" dirty="0">
+                <a:latin typeface="OpenSans-Italic"/>
+              </a:rPr>
+              <a:t>Why Not Unsupervised Learning?</a:t>
+            </a:r>
+          </a:p>
+          <a:p>
+            <a:pPr algn="l"/>
+            <a:r>
+              <a:rPr lang="en-US" sz="1800" b="0" i="0" u="none" strike="noStrike" baseline="0" dirty="0">
+                <a:latin typeface="OpenSans"/>
+              </a:rPr>
+              <a:t>Here we have a determined output given an input (an image). We do not want to extract unknown patterns in the data.</a:t>
+            </a:r>
+          </a:p>
+          <a:p>
+            <a:pPr algn="l"/>
+            <a:endParaRPr lang="en-US" sz="1800" b="0" i="0" u="none" strike="noStrike" baseline="0" dirty="0">
+              <a:latin typeface="OpenSans"/>
+            </a:endParaRPr>
+          </a:p>
+          <a:p>
+            <a:pPr algn="l"/>
+            <a:r>
+              <a:rPr lang="en-US" sz="1800" b="0" i="1" u="none" strike="noStrike" baseline="0" dirty="0">
+                <a:latin typeface="OpenSans-Italic"/>
+              </a:rPr>
+              <a:t>Why Not RL?</a:t>
+            </a:r>
+          </a:p>
+          <a:p>
+            <a:pPr algn="l"/>
+            <a:r>
+              <a:rPr lang="en-US" sz="1800" b="0" i="0" u="none" strike="noStrike" baseline="0" dirty="0">
+                <a:latin typeface="OpenSans"/>
+              </a:rPr>
+              <a:t>Detection and classification are not tasks that are suited to the RL framework. We do not have a set of actions the agent should take to solve a problem. Also, in this case, the sequential structure is absent.</a:t>
+            </a:r>
             <a:endParaRPr lang="en-US" dirty="0"/>
           </a:p>
         </p:txBody>
@@ -1409,7 +1533,7 @@
     </p:spTree>
     <p:extLst>
       <p:ext uri="{BB962C8B-B14F-4D97-AF65-F5344CB8AC3E}">
-        <p14:creationId xmlns:p14="http://schemas.microsoft.com/office/powerpoint/2010/main" val="1491244757"/>
+        <p14:creationId xmlns:p14="http://schemas.microsoft.com/office/powerpoint/2010/main" val="1180791832"/>
       </p:ext>
     </p:extLst>
   </p:cSld>
@@ -1465,19 +1589,14 @@
           <a:p>
             <a:pPr algn="l"/>
             <a:r>
+              <a:rPr lang="en-US" dirty="0"/>
+              <a:t>This is an example of unsupervised learning.  Here </a:t>
+            </a:r>
+            <a:r>
               <a:rPr lang="en-US" sz="1800" b="0" i="0" u="none" strike="noStrike" baseline="0" dirty="0">
                 <a:latin typeface="OpenSans"/>
               </a:rPr>
-              <a:t>Playing chess can be seen as an RL problem. The program can perceive the current state of the board (for example, the positions and types of pawns), and, based on</a:t>
-            </a:r>
-          </a:p>
-          <a:p>
-            <a:pPr algn="l"/>
-            <a:r>
-              <a:rPr lang="en-US" sz="1800" b="0" i="0" u="none" strike="noStrike" baseline="0" dirty="0">
-                <a:latin typeface="OpenSans"/>
-              </a:rPr>
-              <a:t>that, it should decide which action to take.</a:t>
+              <a:t>the original data is on the left.  And on the right, we see the possible output of a clustering algorithm like principal component analysis (PCA).  Different colors denote different clusters.  </a:t>
             </a:r>
           </a:p>
           <a:p>
@@ -1489,43 +1608,10 @@
           <a:p>
             <a:pPr algn="l"/>
             <a:r>
-              <a:rPr lang="en-US" sz="1800" b="0" i="1" u="none" strike="noStrike" baseline="0" dirty="0">
-                <a:latin typeface="OpenSans-Italic"/>
-              </a:rPr>
-              <a:t>Why Not Supervised?</a:t>
-            </a:r>
-          </a:p>
-          <a:p>
-            <a:pPr algn="l"/>
-            <a:r>
               <a:rPr lang="en-US" sz="1800" b="0" i="0" u="none" strike="noStrike" baseline="0" dirty="0">
                 <a:latin typeface="OpenSans"/>
               </a:rPr>
-              <a:t>We can think of playing chess as a supervised learning problem, but we would need to have a dataset, and we should incorporate the sequential structure of the game into the supervised learning problem.</a:t>
-            </a:r>
-          </a:p>
-          <a:p>
-            <a:pPr algn="l"/>
-            <a:endParaRPr lang="en-US" sz="1800" b="0" i="0" u="none" strike="noStrike" baseline="0" dirty="0">
-              <a:latin typeface="OpenSans"/>
-            </a:endParaRPr>
-          </a:p>
-          <a:p>
-            <a:pPr algn="l"/>
-            <a:r>
-              <a:rPr lang="en-US" sz="1800" b="0" i="1" u="none" strike="noStrike" baseline="0" dirty="0">
-                <a:latin typeface="OpenSans-Italic"/>
-              </a:rPr>
-              <a:t>Why Not Unsupervised?</a:t>
-            </a:r>
-          </a:p>
-          <a:p>
-            <a:pPr algn="l"/>
-            <a:r>
-              <a:rPr lang="en-US" sz="1800" b="0" i="0" u="none" strike="noStrike" baseline="0" dirty="0">
-                <a:latin typeface="OpenSans"/>
-              </a:rPr>
-              <a:t>Unsupervised learning does not fit this problem as we are not dealing with learning a representation of the data; we have a defined objective, which is winning the game.</a:t>
+              <a:t>PCA is an unsupervised algorithm used for dimensionality reduction and feature extraction. </a:t>
             </a:r>
             <a:endParaRPr lang="en-US" dirty="0"/>
           </a:p>
@@ -1557,7 +1643,7 @@
     </p:spTree>
     <p:extLst>
       <p:ext uri="{BB962C8B-B14F-4D97-AF65-F5344CB8AC3E}">
-        <p14:creationId xmlns:p14="http://schemas.microsoft.com/office/powerpoint/2010/main" val="358589541"/>
+        <p14:creationId xmlns:p14="http://schemas.microsoft.com/office/powerpoint/2010/main" val="1491244757"/>
       </p:ext>
     </p:extLst>
   </p:cSld>
@@ -1611,48 +1697,62 @@
           <a:bodyPr/>
           <a:lstStyle/>
           <a:p>
-            <a:r>
-              <a:rPr lang="en-US" sz="1200" b="0" i="0" u="none" strike="noStrike" kern="1200" baseline="0" dirty="0">
-                <a:solidFill>
-                  <a:schemeClr val="tx1"/>
-                </a:solidFill>
-                <a:latin typeface="+mn-lt"/>
-                <a:ea typeface="+mn-ea"/>
-                <a:cs typeface="+mn-cs"/>
-              </a:rPr>
-              <a:t>… and finally, this image summarizes some of the primary ways in which AI is being used today.   I present these applications because background knowledge is key to helping you imagine AI possibilities in your domain.  And it’s the reason why I asked Jim Cusick to provide additional bibliographic support.  Of course, the challenge is to take an application in another area and then modify it, so it works in yours.  I believe this is where a lot of innovation is going to happen in the near future.  </a:t>
-            </a:r>
-          </a:p>
-          <a:p>
-            <a:pPr marL="0" marR="0" lvl="0" indent="0" algn="l" defTabSz="914400" rtl="0" eaLnBrk="1" fontAlgn="auto" latinLnBrk="0" hangingPunct="1">
-              <a:lnSpc>
-                <a:spcPct val="100000"/>
-              </a:lnSpc>
-              <a:spcBef>
-                <a:spcPts val="0"/>
-              </a:spcBef>
-              <a:spcAft>
-                <a:spcPts val="0"/>
-              </a:spcAft>
-              <a:buClrTx/>
-              <a:buSzTx/>
-              <a:buFontTx/>
-              <a:buNone/>
-              <a:tabLst/>
-              <a:defRPr/>
-            </a:pPr>
-            <a:r>
-              <a:rPr lang="en-US" sz="1200" b="0" i="0" kern="1200" dirty="0">
-                <a:solidFill>
-                  <a:schemeClr val="tx1"/>
-                </a:solidFill>
-                <a:effectLst/>
-                <a:latin typeface="+mn-lt"/>
-                <a:ea typeface="+mn-ea"/>
-                <a:cs typeface="+mn-cs"/>
-              </a:rPr>
-              <a:t> </a:t>
-            </a:r>
+            <a:pPr algn="l"/>
+            <a:r>
+              <a:rPr lang="en-US" sz="1800" b="0" i="0" u="none" strike="noStrike" baseline="0" dirty="0">
+                <a:latin typeface="OpenSans"/>
+              </a:rPr>
+              <a:t>Playing chess is a reinforcement learning application.  The program can perceive the current state of the board (for example, the positions and types of pawns), and, based on that, it decides which action to take.</a:t>
+            </a:r>
+          </a:p>
+          <a:p>
+            <a:pPr algn="l"/>
+            <a:endParaRPr lang="en-US" sz="1800" b="0" i="0" u="none" strike="noStrike" baseline="0" dirty="0">
+              <a:latin typeface="OpenSans"/>
+            </a:endParaRPr>
+          </a:p>
+          <a:p>
+            <a:pPr algn="l"/>
+            <a:r>
+              <a:rPr lang="en-US" sz="1800" b="0" i="1" u="none" strike="noStrike" baseline="0" dirty="0">
+                <a:latin typeface="OpenSans-Italic"/>
+              </a:rPr>
+              <a:t>Why Not Supervised?</a:t>
+            </a:r>
+          </a:p>
+          <a:p>
+            <a:pPr algn="l"/>
+            <a:r>
+              <a:rPr lang="en-US" sz="1800" b="0" i="0" u="none" strike="noStrike" baseline="0" dirty="0">
+                <a:latin typeface="OpenSans"/>
+              </a:rPr>
+              <a:t>We can think of playing chess as a supervised learning problem, but we would need to have a dataset, and we should incorporate the sequential structure of the game into the supervised learning problem.</a:t>
+            </a:r>
+          </a:p>
+          <a:p>
+            <a:pPr algn="l"/>
+            <a:endParaRPr lang="en-US" sz="1800" b="0" i="0" u="none" strike="noStrike" baseline="0" dirty="0">
+              <a:latin typeface="OpenSans"/>
+            </a:endParaRPr>
+          </a:p>
+          <a:p>
+            <a:pPr algn="l"/>
+            <a:r>
+              <a:rPr lang="en-US" sz="1800" b="0" i="1" u="none" strike="noStrike" baseline="0" dirty="0">
+                <a:latin typeface="OpenSans-Italic"/>
+              </a:rPr>
+              <a:t>Why Not Unsupervised?</a:t>
+            </a:r>
+          </a:p>
+          <a:p>
+            <a:pPr algn="l"/>
+            <a:r>
+              <a:rPr lang="en-US" sz="1800" b="0" i="0" u="none" strike="noStrike" baseline="0" dirty="0">
+                <a:latin typeface="OpenSans"/>
+              </a:rPr>
+              <a:t>Unsupervised learning does not fit this problem as we are not dealing with learning a representation of the data; we have a defined objective, which is winning the game.</a:t>
+            </a:r>
+            <a:endParaRPr lang="en-US" dirty="0"/>
           </a:p>
         </p:txBody>
       </p:sp>
@@ -1682,7 +1782,7 @@
     </p:spTree>
     <p:extLst>
       <p:ext uri="{BB962C8B-B14F-4D97-AF65-F5344CB8AC3E}">
-        <p14:creationId xmlns:p14="http://schemas.microsoft.com/office/powerpoint/2010/main" val="2041406944"/>
+        <p14:creationId xmlns:p14="http://schemas.microsoft.com/office/powerpoint/2010/main" val="358589541"/>
       </p:ext>
     </p:extLst>
   </p:cSld>
@@ -1736,25 +1836,48 @@
           <a:bodyPr/>
           <a:lstStyle/>
           <a:p>
-            <a:pPr marL="228600" indent="-228600">
-              <a:buAutoNum type="arabicPeriod"/>
+            <a:r>
+              <a:rPr lang="en-US" sz="1200" b="0" i="0" u="none" strike="noStrike" kern="1200" baseline="0" dirty="0">
+                <a:solidFill>
+                  <a:schemeClr val="tx1"/>
+                </a:solidFill>
+                <a:latin typeface="+mn-lt"/>
+                <a:ea typeface="+mn-ea"/>
+                <a:cs typeface="+mn-cs"/>
+              </a:rPr>
+              <a:t>… and finally, this image summarizes some of the primary ways in which AI is being used today.   I present these applications because background knowledge is key to helping you imagine AI possibilities in your domain.   Naturally, the challenge is to take an application in another area and then modify it, so it works in yours.  I believe this is where a lot of innovation will happen soon.  </a:t>
+            </a:r>
+          </a:p>
+          <a:p>
+            <a:pPr marL="0" marR="0" lvl="0" indent="0" algn="l" defTabSz="914400" rtl="0" eaLnBrk="1" fontAlgn="auto" latinLnBrk="0" hangingPunct="1">
+              <a:lnSpc>
+                <a:spcPct val="100000"/>
+              </a:lnSpc>
+              <a:spcBef>
+                <a:spcPts val="0"/>
+              </a:spcBef>
+              <a:spcAft>
+                <a:spcPts val="0"/>
+              </a:spcAft>
+              <a:buClrTx/>
+              <a:buSzTx/>
+              <a:buFontTx/>
+              <a:buNone/>
+              <a:tabLst/>
+              <a:defRPr/>
             </a:pPr>
             <a:r>
-              <a:rPr lang="en-US" dirty="0"/>
-              <a:t>Post general questions (entire class) in Chat…</a:t>
-            </a:r>
-          </a:p>
-          <a:p>
-            <a:pPr marL="228600" indent="-228600">
-              <a:buAutoNum type="arabicPeriod"/>
-            </a:pPr>
-            <a:r>
-              <a:rPr lang="en-US" dirty="0"/>
-              <a:t>Discuss specific implementation questions at the Help table during exercise…</a:t>
-            </a:r>
-          </a:p>
-          <a:p>
-            <a:endParaRPr lang="en-US" dirty="0"/>
+              <a:rPr lang="en-US" sz="1200" b="0" i="0" kern="1200" dirty="0">
+                <a:solidFill>
+                  <a:schemeClr val="tx1"/>
+                </a:solidFill>
+                <a:effectLst/>
+                <a:latin typeface="+mn-lt"/>
+                <a:ea typeface="+mn-ea"/>
+                <a:cs typeface="+mn-cs"/>
+              </a:rPr>
+              <a:t> </a:t>
+            </a:r>
           </a:p>
         </p:txBody>
       </p:sp>
@@ -1784,7 +1907,7 @@
     </p:spTree>
     <p:extLst>
       <p:ext uri="{BB962C8B-B14F-4D97-AF65-F5344CB8AC3E}">
-        <p14:creationId xmlns:p14="http://schemas.microsoft.com/office/powerpoint/2010/main" val="851494294"/>
+        <p14:creationId xmlns:p14="http://schemas.microsoft.com/office/powerpoint/2010/main" val="2041406944"/>
       </p:ext>
     </p:extLst>
   </p:cSld>
@@ -1838,7 +1961,18 @@
           <a:bodyPr/>
           <a:lstStyle/>
           <a:p>
-            <a:endParaRPr lang="en-US" dirty="0"/>
+            <a:r>
+              <a:rPr lang="en-US" dirty="0"/>
+              <a:t>One interesting AI use-case is Perusall.  Perusall – a popular classroom reading app – uses an AI algorithm to grade the quality of written posts.  How would you like to have your posts graded by an algorithm?  One drawback, however, is that the algorithm is a </a:t>
+            </a:r>
+            <a:r>
+              <a:rPr lang="en-US" b="1" dirty="0"/>
+              <a:t>black-box.</a:t>
+            </a:r>
+            <a:r>
+              <a:rPr lang="en-US" dirty="0"/>
+              <a:t>  Even instructors don’t know how the algorithm arrives at its final score, though the software has a lot of adjustable parameters. </a:t>
+            </a:r>
           </a:p>
         </p:txBody>
       </p:sp>
@@ -1868,7 +2002,7 @@
     </p:spTree>
     <p:extLst>
       <p:ext uri="{BB962C8B-B14F-4D97-AF65-F5344CB8AC3E}">
-        <p14:creationId xmlns:p14="http://schemas.microsoft.com/office/powerpoint/2010/main" val="4005406224"/>
+        <p14:creationId xmlns:p14="http://schemas.microsoft.com/office/powerpoint/2010/main" val="3220379977"/>
       </p:ext>
     </p:extLst>
   </p:cSld>
@@ -1922,10 +2056,25 @@
           <a:bodyPr/>
           <a:lstStyle/>
           <a:p>
+            <a:pPr marL="228600" indent="-228600">
+              <a:buAutoNum type="arabicPeriod"/>
+            </a:pPr>
             <a:r>
               <a:rPr lang="en-US" dirty="0"/>
-              <a:t>Here are the steps one usually takes in a typical machine learning project.  Note that the entire process is completely dependent on “Lots” of data.  This truth can be stated simply as, “No data. No machine learning.”</a:t>
-            </a:r>
+              <a:t>Post general questions (entire class) in Chat…</a:t>
+            </a:r>
+          </a:p>
+          <a:p>
+            <a:pPr marL="228600" indent="-228600">
+              <a:buAutoNum type="arabicPeriod"/>
+            </a:pPr>
+            <a:r>
+              <a:rPr lang="en-US" dirty="0"/>
+              <a:t>Discuss specific implementation questions at the Help table during exercise…</a:t>
+            </a:r>
+          </a:p>
+          <a:p>
+            <a:endParaRPr lang="en-US" dirty="0"/>
           </a:p>
         </p:txBody>
       </p:sp>
@@ -1955,7 +2104,7 @@
     </p:spTree>
     <p:extLst>
       <p:ext uri="{BB962C8B-B14F-4D97-AF65-F5344CB8AC3E}">
-        <p14:creationId xmlns:p14="http://schemas.microsoft.com/office/powerpoint/2010/main" val="1313138859"/>
+        <p14:creationId xmlns:p14="http://schemas.microsoft.com/office/powerpoint/2010/main" val="851494294"/>
       </p:ext>
     </p:extLst>
   </p:cSld>
@@ -2093,94 +2242,7 @@
           <a:bodyPr/>
           <a:lstStyle/>
           <a:p>
-            <a:r>
-              <a:rPr lang="en-US" sz="1200" b="0" i="0" kern="1200" dirty="0">
-                <a:solidFill>
-                  <a:schemeClr val="tx1"/>
-                </a:solidFill>
-                <a:effectLst/>
-                <a:latin typeface="+mn-lt"/>
-                <a:ea typeface="+mn-ea"/>
-                <a:cs typeface="+mn-cs"/>
-              </a:rPr>
-              <a:t>Semi-supervised learning</a:t>
-            </a:r>
-            <a:r>
-              <a:rPr lang="en-US" sz="1200" b="0" i="1" u="none" strike="noStrike" kern="1200" baseline="0" dirty="0">
-                <a:solidFill>
-                  <a:schemeClr val="tx1"/>
-                </a:solidFill>
-                <a:latin typeface="+mn-lt"/>
-                <a:ea typeface="+mn-ea"/>
-                <a:cs typeface="+mn-cs"/>
-              </a:rPr>
-              <a:t> </a:t>
-            </a:r>
-            <a:r>
-              <a:rPr lang="en-US" sz="1200" b="0" i="0" u="none" strike="noStrike" kern="1200" baseline="0" dirty="0">
-                <a:solidFill>
-                  <a:schemeClr val="tx1"/>
-                </a:solidFill>
-                <a:latin typeface="+mn-lt"/>
-                <a:ea typeface="+mn-ea"/>
-                <a:cs typeface="+mn-cs"/>
-              </a:rPr>
-              <a:t>is a mixture of the previous two learning types, which means it is fed a combination of labeled and unlabeled inputs.  In this image, we see two classes with labeled examples indicated by the green triangles and light-yellow boxes.  The proximity of the unlabeled examples to their labeled counterparts allows the algorithm to divide the data set into two groups, thereby inferring group membership of any new data points.</a:t>
-            </a:r>
-          </a:p>
-          <a:p>
-            <a:endParaRPr lang="en-US" sz="1200" b="0" i="0" u="none" strike="noStrike" kern="1200" baseline="0" dirty="0">
-              <a:solidFill>
-                <a:schemeClr val="tx1"/>
-              </a:solidFill>
-              <a:latin typeface="+mn-lt"/>
-              <a:ea typeface="+mn-ea"/>
-              <a:cs typeface="+mn-cs"/>
-            </a:endParaRPr>
-          </a:p>
-          <a:p>
-            <a:r>
-              <a:rPr lang="en-US" sz="1200" b="0" i="0" u="none" strike="noStrike" kern="1200" baseline="0" dirty="0">
-                <a:solidFill>
-                  <a:schemeClr val="tx1"/>
-                </a:solidFill>
-                <a:latin typeface="+mn-lt"/>
-                <a:ea typeface="+mn-ea"/>
-                <a:cs typeface="+mn-cs"/>
-              </a:rPr>
-              <a:t>Often, you will not have the resources to label every item in a dataset.  And so semi-supervised learning provides a middle way forward, between supervised and unsupervised learning.  Here you only need to label a sub-set of instances while still gaining all of the advantages of a trained model.</a:t>
-            </a:r>
-          </a:p>
-          <a:p>
-            <a:pPr marL="0" marR="0" lvl="0" indent="0" algn="l" defTabSz="914400" rtl="0" eaLnBrk="1" fontAlgn="auto" latinLnBrk="0" hangingPunct="1">
-              <a:lnSpc>
-                <a:spcPct val="100000"/>
-              </a:lnSpc>
-              <a:spcBef>
-                <a:spcPts val="0"/>
-              </a:spcBef>
-              <a:spcAft>
-                <a:spcPts val="0"/>
-              </a:spcAft>
-              <a:buClrTx/>
-              <a:buSzTx/>
-              <a:buFontTx/>
-              <a:buNone/>
-              <a:tabLst/>
-              <a:defRPr/>
-            </a:pPr>
-            <a:r>
-              <a:rPr lang="en-US" sz="1200" b="0" i="0" kern="1200" dirty="0">
-                <a:solidFill>
-                  <a:schemeClr val="tx1"/>
-                </a:solidFill>
-                <a:effectLst/>
-                <a:latin typeface="+mn-lt"/>
-                <a:ea typeface="+mn-ea"/>
-                <a:cs typeface="+mn-cs"/>
-              </a:rPr>
-              <a:t> </a:t>
-            </a:r>
+            <a:endParaRPr lang="en-US" dirty="0"/>
           </a:p>
         </p:txBody>
       </p:sp>
@@ -2210,7 +2272,7 @@
     </p:spTree>
     <p:extLst>
       <p:ext uri="{BB962C8B-B14F-4D97-AF65-F5344CB8AC3E}">
-        <p14:creationId xmlns:p14="http://schemas.microsoft.com/office/powerpoint/2010/main" val="3414843891"/>
+        <p14:creationId xmlns:p14="http://schemas.microsoft.com/office/powerpoint/2010/main" val="4005406224"/>
       </p:ext>
     </p:extLst>
   </p:cSld>
@@ -3861,7 +3923,7 @@
           <a:p>
             <a:fld id="{C3F78080-8D0A-4BE8-A5B4-CB115102D524}" type="datetimeFigureOut">
               <a:rPr lang="en-US" smtClean="0"/>
-              <a:t>8/31/2022</a:t>
+              <a:t>9/12/2022</a:t>
             </a:fld>
             <a:endParaRPr lang="en-US"/>
           </a:p>
@@ -4059,7 +4121,7 @@
           <a:p>
             <a:fld id="{C3F78080-8D0A-4BE8-A5B4-CB115102D524}" type="datetimeFigureOut">
               <a:rPr lang="en-US" smtClean="0"/>
-              <a:t>8/31/2022</a:t>
+              <a:t>9/12/2022</a:t>
             </a:fld>
             <a:endParaRPr lang="en-US"/>
           </a:p>
@@ -4267,7 +4329,7 @@
           <a:p>
             <a:fld id="{C3F78080-8D0A-4BE8-A5B4-CB115102D524}" type="datetimeFigureOut">
               <a:rPr lang="en-US" smtClean="0"/>
-              <a:t>8/31/2022</a:t>
+              <a:t>9/12/2022</a:t>
             </a:fld>
             <a:endParaRPr lang="en-US"/>
           </a:p>
@@ -4465,7 +4527,7 @@
           <a:p>
             <a:fld id="{C3F78080-8D0A-4BE8-A5B4-CB115102D524}" type="datetimeFigureOut">
               <a:rPr lang="en-US" smtClean="0"/>
-              <a:t>8/31/2022</a:t>
+              <a:t>9/12/2022</a:t>
             </a:fld>
             <a:endParaRPr lang="en-US"/>
           </a:p>
@@ -4740,7 +4802,7 @@
           <a:p>
             <a:fld id="{C3F78080-8D0A-4BE8-A5B4-CB115102D524}" type="datetimeFigureOut">
               <a:rPr lang="en-US" smtClean="0"/>
-              <a:t>8/31/2022</a:t>
+              <a:t>9/12/2022</a:t>
             </a:fld>
             <a:endParaRPr lang="en-US"/>
           </a:p>
@@ -5005,7 +5067,7 @@
           <a:p>
             <a:fld id="{C3F78080-8D0A-4BE8-A5B4-CB115102D524}" type="datetimeFigureOut">
               <a:rPr lang="en-US" smtClean="0"/>
-              <a:t>8/31/2022</a:t>
+              <a:t>9/12/2022</a:t>
             </a:fld>
             <a:endParaRPr lang="en-US"/>
           </a:p>
@@ -5417,7 +5479,7 @@
           <a:p>
             <a:fld id="{C3F78080-8D0A-4BE8-A5B4-CB115102D524}" type="datetimeFigureOut">
               <a:rPr lang="en-US" smtClean="0"/>
-              <a:t>8/31/2022</a:t>
+              <a:t>9/12/2022</a:t>
             </a:fld>
             <a:endParaRPr lang="en-US"/>
           </a:p>
@@ -5558,7 +5620,7 @@
           <a:p>
             <a:fld id="{C3F78080-8D0A-4BE8-A5B4-CB115102D524}" type="datetimeFigureOut">
               <a:rPr lang="en-US" smtClean="0"/>
-              <a:t>8/31/2022</a:t>
+              <a:t>9/12/2022</a:t>
             </a:fld>
             <a:endParaRPr lang="en-US"/>
           </a:p>
@@ -5671,7 +5733,7 @@
           <a:p>
             <a:fld id="{C3F78080-8D0A-4BE8-A5B4-CB115102D524}" type="datetimeFigureOut">
               <a:rPr lang="en-US" smtClean="0"/>
-              <a:t>8/31/2022</a:t>
+              <a:t>9/12/2022</a:t>
             </a:fld>
             <a:endParaRPr lang="en-US"/>
           </a:p>
@@ -5982,7 +6044,7 @@
           <a:p>
             <a:fld id="{C3F78080-8D0A-4BE8-A5B4-CB115102D524}" type="datetimeFigureOut">
               <a:rPr lang="en-US" smtClean="0"/>
-              <a:t>8/31/2022</a:t>
+              <a:t>9/12/2022</a:t>
             </a:fld>
             <a:endParaRPr lang="en-US"/>
           </a:p>
@@ -6270,7 +6332,7 @@
           <a:p>
             <a:fld id="{C3F78080-8D0A-4BE8-A5B4-CB115102D524}" type="datetimeFigureOut">
               <a:rPr lang="en-US" smtClean="0"/>
-              <a:t>8/31/2022</a:t>
+              <a:t>9/12/2022</a:t>
             </a:fld>
             <a:endParaRPr lang="en-US"/>
           </a:p>
@@ -6511,7 +6573,7 @@
           <a:p>
             <a:fld id="{C3F78080-8D0A-4BE8-A5B4-CB115102D524}" type="datetimeFigureOut">
               <a:rPr lang="en-US" smtClean="0"/>
-              <a:t>8/31/2022</a:t>
+              <a:t>9/12/2022</a:t>
             </a:fld>
             <a:endParaRPr lang="en-US"/>
           </a:p>
@@ -6959,7 +7021,7 @@
                 <a:latin typeface="Palatino Linotype" panose="02040502050505030304" pitchFamily="18" charset="0"/>
                 <a:cs typeface="Segoe UI" panose="020B0502040204020203" pitchFamily="34" charset="0"/>
               </a:rPr>
-              <a:t>AI Systems</a:t>
+              <a:t>Deep Learning Systems</a:t>
             </a:r>
           </a:p>
         </p:txBody>
@@ -7527,17 +7589,17 @@
                 <a:latin typeface="Palatino Linotype" panose="02040502050505030304" pitchFamily="18" charset="0"/>
                 <a:cs typeface="Segoe UI Light" panose="020B0502040204020203" pitchFamily="34" charset="0"/>
               </a:rPr>
-              <a:t>Reinforcement Learning</a:t>
+              <a:t>Semi-Supervised Learning</a:t>
             </a:r>
           </a:p>
         </p:txBody>
       </p:sp>
       <p:pic>
         <p:nvPicPr>
-          <p:cNvPr id="7" name="Picture 6">
-            <a:extLst>
-              <a:ext uri="{FF2B5EF4-FFF2-40B4-BE49-F238E27FC236}">
-                <a16:creationId xmlns:a16="http://schemas.microsoft.com/office/drawing/2014/main" id="{4A30E165-C137-4B3A-9370-2DC85C26B6F7}"/>
+          <p:cNvPr id="5" name="Picture 4">
+            <a:extLst>
+              <a:ext uri="{FF2B5EF4-FFF2-40B4-BE49-F238E27FC236}">
+                <a16:creationId xmlns:a16="http://schemas.microsoft.com/office/drawing/2014/main" id="{893814E3-F219-45ED-8098-13DEC3583CCB}"/>
               </a:ext>
             </a:extLst>
           </p:cNvPr>
@@ -7554,8 +7616,8 @@
         </p:blipFill>
         <p:spPr>
           <a:xfrm>
-            <a:off x="3919131" y="1606799"/>
-            <a:ext cx="4835602" cy="4430099"/>
+            <a:off x="2269053" y="2075326"/>
+            <a:ext cx="7653893" cy="3690992"/>
           </a:xfrm>
           <a:prstGeom prst="rect">
             <a:avLst/>
@@ -7567,7 +7629,7 @@
           <p:cNvPr id="4" name="TextBox 3">
             <a:extLst>
               <a:ext uri="{FF2B5EF4-FFF2-40B4-BE49-F238E27FC236}">
-                <a16:creationId xmlns:a16="http://schemas.microsoft.com/office/drawing/2014/main" id="{F1506BC0-E305-4135-B55D-FD35C9D23B85}"/>
+                <a16:creationId xmlns:a16="http://schemas.microsoft.com/office/drawing/2014/main" id="{44FC8811-03B9-4B74-AA36-570FAEE975D6}"/>
               </a:ext>
             </a:extLst>
           </p:cNvPr>
@@ -7659,7 +7721,7 @@
     </p:spTree>
     <p:extLst>
       <p:ext uri="{BB962C8B-B14F-4D97-AF65-F5344CB8AC3E}">
-        <p14:creationId xmlns:p14="http://schemas.microsoft.com/office/powerpoint/2010/main" val="1603749275"/>
+        <p14:creationId xmlns:p14="http://schemas.microsoft.com/office/powerpoint/2010/main" val="146374268"/>
       </p:ext>
     </p:extLst>
   </p:cSld>
@@ -7698,153 +7760,51 @@
           <a:chExt cx="0" cy="0"/>
         </a:xfrm>
       </p:grpSpPr>
+      <p:sp>
+        <p:nvSpPr>
+          <p:cNvPr id="2" name="Title 1">
+            <a:extLst>
+              <a:ext uri="{FF2B5EF4-FFF2-40B4-BE49-F238E27FC236}">
+                <a16:creationId xmlns:a16="http://schemas.microsoft.com/office/drawing/2014/main" id="{28FF21C3-8FBB-4756-BF7C-FFD2E5CC2B06}"/>
+              </a:ext>
+            </a:extLst>
+          </p:cNvPr>
+          <p:cNvSpPr>
+            <a:spLocks noGrp="1"/>
+          </p:cNvSpPr>
+          <p:nvPr>
+            <p:ph type="title"/>
+          </p:nvPr>
+        </p:nvSpPr>
+        <p:spPr>
+          <a:xfrm>
+            <a:off x="0" y="440190"/>
+            <a:ext cx="12192000" cy="815404"/>
+          </a:xfrm>
+        </p:spPr>
+        <p:txBody>
+          <a:bodyPr>
+            <a:normAutofit/>
+          </a:bodyPr>
+          <a:lstStyle/>
+          <a:p>
+            <a:pPr algn="ctr"/>
+            <a:r>
+              <a:rPr lang="en-US" dirty="0">
+                <a:latin typeface="Palatino Linotype" panose="02040502050505030304" pitchFamily="18" charset="0"/>
+                <a:cs typeface="Segoe UI Light" panose="020B0502040204020203" pitchFamily="34" charset="0"/>
+              </a:rPr>
+              <a:t>Reinforcement Learning</a:t>
+            </a:r>
+          </a:p>
+        </p:txBody>
+      </p:sp>
       <p:pic>
         <p:nvPicPr>
-          <p:cNvPr id="2" name="Picture 4">
-            <a:extLst>
-              <a:ext uri="{FF2B5EF4-FFF2-40B4-BE49-F238E27FC236}">
-                <a16:creationId xmlns:a16="http://schemas.microsoft.com/office/drawing/2014/main" id="{FC1243A7-8C83-4B04-8D42-079AF00BE904}"/>
-              </a:ext>
-            </a:extLst>
-          </p:cNvPr>
-          <p:cNvPicPr>
-            <a:picLocks noChangeAspect="1" noChangeArrowheads="1"/>
-          </p:cNvPicPr>
-          <p:nvPr/>
-        </p:nvPicPr>
-        <p:blipFill>
-          <a:blip r:embed="rId3">
-            <a:extLst>
-              <a:ext uri="{28A0092B-C50C-407E-A947-70E740481C1C}">
-                <a14:useLocalDpi xmlns:a14="http://schemas.microsoft.com/office/drawing/2010/main" val="0"/>
-              </a:ext>
-            </a:extLst>
-          </a:blip>
-          <a:srcRect/>
-          <a:stretch>
-            <a:fillRect/>
-          </a:stretch>
-        </p:blipFill>
-        <p:spPr bwMode="auto">
-          <a:xfrm>
-            <a:off x="2737236" y="4479011"/>
-            <a:ext cx="1618654" cy="1618654"/>
-          </a:xfrm>
-          <a:prstGeom prst="rect">
-            <a:avLst/>
-          </a:prstGeom>
-          <a:noFill/>
-          <a:extLst>
-            <a:ext uri="{909E8E84-426E-40DD-AFC4-6F175D3DCCD1}">
-              <a14:hiddenFill xmlns:a14="http://schemas.microsoft.com/office/drawing/2010/main">
-                <a:solidFill>
-                  <a:srgbClr val="FFFFFF"/>
-                </a:solidFill>
-              </a14:hiddenFill>
-            </a:ext>
-          </a:extLst>
-        </p:spPr>
-      </p:pic>
-      <p:pic>
-        <p:nvPicPr>
-          <p:cNvPr id="3" name="Picture 4">
-            <a:extLst>
-              <a:ext uri="{FF2B5EF4-FFF2-40B4-BE49-F238E27FC236}">
-                <a16:creationId xmlns:a16="http://schemas.microsoft.com/office/drawing/2014/main" id="{E4B77BB1-E0E6-4B49-8B22-A29D6FB99690}"/>
-              </a:ext>
-            </a:extLst>
-          </p:cNvPr>
-          <p:cNvPicPr>
-            <a:picLocks noChangeAspect="1" noChangeArrowheads="1"/>
-          </p:cNvPicPr>
-          <p:nvPr/>
-        </p:nvPicPr>
-        <p:blipFill>
-          <a:blip r:embed="rId3">
-            <a:extLst>
-              <a:ext uri="{28A0092B-C50C-407E-A947-70E740481C1C}">
-                <a14:useLocalDpi xmlns:a14="http://schemas.microsoft.com/office/drawing/2010/main" val="0"/>
-              </a:ext>
-            </a:extLst>
-          </a:blip>
-          <a:srcRect/>
-          <a:stretch>
-            <a:fillRect/>
-          </a:stretch>
-        </p:blipFill>
-        <p:spPr bwMode="auto">
-          <a:xfrm>
-            <a:off x="5159630" y="4479011"/>
-            <a:ext cx="1618654" cy="1618654"/>
-          </a:xfrm>
-          <a:prstGeom prst="rect">
-            <a:avLst/>
-          </a:prstGeom>
-          <a:noFill/>
-          <a:extLst>
-            <a:ext uri="{909E8E84-426E-40DD-AFC4-6F175D3DCCD1}">
-              <a14:hiddenFill xmlns:a14="http://schemas.microsoft.com/office/drawing/2010/main">
-                <a:solidFill>
-                  <a:srgbClr val="FFFFFF"/>
-                </a:solidFill>
-              </a14:hiddenFill>
-            </a:ext>
-          </a:extLst>
-        </p:spPr>
-      </p:pic>
-      <p:pic>
-        <p:nvPicPr>
-          <p:cNvPr id="4" name="Picture 4">
-            <a:extLst>
-              <a:ext uri="{FF2B5EF4-FFF2-40B4-BE49-F238E27FC236}">
-                <a16:creationId xmlns:a16="http://schemas.microsoft.com/office/drawing/2014/main" id="{96436C60-1698-4BFF-9BB6-DA101F99C317}"/>
-              </a:ext>
-            </a:extLst>
-          </p:cNvPr>
-          <p:cNvPicPr>
-            <a:picLocks noChangeAspect="1" noChangeArrowheads="1"/>
-          </p:cNvPicPr>
-          <p:nvPr/>
-        </p:nvPicPr>
-        <p:blipFill>
-          <a:blip r:embed="rId3">
-            <a:extLst>
-              <a:ext uri="{28A0092B-C50C-407E-A947-70E740481C1C}">
-                <a14:useLocalDpi xmlns:a14="http://schemas.microsoft.com/office/drawing/2010/main" val="0"/>
-              </a:ext>
-            </a:extLst>
-          </a:blip>
-          <a:srcRect/>
-          <a:stretch>
-            <a:fillRect/>
-          </a:stretch>
-        </p:blipFill>
-        <p:spPr bwMode="auto">
-          <a:xfrm>
-            <a:off x="7551693" y="4479011"/>
-            <a:ext cx="1618654" cy="1618654"/>
-          </a:xfrm>
-          <a:prstGeom prst="rect">
-            <a:avLst/>
-          </a:prstGeom>
-          <a:noFill/>
-          <a:extLst>
-            <a:ext uri="{909E8E84-426E-40DD-AFC4-6F175D3DCCD1}">
-              <a14:hiddenFill xmlns:a14="http://schemas.microsoft.com/office/drawing/2010/main">
-                <a:solidFill>
-                  <a:srgbClr val="FFFFFF"/>
-                </a:solidFill>
-              </a14:hiddenFill>
-            </a:ext>
-          </a:extLst>
-        </p:spPr>
-      </p:pic>
-      <p:pic>
-        <p:nvPicPr>
-          <p:cNvPr id="6" name="Picture 5">
-            <a:extLst>
-              <a:ext uri="{FF2B5EF4-FFF2-40B4-BE49-F238E27FC236}">
-                <a16:creationId xmlns:a16="http://schemas.microsoft.com/office/drawing/2014/main" id="{EB7510FA-E180-4A0E-9F63-5635D884C0D6}"/>
+          <p:cNvPr id="7" name="Picture 6">
+            <a:extLst>
+              <a:ext uri="{FF2B5EF4-FFF2-40B4-BE49-F238E27FC236}">
+                <a16:creationId xmlns:a16="http://schemas.microsoft.com/office/drawing/2014/main" id="{4A30E165-C137-4B3A-9370-2DC85C26B6F7}"/>
               </a:ext>
             </a:extLst>
           </p:cNvPr>
@@ -7854,15 +7814,15 @@
           <p:nvPr/>
         </p:nvPicPr>
         <p:blipFill>
-          <a:blip r:embed="rId4"/>
+          <a:blip r:embed="rId3"/>
           <a:stretch>
             <a:fillRect/>
           </a:stretch>
         </p:blipFill>
         <p:spPr>
           <a:xfrm>
-            <a:off x="3677195" y="1549295"/>
-            <a:ext cx="4240555" cy="2367644"/>
+            <a:off x="3919131" y="1606799"/>
+            <a:ext cx="4835602" cy="4430099"/>
           </a:xfrm>
           <a:prstGeom prst="rect">
             <a:avLst/>
@@ -7871,223 +7831,10 @@
       </p:pic>
       <p:sp>
         <p:nvSpPr>
-          <p:cNvPr id="7" name="Title 1">
-            <a:extLst>
-              <a:ext uri="{FF2B5EF4-FFF2-40B4-BE49-F238E27FC236}">
-                <a16:creationId xmlns:a16="http://schemas.microsoft.com/office/drawing/2014/main" id="{07E2917D-2796-41DA-B138-E0CCCCEF6E39}"/>
-              </a:ext>
-            </a:extLst>
-          </p:cNvPr>
-          <p:cNvSpPr>
-            <a:spLocks noGrp="1"/>
-          </p:cNvSpPr>
-          <p:nvPr>
-            <p:ph type="title"/>
-          </p:nvPr>
-        </p:nvSpPr>
-        <p:spPr>
-          <a:xfrm>
-            <a:off x="0" y="440190"/>
-            <a:ext cx="12191999" cy="815404"/>
-          </a:xfrm>
-        </p:spPr>
-        <p:txBody>
-          <a:bodyPr>
-            <a:normAutofit/>
-          </a:bodyPr>
-          <a:lstStyle/>
-          <a:p>
-            <a:pPr algn="ctr"/>
-            <a:r>
-              <a:rPr lang="en-US" sz="3200" dirty="0">
-                <a:latin typeface="Palatino Linotype" panose="02040502050505030304" pitchFamily="18" charset="0"/>
-                <a:cs typeface="Segoe UI Light" panose="020B0502040204020203" pitchFamily="34" charset="0"/>
-              </a:rPr>
-              <a:t>Detecting and Classifying Dogs and Cats in an Image</a:t>
-            </a:r>
-          </a:p>
-        </p:txBody>
-      </p:sp>
-      <p:sp>
-        <p:nvSpPr>
-          <p:cNvPr id="8" name="Title 1">
-            <a:extLst>
-              <a:ext uri="{FF2B5EF4-FFF2-40B4-BE49-F238E27FC236}">
-                <a16:creationId xmlns:a16="http://schemas.microsoft.com/office/drawing/2014/main" id="{BD316B3F-94D5-4114-90F2-69EEDA9058B3}"/>
-              </a:ext>
-            </a:extLst>
-          </p:cNvPr>
-          <p:cNvSpPr txBox="1">
-            <a:spLocks/>
-          </p:cNvSpPr>
-          <p:nvPr/>
-        </p:nvSpPr>
-        <p:spPr>
-          <a:xfrm>
-            <a:off x="7424036" y="6041959"/>
-            <a:ext cx="1873967" cy="482237"/>
-          </a:xfrm>
-          <a:prstGeom prst="rect">
-            <a:avLst/>
-          </a:prstGeom>
-        </p:spPr>
-        <p:txBody>
-          <a:bodyPr vert="horz" lIns="91440" tIns="45720" rIns="91440" bIns="45720" rtlCol="0" anchor="ctr">
-            <a:normAutofit/>
-          </a:bodyPr>
-          <a:lstStyle>
-            <a:lvl1pPr algn="l" defTabSz="914400" rtl="0" eaLnBrk="1" latinLnBrk="0" hangingPunct="1">
-              <a:lnSpc>
-                <a:spcPct val="90000"/>
-              </a:lnSpc>
-              <a:spcBef>
-                <a:spcPct val="0"/>
-              </a:spcBef>
-              <a:buNone/>
-              <a:defRPr sz="4400" kern="1200">
-                <a:solidFill>
-                  <a:schemeClr val="tx1"/>
-                </a:solidFill>
-                <a:latin typeface="+mj-lt"/>
-                <a:ea typeface="+mj-ea"/>
-                <a:cs typeface="+mj-cs"/>
-              </a:defRPr>
-            </a:lvl1pPr>
-          </a:lstStyle>
-          <a:p>
-            <a:pPr algn="ctr"/>
-            <a:r>
-              <a:rPr lang="en-US" sz="2000" dirty="0">
-                <a:latin typeface="Palatino Linotype" panose="02040502050505030304" pitchFamily="18" charset="0"/>
-                <a:cs typeface="Segoe UI Light" panose="020B0502040204020203" pitchFamily="34" charset="0"/>
-              </a:rPr>
-              <a:t>Reinforcement</a:t>
-            </a:r>
-          </a:p>
-        </p:txBody>
-      </p:sp>
-      <p:sp>
-        <p:nvSpPr>
-          <p:cNvPr id="9" name="Title 1">
-            <a:extLst>
-              <a:ext uri="{FF2B5EF4-FFF2-40B4-BE49-F238E27FC236}">
-                <a16:creationId xmlns:a16="http://schemas.microsoft.com/office/drawing/2014/main" id="{DD58F0C6-A74B-4B5C-8A81-20C791127D9A}"/>
-              </a:ext>
-            </a:extLst>
-          </p:cNvPr>
-          <p:cNvSpPr txBox="1">
-            <a:spLocks/>
-          </p:cNvSpPr>
-          <p:nvPr/>
-        </p:nvSpPr>
-        <p:spPr>
-          <a:xfrm>
-            <a:off x="2609579" y="6079227"/>
-            <a:ext cx="1873967" cy="407702"/>
-          </a:xfrm>
-          <a:prstGeom prst="rect">
-            <a:avLst/>
-          </a:prstGeom>
-        </p:spPr>
-        <p:txBody>
-          <a:bodyPr vert="horz" lIns="91440" tIns="45720" rIns="91440" bIns="45720" rtlCol="0" anchor="ctr">
-            <a:normAutofit/>
-          </a:bodyPr>
-          <a:lstStyle>
-            <a:lvl1pPr algn="l" defTabSz="914400" rtl="0" eaLnBrk="1" latinLnBrk="0" hangingPunct="1">
-              <a:lnSpc>
-                <a:spcPct val="90000"/>
-              </a:lnSpc>
-              <a:spcBef>
-                <a:spcPct val="0"/>
-              </a:spcBef>
-              <a:buNone/>
-              <a:defRPr sz="4400" kern="1200">
-                <a:solidFill>
-                  <a:schemeClr val="tx1"/>
-                </a:solidFill>
-                <a:latin typeface="+mj-lt"/>
-                <a:ea typeface="+mj-ea"/>
-                <a:cs typeface="+mj-cs"/>
-              </a:defRPr>
-            </a:lvl1pPr>
-          </a:lstStyle>
-          <a:p>
-            <a:pPr algn="ctr"/>
-            <a:r>
-              <a:rPr lang="en-US" sz="2000" dirty="0">
-                <a:latin typeface="Palatino Linotype" panose="02040502050505030304" pitchFamily="18" charset="0"/>
-                <a:cs typeface="Segoe UI Light" panose="020B0502040204020203" pitchFamily="34" charset="0"/>
-              </a:rPr>
-              <a:t>Supervised</a:t>
-            </a:r>
-          </a:p>
-        </p:txBody>
-      </p:sp>
-      <p:sp>
-        <p:nvSpPr>
-          <p:cNvPr id="10" name="Title 1">
-            <a:extLst>
-              <a:ext uri="{FF2B5EF4-FFF2-40B4-BE49-F238E27FC236}">
-                <a16:creationId xmlns:a16="http://schemas.microsoft.com/office/drawing/2014/main" id="{F29A425B-06A3-4C58-ACAC-9BCDD43915B3}"/>
-              </a:ext>
-            </a:extLst>
-          </p:cNvPr>
-          <p:cNvSpPr txBox="1">
-            <a:spLocks/>
-          </p:cNvSpPr>
-          <p:nvPr/>
-        </p:nvSpPr>
-        <p:spPr>
-          <a:xfrm>
-            <a:off x="5016807" y="6041959"/>
-            <a:ext cx="1873967" cy="482237"/>
-          </a:xfrm>
-          <a:prstGeom prst="rect">
-            <a:avLst/>
-          </a:prstGeom>
-        </p:spPr>
-        <p:txBody>
-          <a:bodyPr vert="horz" lIns="91440" tIns="45720" rIns="91440" bIns="45720" rtlCol="0" anchor="ctr">
-            <a:normAutofit/>
-          </a:bodyPr>
-          <a:lstStyle>
-            <a:lvl1pPr algn="l" defTabSz="914400" rtl="0" eaLnBrk="1" latinLnBrk="0" hangingPunct="1">
-              <a:lnSpc>
-                <a:spcPct val="90000"/>
-              </a:lnSpc>
-              <a:spcBef>
-                <a:spcPct val="0"/>
-              </a:spcBef>
-              <a:buNone/>
-              <a:defRPr sz="4400" kern="1200">
-                <a:solidFill>
-                  <a:schemeClr val="tx1"/>
-                </a:solidFill>
-                <a:latin typeface="+mj-lt"/>
-                <a:ea typeface="+mj-ea"/>
-                <a:cs typeface="+mj-cs"/>
-              </a:defRPr>
-            </a:lvl1pPr>
-          </a:lstStyle>
-          <a:p>
-            <a:pPr algn="ctr"/>
-            <a:r>
-              <a:rPr lang="en-US" sz="2000" dirty="0">
-                <a:latin typeface="Palatino Linotype" panose="02040502050505030304" pitchFamily="18" charset="0"/>
-                <a:cs typeface="Segoe UI Light" panose="020B0502040204020203" pitchFamily="34" charset="0"/>
-              </a:rPr>
-              <a:t>Unsupervised</a:t>
-            </a:r>
-          </a:p>
-        </p:txBody>
-      </p:sp>
-      <p:sp>
-        <p:nvSpPr>
-          <p:cNvPr id="11" name="TextBox 10">
-            <a:extLst>
-              <a:ext uri="{FF2B5EF4-FFF2-40B4-BE49-F238E27FC236}">
-                <a16:creationId xmlns:a16="http://schemas.microsoft.com/office/drawing/2014/main" id="{4370EA87-9619-4AB4-99DC-7BB4AC164415}"/>
+          <p:cNvPr id="4" name="TextBox 3">
+            <a:extLst>
+              <a:ext uri="{FF2B5EF4-FFF2-40B4-BE49-F238E27FC236}">
+                <a16:creationId xmlns:a16="http://schemas.microsoft.com/office/drawing/2014/main" id="{F1506BC0-E305-4135-B55D-FD35C9D23B85}"/>
               </a:ext>
             </a:extLst>
           </p:cNvPr>
@@ -8121,7 +7868,7 @@
                 <a:latin typeface="+mj-lt"/>
                 <a:ea typeface="Verdana" panose="020B0604030504040204" pitchFamily="34" charset="0"/>
               </a:rPr>
-              <a:t>Source: Palmas, A. (2019). </a:t>
+              <a:t>Source: Geron, A. (2019). </a:t>
             </a:r>
             <a:r>
               <a:rPr lang="en-US" sz="1400" i="1" dirty="0">
@@ -8134,7 +7881,7 @@
                 <a:latin typeface="+mj-lt"/>
                 <a:ea typeface="Verdana" panose="020B0604030504040204" pitchFamily="34" charset="0"/>
               </a:rPr>
-              <a:t>The Reinforcement Learning Workshop</a:t>
+              <a:t>Hands-On Machine Learning w/Scikit-Learn, Keras &amp; Tensorflow </a:t>
             </a:r>
             <a:r>
               <a:rPr lang="en-US" sz="1400" dirty="0">
@@ -8147,7 +7894,7 @@
                 <a:latin typeface="+mj-lt"/>
                 <a:ea typeface="Verdana" panose="020B0604030504040204" pitchFamily="34" charset="0"/>
               </a:rPr>
-              <a:t>. Birmingham, UK</a:t>
+              <a:t>. </a:t>
             </a:r>
             <a:r>
               <a:rPr lang="en-US" sz="1400" b="0" i="0" dirty="0">
@@ -8161,7 +7908,7 @@
                 <a:latin typeface="+mj-lt"/>
                 <a:ea typeface="Verdana" panose="020B0604030504040204" pitchFamily="34" charset="0"/>
               </a:rPr>
-              <a:t>: Packt Publishing. (Chapter 1)</a:t>
+              <a:t>Sebastopol, CA: O'Reilly Media, Inc. (Chapter 1)</a:t>
             </a:r>
             <a:endParaRPr lang="en-US" sz="1400" dirty="0">
               <a:solidFill>
@@ -8179,7 +7926,7 @@
     </p:spTree>
     <p:extLst>
       <p:ext uri="{BB962C8B-B14F-4D97-AF65-F5344CB8AC3E}">
-        <p14:creationId xmlns:p14="http://schemas.microsoft.com/office/powerpoint/2010/main" val="892354316"/>
+        <p14:creationId xmlns:p14="http://schemas.microsoft.com/office/powerpoint/2010/main" val="1603749275"/>
       </p:ext>
     </p:extLst>
   </p:cSld>
@@ -8220,143 +7967,32 @@
       </p:grpSpPr>
       <p:pic>
         <p:nvPicPr>
-          <p:cNvPr id="2" name="Picture 4">
-            <a:extLst>
-              <a:ext uri="{FF2B5EF4-FFF2-40B4-BE49-F238E27FC236}">
-                <a16:creationId xmlns:a16="http://schemas.microsoft.com/office/drawing/2014/main" id="{FC1243A7-8C83-4B04-8D42-079AF00BE904}"/>
+          <p:cNvPr id="6" name="Picture 5">
+            <a:extLst>
+              <a:ext uri="{FF2B5EF4-FFF2-40B4-BE49-F238E27FC236}">
+                <a16:creationId xmlns:a16="http://schemas.microsoft.com/office/drawing/2014/main" id="{EB7510FA-E180-4A0E-9F63-5635D884C0D6}"/>
               </a:ext>
             </a:extLst>
           </p:cNvPr>
           <p:cNvPicPr>
-            <a:picLocks noChangeAspect="1" noChangeArrowheads="1"/>
+            <a:picLocks noChangeAspect="1"/>
           </p:cNvPicPr>
           <p:nvPr/>
         </p:nvPicPr>
         <p:blipFill>
-          <a:blip r:embed="rId3">
-            <a:extLst>
-              <a:ext uri="{28A0092B-C50C-407E-A947-70E740481C1C}">
-                <a14:useLocalDpi xmlns:a14="http://schemas.microsoft.com/office/drawing/2010/main" val="0"/>
-              </a:ext>
-            </a:extLst>
-          </a:blip>
-          <a:srcRect/>
+          <a:blip r:embed="rId3"/>
           <a:stretch>
             <a:fillRect/>
           </a:stretch>
         </p:blipFill>
-        <p:spPr bwMode="auto">
+        <p:spPr>
           <a:xfrm>
-            <a:off x="2737236" y="4479011"/>
-            <a:ext cx="1618654" cy="1618654"/>
+            <a:off x="3677195" y="1549295"/>
+            <a:ext cx="4240555" cy="2367644"/>
           </a:xfrm>
           <a:prstGeom prst="rect">
             <a:avLst/>
           </a:prstGeom>
-          <a:noFill/>
-          <a:extLst>
-            <a:ext uri="{909E8E84-426E-40DD-AFC4-6F175D3DCCD1}">
-              <a14:hiddenFill xmlns:a14="http://schemas.microsoft.com/office/drawing/2010/main">
-                <a:solidFill>
-                  <a:srgbClr val="FFFFFF"/>
-                </a:solidFill>
-              </a14:hiddenFill>
-            </a:ext>
-          </a:extLst>
-        </p:spPr>
-      </p:pic>
-      <p:pic>
-        <p:nvPicPr>
-          <p:cNvPr id="3" name="Picture 4">
-            <a:extLst>
-              <a:ext uri="{FF2B5EF4-FFF2-40B4-BE49-F238E27FC236}">
-                <a16:creationId xmlns:a16="http://schemas.microsoft.com/office/drawing/2014/main" id="{E4B77BB1-E0E6-4B49-8B22-A29D6FB99690}"/>
-              </a:ext>
-            </a:extLst>
-          </p:cNvPr>
-          <p:cNvPicPr>
-            <a:picLocks noChangeAspect="1" noChangeArrowheads="1"/>
-          </p:cNvPicPr>
-          <p:nvPr/>
-        </p:nvPicPr>
-        <p:blipFill>
-          <a:blip r:embed="rId3">
-            <a:extLst>
-              <a:ext uri="{28A0092B-C50C-407E-A947-70E740481C1C}">
-                <a14:useLocalDpi xmlns:a14="http://schemas.microsoft.com/office/drawing/2010/main" val="0"/>
-              </a:ext>
-            </a:extLst>
-          </a:blip>
-          <a:srcRect/>
-          <a:stretch>
-            <a:fillRect/>
-          </a:stretch>
-        </p:blipFill>
-        <p:spPr bwMode="auto">
-          <a:xfrm>
-            <a:off x="5159630" y="4479011"/>
-            <a:ext cx="1618654" cy="1618654"/>
-          </a:xfrm>
-          <a:prstGeom prst="rect">
-            <a:avLst/>
-          </a:prstGeom>
-          <a:noFill/>
-          <a:extLst>
-            <a:ext uri="{909E8E84-426E-40DD-AFC4-6F175D3DCCD1}">
-              <a14:hiddenFill xmlns:a14="http://schemas.microsoft.com/office/drawing/2010/main">
-                <a:solidFill>
-                  <a:srgbClr val="FFFFFF"/>
-                </a:solidFill>
-              </a14:hiddenFill>
-            </a:ext>
-          </a:extLst>
-        </p:spPr>
-      </p:pic>
-      <p:pic>
-        <p:nvPicPr>
-          <p:cNvPr id="4" name="Picture 4">
-            <a:extLst>
-              <a:ext uri="{FF2B5EF4-FFF2-40B4-BE49-F238E27FC236}">
-                <a16:creationId xmlns:a16="http://schemas.microsoft.com/office/drawing/2014/main" id="{96436C60-1698-4BFF-9BB6-DA101F99C317}"/>
-              </a:ext>
-            </a:extLst>
-          </p:cNvPr>
-          <p:cNvPicPr>
-            <a:picLocks noChangeAspect="1" noChangeArrowheads="1"/>
-          </p:cNvPicPr>
-          <p:nvPr/>
-        </p:nvPicPr>
-        <p:blipFill>
-          <a:blip r:embed="rId3">
-            <a:extLst>
-              <a:ext uri="{28A0092B-C50C-407E-A947-70E740481C1C}">
-                <a14:useLocalDpi xmlns:a14="http://schemas.microsoft.com/office/drawing/2010/main" val="0"/>
-              </a:ext>
-            </a:extLst>
-          </a:blip>
-          <a:srcRect/>
-          <a:stretch>
-            <a:fillRect/>
-          </a:stretch>
-        </p:blipFill>
-        <p:spPr bwMode="auto">
-          <a:xfrm>
-            <a:off x="7551693" y="4479011"/>
-            <a:ext cx="1618654" cy="1618654"/>
-          </a:xfrm>
-          <a:prstGeom prst="rect">
-            <a:avLst/>
-          </a:prstGeom>
-          <a:noFill/>
-          <a:extLst>
-            <a:ext uri="{909E8E84-426E-40DD-AFC4-6F175D3DCCD1}">
-              <a14:hiddenFill xmlns:a14="http://schemas.microsoft.com/office/drawing/2010/main">
-                <a:solidFill>
-                  <a:srgbClr val="FFFFFF"/>
-                </a:solidFill>
-              </a14:hiddenFill>
-            </a:ext>
-          </a:extLst>
         </p:spPr>
       </p:pic>
       <p:sp>
@@ -8393,7 +8029,7 @@
                 <a:latin typeface="Palatino Linotype" panose="02040502050505030304" pitchFamily="18" charset="0"/>
                 <a:cs typeface="Segoe UI Light" panose="020B0502040204020203" pitchFamily="34" charset="0"/>
               </a:rPr>
-              <a:t>Identifying Clusters in a Dataset</a:t>
+              <a:t>Detecting and Classifying Dogs and Cats in an Image</a:t>
             </a:r>
           </a:p>
         </p:txBody>
@@ -8414,16 +8050,21 @@
         </p:nvSpPr>
         <p:spPr>
           <a:xfrm>
-            <a:off x="7424036" y="6041959"/>
-            <a:ext cx="1873967" cy="482237"/>
+            <a:off x="7145263" y="5348054"/>
+            <a:ext cx="2337403" cy="527806"/>
           </a:xfrm>
           <a:prstGeom prst="rect">
             <a:avLst/>
           </a:prstGeom>
+          <a:ln>
+            <a:solidFill>
+              <a:srgbClr val="80BE63"/>
+            </a:solidFill>
+          </a:ln>
         </p:spPr>
         <p:txBody>
           <a:bodyPr vert="horz" lIns="91440" tIns="45720" rIns="91440" bIns="45720" rtlCol="0" anchor="ctr">
-            <a:normAutofit/>
+            <a:noAutofit/>
           </a:bodyPr>
           <a:lstStyle>
             <a:lvl1pPr algn="l" defTabSz="914400" rtl="0" eaLnBrk="1" latinLnBrk="0" hangingPunct="1">
@@ -8447,7 +8088,7 @@
           <a:p>
             <a:pPr algn="ctr"/>
             <a:r>
-              <a:rPr lang="en-US" sz="2000" dirty="0">
+              <a:rPr lang="en-US" sz="2400" dirty="0">
                 <a:latin typeface="Palatino Linotype" panose="02040502050505030304" pitchFamily="18" charset="0"/>
                 <a:cs typeface="Segoe UI Light" panose="020B0502040204020203" pitchFamily="34" charset="0"/>
               </a:rPr>
@@ -8472,16 +8113,21 @@
         </p:nvSpPr>
         <p:spPr>
           <a:xfrm>
-            <a:off x="2609579" y="6079227"/>
-            <a:ext cx="1873967" cy="407702"/>
+            <a:off x="2440250" y="5348054"/>
+            <a:ext cx="2047084" cy="527806"/>
           </a:xfrm>
           <a:prstGeom prst="rect">
             <a:avLst/>
           </a:prstGeom>
+          <a:ln>
+            <a:solidFill>
+              <a:srgbClr val="80BE63"/>
+            </a:solidFill>
+          </a:ln>
         </p:spPr>
         <p:txBody>
           <a:bodyPr vert="horz" lIns="91440" tIns="45720" rIns="91440" bIns="45720" rtlCol="0" anchor="ctr">
-            <a:normAutofit/>
+            <a:noAutofit/>
           </a:bodyPr>
           <a:lstStyle>
             <a:lvl1pPr algn="l" defTabSz="914400" rtl="0" eaLnBrk="1" latinLnBrk="0" hangingPunct="1">
@@ -8505,7 +8151,7 @@
           <a:p>
             <a:pPr algn="ctr"/>
             <a:r>
-              <a:rPr lang="en-US" sz="2000" dirty="0">
+              <a:rPr lang="en-US" sz="2400" dirty="0">
                 <a:latin typeface="Palatino Linotype" panose="02040502050505030304" pitchFamily="18" charset="0"/>
                 <a:cs typeface="Segoe UI Light" panose="020B0502040204020203" pitchFamily="34" charset="0"/>
               </a:rPr>
@@ -8530,16 +8176,21 @@
         </p:nvSpPr>
         <p:spPr>
           <a:xfrm>
-            <a:off x="5016807" y="6041959"/>
-            <a:ext cx="1873967" cy="482237"/>
+            <a:off x="4657292" y="5348055"/>
+            <a:ext cx="2337403" cy="527806"/>
           </a:xfrm>
           <a:prstGeom prst="rect">
             <a:avLst/>
           </a:prstGeom>
+          <a:ln>
+            <a:solidFill>
+              <a:srgbClr val="80BE63"/>
+            </a:solidFill>
+          </a:ln>
         </p:spPr>
         <p:txBody>
           <a:bodyPr vert="horz" lIns="91440" tIns="45720" rIns="91440" bIns="45720" rtlCol="0" anchor="ctr">
-            <a:normAutofit/>
+            <a:noAutofit/>
           </a:bodyPr>
           <a:lstStyle>
             <a:lvl1pPr algn="l" defTabSz="914400" rtl="0" eaLnBrk="1" latinLnBrk="0" hangingPunct="1">
@@ -8563,7 +8214,7 @@
           <a:p>
             <a:pPr algn="ctr"/>
             <a:r>
-              <a:rPr lang="en-US" sz="2000" dirty="0">
+              <a:rPr lang="en-US" sz="2400" dirty="0">
                 <a:latin typeface="Palatino Linotype" panose="02040502050505030304" pitchFamily="18" charset="0"/>
                 <a:cs typeface="Segoe UI Light" panose="020B0502040204020203" pitchFamily="34" charset="0"/>
               </a:rPr>
@@ -8666,40 +8317,67 @@
           </a:p>
         </p:txBody>
       </p:sp>
-      <p:pic>
-        <p:nvPicPr>
-          <p:cNvPr id="12" name="Picture 11">
-            <a:extLst>
-              <a:ext uri="{FF2B5EF4-FFF2-40B4-BE49-F238E27FC236}">
-                <a16:creationId xmlns:a16="http://schemas.microsoft.com/office/drawing/2014/main" id="{19D6C171-77A1-4A7E-A2A7-22A8BEF4364C}"/>
-              </a:ext>
-            </a:extLst>
-          </p:cNvPr>
-          <p:cNvPicPr>
-            <a:picLocks noChangeAspect="1"/>
-          </p:cNvPicPr>
+      <p:sp>
+        <p:nvSpPr>
+          <p:cNvPr id="12" name="Title 1">
+            <a:extLst>
+              <a:ext uri="{FF2B5EF4-FFF2-40B4-BE49-F238E27FC236}">
+                <a16:creationId xmlns:a16="http://schemas.microsoft.com/office/drawing/2014/main" id="{CD7D9C22-AF2C-7CAA-10AE-C1674A6521B8}"/>
+              </a:ext>
+            </a:extLst>
+          </p:cNvPr>
+          <p:cNvSpPr txBox="1">
+            <a:spLocks/>
+          </p:cNvSpPr>
           <p:nvPr/>
-        </p:nvPicPr>
-        <p:blipFill>
-          <a:blip r:embed="rId4"/>
-          <a:stretch>
-            <a:fillRect/>
-          </a:stretch>
-        </p:blipFill>
+        </p:nvSpPr>
         <p:spPr>
           <a:xfrm>
-            <a:off x="2505678" y="1364043"/>
-            <a:ext cx="6232914" cy="2858847"/>
+            <a:off x="865449" y="4339346"/>
+            <a:ext cx="3960551" cy="815404"/>
           </a:xfrm>
           <a:prstGeom prst="rect">
             <a:avLst/>
           </a:prstGeom>
         </p:spPr>
-      </p:pic>
+        <p:txBody>
+          <a:bodyPr vert="horz" lIns="91440" tIns="45720" rIns="91440" bIns="45720" rtlCol="0" anchor="ctr">
+            <a:noAutofit/>
+          </a:bodyPr>
+          <a:lstStyle>
+            <a:lvl1pPr algn="l" defTabSz="914400" rtl="0" eaLnBrk="1" latinLnBrk="0" hangingPunct="1">
+              <a:lnSpc>
+                <a:spcPct val="90000"/>
+              </a:lnSpc>
+              <a:spcBef>
+                <a:spcPct val="0"/>
+              </a:spcBef>
+              <a:buNone/>
+              <a:defRPr sz="4400" kern="1200">
+                <a:solidFill>
+                  <a:schemeClr val="tx1"/>
+                </a:solidFill>
+                <a:latin typeface="+mj-lt"/>
+                <a:ea typeface="+mj-ea"/>
+                <a:cs typeface="+mj-cs"/>
+              </a:defRPr>
+            </a:lvl1pPr>
+          </a:lstStyle>
+          <a:p>
+            <a:r>
+              <a:rPr lang="en-US" sz="2400" dirty="0">
+                <a:latin typeface="Palatino Linotype" panose="02040502050505030304" pitchFamily="18" charset="0"/>
+                <a:cs typeface="Segoe UI Light" panose="020B0502040204020203" pitchFamily="34" charset="0"/>
+              </a:rPr>
+              <a:t>What kind of learning is it?</a:t>
+            </a:r>
+          </a:p>
+        </p:txBody>
+      </p:sp>
     </p:spTree>
     <p:extLst>
       <p:ext uri="{BB962C8B-B14F-4D97-AF65-F5344CB8AC3E}">
-        <p14:creationId xmlns:p14="http://schemas.microsoft.com/office/powerpoint/2010/main" val="3864235280"/>
+        <p14:creationId xmlns:p14="http://schemas.microsoft.com/office/powerpoint/2010/main" val="892354316"/>
       </p:ext>
     </p:extLst>
   </p:cSld>
@@ -8738,147 +8416,6 @@
           <a:chExt cx="0" cy="0"/>
         </a:xfrm>
       </p:grpSpPr>
-      <p:pic>
-        <p:nvPicPr>
-          <p:cNvPr id="2" name="Picture 4">
-            <a:extLst>
-              <a:ext uri="{FF2B5EF4-FFF2-40B4-BE49-F238E27FC236}">
-                <a16:creationId xmlns:a16="http://schemas.microsoft.com/office/drawing/2014/main" id="{FC1243A7-8C83-4B04-8D42-079AF00BE904}"/>
-              </a:ext>
-            </a:extLst>
-          </p:cNvPr>
-          <p:cNvPicPr>
-            <a:picLocks noChangeAspect="1" noChangeArrowheads="1"/>
-          </p:cNvPicPr>
-          <p:nvPr/>
-        </p:nvPicPr>
-        <p:blipFill>
-          <a:blip r:embed="rId3">
-            <a:extLst>
-              <a:ext uri="{28A0092B-C50C-407E-A947-70E740481C1C}">
-                <a14:useLocalDpi xmlns:a14="http://schemas.microsoft.com/office/drawing/2010/main" val="0"/>
-              </a:ext>
-            </a:extLst>
-          </a:blip>
-          <a:srcRect/>
-          <a:stretch>
-            <a:fillRect/>
-          </a:stretch>
-        </p:blipFill>
-        <p:spPr bwMode="auto">
-          <a:xfrm>
-            <a:off x="2737236" y="4479011"/>
-            <a:ext cx="1618654" cy="1618654"/>
-          </a:xfrm>
-          <a:prstGeom prst="rect">
-            <a:avLst/>
-          </a:prstGeom>
-          <a:noFill/>
-          <a:extLst>
-            <a:ext uri="{909E8E84-426E-40DD-AFC4-6F175D3DCCD1}">
-              <a14:hiddenFill xmlns:a14="http://schemas.microsoft.com/office/drawing/2010/main">
-                <a:solidFill>
-                  <a:srgbClr val="FFFFFF"/>
-                </a:solidFill>
-              </a14:hiddenFill>
-            </a:ext>
-          </a:extLst>
-        </p:spPr>
-      </p:pic>
-      <p:pic>
-        <p:nvPicPr>
-          <p:cNvPr id="3" name="Picture 4">
-            <a:extLst>
-              <a:ext uri="{FF2B5EF4-FFF2-40B4-BE49-F238E27FC236}">
-                <a16:creationId xmlns:a16="http://schemas.microsoft.com/office/drawing/2014/main" id="{E4B77BB1-E0E6-4B49-8B22-A29D6FB99690}"/>
-              </a:ext>
-            </a:extLst>
-          </p:cNvPr>
-          <p:cNvPicPr>
-            <a:picLocks noChangeAspect="1" noChangeArrowheads="1"/>
-          </p:cNvPicPr>
-          <p:nvPr/>
-        </p:nvPicPr>
-        <p:blipFill>
-          <a:blip r:embed="rId3">
-            <a:extLst>
-              <a:ext uri="{28A0092B-C50C-407E-A947-70E740481C1C}">
-                <a14:useLocalDpi xmlns:a14="http://schemas.microsoft.com/office/drawing/2010/main" val="0"/>
-              </a:ext>
-            </a:extLst>
-          </a:blip>
-          <a:srcRect/>
-          <a:stretch>
-            <a:fillRect/>
-          </a:stretch>
-        </p:blipFill>
-        <p:spPr bwMode="auto">
-          <a:xfrm>
-            <a:off x="5159630" y="4479011"/>
-            <a:ext cx="1618654" cy="1618654"/>
-          </a:xfrm>
-          <a:prstGeom prst="rect">
-            <a:avLst/>
-          </a:prstGeom>
-          <a:noFill/>
-          <a:extLst>
-            <a:ext uri="{909E8E84-426E-40DD-AFC4-6F175D3DCCD1}">
-              <a14:hiddenFill xmlns:a14="http://schemas.microsoft.com/office/drawing/2010/main">
-                <a:solidFill>
-                  <a:srgbClr val="FFFFFF"/>
-                </a:solidFill>
-              </a14:hiddenFill>
-            </a:ext>
-          </a:extLst>
-        </p:spPr>
-      </p:pic>
-      <p:pic>
-        <p:nvPicPr>
-          <p:cNvPr id="4" name="Picture 4">
-            <a:extLst>
-              <a:ext uri="{FF2B5EF4-FFF2-40B4-BE49-F238E27FC236}">
-                <a16:creationId xmlns:a16="http://schemas.microsoft.com/office/drawing/2014/main" id="{96436C60-1698-4BFF-9BB6-DA101F99C317}"/>
-              </a:ext>
-            </a:extLst>
-          </p:cNvPr>
-          <p:cNvPicPr>
-            <a:picLocks noChangeAspect="1" noChangeArrowheads="1"/>
-          </p:cNvPicPr>
-          <p:nvPr/>
-        </p:nvPicPr>
-        <p:blipFill>
-          <a:blip r:embed="rId3">
-            <a:extLst>
-              <a:ext uri="{28A0092B-C50C-407E-A947-70E740481C1C}">
-                <a14:useLocalDpi xmlns:a14="http://schemas.microsoft.com/office/drawing/2010/main" val="0"/>
-              </a:ext>
-            </a:extLst>
-          </a:blip>
-          <a:srcRect/>
-          <a:stretch>
-            <a:fillRect/>
-          </a:stretch>
-        </p:blipFill>
-        <p:spPr bwMode="auto">
-          <a:xfrm>
-            <a:off x="7551693" y="4479011"/>
-            <a:ext cx="1618654" cy="1618654"/>
-          </a:xfrm>
-          <a:prstGeom prst="rect">
-            <a:avLst/>
-          </a:prstGeom>
-          <a:noFill/>
-          <a:extLst>
-            <a:ext uri="{909E8E84-426E-40DD-AFC4-6F175D3DCCD1}">
-              <a14:hiddenFill xmlns:a14="http://schemas.microsoft.com/office/drawing/2010/main">
-                <a:solidFill>
-                  <a:srgbClr val="FFFFFF"/>
-                </a:solidFill>
-              </a14:hiddenFill>
-            </a:ext>
-          </a:extLst>
-        </p:spPr>
-      </p:pic>
       <p:sp>
         <p:nvSpPr>
           <p:cNvPr id="7" name="Title 1">
@@ -8913,37 +8450,166 @@
                 <a:latin typeface="Palatino Linotype" panose="02040502050505030304" pitchFamily="18" charset="0"/>
                 <a:cs typeface="Segoe UI Light" panose="020B0502040204020203" pitchFamily="34" charset="0"/>
               </a:rPr>
-              <a:t>Playing Chess</a:t>
-            </a:r>
-          </a:p>
-        </p:txBody>
-      </p:sp>
-      <p:sp>
-        <p:nvSpPr>
-          <p:cNvPr id="8" name="Title 1">
-            <a:extLst>
-              <a:ext uri="{FF2B5EF4-FFF2-40B4-BE49-F238E27FC236}">
-                <a16:creationId xmlns:a16="http://schemas.microsoft.com/office/drawing/2014/main" id="{BD316B3F-94D5-4114-90F2-69EEDA9058B3}"/>
-              </a:ext>
-            </a:extLst>
-          </p:cNvPr>
-          <p:cNvSpPr txBox="1">
-            <a:spLocks/>
-          </p:cNvSpPr>
+              <a:t>Identifying Clusters in a Dataset</a:t>
+            </a:r>
+          </a:p>
+        </p:txBody>
+      </p:sp>
+      <p:sp>
+        <p:nvSpPr>
+          <p:cNvPr id="11" name="TextBox 10">
+            <a:extLst>
+              <a:ext uri="{FF2B5EF4-FFF2-40B4-BE49-F238E27FC236}">
+                <a16:creationId xmlns:a16="http://schemas.microsoft.com/office/drawing/2014/main" id="{4370EA87-9619-4AB4-99DC-7BB4AC164415}"/>
+              </a:ext>
+            </a:extLst>
+          </p:cNvPr>
+          <p:cNvSpPr txBox="1"/>
           <p:nvPr/>
         </p:nvSpPr>
         <p:spPr>
           <a:xfrm>
-            <a:off x="7424036" y="6041959"/>
-            <a:ext cx="1873967" cy="482237"/>
+            <a:off x="0" y="6550223"/>
+            <a:ext cx="12192000" cy="307777"/>
+          </a:xfrm>
+          <a:prstGeom prst="rect">
+            <a:avLst/>
+          </a:prstGeom>
+          <a:noFill/>
+        </p:spPr>
+        <p:txBody>
+          <a:bodyPr wrap="square" rtlCol="0">
+            <a:spAutoFit/>
+          </a:bodyPr>
+          <a:lstStyle/>
+          <a:p>
+            <a:r>
+              <a:rPr lang="en-US" sz="1400" dirty="0">
+                <a:solidFill>
+                  <a:schemeClr val="tx1">
+                    <a:lumMod val="65000"/>
+                    <a:lumOff val="35000"/>
+                  </a:schemeClr>
+                </a:solidFill>
+                <a:latin typeface="+mj-lt"/>
+                <a:ea typeface="Verdana" panose="020B0604030504040204" pitchFamily="34" charset="0"/>
+              </a:rPr>
+              <a:t>Source: Palmas, A. (2019). </a:t>
+            </a:r>
+            <a:r>
+              <a:rPr lang="en-US" sz="1400" i="1" dirty="0">
+                <a:solidFill>
+                  <a:schemeClr val="tx1">
+                    <a:lumMod val="65000"/>
+                    <a:lumOff val="35000"/>
+                  </a:schemeClr>
+                </a:solidFill>
+                <a:latin typeface="+mj-lt"/>
+                <a:ea typeface="Verdana" panose="020B0604030504040204" pitchFamily="34" charset="0"/>
+              </a:rPr>
+              <a:t>The Reinforcement Learning Workshop</a:t>
+            </a:r>
+            <a:r>
+              <a:rPr lang="en-US" sz="1400" dirty="0">
+                <a:solidFill>
+                  <a:schemeClr val="tx1">
+                    <a:lumMod val="65000"/>
+                    <a:lumOff val="35000"/>
+                  </a:schemeClr>
+                </a:solidFill>
+                <a:latin typeface="+mj-lt"/>
+                <a:ea typeface="Verdana" panose="020B0604030504040204" pitchFamily="34" charset="0"/>
+              </a:rPr>
+              <a:t>. Birmingham, UK</a:t>
+            </a:r>
+            <a:r>
+              <a:rPr lang="en-US" sz="1400" b="0" i="0" dirty="0">
+                <a:solidFill>
+                  <a:schemeClr val="tx1">
+                    <a:lumMod val="65000"/>
+                    <a:lumOff val="35000"/>
+                  </a:schemeClr>
+                </a:solidFill>
+                <a:effectLst/>
+                <a:latin typeface="+mj-lt"/>
+                <a:ea typeface="Verdana" panose="020B0604030504040204" pitchFamily="34" charset="0"/>
+              </a:rPr>
+              <a:t>: Packt Publishing. (Chapter 1)</a:t>
+            </a:r>
+            <a:endParaRPr lang="en-US" sz="1400" dirty="0">
+              <a:solidFill>
+                <a:schemeClr val="tx1">
+                  <a:lumMod val="65000"/>
+                  <a:lumOff val="35000"/>
+                </a:schemeClr>
+              </a:solidFill>
+              <a:latin typeface="+mj-lt"/>
+              <a:ea typeface="Verdana" panose="020B0604030504040204" pitchFamily="34" charset="0"/>
+            </a:endParaRPr>
+          </a:p>
+        </p:txBody>
+      </p:sp>
+      <p:pic>
+        <p:nvPicPr>
+          <p:cNvPr id="12" name="Picture 11">
+            <a:extLst>
+              <a:ext uri="{FF2B5EF4-FFF2-40B4-BE49-F238E27FC236}">
+                <a16:creationId xmlns:a16="http://schemas.microsoft.com/office/drawing/2014/main" id="{19D6C171-77A1-4A7E-A2A7-22A8BEF4364C}"/>
+              </a:ext>
+            </a:extLst>
+          </p:cNvPr>
+          <p:cNvPicPr>
+            <a:picLocks noChangeAspect="1"/>
+          </p:cNvPicPr>
+          <p:nvPr/>
+        </p:nvPicPr>
+        <p:blipFill>
+          <a:blip r:embed="rId3"/>
+          <a:stretch>
+            <a:fillRect/>
+          </a:stretch>
+        </p:blipFill>
+        <p:spPr>
+          <a:xfrm>
+            <a:off x="2505678" y="1364043"/>
+            <a:ext cx="6232914" cy="2858847"/>
           </a:xfrm>
           <a:prstGeom prst="rect">
             <a:avLst/>
           </a:prstGeom>
         </p:spPr>
+      </p:pic>
+      <p:sp>
+        <p:nvSpPr>
+          <p:cNvPr id="16" name="Title 1">
+            <a:extLst>
+              <a:ext uri="{FF2B5EF4-FFF2-40B4-BE49-F238E27FC236}">
+                <a16:creationId xmlns:a16="http://schemas.microsoft.com/office/drawing/2014/main" id="{CA8AD100-AA42-000F-85E4-68654F9DC6A5}"/>
+              </a:ext>
+            </a:extLst>
+          </p:cNvPr>
+          <p:cNvSpPr txBox="1">
+            <a:spLocks/>
+          </p:cNvSpPr>
+          <p:nvPr/>
+        </p:nvSpPr>
+        <p:spPr>
+          <a:xfrm>
+            <a:off x="7145263" y="5348054"/>
+            <a:ext cx="2337403" cy="527806"/>
+          </a:xfrm>
+          <a:prstGeom prst="rect">
+            <a:avLst/>
+          </a:prstGeom>
+          <a:ln>
+            <a:solidFill>
+              <a:srgbClr val="80BE63"/>
+            </a:solidFill>
+          </a:ln>
+        </p:spPr>
         <p:txBody>
           <a:bodyPr vert="horz" lIns="91440" tIns="45720" rIns="91440" bIns="45720" rtlCol="0" anchor="ctr">
-            <a:normAutofit/>
+            <a:noAutofit/>
           </a:bodyPr>
           <a:lstStyle>
             <a:lvl1pPr algn="l" defTabSz="914400" rtl="0" eaLnBrk="1" latinLnBrk="0" hangingPunct="1">
@@ -8967,7 +8633,7 @@
           <a:p>
             <a:pPr algn="ctr"/>
             <a:r>
-              <a:rPr lang="en-US" sz="2000" dirty="0">
+              <a:rPr lang="en-US" sz="2400" dirty="0">
                 <a:latin typeface="Palatino Linotype" panose="02040502050505030304" pitchFamily="18" charset="0"/>
                 <a:cs typeface="Segoe UI Light" panose="020B0502040204020203" pitchFamily="34" charset="0"/>
               </a:rPr>
@@ -8978,10 +8644,10 @@
       </p:sp>
       <p:sp>
         <p:nvSpPr>
-          <p:cNvPr id="9" name="Title 1">
-            <a:extLst>
-              <a:ext uri="{FF2B5EF4-FFF2-40B4-BE49-F238E27FC236}">
-                <a16:creationId xmlns:a16="http://schemas.microsoft.com/office/drawing/2014/main" id="{DD58F0C6-A74B-4B5C-8A81-20C791127D9A}"/>
+          <p:cNvPr id="17" name="Title 1">
+            <a:extLst>
+              <a:ext uri="{FF2B5EF4-FFF2-40B4-BE49-F238E27FC236}">
+                <a16:creationId xmlns:a16="http://schemas.microsoft.com/office/drawing/2014/main" id="{2A855F55-DC0C-CDC0-3849-F6F57AAA9D7B}"/>
               </a:ext>
             </a:extLst>
           </p:cNvPr>
@@ -8992,16 +8658,21 @@
         </p:nvSpPr>
         <p:spPr>
           <a:xfrm>
-            <a:off x="2609579" y="6079227"/>
-            <a:ext cx="1873967" cy="407702"/>
+            <a:off x="2440250" y="5348054"/>
+            <a:ext cx="2047084" cy="527806"/>
           </a:xfrm>
           <a:prstGeom prst="rect">
             <a:avLst/>
           </a:prstGeom>
+          <a:ln>
+            <a:solidFill>
+              <a:srgbClr val="80BE63"/>
+            </a:solidFill>
+          </a:ln>
         </p:spPr>
         <p:txBody>
           <a:bodyPr vert="horz" lIns="91440" tIns="45720" rIns="91440" bIns="45720" rtlCol="0" anchor="ctr">
-            <a:normAutofit/>
+            <a:noAutofit/>
           </a:bodyPr>
           <a:lstStyle>
             <a:lvl1pPr algn="l" defTabSz="914400" rtl="0" eaLnBrk="1" latinLnBrk="0" hangingPunct="1">
@@ -9025,7 +8696,7 @@
           <a:p>
             <a:pPr algn="ctr"/>
             <a:r>
-              <a:rPr lang="en-US" sz="2000" dirty="0">
+              <a:rPr lang="en-US" sz="2400" dirty="0">
                 <a:latin typeface="Palatino Linotype" panose="02040502050505030304" pitchFamily="18" charset="0"/>
                 <a:cs typeface="Segoe UI Light" panose="020B0502040204020203" pitchFamily="34" charset="0"/>
               </a:rPr>
@@ -9036,10 +8707,10 @@
       </p:sp>
       <p:sp>
         <p:nvSpPr>
-          <p:cNvPr id="10" name="Title 1">
-            <a:extLst>
-              <a:ext uri="{FF2B5EF4-FFF2-40B4-BE49-F238E27FC236}">
-                <a16:creationId xmlns:a16="http://schemas.microsoft.com/office/drawing/2014/main" id="{F29A425B-06A3-4C58-ACAC-9BCDD43915B3}"/>
+          <p:cNvPr id="18" name="Title 1">
+            <a:extLst>
+              <a:ext uri="{FF2B5EF4-FFF2-40B4-BE49-F238E27FC236}">
+                <a16:creationId xmlns:a16="http://schemas.microsoft.com/office/drawing/2014/main" id="{ED4B98FF-A4D6-C1BF-58DE-0F291045A814}"/>
               </a:ext>
             </a:extLst>
           </p:cNvPr>
@@ -9050,16 +8721,21 @@
         </p:nvSpPr>
         <p:spPr>
           <a:xfrm>
-            <a:off x="5016807" y="6041959"/>
-            <a:ext cx="1873967" cy="482237"/>
+            <a:off x="4657292" y="5348055"/>
+            <a:ext cx="2337403" cy="527806"/>
           </a:xfrm>
           <a:prstGeom prst="rect">
             <a:avLst/>
           </a:prstGeom>
+          <a:ln>
+            <a:solidFill>
+              <a:srgbClr val="80BE63"/>
+            </a:solidFill>
+          </a:ln>
         </p:spPr>
         <p:txBody>
           <a:bodyPr vert="horz" lIns="91440" tIns="45720" rIns="91440" bIns="45720" rtlCol="0" anchor="ctr">
-            <a:normAutofit/>
+            <a:noAutofit/>
           </a:bodyPr>
           <a:lstStyle>
             <a:lvl1pPr algn="l" defTabSz="914400" rtl="0" eaLnBrk="1" latinLnBrk="0" hangingPunct="1">
@@ -9083,11 +8759,149 @@
           <a:p>
             <a:pPr algn="ctr"/>
             <a:r>
-              <a:rPr lang="en-US" sz="2000" dirty="0">
+              <a:rPr lang="en-US" sz="2400" dirty="0">
                 <a:latin typeface="Palatino Linotype" panose="02040502050505030304" pitchFamily="18" charset="0"/>
                 <a:cs typeface="Segoe UI Light" panose="020B0502040204020203" pitchFamily="34" charset="0"/>
               </a:rPr>
               <a:t>Unsupervised</a:t>
+            </a:r>
+          </a:p>
+        </p:txBody>
+      </p:sp>
+      <p:sp>
+        <p:nvSpPr>
+          <p:cNvPr id="19" name="Title 1">
+            <a:extLst>
+              <a:ext uri="{FF2B5EF4-FFF2-40B4-BE49-F238E27FC236}">
+                <a16:creationId xmlns:a16="http://schemas.microsoft.com/office/drawing/2014/main" id="{551F34E6-1968-A610-E7E3-6EC041FF252E}"/>
+              </a:ext>
+            </a:extLst>
+          </p:cNvPr>
+          <p:cNvSpPr txBox="1">
+            <a:spLocks/>
+          </p:cNvSpPr>
+          <p:nvPr/>
+        </p:nvSpPr>
+        <p:spPr>
+          <a:xfrm>
+            <a:off x="865449" y="4339346"/>
+            <a:ext cx="3960551" cy="815404"/>
+          </a:xfrm>
+          <a:prstGeom prst="rect">
+            <a:avLst/>
+          </a:prstGeom>
+        </p:spPr>
+        <p:txBody>
+          <a:bodyPr vert="horz" lIns="91440" tIns="45720" rIns="91440" bIns="45720" rtlCol="0" anchor="ctr">
+            <a:noAutofit/>
+          </a:bodyPr>
+          <a:lstStyle>
+            <a:lvl1pPr algn="l" defTabSz="914400" rtl="0" eaLnBrk="1" latinLnBrk="0" hangingPunct="1">
+              <a:lnSpc>
+                <a:spcPct val="90000"/>
+              </a:lnSpc>
+              <a:spcBef>
+                <a:spcPct val="0"/>
+              </a:spcBef>
+              <a:buNone/>
+              <a:defRPr sz="4400" kern="1200">
+                <a:solidFill>
+                  <a:schemeClr val="tx1"/>
+                </a:solidFill>
+                <a:latin typeface="+mj-lt"/>
+                <a:ea typeface="+mj-ea"/>
+                <a:cs typeface="+mj-cs"/>
+              </a:defRPr>
+            </a:lvl1pPr>
+          </a:lstStyle>
+          <a:p>
+            <a:r>
+              <a:rPr lang="en-US" sz="2400" dirty="0">
+                <a:latin typeface="Palatino Linotype" panose="02040502050505030304" pitchFamily="18" charset="0"/>
+                <a:cs typeface="Segoe UI Light" panose="020B0502040204020203" pitchFamily="34" charset="0"/>
+              </a:rPr>
+              <a:t>What kind of learning is it?</a:t>
+            </a:r>
+          </a:p>
+        </p:txBody>
+      </p:sp>
+    </p:spTree>
+    <p:extLst>
+      <p:ext uri="{BB962C8B-B14F-4D97-AF65-F5344CB8AC3E}">
+        <p14:creationId xmlns:p14="http://schemas.microsoft.com/office/powerpoint/2010/main" val="3864235280"/>
+      </p:ext>
+    </p:extLst>
+  </p:cSld>
+  <p:clrMapOvr>
+    <a:masterClrMapping/>
+  </p:clrMapOvr>
+  <mc:AlternateContent xmlns:mc="http://schemas.openxmlformats.org/markup-compatibility/2006" xmlns:p14="http://schemas.microsoft.com/office/powerpoint/2010/main">
+    <mc:Choice Requires="p14">
+      <p:transition spd="med" p14:dur="700">
+        <p:fade/>
+      </p:transition>
+    </mc:Choice>
+    <mc:Fallback xmlns="">
+      <p:transition spd="med">
+        <p:fade/>
+      </p:transition>
+    </mc:Fallback>
+  </mc:AlternateContent>
+</p:sld>
+</file>
+
+<file path=ppt/slides/slide16.xml><?xml version="1.0" encoding="utf-8"?>
+<p:sld xmlns:a="http://schemas.openxmlformats.org/drawingml/2006/main" xmlns:r="http://schemas.openxmlformats.org/officeDocument/2006/relationships" xmlns:p="http://schemas.openxmlformats.org/presentationml/2006/main">
+  <p:cSld>
+    <p:spTree>
+      <p:nvGrpSpPr>
+        <p:cNvPr id="1" name=""/>
+        <p:cNvGrpSpPr/>
+        <p:nvPr/>
+      </p:nvGrpSpPr>
+      <p:grpSpPr>
+        <a:xfrm>
+          <a:off x="0" y="0"/>
+          <a:ext cx="0" cy="0"/>
+          <a:chOff x="0" y="0"/>
+          <a:chExt cx="0" cy="0"/>
+        </a:xfrm>
+      </p:grpSpPr>
+      <p:sp>
+        <p:nvSpPr>
+          <p:cNvPr id="7" name="Title 1">
+            <a:extLst>
+              <a:ext uri="{FF2B5EF4-FFF2-40B4-BE49-F238E27FC236}">
+                <a16:creationId xmlns:a16="http://schemas.microsoft.com/office/drawing/2014/main" id="{07E2917D-2796-41DA-B138-E0CCCCEF6E39}"/>
+              </a:ext>
+            </a:extLst>
+          </p:cNvPr>
+          <p:cNvSpPr>
+            <a:spLocks noGrp="1"/>
+          </p:cNvSpPr>
+          <p:nvPr>
+            <p:ph type="title"/>
+          </p:nvPr>
+        </p:nvSpPr>
+        <p:spPr>
+          <a:xfrm>
+            <a:off x="0" y="440190"/>
+            <a:ext cx="12191999" cy="815404"/>
+          </a:xfrm>
+        </p:spPr>
+        <p:txBody>
+          <a:bodyPr>
+            <a:normAutofit/>
+          </a:bodyPr>
+          <a:lstStyle/>
+          <a:p>
+            <a:pPr algn="ctr"/>
+            <a:r>
+              <a:rPr lang="en-US" sz="3200" dirty="0">
+                <a:latin typeface="Palatino Linotype" panose="02040502050505030304" pitchFamily="18" charset="0"/>
+                <a:cs typeface="Segoe UI Light" panose="020B0502040204020203" pitchFamily="34" charset="0"/>
+              </a:rPr>
+              <a:t>Playing Chess</a:t>
             </a:r>
           </a:p>
         </p:txBody>
@@ -9107,7 +8921,7 @@
           <p:nvPr/>
         </p:nvPicPr>
         <p:blipFill>
-          <a:blip r:embed="rId4">
+          <a:blip r:embed="rId3">
             <a:extLst>
               <a:ext uri="{28A0092B-C50C-407E-A947-70E740481C1C}">
                 <a14:useLocalDpi xmlns:a14="http://schemas.microsoft.com/office/drawing/2010/main" val="0"/>
@@ -9219,6 +9033,252 @@
               <a:latin typeface="+mj-lt"/>
               <a:ea typeface="Verdana" panose="020B0604030504040204" pitchFamily="34" charset="0"/>
             </a:endParaRPr>
+          </a:p>
+        </p:txBody>
+      </p:sp>
+      <p:sp>
+        <p:nvSpPr>
+          <p:cNvPr id="16" name="Title 1">
+            <a:extLst>
+              <a:ext uri="{FF2B5EF4-FFF2-40B4-BE49-F238E27FC236}">
+                <a16:creationId xmlns:a16="http://schemas.microsoft.com/office/drawing/2014/main" id="{068B11B2-0D60-9C58-C4D0-BC27555ADEFE}"/>
+              </a:ext>
+            </a:extLst>
+          </p:cNvPr>
+          <p:cNvSpPr txBox="1">
+            <a:spLocks/>
+          </p:cNvSpPr>
+          <p:nvPr/>
+        </p:nvSpPr>
+        <p:spPr>
+          <a:xfrm>
+            <a:off x="7145263" y="5348054"/>
+            <a:ext cx="2337403" cy="527806"/>
+          </a:xfrm>
+          <a:prstGeom prst="rect">
+            <a:avLst/>
+          </a:prstGeom>
+          <a:ln>
+            <a:solidFill>
+              <a:srgbClr val="80BE63"/>
+            </a:solidFill>
+          </a:ln>
+        </p:spPr>
+        <p:txBody>
+          <a:bodyPr vert="horz" lIns="91440" tIns="45720" rIns="91440" bIns="45720" rtlCol="0" anchor="ctr">
+            <a:noAutofit/>
+          </a:bodyPr>
+          <a:lstStyle>
+            <a:lvl1pPr algn="l" defTabSz="914400" rtl="0" eaLnBrk="1" latinLnBrk="0" hangingPunct="1">
+              <a:lnSpc>
+                <a:spcPct val="90000"/>
+              </a:lnSpc>
+              <a:spcBef>
+                <a:spcPct val="0"/>
+              </a:spcBef>
+              <a:buNone/>
+              <a:defRPr sz="4400" kern="1200">
+                <a:solidFill>
+                  <a:schemeClr val="tx1"/>
+                </a:solidFill>
+                <a:latin typeface="+mj-lt"/>
+                <a:ea typeface="+mj-ea"/>
+                <a:cs typeface="+mj-cs"/>
+              </a:defRPr>
+            </a:lvl1pPr>
+          </a:lstStyle>
+          <a:p>
+            <a:pPr algn="ctr"/>
+            <a:r>
+              <a:rPr lang="en-US" sz="2400" dirty="0">
+                <a:latin typeface="Palatino Linotype" panose="02040502050505030304" pitchFamily="18" charset="0"/>
+                <a:cs typeface="Segoe UI Light" panose="020B0502040204020203" pitchFamily="34" charset="0"/>
+              </a:rPr>
+              <a:t>Reinforcement</a:t>
+            </a:r>
+          </a:p>
+        </p:txBody>
+      </p:sp>
+      <p:sp>
+        <p:nvSpPr>
+          <p:cNvPr id="17" name="Title 1">
+            <a:extLst>
+              <a:ext uri="{FF2B5EF4-FFF2-40B4-BE49-F238E27FC236}">
+                <a16:creationId xmlns:a16="http://schemas.microsoft.com/office/drawing/2014/main" id="{F155B791-2D36-9199-C6F3-E7A70500697B}"/>
+              </a:ext>
+            </a:extLst>
+          </p:cNvPr>
+          <p:cNvSpPr txBox="1">
+            <a:spLocks/>
+          </p:cNvSpPr>
+          <p:nvPr/>
+        </p:nvSpPr>
+        <p:spPr>
+          <a:xfrm>
+            <a:off x="2440250" y="5348054"/>
+            <a:ext cx="2047084" cy="527806"/>
+          </a:xfrm>
+          <a:prstGeom prst="rect">
+            <a:avLst/>
+          </a:prstGeom>
+          <a:ln>
+            <a:solidFill>
+              <a:srgbClr val="80BE63"/>
+            </a:solidFill>
+          </a:ln>
+        </p:spPr>
+        <p:txBody>
+          <a:bodyPr vert="horz" lIns="91440" tIns="45720" rIns="91440" bIns="45720" rtlCol="0" anchor="ctr">
+            <a:noAutofit/>
+          </a:bodyPr>
+          <a:lstStyle>
+            <a:lvl1pPr algn="l" defTabSz="914400" rtl="0" eaLnBrk="1" latinLnBrk="0" hangingPunct="1">
+              <a:lnSpc>
+                <a:spcPct val="90000"/>
+              </a:lnSpc>
+              <a:spcBef>
+                <a:spcPct val="0"/>
+              </a:spcBef>
+              <a:buNone/>
+              <a:defRPr sz="4400" kern="1200">
+                <a:solidFill>
+                  <a:schemeClr val="tx1"/>
+                </a:solidFill>
+                <a:latin typeface="+mj-lt"/>
+                <a:ea typeface="+mj-ea"/>
+                <a:cs typeface="+mj-cs"/>
+              </a:defRPr>
+            </a:lvl1pPr>
+          </a:lstStyle>
+          <a:p>
+            <a:pPr algn="ctr"/>
+            <a:r>
+              <a:rPr lang="en-US" sz="2400" dirty="0">
+                <a:latin typeface="Palatino Linotype" panose="02040502050505030304" pitchFamily="18" charset="0"/>
+                <a:cs typeface="Segoe UI Light" panose="020B0502040204020203" pitchFamily="34" charset="0"/>
+              </a:rPr>
+              <a:t>Supervised</a:t>
+            </a:r>
+          </a:p>
+        </p:txBody>
+      </p:sp>
+      <p:sp>
+        <p:nvSpPr>
+          <p:cNvPr id="18" name="Title 1">
+            <a:extLst>
+              <a:ext uri="{FF2B5EF4-FFF2-40B4-BE49-F238E27FC236}">
+                <a16:creationId xmlns:a16="http://schemas.microsoft.com/office/drawing/2014/main" id="{86DD2673-62C5-BC24-5F95-ACB79F12F054}"/>
+              </a:ext>
+            </a:extLst>
+          </p:cNvPr>
+          <p:cNvSpPr txBox="1">
+            <a:spLocks/>
+          </p:cNvSpPr>
+          <p:nvPr/>
+        </p:nvSpPr>
+        <p:spPr>
+          <a:xfrm>
+            <a:off x="4657292" y="5348055"/>
+            <a:ext cx="2337403" cy="527806"/>
+          </a:xfrm>
+          <a:prstGeom prst="rect">
+            <a:avLst/>
+          </a:prstGeom>
+          <a:ln>
+            <a:solidFill>
+              <a:srgbClr val="80BE63"/>
+            </a:solidFill>
+          </a:ln>
+        </p:spPr>
+        <p:txBody>
+          <a:bodyPr vert="horz" lIns="91440" tIns="45720" rIns="91440" bIns="45720" rtlCol="0" anchor="ctr">
+            <a:noAutofit/>
+          </a:bodyPr>
+          <a:lstStyle>
+            <a:lvl1pPr algn="l" defTabSz="914400" rtl="0" eaLnBrk="1" latinLnBrk="0" hangingPunct="1">
+              <a:lnSpc>
+                <a:spcPct val="90000"/>
+              </a:lnSpc>
+              <a:spcBef>
+                <a:spcPct val="0"/>
+              </a:spcBef>
+              <a:buNone/>
+              <a:defRPr sz="4400" kern="1200">
+                <a:solidFill>
+                  <a:schemeClr val="tx1"/>
+                </a:solidFill>
+                <a:latin typeface="+mj-lt"/>
+                <a:ea typeface="+mj-ea"/>
+                <a:cs typeface="+mj-cs"/>
+              </a:defRPr>
+            </a:lvl1pPr>
+          </a:lstStyle>
+          <a:p>
+            <a:pPr algn="ctr"/>
+            <a:r>
+              <a:rPr lang="en-US" sz="2400" dirty="0">
+                <a:latin typeface="Palatino Linotype" panose="02040502050505030304" pitchFamily="18" charset="0"/>
+                <a:cs typeface="Segoe UI Light" panose="020B0502040204020203" pitchFamily="34" charset="0"/>
+              </a:rPr>
+              <a:t>Unsupervised</a:t>
+            </a:r>
+          </a:p>
+        </p:txBody>
+      </p:sp>
+      <p:sp>
+        <p:nvSpPr>
+          <p:cNvPr id="19" name="Title 1">
+            <a:extLst>
+              <a:ext uri="{FF2B5EF4-FFF2-40B4-BE49-F238E27FC236}">
+                <a16:creationId xmlns:a16="http://schemas.microsoft.com/office/drawing/2014/main" id="{EF3E6834-753A-0792-9E8C-2C069B437242}"/>
+              </a:ext>
+            </a:extLst>
+          </p:cNvPr>
+          <p:cNvSpPr txBox="1">
+            <a:spLocks/>
+          </p:cNvSpPr>
+          <p:nvPr/>
+        </p:nvSpPr>
+        <p:spPr>
+          <a:xfrm>
+            <a:off x="865449" y="4339346"/>
+            <a:ext cx="3960551" cy="815404"/>
+          </a:xfrm>
+          <a:prstGeom prst="rect">
+            <a:avLst/>
+          </a:prstGeom>
+        </p:spPr>
+        <p:txBody>
+          <a:bodyPr vert="horz" lIns="91440" tIns="45720" rIns="91440" bIns="45720" rtlCol="0" anchor="ctr">
+            <a:noAutofit/>
+          </a:bodyPr>
+          <a:lstStyle>
+            <a:lvl1pPr algn="l" defTabSz="914400" rtl="0" eaLnBrk="1" latinLnBrk="0" hangingPunct="1">
+              <a:lnSpc>
+                <a:spcPct val="90000"/>
+              </a:lnSpc>
+              <a:spcBef>
+                <a:spcPct val="0"/>
+              </a:spcBef>
+              <a:buNone/>
+              <a:defRPr sz="4400" kern="1200">
+                <a:solidFill>
+                  <a:schemeClr val="tx1"/>
+                </a:solidFill>
+                <a:latin typeface="+mj-lt"/>
+                <a:ea typeface="+mj-ea"/>
+                <a:cs typeface="+mj-cs"/>
+              </a:defRPr>
+            </a:lvl1pPr>
+          </a:lstStyle>
+          <a:p>
+            <a:r>
+              <a:rPr lang="en-US" sz="2400" dirty="0">
+                <a:latin typeface="Palatino Linotype" panose="02040502050505030304" pitchFamily="18" charset="0"/>
+                <a:cs typeface="Segoe UI Light" panose="020B0502040204020203" pitchFamily="34" charset="0"/>
+              </a:rPr>
+              <a:t>What kind of learning is it?</a:t>
+            </a:r>
           </a:p>
         </p:txBody>
       </p:sp>
@@ -9247,7 +9307,7 @@
 </p:sld>
 </file>
 
-<file path=ppt/slides/slide16.xml><?xml version="1.0" encoding="utf-8"?>
+<file path=ppt/slides/slide17.xml><?xml version="1.0" encoding="utf-8"?>
 <p:sld xmlns:a="http://schemas.openxmlformats.org/drawingml/2006/main" xmlns:r="http://schemas.openxmlformats.org/officeDocument/2006/relationships" xmlns:p="http://schemas.openxmlformats.org/presentationml/2006/main">
   <p:cSld>
     <p:spTree>
@@ -9358,7 +9418,96 @@
 </p:sld>
 </file>
 
-<file path=ppt/slides/slide17.xml><?xml version="1.0" encoding="utf-8"?>
+<file path=ppt/slides/slide18.xml><?xml version="1.0" encoding="utf-8"?>
+<p:sld xmlns:a="http://schemas.openxmlformats.org/drawingml/2006/main" xmlns:r="http://schemas.openxmlformats.org/officeDocument/2006/relationships" xmlns:p="http://schemas.openxmlformats.org/presentationml/2006/main">
+  <p:cSld>
+    <p:spTree>
+      <p:nvGrpSpPr>
+        <p:cNvPr id="1" name=""/>
+        <p:cNvGrpSpPr/>
+        <p:nvPr/>
+      </p:nvGrpSpPr>
+      <p:grpSpPr>
+        <a:xfrm>
+          <a:off x="0" y="0"/>
+          <a:ext cx="0" cy="0"/>
+          <a:chOff x="0" y="0"/>
+          <a:chExt cx="0" cy="0"/>
+        </a:xfrm>
+      </p:grpSpPr>
+      <p:pic>
+        <p:nvPicPr>
+          <p:cNvPr id="1028" name="Picture 4" descr="Perusall">
+            <a:extLst>
+              <a:ext uri="{FF2B5EF4-FFF2-40B4-BE49-F238E27FC236}">
+                <a16:creationId xmlns:a16="http://schemas.microsoft.com/office/drawing/2014/main" id="{C7495DC7-25F8-4987-AD6F-4B6C4C64757C}"/>
+              </a:ext>
+            </a:extLst>
+          </p:cNvPr>
+          <p:cNvPicPr>
+            <a:picLocks noChangeAspect="1" noChangeArrowheads="1"/>
+          </p:cNvPicPr>
+          <p:nvPr/>
+        </p:nvPicPr>
+        <p:blipFill>
+          <a:blip r:embed="rId3">
+            <a:extLst>
+              <a:ext uri="{28A0092B-C50C-407E-A947-70E740481C1C}">
+                <a14:useLocalDpi xmlns:a14="http://schemas.microsoft.com/office/drawing/2010/main" val="0"/>
+              </a:ext>
+            </a:extLst>
+          </a:blip>
+          <a:srcRect/>
+          <a:stretch>
+            <a:fillRect/>
+          </a:stretch>
+        </p:blipFill>
+        <p:spPr bwMode="auto">
+          <a:xfrm>
+            <a:off x="3940366" y="2082558"/>
+            <a:ext cx="4311267" cy="2692884"/>
+          </a:xfrm>
+          <a:prstGeom prst="rect">
+            <a:avLst/>
+          </a:prstGeom>
+          <a:noFill/>
+          <a:extLst>
+            <a:ext uri="{909E8E84-426E-40DD-AFC4-6F175D3DCCD1}">
+              <a14:hiddenFill xmlns:a14="http://schemas.microsoft.com/office/drawing/2010/main">
+                <a:solidFill>
+                  <a:srgbClr val="FFFFFF"/>
+                </a:solidFill>
+              </a14:hiddenFill>
+            </a:ext>
+          </a:extLst>
+        </p:spPr>
+      </p:pic>
+    </p:spTree>
+    <p:extLst>
+      <p:ext uri="{BB962C8B-B14F-4D97-AF65-F5344CB8AC3E}">
+        <p14:creationId xmlns:p14="http://schemas.microsoft.com/office/powerpoint/2010/main" val="3099461396"/>
+      </p:ext>
+    </p:extLst>
+  </p:cSld>
+  <p:clrMapOvr>
+    <a:masterClrMapping/>
+  </p:clrMapOvr>
+  <mc:AlternateContent xmlns:mc="http://schemas.openxmlformats.org/markup-compatibility/2006" xmlns:p14="http://schemas.microsoft.com/office/powerpoint/2010/main">
+    <mc:Choice Requires="p14">
+      <p:transition spd="med" p14:dur="700">
+        <p:fade/>
+      </p:transition>
+    </mc:Choice>
+    <mc:Fallback xmlns="">
+      <p:transition spd="med">
+        <p:fade/>
+      </p:transition>
+    </mc:Fallback>
+  </mc:AlternateContent>
+</p:sld>
+</file>
+
+<file path=ppt/slides/slide19.xml><?xml version="1.0" encoding="utf-8"?>
 <p:sld xmlns:a="http://schemas.openxmlformats.org/drawingml/2006/main" xmlns:r="http://schemas.openxmlformats.org/officeDocument/2006/relationships" xmlns:p="http://schemas.openxmlformats.org/presentationml/2006/main">
   <p:cSld>
     <p:spTree>
@@ -9484,7 +9633,573 @@
 </p:sld>
 </file>
 
-<file path=ppt/slides/slide18.xml><?xml version="1.0" encoding="utf-8"?>
+<file path=ppt/slides/slide2.xml><?xml version="1.0" encoding="utf-8"?>
+<p:sld xmlns:a="http://schemas.openxmlformats.org/drawingml/2006/main" xmlns:r="http://schemas.openxmlformats.org/officeDocument/2006/relationships" xmlns:p="http://schemas.openxmlformats.org/presentationml/2006/main">
+  <p:cSld>
+    <p:spTree>
+      <p:nvGrpSpPr>
+        <p:cNvPr id="1" name=""/>
+        <p:cNvGrpSpPr/>
+        <p:nvPr/>
+      </p:nvGrpSpPr>
+      <p:grpSpPr>
+        <a:xfrm>
+          <a:off x="0" y="0"/>
+          <a:ext cx="0" cy="0"/>
+          <a:chOff x="0" y="0"/>
+          <a:chExt cx="0" cy="0"/>
+        </a:xfrm>
+      </p:grpSpPr>
+      <p:sp>
+        <p:nvSpPr>
+          <p:cNvPr id="2" name="Title 1">
+            <a:extLst>
+              <a:ext uri="{FF2B5EF4-FFF2-40B4-BE49-F238E27FC236}">
+                <a16:creationId xmlns:a16="http://schemas.microsoft.com/office/drawing/2014/main" id="{0E138177-E2EE-ACAC-A57C-F03FA29EC836}"/>
+              </a:ext>
+            </a:extLst>
+          </p:cNvPr>
+          <p:cNvSpPr>
+            <a:spLocks noGrp="1"/>
+          </p:cNvSpPr>
+          <p:nvPr>
+            <p:ph type="title"/>
+          </p:nvPr>
+        </p:nvSpPr>
+        <p:spPr/>
+        <p:txBody>
+          <a:bodyPr/>
+          <a:lstStyle/>
+          <a:p>
+            <a:r>
+              <a:rPr lang="en-US" dirty="0">
+                <a:solidFill>
+                  <a:schemeClr val="tx1">
+                    <a:lumMod val="75000"/>
+                    <a:lumOff val="25000"/>
+                  </a:schemeClr>
+                </a:solidFill>
+                <a:latin typeface="Palatino Linotype" panose="02040502050505030304" pitchFamily="18" charset="0"/>
+              </a:rPr>
+              <a:t>Lesson Overview</a:t>
+            </a:r>
+          </a:p>
+        </p:txBody>
+      </p:sp>
+      <p:sp>
+        <p:nvSpPr>
+          <p:cNvPr id="3" name="Content Placeholder 2">
+            <a:extLst>
+              <a:ext uri="{FF2B5EF4-FFF2-40B4-BE49-F238E27FC236}">
+                <a16:creationId xmlns:a16="http://schemas.microsoft.com/office/drawing/2014/main" id="{8626DB86-54B4-A1E2-6C25-C049F364ED25}"/>
+              </a:ext>
+            </a:extLst>
+          </p:cNvPr>
+          <p:cNvSpPr>
+            <a:spLocks noGrp="1"/>
+          </p:cNvSpPr>
+          <p:nvPr>
+            <p:ph idx="1"/>
+          </p:nvPr>
+        </p:nvSpPr>
+        <p:spPr>
+          <a:xfrm>
+            <a:off x="1013564" y="1825626"/>
+            <a:ext cx="10515600" cy="504215"/>
+          </a:xfrm>
+        </p:spPr>
+        <p:txBody>
+          <a:bodyPr/>
+          <a:lstStyle/>
+          <a:p>
+            <a:pPr>
+              <a:buFont typeface="Wingdings" panose="05000000000000000000" pitchFamily="2" charset="2"/>
+              <a:buChar char="Ø"/>
+            </a:pPr>
+            <a:r>
+              <a:rPr lang="en-US" dirty="0">
+                <a:solidFill>
+                  <a:schemeClr val="tx1">
+                    <a:lumMod val="75000"/>
+                    <a:lumOff val="25000"/>
+                  </a:schemeClr>
+                </a:solidFill>
+              </a:rPr>
+              <a:t> </a:t>
+            </a:r>
+            <a:r>
+              <a:rPr lang="en-US" dirty="0">
+                <a:solidFill>
+                  <a:schemeClr val="tx1">
+                    <a:lumMod val="75000"/>
+                    <a:lumOff val="25000"/>
+                  </a:schemeClr>
+                </a:solidFill>
+                <a:latin typeface="Palatino Linotype" panose="02040502050505030304" pitchFamily="18" charset="0"/>
+              </a:rPr>
+              <a:t>Deep Learning System Types</a:t>
+            </a:r>
+          </a:p>
+        </p:txBody>
+      </p:sp>
+      <p:sp>
+        <p:nvSpPr>
+          <p:cNvPr id="5" name="Content Placeholder 2">
+            <a:extLst>
+              <a:ext uri="{FF2B5EF4-FFF2-40B4-BE49-F238E27FC236}">
+                <a16:creationId xmlns:a16="http://schemas.microsoft.com/office/drawing/2014/main" id="{7070644F-62DF-8674-4A8A-C2FA1554028E}"/>
+              </a:ext>
+            </a:extLst>
+          </p:cNvPr>
+          <p:cNvSpPr txBox="1">
+            <a:spLocks/>
+          </p:cNvSpPr>
+          <p:nvPr/>
+        </p:nvSpPr>
+        <p:spPr>
+          <a:xfrm>
+            <a:off x="1013564" y="2464778"/>
+            <a:ext cx="10515600" cy="504215"/>
+          </a:xfrm>
+          <a:prstGeom prst="rect">
+            <a:avLst/>
+          </a:prstGeom>
+        </p:spPr>
+        <p:txBody>
+          <a:bodyPr vert="horz" lIns="91440" tIns="45720" rIns="91440" bIns="45720" rtlCol="0">
+            <a:normAutofit/>
+          </a:bodyPr>
+          <a:lstStyle>
+            <a:lvl1pPr marL="228600" indent="-228600" algn="l" defTabSz="914400" rtl="0" eaLnBrk="1" latinLnBrk="0" hangingPunct="1">
+              <a:lnSpc>
+                <a:spcPct val="90000"/>
+              </a:lnSpc>
+              <a:spcBef>
+                <a:spcPts val="1000"/>
+              </a:spcBef>
+              <a:buFont typeface="Arial" panose="020B0604020202020204" pitchFamily="34" charset="0"/>
+              <a:buChar char="•"/>
+              <a:defRPr sz="2800" kern="1200">
+                <a:solidFill>
+                  <a:schemeClr val="tx1"/>
+                </a:solidFill>
+                <a:latin typeface="+mn-lt"/>
+                <a:ea typeface="+mn-ea"/>
+                <a:cs typeface="+mn-cs"/>
+              </a:defRPr>
+            </a:lvl1pPr>
+            <a:lvl2pPr marL="685800" indent="-228600" algn="l" defTabSz="914400" rtl="0" eaLnBrk="1" latinLnBrk="0" hangingPunct="1">
+              <a:lnSpc>
+                <a:spcPct val="90000"/>
+              </a:lnSpc>
+              <a:spcBef>
+                <a:spcPts val="500"/>
+              </a:spcBef>
+              <a:buFont typeface="Arial" panose="020B0604020202020204" pitchFamily="34" charset="0"/>
+              <a:buChar char="•"/>
+              <a:defRPr sz="2400" kern="1200">
+                <a:solidFill>
+                  <a:schemeClr val="tx1"/>
+                </a:solidFill>
+                <a:latin typeface="+mn-lt"/>
+                <a:ea typeface="+mn-ea"/>
+                <a:cs typeface="+mn-cs"/>
+              </a:defRPr>
+            </a:lvl2pPr>
+            <a:lvl3pPr marL="1143000" indent="-228600" algn="l" defTabSz="914400" rtl="0" eaLnBrk="1" latinLnBrk="0" hangingPunct="1">
+              <a:lnSpc>
+                <a:spcPct val="90000"/>
+              </a:lnSpc>
+              <a:spcBef>
+                <a:spcPts val="500"/>
+              </a:spcBef>
+              <a:buFont typeface="Arial" panose="020B0604020202020204" pitchFamily="34" charset="0"/>
+              <a:buChar char="•"/>
+              <a:defRPr sz="2000" kern="1200">
+                <a:solidFill>
+                  <a:schemeClr val="tx1"/>
+                </a:solidFill>
+                <a:latin typeface="+mn-lt"/>
+                <a:ea typeface="+mn-ea"/>
+                <a:cs typeface="+mn-cs"/>
+              </a:defRPr>
+            </a:lvl3pPr>
+            <a:lvl4pPr marL="1600200" indent="-228600" algn="l" defTabSz="914400" rtl="0" eaLnBrk="1" latinLnBrk="0" hangingPunct="1">
+              <a:lnSpc>
+                <a:spcPct val="90000"/>
+              </a:lnSpc>
+              <a:spcBef>
+                <a:spcPts val="500"/>
+              </a:spcBef>
+              <a:buFont typeface="Arial" panose="020B0604020202020204" pitchFamily="34" charset="0"/>
+              <a:buChar char="•"/>
+              <a:defRPr sz="1800" kern="1200">
+                <a:solidFill>
+                  <a:schemeClr val="tx1"/>
+                </a:solidFill>
+                <a:latin typeface="+mn-lt"/>
+                <a:ea typeface="+mn-ea"/>
+                <a:cs typeface="+mn-cs"/>
+              </a:defRPr>
+            </a:lvl4pPr>
+            <a:lvl5pPr marL="2057400" indent="-228600" algn="l" defTabSz="914400" rtl="0" eaLnBrk="1" latinLnBrk="0" hangingPunct="1">
+              <a:lnSpc>
+                <a:spcPct val="90000"/>
+              </a:lnSpc>
+              <a:spcBef>
+                <a:spcPts val="500"/>
+              </a:spcBef>
+              <a:buFont typeface="Arial" panose="020B0604020202020204" pitchFamily="34" charset="0"/>
+              <a:buChar char="•"/>
+              <a:defRPr sz="1800" kern="1200">
+                <a:solidFill>
+                  <a:schemeClr val="tx1"/>
+                </a:solidFill>
+                <a:latin typeface="+mn-lt"/>
+                <a:ea typeface="+mn-ea"/>
+                <a:cs typeface="+mn-cs"/>
+              </a:defRPr>
+            </a:lvl5pPr>
+            <a:lvl6pPr marL="2514600" indent="-228600" algn="l" defTabSz="914400" rtl="0" eaLnBrk="1" latinLnBrk="0" hangingPunct="1">
+              <a:lnSpc>
+                <a:spcPct val="90000"/>
+              </a:lnSpc>
+              <a:spcBef>
+                <a:spcPts val="500"/>
+              </a:spcBef>
+              <a:buFont typeface="Arial" panose="020B0604020202020204" pitchFamily="34" charset="0"/>
+              <a:buChar char="•"/>
+              <a:defRPr sz="1800" kern="1200">
+                <a:solidFill>
+                  <a:schemeClr val="tx1"/>
+                </a:solidFill>
+                <a:latin typeface="+mn-lt"/>
+                <a:ea typeface="+mn-ea"/>
+                <a:cs typeface="+mn-cs"/>
+              </a:defRPr>
+            </a:lvl6pPr>
+            <a:lvl7pPr marL="2971800" indent="-228600" algn="l" defTabSz="914400" rtl="0" eaLnBrk="1" latinLnBrk="0" hangingPunct="1">
+              <a:lnSpc>
+                <a:spcPct val="90000"/>
+              </a:lnSpc>
+              <a:spcBef>
+                <a:spcPts val="500"/>
+              </a:spcBef>
+              <a:buFont typeface="Arial" panose="020B0604020202020204" pitchFamily="34" charset="0"/>
+              <a:buChar char="•"/>
+              <a:defRPr sz="1800" kern="1200">
+                <a:solidFill>
+                  <a:schemeClr val="tx1"/>
+                </a:solidFill>
+                <a:latin typeface="+mn-lt"/>
+                <a:ea typeface="+mn-ea"/>
+                <a:cs typeface="+mn-cs"/>
+              </a:defRPr>
+            </a:lvl7pPr>
+            <a:lvl8pPr marL="3429000" indent="-228600" algn="l" defTabSz="914400" rtl="0" eaLnBrk="1" latinLnBrk="0" hangingPunct="1">
+              <a:lnSpc>
+                <a:spcPct val="90000"/>
+              </a:lnSpc>
+              <a:spcBef>
+                <a:spcPts val="500"/>
+              </a:spcBef>
+              <a:buFont typeface="Arial" panose="020B0604020202020204" pitchFamily="34" charset="0"/>
+              <a:buChar char="•"/>
+              <a:defRPr sz="1800" kern="1200">
+                <a:solidFill>
+                  <a:schemeClr val="tx1"/>
+                </a:solidFill>
+                <a:latin typeface="+mn-lt"/>
+                <a:ea typeface="+mn-ea"/>
+                <a:cs typeface="+mn-cs"/>
+              </a:defRPr>
+            </a:lvl8pPr>
+            <a:lvl9pPr marL="3886200" indent="-228600" algn="l" defTabSz="914400" rtl="0" eaLnBrk="1" latinLnBrk="0" hangingPunct="1">
+              <a:lnSpc>
+                <a:spcPct val="90000"/>
+              </a:lnSpc>
+              <a:spcBef>
+                <a:spcPts val="500"/>
+              </a:spcBef>
+              <a:buFont typeface="Arial" panose="020B0604020202020204" pitchFamily="34" charset="0"/>
+              <a:buChar char="•"/>
+              <a:defRPr sz="1800" kern="1200">
+                <a:solidFill>
+                  <a:schemeClr val="tx1"/>
+                </a:solidFill>
+                <a:latin typeface="+mn-lt"/>
+                <a:ea typeface="+mn-ea"/>
+                <a:cs typeface="+mn-cs"/>
+              </a:defRPr>
+            </a:lvl9pPr>
+          </a:lstStyle>
+          <a:p>
+            <a:pPr>
+              <a:buFont typeface="Wingdings" panose="05000000000000000000" pitchFamily="2" charset="2"/>
+              <a:buChar char="Ø"/>
+            </a:pPr>
+            <a:r>
+              <a:rPr lang="en-US" dirty="0">
+                <a:solidFill>
+                  <a:schemeClr val="tx1">
+                    <a:lumMod val="75000"/>
+                    <a:lumOff val="25000"/>
+                  </a:schemeClr>
+                </a:solidFill>
+              </a:rPr>
+              <a:t> </a:t>
+            </a:r>
+            <a:r>
+              <a:rPr lang="en-US" dirty="0">
+                <a:solidFill>
+                  <a:schemeClr val="tx1">
+                    <a:lumMod val="75000"/>
+                    <a:lumOff val="25000"/>
+                  </a:schemeClr>
+                </a:solidFill>
+                <a:latin typeface="Palatino Linotype" panose="02040502050505030304" pitchFamily="18" charset="0"/>
+              </a:rPr>
+              <a:t>Quick Review (Quiz)</a:t>
+            </a:r>
+          </a:p>
+        </p:txBody>
+      </p:sp>
+      <p:sp>
+        <p:nvSpPr>
+          <p:cNvPr id="6" name="Content Placeholder 2">
+            <a:extLst>
+              <a:ext uri="{FF2B5EF4-FFF2-40B4-BE49-F238E27FC236}">
+                <a16:creationId xmlns:a16="http://schemas.microsoft.com/office/drawing/2014/main" id="{FF2490E1-D7A0-7027-6DCC-60BB6819CD9E}"/>
+              </a:ext>
+            </a:extLst>
+          </p:cNvPr>
+          <p:cNvSpPr txBox="1">
+            <a:spLocks/>
+          </p:cNvSpPr>
+          <p:nvPr/>
+        </p:nvSpPr>
+        <p:spPr>
+          <a:xfrm>
+            <a:off x="1013564" y="3103930"/>
+            <a:ext cx="10515600" cy="504215"/>
+          </a:xfrm>
+          <a:prstGeom prst="rect">
+            <a:avLst/>
+          </a:prstGeom>
+        </p:spPr>
+        <p:txBody>
+          <a:bodyPr vert="horz" lIns="91440" tIns="45720" rIns="91440" bIns="45720" rtlCol="0">
+            <a:normAutofit/>
+          </a:bodyPr>
+          <a:lstStyle>
+            <a:lvl1pPr marL="228600" indent="-228600" algn="l" defTabSz="914400" rtl="0" eaLnBrk="1" latinLnBrk="0" hangingPunct="1">
+              <a:lnSpc>
+                <a:spcPct val="90000"/>
+              </a:lnSpc>
+              <a:spcBef>
+                <a:spcPts val="1000"/>
+              </a:spcBef>
+              <a:buFont typeface="Arial" panose="020B0604020202020204" pitchFamily="34" charset="0"/>
+              <a:buChar char="•"/>
+              <a:defRPr sz="2800" kern="1200">
+                <a:solidFill>
+                  <a:schemeClr val="tx1"/>
+                </a:solidFill>
+                <a:latin typeface="+mn-lt"/>
+                <a:ea typeface="+mn-ea"/>
+                <a:cs typeface="+mn-cs"/>
+              </a:defRPr>
+            </a:lvl1pPr>
+            <a:lvl2pPr marL="685800" indent="-228600" algn="l" defTabSz="914400" rtl="0" eaLnBrk="1" latinLnBrk="0" hangingPunct="1">
+              <a:lnSpc>
+                <a:spcPct val="90000"/>
+              </a:lnSpc>
+              <a:spcBef>
+                <a:spcPts val="500"/>
+              </a:spcBef>
+              <a:buFont typeface="Arial" panose="020B0604020202020204" pitchFamily="34" charset="0"/>
+              <a:buChar char="•"/>
+              <a:defRPr sz="2400" kern="1200">
+                <a:solidFill>
+                  <a:schemeClr val="tx1"/>
+                </a:solidFill>
+                <a:latin typeface="+mn-lt"/>
+                <a:ea typeface="+mn-ea"/>
+                <a:cs typeface="+mn-cs"/>
+              </a:defRPr>
+            </a:lvl2pPr>
+            <a:lvl3pPr marL="1143000" indent="-228600" algn="l" defTabSz="914400" rtl="0" eaLnBrk="1" latinLnBrk="0" hangingPunct="1">
+              <a:lnSpc>
+                <a:spcPct val="90000"/>
+              </a:lnSpc>
+              <a:spcBef>
+                <a:spcPts val="500"/>
+              </a:spcBef>
+              <a:buFont typeface="Arial" panose="020B0604020202020204" pitchFamily="34" charset="0"/>
+              <a:buChar char="•"/>
+              <a:defRPr sz="2000" kern="1200">
+                <a:solidFill>
+                  <a:schemeClr val="tx1"/>
+                </a:solidFill>
+                <a:latin typeface="+mn-lt"/>
+                <a:ea typeface="+mn-ea"/>
+                <a:cs typeface="+mn-cs"/>
+              </a:defRPr>
+            </a:lvl3pPr>
+            <a:lvl4pPr marL="1600200" indent="-228600" algn="l" defTabSz="914400" rtl="0" eaLnBrk="1" latinLnBrk="0" hangingPunct="1">
+              <a:lnSpc>
+                <a:spcPct val="90000"/>
+              </a:lnSpc>
+              <a:spcBef>
+                <a:spcPts val="500"/>
+              </a:spcBef>
+              <a:buFont typeface="Arial" panose="020B0604020202020204" pitchFamily="34" charset="0"/>
+              <a:buChar char="•"/>
+              <a:defRPr sz="1800" kern="1200">
+                <a:solidFill>
+                  <a:schemeClr val="tx1"/>
+                </a:solidFill>
+                <a:latin typeface="+mn-lt"/>
+                <a:ea typeface="+mn-ea"/>
+                <a:cs typeface="+mn-cs"/>
+              </a:defRPr>
+            </a:lvl4pPr>
+            <a:lvl5pPr marL="2057400" indent="-228600" algn="l" defTabSz="914400" rtl="0" eaLnBrk="1" latinLnBrk="0" hangingPunct="1">
+              <a:lnSpc>
+                <a:spcPct val="90000"/>
+              </a:lnSpc>
+              <a:spcBef>
+                <a:spcPts val="500"/>
+              </a:spcBef>
+              <a:buFont typeface="Arial" panose="020B0604020202020204" pitchFamily="34" charset="0"/>
+              <a:buChar char="•"/>
+              <a:defRPr sz="1800" kern="1200">
+                <a:solidFill>
+                  <a:schemeClr val="tx1"/>
+                </a:solidFill>
+                <a:latin typeface="+mn-lt"/>
+                <a:ea typeface="+mn-ea"/>
+                <a:cs typeface="+mn-cs"/>
+              </a:defRPr>
+            </a:lvl5pPr>
+            <a:lvl6pPr marL="2514600" indent="-228600" algn="l" defTabSz="914400" rtl="0" eaLnBrk="1" latinLnBrk="0" hangingPunct="1">
+              <a:lnSpc>
+                <a:spcPct val="90000"/>
+              </a:lnSpc>
+              <a:spcBef>
+                <a:spcPts val="500"/>
+              </a:spcBef>
+              <a:buFont typeface="Arial" panose="020B0604020202020204" pitchFamily="34" charset="0"/>
+              <a:buChar char="•"/>
+              <a:defRPr sz="1800" kern="1200">
+                <a:solidFill>
+                  <a:schemeClr val="tx1"/>
+                </a:solidFill>
+                <a:latin typeface="+mn-lt"/>
+                <a:ea typeface="+mn-ea"/>
+                <a:cs typeface="+mn-cs"/>
+              </a:defRPr>
+            </a:lvl6pPr>
+            <a:lvl7pPr marL="2971800" indent="-228600" algn="l" defTabSz="914400" rtl="0" eaLnBrk="1" latinLnBrk="0" hangingPunct="1">
+              <a:lnSpc>
+                <a:spcPct val="90000"/>
+              </a:lnSpc>
+              <a:spcBef>
+                <a:spcPts val="500"/>
+              </a:spcBef>
+              <a:buFont typeface="Arial" panose="020B0604020202020204" pitchFamily="34" charset="0"/>
+              <a:buChar char="•"/>
+              <a:defRPr sz="1800" kern="1200">
+                <a:solidFill>
+                  <a:schemeClr val="tx1"/>
+                </a:solidFill>
+                <a:latin typeface="+mn-lt"/>
+                <a:ea typeface="+mn-ea"/>
+                <a:cs typeface="+mn-cs"/>
+              </a:defRPr>
+            </a:lvl7pPr>
+            <a:lvl8pPr marL="3429000" indent="-228600" algn="l" defTabSz="914400" rtl="0" eaLnBrk="1" latinLnBrk="0" hangingPunct="1">
+              <a:lnSpc>
+                <a:spcPct val="90000"/>
+              </a:lnSpc>
+              <a:spcBef>
+                <a:spcPts val="500"/>
+              </a:spcBef>
+              <a:buFont typeface="Arial" panose="020B0604020202020204" pitchFamily="34" charset="0"/>
+              <a:buChar char="•"/>
+              <a:defRPr sz="1800" kern="1200">
+                <a:solidFill>
+                  <a:schemeClr val="tx1"/>
+                </a:solidFill>
+                <a:latin typeface="+mn-lt"/>
+                <a:ea typeface="+mn-ea"/>
+                <a:cs typeface="+mn-cs"/>
+              </a:defRPr>
+            </a:lvl8pPr>
+            <a:lvl9pPr marL="3886200" indent="-228600" algn="l" defTabSz="914400" rtl="0" eaLnBrk="1" latinLnBrk="0" hangingPunct="1">
+              <a:lnSpc>
+                <a:spcPct val="90000"/>
+              </a:lnSpc>
+              <a:spcBef>
+                <a:spcPts val="500"/>
+              </a:spcBef>
+              <a:buFont typeface="Arial" panose="020B0604020202020204" pitchFamily="34" charset="0"/>
+              <a:buChar char="•"/>
+              <a:defRPr sz="1800" kern="1200">
+                <a:solidFill>
+                  <a:schemeClr val="tx1"/>
+                </a:solidFill>
+                <a:latin typeface="+mn-lt"/>
+                <a:ea typeface="+mn-ea"/>
+                <a:cs typeface="+mn-cs"/>
+              </a:defRPr>
+            </a:lvl9pPr>
+          </a:lstStyle>
+          <a:p>
+            <a:pPr>
+              <a:buFont typeface="Wingdings" panose="05000000000000000000" pitchFamily="2" charset="2"/>
+              <a:buChar char="Ø"/>
+            </a:pPr>
+            <a:r>
+              <a:rPr lang="en-US" dirty="0">
+                <a:solidFill>
+                  <a:schemeClr val="tx1">
+                    <a:lumMod val="75000"/>
+                    <a:lumOff val="25000"/>
+                  </a:schemeClr>
+                </a:solidFill>
+              </a:rPr>
+              <a:t> </a:t>
+            </a:r>
+            <a:r>
+              <a:rPr lang="en-US" dirty="0">
+                <a:solidFill>
+                  <a:schemeClr val="tx1">
+                    <a:lumMod val="75000"/>
+                    <a:lumOff val="25000"/>
+                  </a:schemeClr>
+                </a:solidFill>
+                <a:latin typeface="Palatino Linotype" panose="02040502050505030304" pitchFamily="18" charset="0"/>
+              </a:rPr>
+              <a:t>Applications of Deep Learning</a:t>
+            </a:r>
+          </a:p>
+        </p:txBody>
+      </p:sp>
+    </p:spTree>
+    <p:extLst>
+      <p:ext uri="{BB962C8B-B14F-4D97-AF65-F5344CB8AC3E}">
+        <p14:creationId xmlns:p14="http://schemas.microsoft.com/office/powerpoint/2010/main" val="1416141381"/>
+      </p:ext>
+    </p:extLst>
+  </p:cSld>
+  <p:clrMapOvr>
+    <a:masterClrMapping/>
+  </p:clrMapOvr>
+</p:sld>
+</file>
+
+<file path=ppt/slides/slide20.xml><?xml version="1.0" encoding="utf-8"?>
 <p:sld xmlns:a="http://schemas.openxmlformats.org/drawingml/2006/main" xmlns:r="http://schemas.openxmlformats.org/officeDocument/2006/relationships" xmlns:p="http://schemas.openxmlformats.org/presentationml/2006/main">
   <p:cSld>
     <p:spTree>
@@ -9526,1071 +10241,6 @@
 </p:sld>
 </file>
 
-<file path=ppt/slides/slide19.xml><?xml version="1.0" encoding="utf-8"?>
-<p:sld xmlns:a="http://schemas.openxmlformats.org/drawingml/2006/main" xmlns:r="http://schemas.openxmlformats.org/officeDocument/2006/relationships" xmlns:p="http://schemas.openxmlformats.org/presentationml/2006/main">
-  <p:cSld>
-    <p:spTree>
-      <p:nvGrpSpPr>
-        <p:cNvPr id="1" name=""/>
-        <p:cNvGrpSpPr/>
-        <p:nvPr/>
-      </p:nvGrpSpPr>
-      <p:grpSpPr>
-        <a:xfrm>
-          <a:off x="0" y="0"/>
-          <a:ext cx="0" cy="0"/>
-          <a:chOff x="0" y="0"/>
-          <a:chExt cx="0" cy="0"/>
-        </a:xfrm>
-      </p:grpSpPr>
-      <p:pic>
-        <p:nvPicPr>
-          <p:cNvPr id="3" name="Picture 2">
-            <a:extLst>
-              <a:ext uri="{FF2B5EF4-FFF2-40B4-BE49-F238E27FC236}">
-                <a16:creationId xmlns:a16="http://schemas.microsoft.com/office/drawing/2014/main" id="{3B1BDB90-DEEA-4DE3-A3F9-5E48C44137B9}"/>
-              </a:ext>
-            </a:extLst>
-          </p:cNvPr>
-          <p:cNvPicPr>
-            <a:picLocks noChangeAspect="1"/>
-          </p:cNvPicPr>
-          <p:nvPr/>
-        </p:nvPicPr>
-        <p:blipFill>
-          <a:blip r:embed="rId3"/>
-          <a:stretch>
-            <a:fillRect/>
-          </a:stretch>
-        </p:blipFill>
-        <p:spPr>
-          <a:xfrm>
-            <a:off x="1929114" y="978061"/>
-            <a:ext cx="8333772" cy="4901878"/>
-          </a:xfrm>
-          <a:prstGeom prst="rect">
-            <a:avLst/>
-          </a:prstGeom>
-        </p:spPr>
-      </p:pic>
-    </p:spTree>
-    <p:extLst>
-      <p:ext uri="{BB962C8B-B14F-4D97-AF65-F5344CB8AC3E}">
-        <p14:creationId xmlns:p14="http://schemas.microsoft.com/office/powerpoint/2010/main" val="3090121411"/>
-      </p:ext>
-    </p:extLst>
-  </p:cSld>
-  <p:clrMapOvr>
-    <a:masterClrMapping/>
-  </p:clrMapOvr>
-  <mc:AlternateContent xmlns:mc="http://schemas.openxmlformats.org/markup-compatibility/2006" xmlns:p14="http://schemas.microsoft.com/office/powerpoint/2010/main">
-    <mc:Choice Requires="p14">
-      <p:transition spd="med" p14:dur="700">
-        <p:fade/>
-      </p:transition>
-    </mc:Choice>
-    <mc:Fallback xmlns="">
-      <p:transition spd="med">
-        <p:fade/>
-      </p:transition>
-    </mc:Fallback>
-  </mc:AlternateContent>
-</p:sld>
-</file>
-
-<file path=ppt/slides/slide2.xml><?xml version="1.0" encoding="utf-8"?>
-<p:sld xmlns:a="http://schemas.openxmlformats.org/drawingml/2006/main" xmlns:r="http://schemas.openxmlformats.org/officeDocument/2006/relationships" xmlns:p="http://schemas.openxmlformats.org/presentationml/2006/main">
-  <p:cSld>
-    <p:spTree>
-      <p:nvGrpSpPr>
-        <p:cNvPr id="1" name=""/>
-        <p:cNvGrpSpPr/>
-        <p:nvPr/>
-      </p:nvGrpSpPr>
-      <p:grpSpPr>
-        <a:xfrm>
-          <a:off x="0" y="0"/>
-          <a:ext cx="0" cy="0"/>
-          <a:chOff x="0" y="0"/>
-          <a:chExt cx="0" cy="0"/>
-        </a:xfrm>
-      </p:grpSpPr>
-      <p:sp>
-        <p:nvSpPr>
-          <p:cNvPr id="2" name="Title 1">
-            <a:extLst>
-              <a:ext uri="{FF2B5EF4-FFF2-40B4-BE49-F238E27FC236}">
-                <a16:creationId xmlns:a16="http://schemas.microsoft.com/office/drawing/2014/main" id="{0E138177-E2EE-ACAC-A57C-F03FA29EC836}"/>
-              </a:ext>
-            </a:extLst>
-          </p:cNvPr>
-          <p:cNvSpPr>
-            <a:spLocks noGrp="1"/>
-          </p:cNvSpPr>
-          <p:nvPr>
-            <p:ph type="title"/>
-          </p:nvPr>
-        </p:nvSpPr>
-        <p:spPr/>
-        <p:txBody>
-          <a:bodyPr/>
-          <a:lstStyle/>
-          <a:p>
-            <a:r>
-              <a:rPr lang="en-US" dirty="0">
-                <a:solidFill>
-                  <a:schemeClr val="tx1">
-                    <a:lumMod val="75000"/>
-                    <a:lumOff val="25000"/>
-                  </a:schemeClr>
-                </a:solidFill>
-                <a:latin typeface="Palatino Linotype" panose="02040502050505030304" pitchFamily="18" charset="0"/>
-              </a:rPr>
-              <a:t>Lesson Overview</a:t>
-            </a:r>
-          </a:p>
-        </p:txBody>
-      </p:sp>
-      <p:sp>
-        <p:nvSpPr>
-          <p:cNvPr id="3" name="Content Placeholder 2">
-            <a:extLst>
-              <a:ext uri="{FF2B5EF4-FFF2-40B4-BE49-F238E27FC236}">
-                <a16:creationId xmlns:a16="http://schemas.microsoft.com/office/drawing/2014/main" id="{8626DB86-54B4-A1E2-6C25-C049F364ED25}"/>
-              </a:ext>
-            </a:extLst>
-          </p:cNvPr>
-          <p:cNvSpPr>
-            <a:spLocks noGrp="1"/>
-          </p:cNvSpPr>
-          <p:nvPr>
-            <p:ph idx="1"/>
-          </p:nvPr>
-        </p:nvSpPr>
-        <p:spPr>
-          <a:xfrm>
-            <a:off x="1013564" y="1825626"/>
-            <a:ext cx="10515600" cy="504215"/>
-          </a:xfrm>
-        </p:spPr>
-        <p:txBody>
-          <a:bodyPr/>
-          <a:lstStyle/>
-          <a:p>
-            <a:pPr>
-              <a:buFont typeface="Wingdings" panose="05000000000000000000" pitchFamily="2" charset="2"/>
-              <a:buChar char="Ø"/>
-            </a:pPr>
-            <a:r>
-              <a:rPr lang="en-US" dirty="0">
-                <a:solidFill>
-                  <a:schemeClr val="tx1">
-                    <a:lumMod val="75000"/>
-                    <a:lumOff val="25000"/>
-                  </a:schemeClr>
-                </a:solidFill>
-              </a:rPr>
-              <a:t> </a:t>
-            </a:r>
-            <a:r>
-              <a:rPr lang="en-US" dirty="0">
-                <a:solidFill>
-                  <a:schemeClr val="tx1">
-                    <a:lumMod val="75000"/>
-                    <a:lumOff val="25000"/>
-                  </a:schemeClr>
-                </a:solidFill>
-                <a:latin typeface="Palatino Linotype" panose="02040502050505030304" pitchFamily="18" charset="0"/>
-              </a:rPr>
-              <a:t>Learning Objective 1</a:t>
-            </a:r>
-          </a:p>
-        </p:txBody>
-      </p:sp>
-      <p:sp>
-        <p:nvSpPr>
-          <p:cNvPr id="5" name="Content Placeholder 2">
-            <a:extLst>
-              <a:ext uri="{FF2B5EF4-FFF2-40B4-BE49-F238E27FC236}">
-                <a16:creationId xmlns:a16="http://schemas.microsoft.com/office/drawing/2014/main" id="{7070644F-62DF-8674-4A8A-C2FA1554028E}"/>
-              </a:ext>
-            </a:extLst>
-          </p:cNvPr>
-          <p:cNvSpPr txBox="1">
-            <a:spLocks/>
-          </p:cNvSpPr>
-          <p:nvPr/>
-        </p:nvSpPr>
-        <p:spPr>
-          <a:xfrm>
-            <a:off x="1013564" y="2464778"/>
-            <a:ext cx="10515600" cy="504215"/>
-          </a:xfrm>
-          <a:prstGeom prst="rect">
-            <a:avLst/>
-          </a:prstGeom>
-        </p:spPr>
-        <p:txBody>
-          <a:bodyPr vert="horz" lIns="91440" tIns="45720" rIns="91440" bIns="45720" rtlCol="0">
-            <a:normAutofit/>
-          </a:bodyPr>
-          <a:lstStyle>
-            <a:lvl1pPr marL="228600" indent="-228600" algn="l" defTabSz="914400" rtl="0" eaLnBrk="1" latinLnBrk="0" hangingPunct="1">
-              <a:lnSpc>
-                <a:spcPct val="90000"/>
-              </a:lnSpc>
-              <a:spcBef>
-                <a:spcPts val="1000"/>
-              </a:spcBef>
-              <a:buFont typeface="Arial" panose="020B0604020202020204" pitchFamily="34" charset="0"/>
-              <a:buChar char="•"/>
-              <a:defRPr sz="2800" kern="1200">
-                <a:solidFill>
-                  <a:schemeClr val="tx1"/>
-                </a:solidFill>
-                <a:latin typeface="+mn-lt"/>
-                <a:ea typeface="+mn-ea"/>
-                <a:cs typeface="+mn-cs"/>
-              </a:defRPr>
-            </a:lvl1pPr>
-            <a:lvl2pPr marL="685800" indent="-228600" algn="l" defTabSz="914400" rtl="0" eaLnBrk="1" latinLnBrk="0" hangingPunct="1">
-              <a:lnSpc>
-                <a:spcPct val="90000"/>
-              </a:lnSpc>
-              <a:spcBef>
-                <a:spcPts val="500"/>
-              </a:spcBef>
-              <a:buFont typeface="Arial" panose="020B0604020202020204" pitchFamily="34" charset="0"/>
-              <a:buChar char="•"/>
-              <a:defRPr sz="2400" kern="1200">
-                <a:solidFill>
-                  <a:schemeClr val="tx1"/>
-                </a:solidFill>
-                <a:latin typeface="+mn-lt"/>
-                <a:ea typeface="+mn-ea"/>
-                <a:cs typeface="+mn-cs"/>
-              </a:defRPr>
-            </a:lvl2pPr>
-            <a:lvl3pPr marL="1143000" indent="-228600" algn="l" defTabSz="914400" rtl="0" eaLnBrk="1" latinLnBrk="0" hangingPunct="1">
-              <a:lnSpc>
-                <a:spcPct val="90000"/>
-              </a:lnSpc>
-              <a:spcBef>
-                <a:spcPts val="500"/>
-              </a:spcBef>
-              <a:buFont typeface="Arial" panose="020B0604020202020204" pitchFamily="34" charset="0"/>
-              <a:buChar char="•"/>
-              <a:defRPr sz="2000" kern="1200">
-                <a:solidFill>
-                  <a:schemeClr val="tx1"/>
-                </a:solidFill>
-                <a:latin typeface="+mn-lt"/>
-                <a:ea typeface="+mn-ea"/>
-                <a:cs typeface="+mn-cs"/>
-              </a:defRPr>
-            </a:lvl3pPr>
-            <a:lvl4pPr marL="1600200" indent="-228600" algn="l" defTabSz="914400" rtl="0" eaLnBrk="1" latinLnBrk="0" hangingPunct="1">
-              <a:lnSpc>
-                <a:spcPct val="90000"/>
-              </a:lnSpc>
-              <a:spcBef>
-                <a:spcPts val="500"/>
-              </a:spcBef>
-              <a:buFont typeface="Arial" panose="020B0604020202020204" pitchFamily="34" charset="0"/>
-              <a:buChar char="•"/>
-              <a:defRPr sz="1800" kern="1200">
-                <a:solidFill>
-                  <a:schemeClr val="tx1"/>
-                </a:solidFill>
-                <a:latin typeface="+mn-lt"/>
-                <a:ea typeface="+mn-ea"/>
-                <a:cs typeface="+mn-cs"/>
-              </a:defRPr>
-            </a:lvl4pPr>
-            <a:lvl5pPr marL="2057400" indent="-228600" algn="l" defTabSz="914400" rtl="0" eaLnBrk="1" latinLnBrk="0" hangingPunct="1">
-              <a:lnSpc>
-                <a:spcPct val="90000"/>
-              </a:lnSpc>
-              <a:spcBef>
-                <a:spcPts val="500"/>
-              </a:spcBef>
-              <a:buFont typeface="Arial" panose="020B0604020202020204" pitchFamily="34" charset="0"/>
-              <a:buChar char="•"/>
-              <a:defRPr sz="1800" kern="1200">
-                <a:solidFill>
-                  <a:schemeClr val="tx1"/>
-                </a:solidFill>
-                <a:latin typeface="+mn-lt"/>
-                <a:ea typeface="+mn-ea"/>
-                <a:cs typeface="+mn-cs"/>
-              </a:defRPr>
-            </a:lvl5pPr>
-            <a:lvl6pPr marL="2514600" indent="-228600" algn="l" defTabSz="914400" rtl="0" eaLnBrk="1" latinLnBrk="0" hangingPunct="1">
-              <a:lnSpc>
-                <a:spcPct val="90000"/>
-              </a:lnSpc>
-              <a:spcBef>
-                <a:spcPts val="500"/>
-              </a:spcBef>
-              <a:buFont typeface="Arial" panose="020B0604020202020204" pitchFamily="34" charset="0"/>
-              <a:buChar char="•"/>
-              <a:defRPr sz="1800" kern="1200">
-                <a:solidFill>
-                  <a:schemeClr val="tx1"/>
-                </a:solidFill>
-                <a:latin typeface="+mn-lt"/>
-                <a:ea typeface="+mn-ea"/>
-                <a:cs typeface="+mn-cs"/>
-              </a:defRPr>
-            </a:lvl6pPr>
-            <a:lvl7pPr marL="2971800" indent="-228600" algn="l" defTabSz="914400" rtl="0" eaLnBrk="1" latinLnBrk="0" hangingPunct="1">
-              <a:lnSpc>
-                <a:spcPct val="90000"/>
-              </a:lnSpc>
-              <a:spcBef>
-                <a:spcPts val="500"/>
-              </a:spcBef>
-              <a:buFont typeface="Arial" panose="020B0604020202020204" pitchFamily="34" charset="0"/>
-              <a:buChar char="•"/>
-              <a:defRPr sz="1800" kern="1200">
-                <a:solidFill>
-                  <a:schemeClr val="tx1"/>
-                </a:solidFill>
-                <a:latin typeface="+mn-lt"/>
-                <a:ea typeface="+mn-ea"/>
-                <a:cs typeface="+mn-cs"/>
-              </a:defRPr>
-            </a:lvl7pPr>
-            <a:lvl8pPr marL="3429000" indent="-228600" algn="l" defTabSz="914400" rtl="0" eaLnBrk="1" latinLnBrk="0" hangingPunct="1">
-              <a:lnSpc>
-                <a:spcPct val="90000"/>
-              </a:lnSpc>
-              <a:spcBef>
-                <a:spcPts val="500"/>
-              </a:spcBef>
-              <a:buFont typeface="Arial" panose="020B0604020202020204" pitchFamily="34" charset="0"/>
-              <a:buChar char="•"/>
-              <a:defRPr sz="1800" kern="1200">
-                <a:solidFill>
-                  <a:schemeClr val="tx1"/>
-                </a:solidFill>
-                <a:latin typeface="+mn-lt"/>
-                <a:ea typeface="+mn-ea"/>
-                <a:cs typeface="+mn-cs"/>
-              </a:defRPr>
-            </a:lvl8pPr>
-            <a:lvl9pPr marL="3886200" indent="-228600" algn="l" defTabSz="914400" rtl="0" eaLnBrk="1" latinLnBrk="0" hangingPunct="1">
-              <a:lnSpc>
-                <a:spcPct val="90000"/>
-              </a:lnSpc>
-              <a:spcBef>
-                <a:spcPts val="500"/>
-              </a:spcBef>
-              <a:buFont typeface="Arial" panose="020B0604020202020204" pitchFamily="34" charset="0"/>
-              <a:buChar char="•"/>
-              <a:defRPr sz="1800" kern="1200">
-                <a:solidFill>
-                  <a:schemeClr val="tx1"/>
-                </a:solidFill>
-                <a:latin typeface="+mn-lt"/>
-                <a:ea typeface="+mn-ea"/>
-                <a:cs typeface="+mn-cs"/>
-              </a:defRPr>
-            </a:lvl9pPr>
-          </a:lstStyle>
-          <a:p>
-            <a:pPr>
-              <a:buFont typeface="Wingdings" panose="05000000000000000000" pitchFamily="2" charset="2"/>
-              <a:buChar char="Ø"/>
-            </a:pPr>
-            <a:r>
-              <a:rPr lang="en-US" dirty="0">
-                <a:solidFill>
-                  <a:schemeClr val="tx1">
-                    <a:lumMod val="75000"/>
-                    <a:lumOff val="25000"/>
-                  </a:schemeClr>
-                </a:solidFill>
-              </a:rPr>
-              <a:t> </a:t>
-            </a:r>
-            <a:r>
-              <a:rPr lang="en-US" dirty="0">
-                <a:solidFill>
-                  <a:schemeClr val="tx1">
-                    <a:lumMod val="75000"/>
-                    <a:lumOff val="25000"/>
-                  </a:schemeClr>
-                </a:solidFill>
-                <a:latin typeface="Palatino Linotype" panose="02040502050505030304" pitchFamily="18" charset="0"/>
-              </a:rPr>
-              <a:t>Learning Objective 1</a:t>
-            </a:r>
-          </a:p>
-        </p:txBody>
-      </p:sp>
-      <p:sp>
-        <p:nvSpPr>
-          <p:cNvPr id="6" name="Content Placeholder 2">
-            <a:extLst>
-              <a:ext uri="{FF2B5EF4-FFF2-40B4-BE49-F238E27FC236}">
-                <a16:creationId xmlns:a16="http://schemas.microsoft.com/office/drawing/2014/main" id="{FF2490E1-D7A0-7027-6DCC-60BB6819CD9E}"/>
-              </a:ext>
-            </a:extLst>
-          </p:cNvPr>
-          <p:cNvSpPr txBox="1">
-            <a:spLocks/>
-          </p:cNvSpPr>
-          <p:nvPr/>
-        </p:nvSpPr>
-        <p:spPr>
-          <a:xfrm>
-            <a:off x="1013564" y="3103930"/>
-            <a:ext cx="10515600" cy="504215"/>
-          </a:xfrm>
-          <a:prstGeom prst="rect">
-            <a:avLst/>
-          </a:prstGeom>
-        </p:spPr>
-        <p:txBody>
-          <a:bodyPr vert="horz" lIns="91440" tIns="45720" rIns="91440" bIns="45720" rtlCol="0">
-            <a:normAutofit/>
-          </a:bodyPr>
-          <a:lstStyle>
-            <a:lvl1pPr marL="228600" indent="-228600" algn="l" defTabSz="914400" rtl="0" eaLnBrk="1" latinLnBrk="0" hangingPunct="1">
-              <a:lnSpc>
-                <a:spcPct val="90000"/>
-              </a:lnSpc>
-              <a:spcBef>
-                <a:spcPts val="1000"/>
-              </a:spcBef>
-              <a:buFont typeface="Arial" panose="020B0604020202020204" pitchFamily="34" charset="0"/>
-              <a:buChar char="•"/>
-              <a:defRPr sz="2800" kern="1200">
-                <a:solidFill>
-                  <a:schemeClr val="tx1"/>
-                </a:solidFill>
-                <a:latin typeface="+mn-lt"/>
-                <a:ea typeface="+mn-ea"/>
-                <a:cs typeface="+mn-cs"/>
-              </a:defRPr>
-            </a:lvl1pPr>
-            <a:lvl2pPr marL="685800" indent="-228600" algn="l" defTabSz="914400" rtl="0" eaLnBrk="1" latinLnBrk="0" hangingPunct="1">
-              <a:lnSpc>
-                <a:spcPct val="90000"/>
-              </a:lnSpc>
-              <a:spcBef>
-                <a:spcPts val="500"/>
-              </a:spcBef>
-              <a:buFont typeface="Arial" panose="020B0604020202020204" pitchFamily="34" charset="0"/>
-              <a:buChar char="•"/>
-              <a:defRPr sz="2400" kern="1200">
-                <a:solidFill>
-                  <a:schemeClr val="tx1"/>
-                </a:solidFill>
-                <a:latin typeface="+mn-lt"/>
-                <a:ea typeface="+mn-ea"/>
-                <a:cs typeface="+mn-cs"/>
-              </a:defRPr>
-            </a:lvl2pPr>
-            <a:lvl3pPr marL="1143000" indent="-228600" algn="l" defTabSz="914400" rtl="0" eaLnBrk="1" latinLnBrk="0" hangingPunct="1">
-              <a:lnSpc>
-                <a:spcPct val="90000"/>
-              </a:lnSpc>
-              <a:spcBef>
-                <a:spcPts val="500"/>
-              </a:spcBef>
-              <a:buFont typeface="Arial" panose="020B0604020202020204" pitchFamily="34" charset="0"/>
-              <a:buChar char="•"/>
-              <a:defRPr sz="2000" kern="1200">
-                <a:solidFill>
-                  <a:schemeClr val="tx1"/>
-                </a:solidFill>
-                <a:latin typeface="+mn-lt"/>
-                <a:ea typeface="+mn-ea"/>
-                <a:cs typeface="+mn-cs"/>
-              </a:defRPr>
-            </a:lvl3pPr>
-            <a:lvl4pPr marL="1600200" indent="-228600" algn="l" defTabSz="914400" rtl="0" eaLnBrk="1" latinLnBrk="0" hangingPunct="1">
-              <a:lnSpc>
-                <a:spcPct val="90000"/>
-              </a:lnSpc>
-              <a:spcBef>
-                <a:spcPts val="500"/>
-              </a:spcBef>
-              <a:buFont typeface="Arial" panose="020B0604020202020204" pitchFamily="34" charset="0"/>
-              <a:buChar char="•"/>
-              <a:defRPr sz="1800" kern="1200">
-                <a:solidFill>
-                  <a:schemeClr val="tx1"/>
-                </a:solidFill>
-                <a:latin typeface="+mn-lt"/>
-                <a:ea typeface="+mn-ea"/>
-                <a:cs typeface="+mn-cs"/>
-              </a:defRPr>
-            </a:lvl4pPr>
-            <a:lvl5pPr marL="2057400" indent="-228600" algn="l" defTabSz="914400" rtl="0" eaLnBrk="1" latinLnBrk="0" hangingPunct="1">
-              <a:lnSpc>
-                <a:spcPct val="90000"/>
-              </a:lnSpc>
-              <a:spcBef>
-                <a:spcPts val="500"/>
-              </a:spcBef>
-              <a:buFont typeface="Arial" panose="020B0604020202020204" pitchFamily="34" charset="0"/>
-              <a:buChar char="•"/>
-              <a:defRPr sz="1800" kern="1200">
-                <a:solidFill>
-                  <a:schemeClr val="tx1"/>
-                </a:solidFill>
-                <a:latin typeface="+mn-lt"/>
-                <a:ea typeface="+mn-ea"/>
-                <a:cs typeface="+mn-cs"/>
-              </a:defRPr>
-            </a:lvl5pPr>
-            <a:lvl6pPr marL="2514600" indent="-228600" algn="l" defTabSz="914400" rtl="0" eaLnBrk="1" latinLnBrk="0" hangingPunct="1">
-              <a:lnSpc>
-                <a:spcPct val="90000"/>
-              </a:lnSpc>
-              <a:spcBef>
-                <a:spcPts val="500"/>
-              </a:spcBef>
-              <a:buFont typeface="Arial" panose="020B0604020202020204" pitchFamily="34" charset="0"/>
-              <a:buChar char="•"/>
-              <a:defRPr sz="1800" kern="1200">
-                <a:solidFill>
-                  <a:schemeClr val="tx1"/>
-                </a:solidFill>
-                <a:latin typeface="+mn-lt"/>
-                <a:ea typeface="+mn-ea"/>
-                <a:cs typeface="+mn-cs"/>
-              </a:defRPr>
-            </a:lvl6pPr>
-            <a:lvl7pPr marL="2971800" indent="-228600" algn="l" defTabSz="914400" rtl="0" eaLnBrk="1" latinLnBrk="0" hangingPunct="1">
-              <a:lnSpc>
-                <a:spcPct val="90000"/>
-              </a:lnSpc>
-              <a:spcBef>
-                <a:spcPts val="500"/>
-              </a:spcBef>
-              <a:buFont typeface="Arial" panose="020B0604020202020204" pitchFamily="34" charset="0"/>
-              <a:buChar char="•"/>
-              <a:defRPr sz="1800" kern="1200">
-                <a:solidFill>
-                  <a:schemeClr val="tx1"/>
-                </a:solidFill>
-                <a:latin typeface="+mn-lt"/>
-                <a:ea typeface="+mn-ea"/>
-                <a:cs typeface="+mn-cs"/>
-              </a:defRPr>
-            </a:lvl7pPr>
-            <a:lvl8pPr marL="3429000" indent="-228600" algn="l" defTabSz="914400" rtl="0" eaLnBrk="1" latinLnBrk="0" hangingPunct="1">
-              <a:lnSpc>
-                <a:spcPct val="90000"/>
-              </a:lnSpc>
-              <a:spcBef>
-                <a:spcPts val="500"/>
-              </a:spcBef>
-              <a:buFont typeface="Arial" panose="020B0604020202020204" pitchFamily="34" charset="0"/>
-              <a:buChar char="•"/>
-              <a:defRPr sz="1800" kern="1200">
-                <a:solidFill>
-                  <a:schemeClr val="tx1"/>
-                </a:solidFill>
-                <a:latin typeface="+mn-lt"/>
-                <a:ea typeface="+mn-ea"/>
-                <a:cs typeface="+mn-cs"/>
-              </a:defRPr>
-            </a:lvl8pPr>
-            <a:lvl9pPr marL="3886200" indent="-228600" algn="l" defTabSz="914400" rtl="0" eaLnBrk="1" latinLnBrk="0" hangingPunct="1">
-              <a:lnSpc>
-                <a:spcPct val="90000"/>
-              </a:lnSpc>
-              <a:spcBef>
-                <a:spcPts val="500"/>
-              </a:spcBef>
-              <a:buFont typeface="Arial" panose="020B0604020202020204" pitchFamily="34" charset="0"/>
-              <a:buChar char="•"/>
-              <a:defRPr sz="1800" kern="1200">
-                <a:solidFill>
-                  <a:schemeClr val="tx1"/>
-                </a:solidFill>
-                <a:latin typeface="+mn-lt"/>
-                <a:ea typeface="+mn-ea"/>
-                <a:cs typeface="+mn-cs"/>
-              </a:defRPr>
-            </a:lvl9pPr>
-          </a:lstStyle>
-          <a:p>
-            <a:pPr>
-              <a:buFont typeface="Wingdings" panose="05000000000000000000" pitchFamily="2" charset="2"/>
-              <a:buChar char="Ø"/>
-            </a:pPr>
-            <a:r>
-              <a:rPr lang="en-US" dirty="0">
-                <a:solidFill>
-                  <a:schemeClr val="tx1">
-                    <a:lumMod val="75000"/>
-                    <a:lumOff val="25000"/>
-                  </a:schemeClr>
-                </a:solidFill>
-              </a:rPr>
-              <a:t> </a:t>
-            </a:r>
-            <a:r>
-              <a:rPr lang="en-US" dirty="0">
-                <a:solidFill>
-                  <a:schemeClr val="tx1">
-                    <a:lumMod val="75000"/>
-                    <a:lumOff val="25000"/>
-                  </a:schemeClr>
-                </a:solidFill>
-                <a:latin typeface="Palatino Linotype" panose="02040502050505030304" pitchFamily="18" charset="0"/>
-              </a:rPr>
-              <a:t>Learning Objective 1</a:t>
-            </a:r>
-          </a:p>
-        </p:txBody>
-      </p:sp>
-      <p:sp>
-        <p:nvSpPr>
-          <p:cNvPr id="7" name="Content Placeholder 2">
-            <a:extLst>
-              <a:ext uri="{FF2B5EF4-FFF2-40B4-BE49-F238E27FC236}">
-                <a16:creationId xmlns:a16="http://schemas.microsoft.com/office/drawing/2014/main" id="{6D3279E5-D518-B484-9FCF-B12663A4E8FF}"/>
-              </a:ext>
-            </a:extLst>
-          </p:cNvPr>
-          <p:cNvSpPr txBox="1">
-            <a:spLocks/>
-          </p:cNvSpPr>
-          <p:nvPr/>
-        </p:nvSpPr>
-        <p:spPr>
-          <a:xfrm>
-            <a:off x="1013564" y="3743082"/>
-            <a:ext cx="10515600" cy="504215"/>
-          </a:xfrm>
-          <a:prstGeom prst="rect">
-            <a:avLst/>
-          </a:prstGeom>
-        </p:spPr>
-        <p:txBody>
-          <a:bodyPr vert="horz" lIns="91440" tIns="45720" rIns="91440" bIns="45720" rtlCol="0">
-            <a:normAutofit/>
-          </a:bodyPr>
-          <a:lstStyle>
-            <a:lvl1pPr marL="228600" indent="-228600" algn="l" defTabSz="914400" rtl="0" eaLnBrk="1" latinLnBrk="0" hangingPunct="1">
-              <a:lnSpc>
-                <a:spcPct val="90000"/>
-              </a:lnSpc>
-              <a:spcBef>
-                <a:spcPts val="1000"/>
-              </a:spcBef>
-              <a:buFont typeface="Arial" panose="020B0604020202020204" pitchFamily="34" charset="0"/>
-              <a:buChar char="•"/>
-              <a:defRPr sz="2800" kern="1200">
-                <a:solidFill>
-                  <a:schemeClr val="tx1"/>
-                </a:solidFill>
-                <a:latin typeface="+mn-lt"/>
-                <a:ea typeface="+mn-ea"/>
-                <a:cs typeface="+mn-cs"/>
-              </a:defRPr>
-            </a:lvl1pPr>
-            <a:lvl2pPr marL="685800" indent="-228600" algn="l" defTabSz="914400" rtl="0" eaLnBrk="1" latinLnBrk="0" hangingPunct="1">
-              <a:lnSpc>
-                <a:spcPct val="90000"/>
-              </a:lnSpc>
-              <a:spcBef>
-                <a:spcPts val="500"/>
-              </a:spcBef>
-              <a:buFont typeface="Arial" panose="020B0604020202020204" pitchFamily="34" charset="0"/>
-              <a:buChar char="•"/>
-              <a:defRPr sz="2400" kern="1200">
-                <a:solidFill>
-                  <a:schemeClr val="tx1"/>
-                </a:solidFill>
-                <a:latin typeface="+mn-lt"/>
-                <a:ea typeface="+mn-ea"/>
-                <a:cs typeface="+mn-cs"/>
-              </a:defRPr>
-            </a:lvl2pPr>
-            <a:lvl3pPr marL="1143000" indent="-228600" algn="l" defTabSz="914400" rtl="0" eaLnBrk="1" latinLnBrk="0" hangingPunct="1">
-              <a:lnSpc>
-                <a:spcPct val="90000"/>
-              </a:lnSpc>
-              <a:spcBef>
-                <a:spcPts val="500"/>
-              </a:spcBef>
-              <a:buFont typeface="Arial" panose="020B0604020202020204" pitchFamily="34" charset="0"/>
-              <a:buChar char="•"/>
-              <a:defRPr sz="2000" kern="1200">
-                <a:solidFill>
-                  <a:schemeClr val="tx1"/>
-                </a:solidFill>
-                <a:latin typeface="+mn-lt"/>
-                <a:ea typeface="+mn-ea"/>
-                <a:cs typeface="+mn-cs"/>
-              </a:defRPr>
-            </a:lvl3pPr>
-            <a:lvl4pPr marL="1600200" indent="-228600" algn="l" defTabSz="914400" rtl="0" eaLnBrk="1" latinLnBrk="0" hangingPunct="1">
-              <a:lnSpc>
-                <a:spcPct val="90000"/>
-              </a:lnSpc>
-              <a:spcBef>
-                <a:spcPts val="500"/>
-              </a:spcBef>
-              <a:buFont typeface="Arial" panose="020B0604020202020204" pitchFamily="34" charset="0"/>
-              <a:buChar char="•"/>
-              <a:defRPr sz="1800" kern="1200">
-                <a:solidFill>
-                  <a:schemeClr val="tx1"/>
-                </a:solidFill>
-                <a:latin typeface="+mn-lt"/>
-                <a:ea typeface="+mn-ea"/>
-                <a:cs typeface="+mn-cs"/>
-              </a:defRPr>
-            </a:lvl4pPr>
-            <a:lvl5pPr marL="2057400" indent="-228600" algn="l" defTabSz="914400" rtl="0" eaLnBrk="1" latinLnBrk="0" hangingPunct="1">
-              <a:lnSpc>
-                <a:spcPct val="90000"/>
-              </a:lnSpc>
-              <a:spcBef>
-                <a:spcPts val="500"/>
-              </a:spcBef>
-              <a:buFont typeface="Arial" panose="020B0604020202020204" pitchFamily="34" charset="0"/>
-              <a:buChar char="•"/>
-              <a:defRPr sz="1800" kern="1200">
-                <a:solidFill>
-                  <a:schemeClr val="tx1"/>
-                </a:solidFill>
-                <a:latin typeface="+mn-lt"/>
-                <a:ea typeface="+mn-ea"/>
-                <a:cs typeface="+mn-cs"/>
-              </a:defRPr>
-            </a:lvl5pPr>
-            <a:lvl6pPr marL="2514600" indent="-228600" algn="l" defTabSz="914400" rtl="0" eaLnBrk="1" latinLnBrk="0" hangingPunct="1">
-              <a:lnSpc>
-                <a:spcPct val="90000"/>
-              </a:lnSpc>
-              <a:spcBef>
-                <a:spcPts val="500"/>
-              </a:spcBef>
-              <a:buFont typeface="Arial" panose="020B0604020202020204" pitchFamily="34" charset="0"/>
-              <a:buChar char="•"/>
-              <a:defRPr sz="1800" kern="1200">
-                <a:solidFill>
-                  <a:schemeClr val="tx1"/>
-                </a:solidFill>
-                <a:latin typeface="+mn-lt"/>
-                <a:ea typeface="+mn-ea"/>
-                <a:cs typeface="+mn-cs"/>
-              </a:defRPr>
-            </a:lvl6pPr>
-            <a:lvl7pPr marL="2971800" indent="-228600" algn="l" defTabSz="914400" rtl="0" eaLnBrk="1" latinLnBrk="0" hangingPunct="1">
-              <a:lnSpc>
-                <a:spcPct val="90000"/>
-              </a:lnSpc>
-              <a:spcBef>
-                <a:spcPts val="500"/>
-              </a:spcBef>
-              <a:buFont typeface="Arial" panose="020B0604020202020204" pitchFamily="34" charset="0"/>
-              <a:buChar char="•"/>
-              <a:defRPr sz="1800" kern="1200">
-                <a:solidFill>
-                  <a:schemeClr val="tx1"/>
-                </a:solidFill>
-                <a:latin typeface="+mn-lt"/>
-                <a:ea typeface="+mn-ea"/>
-                <a:cs typeface="+mn-cs"/>
-              </a:defRPr>
-            </a:lvl7pPr>
-            <a:lvl8pPr marL="3429000" indent="-228600" algn="l" defTabSz="914400" rtl="0" eaLnBrk="1" latinLnBrk="0" hangingPunct="1">
-              <a:lnSpc>
-                <a:spcPct val="90000"/>
-              </a:lnSpc>
-              <a:spcBef>
-                <a:spcPts val="500"/>
-              </a:spcBef>
-              <a:buFont typeface="Arial" panose="020B0604020202020204" pitchFamily="34" charset="0"/>
-              <a:buChar char="•"/>
-              <a:defRPr sz="1800" kern="1200">
-                <a:solidFill>
-                  <a:schemeClr val="tx1"/>
-                </a:solidFill>
-                <a:latin typeface="+mn-lt"/>
-                <a:ea typeface="+mn-ea"/>
-                <a:cs typeface="+mn-cs"/>
-              </a:defRPr>
-            </a:lvl8pPr>
-            <a:lvl9pPr marL="3886200" indent="-228600" algn="l" defTabSz="914400" rtl="0" eaLnBrk="1" latinLnBrk="0" hangingPunct="1">
-              <a:lnSpc>
-                <a:spcPct val="90000"/>
-              </a:lnSpc>
-              <a:spcBef>
-                <a:spcPts val="500"/>
-              </a:spcBef>
-              <a:buFont typeface="Arial" panose="020B0604020202020204" pitchFamily="34" charset="0"/>
-              <a:buChar char="•"/>
-              <a:defRPr sz="1800" kern="1200">
-                <a:solidFill>
-                  <a:schemeClr val="tx1"/>
-                </a:solidFill>
-                <a:latin typeface="+mn-lt"/>
-                <a:ea typeface="+mn-ea"/>
-                <a:cs typeface="+mn-cs"/>
-              </a:defRPr>
-            </a:lvl9pPr>
-          </a:lstStyle>
-          <a:p>
-            <a:pPr>
-              <a:buFont typeface="Wingdings" panose="05000000000000000000" pitchFamily="2" charset="2"/>
-              <a:buChar char="Ø"/>
-            </a:pPr>
-            <a:r>
-              <a:rPr lang="en-US" dirty="0">
-                <a:solidFill>
-                  <a:schemeClr val="tx1">
-                    <a:lumMod val="75000"/>
-                    <a:lumOff val="25000"/>
-                  </a:schemeClr>
-                </a:solidFill>
-              </a:rPr>
-              <a:t> </a:t>
-            </a:r>
-            <a:r>
-              <a:rPr lang="en-US" dirty="0">
-                <a:solidFill>
-                  <a:schemeClr val="tx1">
-                    <a:lumMod val="75000"/>
-                    <a:lumOff val="25000"/>
-                  </a:schemeClr>
-                </a:solidFill>
-                <a:latin typeface="Palatino Linotype" panose="02040502050505030304" pitchFamily="18" charset="0"/>
-              </a:rPr>
-              <a:t>Learning Objective 1</a:t>
-            </a:r>
-          </a:p>
-        </p:txBody>
-      </p:sp>
-    </p:spTree>
-    <p:extLst>
-      <p:ext uri="{BB962C8B-B14F-4D97-AF65-F5344CB8AC3E}">
-        <p14:creationId xmlns:p14="http://schemas.microsoft.com/office/powerpoint/2010/main" val="1416141381"/>
-      </p:ext>
-    </p:extLst>
-  </p:cSld>
-  <p:clrMapOvr>
-    <a:masterClrMapping/>
-  </p:clrMapOvr>
-</p:sld>
-</file>
-
-<file path=ppt/slides/slide20.xml><?xml version="1.0" encoding="utf-8"?>
-<p:sld xmlns:a="http://schemas.openxmlformats.org/drawingml/2006/main" xmlns:r="http://schemas.openxmlformats.org/officeDocument/2006/relationships" xmlns:p="http://schemas.openxmlformats.org/presentationml/2006/main">
-  <p:cSld>
-    <p:spTree>
-      <p:nvGrpSpPr>
-        <p:cNvPr id="1" name=""/>
-        <p:cNvGrpSpPr/>
-        <p:nvPr/>
-      </p:nvGrpSpPr>
-      <p:grpSpPr>
-        <a:xfrm>
-          <a:off x="0" y="0"/>
-          <a:ext cx="0" cy="0"/>
-          <a:chOff x="0" y="0"/>
-          <a:chExt cx="0" cy="0"/>
-        </a:xfrm>
-      </p:grpSpPr>
-      <p:sp>
-        <p:nvSpPr>
-          <p:cNvPr id="2" name="Title 1">
-            <a:extLst>
-              <a:ext uri="{FF2B5EF4-FFF2-40B4-BE49-F238E27FC236}">
-                <a16:creationId xmlns:a16="http://schemas.microsoft.com/office/drawing/2014/main" id="{28FF21C3-8FBB-4756-BF7C-FFD2E5CC2B06}"/>
-              </a:ext>
-            </a:extLst>
-          </p:cNvPr>
-          <p:cNvSpPr>
-            <a:spLocks noGrp="1"/>
-          </p:cNvSpPr>
-          <p:nvPr>
-            <p:ph type="title"/>
-          </p:nvPr>
-        </p:nvSpPr>
-        <p:spPr>
-          <a:xfrm>
-            <a:off x="0" y="440190"/>
-            <a:ext cx="12192000" cy="815404"/>
-          </a:xfrm>
-        </p:spPr>
-        <p:txBody>
-          <a:bodyPr>
-            <a:normAutofit/>
-          </a:bodyPr>
-          <a:lstStyle/>
-          <a:p>
-            <a:pPr algn="ctr"/>
-            <a:r>
-              <a:rPr lang="en-US" dirty="0">
-                <a:latin typeface="Palatino Linotype" panose="02040502050505030304" pitchFamily="18" charset="0"/>
-                <a:cs typeface="Segoe UI Light" panose="020B0502040204020203" pitchFamily="34" charset="0"/>
-              </a:rPr>
-              <a:t>Semi-Supervised Learning</a:t>
-            </a:r>
-          </a:p>
-        </p:txBody>
-      </p:sp>
-      <p:pic>
-        <p:nvPicPr>
-          <p:cNvPr id="5" name="Picture 4">
-            <a:extLst>
-              <a:ext uri="{FF2B5EF4-FFF2-40B4-BE49-F238E27FC236}">
-                <a16:creationId xmlns:a16="http://schemas.microsoft.com/office/drawing/2014/main" id="{893814E3-F219-45ED-8098-13DEC3583CCB}"/>
-              </a:ext>
-            </a:extLst>
-          </p:cNvPr>
-          <p:cNvPicPr>
-            <a:picLocks noChangeAspect="1"/>
-          </p:cNvPicPr>
-          <p:nvPr/>
-        </p:nvPicPr>
-        <p:blipFill>
-          <a:blip r:embed="rId3"/>
-          <a:stretch>
-            <a:fillRect/>
-          </a:stretch>
-        </p:blipFill>
-        <p:spPr>
-          <a:xfrm>
-            <a:off x="2269053" y="2075326"/>
-            <a:ext cx="7653893" cy="3690992"/>
-          </a:xfrm>
-          <a:prstGeom prst="rect">
-            <a:avLst/>
-          </a:prstGeom>
-        </p:spPr>
-      </p:pic>
-      <p:sp>
-        <p:nvSpPr>
-          <p:cNvPr id="4" name="TextBox 3">
-            <a:extLst>
-              <a:ext uri="{FF2B5EF4-FFF2-40B4-BE49-F238E27FC236}">
-                <a16:creationId xmlns:a16="http://schemas.microsoft.com/office/drawing/2014/main" id="{44FC8811-03B9-4B74-AA36-570FAEE975D6}"/>
-              </a:ext>
-            </a:extLst>
-          </p:cNvPr>
-          <p:cNvSpPr txBox="1"/>
-          <p:nvPr/>
-        </p:nvSpPr>
-        <p:spPr>
-          <a:xfrm>
-            <a:off x="0" y="6550223"/>
-            <a:ext cx="12192000" cy="307777"/>
-          </a:xfrm>
-          <a:prstGeom prst="rect">
-            <a:avLst/>
-          </a:prstGeom>
-          <a:noFill/>
-        </p:spPr>
-        <p:txBody>
-          <a:bodyPr wrap="square" rtlCol="0">
-            <a:spAutoFit/>
-          </a:bodyPr>
-          <a:lstStyle/>
-          <a:p>
-            <a:r>
-              <a:rPr lang="en-US" sz="1400" dirty="0">
-                <a:solidFill>
-                  <a:schemeClr val="tx1">
-                    <a:lumMod val="65000"/>
-                    <a:lumOff val="35000"/>
-                  </a:schemeClr>
-                </a:solidFill>
-                <a:latin typeface="+mj-lt"/>
-                <a:ea typeface="Verdana" panose="020B0604030504040204" pitchFamily="34" charset="0"/>
-              </a:rPr>
-              <a:t>Source: Geron, A. (2019). </a:t>
-            </a:r>
-            <a:r>
-              <a:rPr lang="en-US" sz="1400" i="1" dirty="0">
-                <a:solidFill>
-                  <a:schemeClr val="tx1">
-                    <a:lumMod val="65000"/>
-                    <a:lumOff val="35000"/>
-                  </a:schemeClr>
-                </a:solidFill>
-                <a:latin typeface="+mj-lt"/>
-                <a:ea typeface="Verdana" panose="020B0604030504040204" pitchFamily="34" charset="0"/>
-              </a:rPr>
-              <a:t>Hands-On Machine Learning w/Scikit-Learn, Keras &amp; Tensorflow </a:t>
-            </a:r>
-            <a:r>
-              <a:rPr lang="en-US" sz="1400" dirty="0">
-                <a:solidFill>
-                  <a:schemeClr val="tx1">
-                    <a:lumMod val="65000"/>
-                    <a:lumOff val="35000"/>
-                  </a:schemeClr>
-                </a:solidFill>
-                <a:latin typeface="+mj-lt"/>
-                <a:ea typeface="Verdana" panose="020B0604030504040204" pitchFamily="34" charset="0"/>
-              </a:rPr>
-              <a:t>. </a:t>
-            </a:r>
-            <a:r>
-              <a:rPr lang="en-US" sz="1400" b="0" i="0" dirty="0">
-                <a:solidFill>
-                  <a:schemeClr val="tx1">
-                    <a:lumMod val="65000"/>
-                    <a:lumOff val="35000"/>
-                  </a:schemeClr>
-                </a:solidFill>
-                <a:effectLst/>
-                <a:latin typeface="+mj-lt"/>
-                <a:ea typeface="Verdana" panose="020B0604030504040204" pitchFamily="34" charset="0"/>
-              </a:rPr>
-              <a:t>Sebastopol, CA: O'Reilly Media, Inc. (Chapter 1)</a:t>
-            </a:r>
-            <a:endParaRPr lang="en-US" sz="1400" dirty="0">
-              <a:solidFill>
-                <a:schemeClr val="tx1">
-                  <a:lumMod val="65000"/>
-                  <a:lumOff val="35000"/>
-                </a:schemeClr>
-              </a:solidFill>
-              <a:latin typeface="+mj-lt"/>
-              <a:ea typeface="Verdana" panose="020B0604030504040204" pitchFamily="34" charset="0"/>
-            </a:endParaRPr>
-          </a:p>
-        </p:txBody>
-      </p:sp>
-    </p:spTree>
-    <p:extLst>
-      <p:ext uri="{BB962C8B-B14F-4D97-AF65-F5344CB8AC3E}">
-        <p14:creationId xmlns:p14="http://schemas.microsoft.com/office/powerpoint/2010/main" val="146374268"/>
-      </p:ext>
-    </p:extLst>
-  </p:cSld>
-  <p:clrMapOvr>
-    <a:masterClrMapping/>
-  </p:clrMapOvr>
-  <mc:AlternateContent xmlns:mc="http://schemas.openxmlformats.org/markup-compatibility/2006" xmlns:p14="http://schemas.microsoft.com/office/powerpoint/2010/main">
-    <mc:Choice Requires="p14">
-      <p:transition spd="med" p14:dur="700">
-        <p:fade/>
-      </p:transition>
-    </mc:Choice>
-    <mc:Fallback xmlns="">
-      <p:transition spd="med">
-        <p:fade/>
-      </p:transition>
-    </mc:Fallback>
-  </mc:AlternateContent>
-</p:sld>
-</file>
-
 <file path=ppt/slides/slide3.xml><?xml version="1.0" encoding="utf-8"?>
 <p:sld xmlns:a="http://schemas.openxmlformats.org/drawingml/2006/main" xmlns:r="http://schemas.openxmlformats.org/officeDocument/2006/relationships" xmlns:p="http://schemas.openxmlformats.org/presentationml/2006/main">
   <p:cSld>
@@ -10704,6 +10354,36 @@
           <a:xfrm>
             <a:off x="3271837" y="1685925"/>
             <a:ext cx="5648325" cy="3486150"/>
+          </a:xfrm>
+          <a:prstGeom prst="rect">
+            <a:avLst/>
+          </a:prstGeom>
+        </p:spPr>
+      </p:pic>
+      <p:pic>
+        <p:nvPicPr>
+          <p:cNvPr id="6" name="Picture 5">
+            <a:extLst>
+              <a:ext uri="{FF2B5EF4-FFF2-40B4-BE49-F238E27FC236}">
+                <a16:creationId xmlns:a16="http://schemas.microsoft.com/office/drawing/2014/main" id="{6DFB24BA-7D2E-AB5D-3345-EC005E3285EF}"/>
+              </a:ext>
+            </a:extLst>
+          </p:cNvPr>
+          <p:cNvPicPr>
+            <a:picLocks noChangeAspect="1"/>
+          </p:cNvPicPr>
+          <p:nvPr/>
+        </p:nvPicPr>
+        <p:blipFill>
+          <a:blip r:embed="rId4"/>
+          <a:stretch>
+            <a:fillRect/>
+          </a:stretch>
+        </p:blipFill>
+        <p:spPr>
+          <a:xfrm>
+            <a:off x="3214686" y="959377"/>
+            <a:ext cx="5762625" cy="3076575"/>
           </a:xfrm>
           <a:prstGeom prst="rect">
             <a:avLst/>
